--- a/slides.pptx
+++ b/slides.pptx
@@ -5,7 +5,7 @@
     <p:sldMasterId id="2147483648" r:id="rId1"/>
   </p:sldMasterIdLst>
   <p:notesMasterIdLst>
-    <p:notesMasterId r:id="rId20"/>
+    <p:notesMasterId r:id="rId27"/>
   </p:notesMasterIdLst>
   <p:sldIdLst>
     <p:sldId id="256" r:id="rId2"/>
@@ -19,13 +19,20 @@
     <p:sldId id="264" r:id="rId10"/>
     <p:sldId id="267" r:id="rId11"/>
     <p:sldId id="268" r:id="rId12"/>
-    <p:sldId id="269" r:id="rId13"/>
-    <p:sldId id="271" r:id="rId14"/>
-    <p:sldId id="270" r:id="rId15"/>
-    <p:sldId id="273" r:id="rId16"/>
+    <p:sldId id="275" r:id="rId13"/>
+    <p:sldId id="269" r:id="rId14"/>
+    <p:sldId id="271" r:id="rId15"/>
+    <p:sldId id="276" r:id="rId16"/>
     <p:sldId id="265" r:id="rId17"/>
-    <p:sldId id="272" r:id="rId18"/>
-    <p:sldId id="266" r:id="rId19"/>
+    <p:sldId id="278" r:id="rId18"/>
+    <p:sldId id="270" r:id="rId19"/>
+    <p:sldId id="272" r:id="rId20"/>
+    <p:sldId id="266" r:id="rId21"/>
+    <p:sldId id="274" r:id="rId22"/>
+    <p:sldId id="273" r:id="rId23"/>
+    <p:sldId id="279" r:id="rId24"/>
+    <p:sldId id="280" r:id="rId25"/>
+    <p:sldId id="281" r:id="rId26"/>
   </p:sldIdLst>
   <p:sldSz cx="12192000" cy="6858000"/>
   <p:notesSz cx="6858000" cy="9144000"/>
@@ -214,7 +221,7 @@
           <a:p>
             <a:fld id="{50D3EFD1-E012-1B4E-9FBB-EC2F7160D07E}" type="datetimeFigureOut">
               <a:rPr lang="pt-BR" smtClean="0"/>
-              <a:t>25/02/2019</a:t>
+              <a:t>11/03/2019</a:t>
             </a:fld>
             <a:endParaRPr lang="pt-BR"/>
           </a:p>
@@ -1025,7 +1032,91 @@
           <a:p>
             <a:fld id="{C3B86691-7D57-7540-8F73-8808FBCB75E5}" type="slidenum">
               <a:rPr lang="pt-BR" smtClean="0"/>
-              <a:t>18</a:t>
+              <a:t>15</a:t>
+            </a:fld>
+            <a:endParaRPr lang="pt-BR"/>
+          </a:p>
+        </p:txBody>
+      </p:sp>
+    </p:spTree>
+    <p:extLst>
+      <p:ext uri="{BB962C8B-B14F-4D97-AF65-F5344CB8AC3E}">
+        <p14:creationId xmlns:p14="http://schemas.microsoft.com/office/powerpoint/2010/main" val="2590482605"/>
+      </p:ext>
+    </p:extLst>
+  </p:cSld>
+  <p:clrMapOvr>
+    <a:masterClrMapping/>
+  </p:clrMapOvr>
+</p:notes>
+</file>
+
+<file path=ppt/notesSlides/notesSlide8.xml><?xml version="1.0" encoding="utf-8"?>
+<p:notes xmlns:a="http://schemas.openxmlformats.org/drawingml/2006/main" xmlns:r="http://schemas.openxmlformats.org/officeDocument/2006/relationships" xmlns:p="http://schemas.openxmlformats.org/presentationml/2006/main">
+  <p:cSld>
+    <p:spTree>
+      <p:nvGrpSpPr>
+        <p:cNvPr id="1" name=""/>
+        <p:cNvGrpSpPr/>
+        <p:nvPr/>
+      </p:nvGrpSpPr>
+      <p:grpSpPr>
+        <a:xfrm>
+          <a:off x="0" y="0"/>
+          <a:ext cx="0" cy="0"/>
+          <a:chOff x="0" y="0"/>
+          <a:chExt cx="0" cy="0"/>
+        </a:xfrm>
+      </p:grpSpPr>
+      <p:sp>
+        <p:nvSpPr>
+          <p:cNvPr id="2" name="Espaço Reservado para Imagem de Slide 1"/>
+          <p:cNvSpPr>
+            <a:spLocks noGrp="1" noRot="1" noChangeAspect="1"/>
+          </p:cNvSpPr>
+          <p:nvPr>
+            <p:ph type="sldImg"/>
+          </p:nvPr>
+        </p:nvSpPr>
+        <p:spPr/>
+      </p:sp>
+      <p:sp>
+        <p:nvSpPr>
+          <p:cNvPr id="3" name="Espaço Reservado para Anotações 2"/>
+          <p:cNvSpPr>
+            <a:spLocks noGrp="1"/>
+          </p:cNvSpPr>
+          <p:nvPr>
+            <p:ph type="body" idx="1"/>
+          </p:nvPr>
+        </p:nvSpPr>
+        <p:spPr/>
+        <p:txBody>
+          <a:bodyPr/>
+          <a:lstStyle/>
+          <a:p>
+            <a:endParaRPr lang="pt-BR" dirty="0"/>
+          </a:p>
+        </p:txBody>
+      </p:sp>
+      <p:sp>
+        <p:nvSpPr>
+          <p:cNvPr id="4" name="Espaço Reservado para Número de Slide 3"/>
+          <p:cNvSpPr>
+            <a:spLocks noGrp="1"/>
+          </p:cNvSpPr>
+          <p:nvPr>
+            <p:ph type="sldNum" sz="quarter" idx="5"/>
+          </p:nvPr>
+        </p:nvSpPr>
+        <p:spPr/>
+        <p:txBody>
+          <a:bodyPr/>
+          <a:lstStyle/>
+          <a:p>
+            <a:fld id="{C3B86691-7D57-7540-8F73-8808FBCB75E5}" type="slidenum">
+              <a:rPr lang="pt-BR" smtClean="0"/>
+              <a:t>20</a:t>
             </a:fld>
             <a:endParaRPr lang="pt-BR"/>
           </a:p>
@@ -5332,72 +5423,27 @@
         <p:spPr/>
         <p:txBody>
           <a:bodyPr>
-            <a:normAutofit lnSpcReduction="10000"/>
+            <a:normAutofit/>
           </a:bodyPr>
           <a:lstStyle/>
           <a:p>
             <a:r>
               <a:rPr lang="pt-BR" dirty="0"/>
-              <a:t>Extrair os </a:t>
-            </a:r>
-            <a:r>
-              <a:rPr lang="pt-BR" i="1" dirty="0" err="1"/>
-              <a:t>tokens</a:t>
-            </a:r>
-            <a:endParaRPr lang="pt-BR" i="1" dirty="0"/>
-          </a:p>
-          <a:p>
-            <a:r>
-              <a:rPr lang="pt-BR" i="1" dirty="0" err="1"/>
-              <a:t>Tokens</a:t>
-            </a:r>
-            <a:r>
-              <a:rPr lang="pt-BR" i="1" dirty="0"/>
-              <a:t> </a:t>
+              <a:t>Ler o arquivo de entrada e </a:t>
+            </a:r>
+            <a:r>
+              <a:rPr lang="pt-BR" dirty="0" err="1"/>
+              <a:t>escaneia</a:t>
             </a:r>
             <a:r>
               <a:rPr lang="pt-BR" dirty="0"/>
-              <a:t>são um conjunto de caracteres que possui um significado</a:t>
+              <a:t> os caracteres.</a:t>
             </a:r>
           </a:p>
           <a:p>
             <a:r>
               <a:rPr lang="pt-BR" dirty="0"/>
-              <a:t>Podem ser:</a:t>
-            </a:r>
-          </a:p>
-          <a:p>
-            <a:pPr lvl="1"/>
-            <a:r>
-              <a:rPr lang="pt-BR" dirty="0"/>
-              <a:t>identificadores</a:t>
-            </a:r>
-          </a:p>
-          <a:p>
-            <a:pPr lvl="1"/>
-            <a:r>
-              <a:rPr lang="pt-BR" dirty="0"/>
-              <a:t>Constantes</a:t>
-            </a:r>
-          </a:p>
-          <a:p>
-            <a:pPr lvl="1"/>
-            <a:r>
-              <a:rPr lang="pt-BR" dirty="0"/>
-              <a:t>Operadores</a:t>
-            </a:r>
-          </a:p>
-          <a:p>
-            <a:pPr lvl="1"/>
-            <a:r>
-              <a:rPr lang="pt-BR" dirty="0"/>
-              <a:t>Etc.</a:t>
-            </a:r>
-          </a:p>
-          <a:p>
-            <a:r>
-              <a:rPr lang="pt-BR" dirty="0"/>
-              <a:t>Um Lexema é o conjunto de caracteres que forma o </a:t>
+              <a:t>Agrupa-os em Lexemas e produz um </a:t>
             </a:r>
             <a:r>
               <a:rPr lang="pt-BR" i="1" dirty="0" err="1"/>
@@ -5405,31 +5451,19 @@
             </a:r>
             <a:r>
               <a:rPr lang="pt-BR" dirty="0"/>
-              <a:t>.</a:t>
+              <a:t> como saída.</a:t>
             </a:r>
           </a:p>
           <a:p>
             <a:r>
               <a:rPr lang="pt-BR" dirty="0"/>
-              <a:t>Um lexema pode ser composto por um ou mais caracteres</a:t>
+              <a:t>Pode remover espaços e comentários do código-fonte.</a:t>
             </a:r>
           </a:p>
           <a:p>
             <a:r>
               <a:rPr lang="pt-BR" dirty="0"/>
-              <a:t>Um </a:t>
-            </a:r>
-            <a:r>
-              <a:rPr lang="pt-BR" i="1" dirty="0" err="1"/>
-              <a:t>token</a:t>
-            </a:r>
-            <a:r>
-              <a:rPr lang="pt-BR" i="1" dirty="0"/>
-              <a:t> </a:t>
-            </a:r>
-            <a:r>
-              <a:rPr lang="pt-BR" dirty="0"/>
-              <a:t>pode ser composto por mais de um lexema.</a:t>
+              <a:t>Expandir Macros encontradas no código-fonte</a:t>
             </a:r>
           </a:p>
         </p:txBody>
@@ -5556,6 +5590,271 @@
           <p:cNvPr id="2" name="Título 1">
             <a:extLst>
               <a:ext uri="{FF2B5EF4-FFF2-40B4-BE49-F238E27FC236}">
+                <a16:creationId xmlns:a16="http://schemas.microsoft.com/office/drawing/2014/main" id="{663472CD-DC77-F243-85C7-6E940DC207E3}"/>
+              </a:ext>
+            </a:extLst>
+          </p:cNvPr>
+          <p:cNvSpPr>
+            <a:spLocks noGrp="1"/>
+          </p:cNvSpPr>
+          <p:nvPr>
+            <p:ph type="title"/>
+          </p:nvPr>
+        </p:nvSpPr>
+        <p:spPr/>
+        <p:txBody>
+          <a:bodyPr/>
+          <a:lstStyle/>
+          <a:p>
+            <a:r>
+              <a:rPr lang="pt-BR" dirty="0" err="1"/>
+              <a:t>Tokens</a:t>
+            </a:r>
+            <a:r>
+              <a:rPr lang="pt-BR" dirty="0"/>
+              <a:t> e </a:t>
+            </a:r>
+            <a:r>
+              <a:rPr lang="pt-BR" dirty="0" err="1"/>
+              <a:t>Lexamas</a:t>
+            </a:r>
+            <a:endParaRPr lang="pt-BR" dirty="0"/>
+          </a:p>
+        </p:txBody>
+      </p:sp>
+      <p:sp>
+        <p:nvSpPr>
+          <p:cNvPr id="3" name="Espaço Reservado para Conteúdo 2">
+            <a:extLst>
+              <a:ext uri="{FF2B5EF4-FFF2-40B4-BE49-F238E27FC236}">
+                <a16:creationId xmlns:a16="http://schemas.microsoft.com/office/drawing/2014/main" id="{F6A18EAE-600E-3643-8989-610D6B5CEBEC}"/>
+              </a:ext>
+            </a:extLst>
+          </p:cNvPr>
+          <p:cNvSpPr>
+            <a:spLocks noGrp="1"/>
+          </p:cNvSpPr>
+          <p:nvPr>
+            <p:ph idx="1"/>
+          </p:nvPr>
+        </p:nvSpPr>
+        <p:spPr/>
+        <p:txBody>
+          <a:bodyPr/>
+          <a:lstStyle/>
+          <a:p>
+            <a:r>
+              <a:rPr lang="pt-BR" i="1" dirty="0" err="1"/>
+              <a:t>Tokens</a:t>
+            </a:r>
+            <a:r>
+              <a:rPr lang="pt-BR" i="1" dirty="0"/>
+              <a:t> </a:t>
+            </a:r>
+            <a:r>
+              <a:rPr lang="pt-BR" dirty="0"/>
+              <a:t>são um conjunto de caracteres que possui um significado</a:t>
+            </a:r>
+          </a:p>
+          <a:p>
+            <a:r>
+              <a:rPr lang="pt-BR" dirty="0"/>
+              <a:t>Podem ser:</a:t>
+            </a:r>
+          </a:p>
+          <a:p>
+            <a:pPr lvl="1"/>
+            <a:r>
+              <a:rPr lang="pt-BR" dirty="0"/>
+              <a:t>identificadores</a:t>
+            </a:r>
+          </a:p>
+          <a:p>
+            <a:pPr lvl="1"/>
+            <a:r>
+              <a:rPr lang="pt-BR" dirty="0"/>
+              <a:t>Constantes</a:t>
+            </a:r>
+          </a:p>
+          <a:p>
+            <a:pPr lvl="1"/>
+            <a:r>
+              <a:rPr lang="pt-BR" dirty="0"/>
+              <a:t>Operadores</a:t>
+            </a:r>
+          </a:p>
+          <a:p>
+            <a:pPr lvl="1"/>
+            <a:r>
+              <a:rPr lang="pt-BR" dirty="0"/>
+              <a:t>Etc.</a:t>
+            </a:r>
+          </a:p>
+          <a:p>
+            <a:r>
+              <a:rPr lang="pt-BR" dirty="0"/>
+              <a:t>Um Lexema é o conjunto de caracteres que forma o </a:t>
+            </a:r>
+            <a:r>
+              <a:rPr lang="pt-BR" i="1" dirty="0" err="1"/>
+              <a:t>token</a:t>
+            </a:r>
+            <a:r>
+              <a:rPr lang="pt-BR" dirty="0"/>
+              <a:t>.</a:t>
+            </a:r>
+          </a:p>
+          <a:p>
+            <a:r>
+              <a:rPr lang="pt-BR" dirty="0"/>
+              <a:t>Um lexema pode ser composto por um ou mais caracteres</a:t>
+            </a:r>
+          </a:p>
+          <a:p>
+            <a:r>
+              <a:rPr lang="pt-BR" dirty="0"/>
+              <a:t>Um </a:t>
+            </a:r>
+            <a:r>
+              <a:rPr lang="pt-BR" i="1" dirty="0" err="1"/>
+              <a:t>token</a:t>
+            </a:r>
+            <a:r>
+              <a:rPr lang="pt-BR" i="1" dirty="0"/>
+              <a:t> </a:t>
+            </a:r>
+            <a:r>
+              <a:rPr lang="pt-BR" dirty="0"/>
+              <a:t>pode ser composto por mais de um lexema.</a:t>
+            </a:r>
+          </a:p>
+          <a:p>
+            <a:endParaRPr lang="pt-BR" dirty="0"/>
+          </a:p>
+        </p:txBody>
+      </p:sp>
+      <p:sp>
+        <p:nvSpPr>
+          <p:cNvPr id="4" name="Espaço Reservado para Data 3">
+            <a:extLst>
+              <a:ext uri="{FF2B5EF4-FFF2-40B4-BE49-F238E27FC236}">
+                <a16:creationId xmlns:a16="http://schemas.microsoft.com/office/drawing/2014/main" id="{0E431DAC-FBB7-CA46-B33D-D521402CC68D}"/>
+              </a:ext>
+            </a:extLst>
+          </p:cNvPr>
+          <p:cNvSpPr>
+            <a:spLocks noGrp="1"/>
+          </p:cNvSpPr>
+          <p:nvPr>
+            <p:ph type="dt" sz="half" idx="10"/>
+          </p:nvPr>
+        </p:nvSpPr>
+        <p:spPr/>
+        <p:txBody>
+          <a:bodyPr/>
+          <a:lstStyle/>
+          <a:p>
+            <a:r>
+              <a:rPr lang="pt-BR"/>
+              <a:t>Compiladores</a:t>
+            </a:r>
+            <a:endParaRPr lang="pt-BR" dirty="0"/>
+          </a:p>
+        </p:txBody>
+      </p:sp>
+      <p:sp>
+        <p:nvSpPr>
+          <p:cNvPr id="5" name="Espaço Reservado para Rodapé 4">
+            <a:extLst>
+              <a:ext uri="{FF2B5EF4-FFF2-40B4-BE49-F238E27FC236}">
+                <a16:creationId xmlns:a16="http://schemas.microsoft.com/office/drawing/2014/main" id="{C80315FE-BD39-B546-84E1-41C9595D63DB}"/>
+              </a:ext>
+            </a:extLst>
+          </p:cNvPr>
+          <p:cNvSpPr>
+            <a:spLocks noGrp="1"/>
+          </p:cNvSpPr>
+          <p:nvPr>
+            <p:ph type="ftr" sz="quarter" idx="11"/>
+          </p:nvPr>
+        </p:nvSpPr>
+        <p:spPr/>
+        <p:txBody>
+          <a:bodyPr/>
+          <a:lstStyle/>
+          <a:p>
+            <a:r>
+              <a:rPr lang="pt-BR"/>
+              <a:t>Prof. Mathias Santos de Brito</a:t>
+            </a:r>
+            <a:endParaRPr lang="pt-BR" dirty="0"/>
+          </a:p>
+        </p:txBody>
+      </p:sp>
+      <p:sp>
+        <p:nvSpPr>
+          <p:cNvPr id="6" name="Espaço Reservado para Número de Slide 5">
+            <a:extLst>
+              <a:ext uri="{FF2B5EF4-FFF2-40B4-BE49-F238E27FC236}">
+                <a16:creationId xmlns:a16="http://schemas.microsoft.com/office/drawing/2014/main" id="{062B0309-BE8D-484C-B6D7-DBC888C980DE}"/>
+              </a:ext>
+            </a:extLst>
+          </p:cNvPr>
+          <p:cNvSpPr>
+            <a:spLocks noGrp="1"/>
+          </p:cNvSpPr>
+          <p:nvPr>
+            <p:ph type="sldNum" sz="quarter" idx="12"/>
+          </p:nvPr>
+        </p:nvSpPr>
+        <p:spPr/>
+        <p:txBody>
+          <a:bodyPr/>
+          <a:lstStyle/>
+          <a:p>
+            <a:fld id="{BB6592E8-4CB6-CA48-8DDA-14B9D6C8BDBF}" type="slidenum">
+              <a:rPr lang="pt-BR" smtClean="0"/>
+              <a:t>12</a:t>
+            </a:fld>
+            <a:endParaRPr lang="pt-BR"/>
+          </a:p>
+        </p:txBody>
+      </p:sp>
+    </p:spTree>
+    <p:extLst>
+      <p:ext uri="{BB962C8B-B14F-4D97-AF65-F5344CB8AC3E}">
+        <p14:creationId xmlns:p14="http://schemas.microsoft.com/office/powerpoint/2010/main" val="1611750100"/>
+      </p:ext>
+    </p:extLst>
+  </p:cSld>
+  <p:clrMapOvr>
+    <a:masterClrMapping/>
+  </p:clrMapOvr>
+</p:sld>
+</file>
+
+<file path=ppt/slides/slide13.xml><?xml version="1.0" encoding="utf-8"?>
+<p:sld xmlns:a="http://schemas.openxmlformats.org/drawingml/2006/main" xmlns:r="http://schemas.openxmlformats.org/officeDocument/2006/relationships" xmlns:p="http://schemas.openxmlformats.org/presentationml/2006/main">
+  <p:cSld>
+    <p:spTree>
+      <p:nvGrpSpPr>
+        <p:cNvPr id="1" name=""/>
+        <p:cNvGrpSpPr/>
+        <p:nvPr/>
+      </p:nvGrpSpPr>
+      <p:grpSpPr>
+        <a:xfrm>
+          <a:off x="0" y="0"/>
+          <a:ext cx="0" cy="0"/>
+          <a:chOff x="0" y="0"/>
+          <a:chExt cx="0" cy="0"/>
+        </a:xfrm>
+      </p:grpSpPr>
+      <p:sp>
+        <p:nvSpPr>
+          <p:cNvPr id="2" name="Título 1">
+            <a:extLst>
+              <a:ext uri="{FF2B5EF4-FFF2-40B4-BE49-F238E27FC236}">
                 <a16:creationId xmlns:a16="http://schemas.microsoft.com/office/drawing/2014/main" id="{C2C5BF17-6A83-A840-B1D5-CD0E2D60967C}"/>
               </a:ext>
             </a:extLst>
@@ -5670,7 +5969,7 @@
           <a:p>
             <a:fld id="{BB6592E8-4CB6-CA48-8DDA-14B9D6C8BDBF}" type="slidenum">
               <a:rPr lang="pt-BR" smtClean="0"/>
-              <a:t>12</a:t>
+              <a:t>13</a:t>
             </a:fld>
             <a:endParaRPr lang="pt-BR"/>
           </a:p>
@@ -7042,7 +7341,7 @@
 </p:sld>
 </file>
 
-<file path=ppt/slides/slide13.xml><?xml version="1.0" encoding="utf-8"?>
+<file path=ppt/slides/slide14.xml><?xml version="1.0" encoding="utf-8"?>
 <p:sld xmlns:a="http://schemas.openxmlformats.org/drawingml/2006/main" xmlns:r="http://schemas.openxmlformats.org/officeDocument/2006/relationships" xmlns:p="http://schemas.openxmlformats.org/presentationml/2006/main">
   <p:cSld>
     <p:spTree>
@@ -7452,7 +7751,7 @@
           <a:p>
             <a:fld id="{BB6592E8-4CB6-CA48-8DDA-14B9D6C8BDBF}" type="slidenum">
               <a:rPr lang="pt-BR" smtClean="0"/>
-              <a:t>13</a:t>
+              <a:t>14</a:t>
             </a:fld>
             <a:endParaRPr lang="pt-BR"/>
           </a:p>
@@ -7462,279 +7761,6 @@
     <p:extLst>
       <p:ext uri="{BB962C8B-B14F-4D97-AF65-F5344CB8AC3E}">
         <p14:creationId xmlns:p14="http://schemas.microsoft.com/office/powerpoint/2010/main" val="2080070486"/>
-      </p:ext>
-    </p:extLst>
-  </p:cSld>
-  <p:clrMapOvr>
-    <a:masterClrMapping/>
-  </p:clrMapOvr>
-</p:sld>
-</file>
-
-<file path=ppt/slides/slide14.xml><?xml version="1.0" encoding="utf-8"?>
-<p:sld xmlns:a="http://schemas.openxmlformats.org/drawingml/2006/main" xmlns:r="http://schemas.openxmlformats.org/officeDocument/2006/relationships" xmlns:p="http://schemas.openxmlformats.org/presentationml/2006/main">
-  <p:cSld>
-    <p:spTree>
-      <p:nvGrpSpPr>
-        <p:cNvPr id="1" name=""/>
-        <p:cNvGrpSpPr/>
-        <p:nvPr/>
-      </p:nvGrpSpPr>
-      <p:grpSpPr>
-        <a:xfrm>
-          <a:off x="0" y="0"/>
-          <a:ext cx="0" cy="0"/>
-          <a:chOff x="0" y="0"/>
-          <a:chExt cx="0" cy="0"/>
-        </a:xfrm>
-      </p:grpSpPr>
-      <p:sp>
-        <p:nvSpPr>
-          <p:cNvPr id="2" name="Título 1">
-            <a:extLst>
-              <a:ext uri="{FF2B5EF4-FFF2-40B4-BE49-F238E27FC236}">
-                <a16:creationId xmlns:a16="http://schemas.microsoft.com/office/drawing/2014/main" id="{D75DFF7E-4791-5541-A1D0-ABE42402B536}"/>
-              </a:ext>
-            </a:extLst>
-          </p:cNvPr>
-          <p:cNvSpPr>
-            <a:spLocks noGrp="1"/>
-          </p:cNvSpPr>
-          <p:nvPr>
-            <p:ph type="title"/>
-          </p:nvPr>
-        </p:nvSpPr>
-        <p:spPr/>
-        <p:txBody>
-          <a:bodyPr/>
-          <a:lstStyle/>
-          <a:p>
-            <a:r>
-              <a:rPr lang="pt-BR" dirty="0"/>
-              <a:t>Como extrair os </a:t>
-            </a:r>
-            <a:r>
-              <a:rPr lang="pt-BR" i="1" dirty="0" err="1"/>
-              <a:t>tokens</a:t>
-            </a:r>
-            <a:r>
-              <a:rPr lang="pt-BR" dirty="0"/>
-              <a:t>?</a:t>
-            </a:r>
-          </a:p>
-        </p:txBody>
-      </p:sp>
-      <p:sp>
-        <p:nvSpPr>
-          <p:cNvPr id="3" name="Espaço Reservado para Conteúdo 2">
-            <a:extLst>
-              <a:ext uri="{FF2B5EF4-FFF2-40B4-BE49-F238E27FC236}">
-                <a16:creationId xmlns:a16="http://schemas.microsoft.com/office/drawing/2014/main" id="{A6A92580-E6A8-5444-A893-35F14D59B7AA}"/>
-              </a:ext>
-            </a:extLst>
-          </p:cNvPr>
-          <p:cNvSpPr>
-            <a:spLocks noGrp="1"/>
-          </p:cNvSpPr>
-          <p:nvPr>
-            <p:ph idx="1"/>
-          </p:nvPr>
-        </p:nvSpPr>
-        <p:spPr/>
-        <p:txBody>
-          <a:bodyPr>
-            <a:normAutofit fontScale="92500" lnSpcReduction="10000"/>
-          </a:bodyPr>
-          <a:lstStyle/>
-          <a:p>
-            <a:r>
-              <a:rPr lang="pt-BR" dirty="0"/>
-              <a:t>Podemos utilizar expressões regulares para extrair os </a:t>
-            </a:r>
-            <a:r>
-              <a:rPr lang="pt-BR" i="1" dirty="0" err="1"/>
-              <a:t>tokens</a:t>
-            </a:r>
-            <a:r>
-              <a:rPr lang="pt-BR" dirty="0"/>
-              <a:t> de um </a:t>
-            </a:r>
-            <a:r>
-              <a:rPr lang="pt-BR" i="1" dirty="0" err="1"/>
-              <a:t>stream</a:t>
-            </a:r>
-            <a:r>
-              <a:rPr lang="pt-BR" dirty="0"/>
-              <a:t> de caracteres.</a:t>
-            </a:r>
-          </a:p>
-          <a:p>
-            <a:r>
-              <a:rPr lang="pt-BR" dirty="0"/>
-              <a:t>Expressões regulares são extremamente úteis em diversas área da computação e suas aplicações.</a:t>
-            </a:r>
-          </a:p>
-          <a:p>
-            <a:pPr lvl="1"/>
-            <a:r>
-              <a:rPr lang="pt-BR" dirty="0"/>
-              <a:t>Administração de Redes</a:t>
-            </a:r>
-          </a:p>
-          <a:p>
-            <a:pPr lvl="1"/>
-            <a:r>
-              <a:rPr lang="pt-BR" dirty="0"/>
-              <a:t>Análise de Dados</a:t>
-            </a:r>
-          </a:p>
-          <a:p>
-            <a:pPr lvl="1"/>
-            <a:r>
-              <a:rPr lang="pt-BR" dirty="0"/>
-              <a:t>Etc...</a:t>
-            </a:r>
-          </a:p>
-          <a:p>
-            <a:r>
-              <a:rPr lang="pt-BR" dirty="0"/>
-              <a:t>Diversas ferramentas usam expressões regulares e muitas linguagens oferecem bibliotecas para processar </a:t>
-            </a:r>
-            <a:r>
-              <a:rPr lang="pt-BR" i="1" dirty="0" err="1"/>
-              <a:t>strings</a:t>
-            </a:r>
-            <a:r>
-              <a:rPr lang="pt-BR" dirty="0"/>
-              <a:t> usando expressões regulares.</a:t>
-            </a:r>
-          </a:p>
-          <a:p>
-            <a:pPr lvl="1"/>
-            <a:r>
-              <a:rPr lang="pt-BR" dirty="0" err="1"/>
-              <a:t>sed</a:t>
-            </a:r>
-            <a:r>
-              <a:rPr lang="pt-BR" dirty="0"/>
-              <a:t>, </a:t>
-            </a:r>
-            <a:r>
-              <a:rPr lang="pt-BR" dirty="0" err="1"/>
-              <a:t>awk</a:t>
-            </a:r>
-            <a:r>
-              <a:rPr lang="pt-BR" dirty="0"/>
-              <a:t>, </a:t>
-            </a:r>
-            <a:r>
-              <a:rPr lang="pt-BR" dirty="0" err="1"/>
-              <a:t>perl</a:t>
-            </a:r>
-            <a:endParaRPr lang="pt-BR" dirty="0"/>
-          </a:p>
-          <a:p>
-            <a:r>
-              <a:rPr lang="pt-BR" dirty="0"/>
-              <a:t>Um problema potencial  são as diferentes sintaxes para representar uma Expressão Regular.</a:t>
-            </a:r>
-          </a:p>
-          <a:p>
-            <a:endParaRPr lang="pt-BR" dirty="0"/>
-          </a:p>
-        </p:txBody>
-      </p:sp>
-      <p:sp>
-        <p:nvSpPr>
-          <p:cNvPr id="4" name="Espaço Reservado para Data 3">
-            <a:extLst>
-              <a:ext uri="{FF2B5EF4-FFF2-40B4-BE49-F238E27FC236}">
-                <a16:creationId xmlns:a16="http://schemas.microsoft.com/office/drawing/2014/main" id="{B3864675-D49F-1845-906C-2FB581FCEB56}"/>
-              </a:ext>
-            </a:extLst>
-          </p:cNvPr>
-          <p:cNvSpPr>
-            <a:spLocks noGrp="1"/>
-          </p:cNvSpPr>
-          <p:nvPr>
-            <p:ph type="dt" sz="half" idx="10"/>
-          </p:nvPr>
-        </p:nvSpPr>
-        <p:spPr/>
-        <p:txBody>
-          <a:bodyPr/>
-          <a:lstStyle/>
-          <a:p>
-            <a:r>
-              <a:rPr lang="pt-BR"/>
-              <a:t>Compiladores</a:t>
-            </a:r>
-            <a:endParaRPr lang="pt-BR" dirty="0"/>
-          </a:p>
-        </p:txBody>
-      </p:sp>
-      <p:sp>
-        <p:nvSpPr>
-          <p:cNvPr id="5" name="Espaço Reservado para Rodapé 4">
-            <a:extLst>
-              <a:ext uri="{FF2B5EF4-FFF2-40B4-BE49-F238E27FC236}">
-                <a16:creationId xmlns:a16="http://schemas.microsoft.com/office/drawing/2014/main" id="{F052B022-AD13-C444-8AA9-38A5EE5E036A}"/>
-              </a:ext>
-            </a:extLst>
-          </p:cNvPr>
-          <p:cNvSpPr>
-            <a:spLocks noGrp="1"/>
-          </p:cNvSpPr>
-          <p:nvPr>
-            <p:ph type="ftr" sz="quarter" idx="11"/>
-          </p:nvPr>
-        </p:nvSpPr>
-        <p:spPr/>
-        <p:txBody>
-          <a:bodyPr/>
-          <a:lstStyle/>
-          <a:p>
-            <a:r>
-              <a:rPr lang="pt-BR"/>
-              <a:t>Prof. Mathias Santos de Brito</a:t>
-            </a:r>
-            <a:endParaRPr lang="pt-BR" dirty="0"/>
-          </a:p>
-        </p:txBody>
-      </p:sp>
-      <p:sp>
-        <p:nvSpPr>
-          <p:cNvPr id="6" name="Espaço Reservado para Número de Slide 5">
-            <a:extLst>
-              <a:ext uri="{FF2B5EF4-FFF2-40B4-BE49-F238E27FC236}">
-                <a16:creationId xmlns:a16="http://schemas.microsoft.com/office/drawing/2014/main" id="{9DF9D360-8564-D242-A0C7-4B9CCCE051FC}"/>
-              </a:ext>
-            </a:extLst>
-          </p:cNvPr>
-          <p:cNvSpPr>
-            <a:spLocks noGrp="1"/>
-          </p:cNvSpPr>
-          <p:nvPr>
-            <p:ph type="sldNum" sz="quarter" idx="12"/>
-          </p:nvPr>
-        </p:nvSpPr>
-        <p:spPr/>
-        <p:txBody>
-          <a:bodyPr/>
-          <a:lstStyle/>
-          <a:p>
-            <a:fld id="{BB6592E8-4CB6-CA48-8DDA-14B9D6C8BDBF}" type="slidenum">
-              <a:rPr lang="pt-BR" smtClean="0"/>
-              <a:t>14</a:t>
-            </a:fld>
-            <a:endParaRPr lang="pt-BR"/>
-          </a:p>
-        </p:txBody>
-      </p:sp>
-    </p:spTree>
-    <p:extLst>
-      <p:ext uri="{BB962C8B-B14F-4D97-AF65-F5344CB8AC3E}">
-        <p14:creationId xmlns:p14="http://schemas.microsoft.com/office/powerpoint/2010/main" val="2789849420"/>
       </p:ext>
     </p:extLst>
   </p:cSld>
@@ -7763,10 +7789,10 @@
       </p:grpSpPr>
       <p:sp>
         <p:nvSpPr>
-          <p:cNvPr id="9" name="Título 8">
-            <a:extLst>
-              <a:ext uri="{FF2B5EF4-FFF2-40B4-BE49-F238E27FC236}">
-                <a16:creationId xmlns:a16="http://schemas.microsoft.com/office/drawing/2014/main" id="{F8688819-746B-2549-8FF9-B16CECF0A4F6}"/>
+          <p:cNvPr id="2" name="Título 1">
+            <a:extLst>
+              <a:ext uri="{FF2B5EF4-FFF2-40B4-BE49-F238E27FC236}">
+                <a16:creationId xmlns:a16="http://schemas.microsoft.com/office/drawing/2014/main" id="{E0CF5528-3B70-D54E-8EBC-C99411338E30}"/>
               </a:ext>
             </a:extLst>
           </p:cNvPr>
@@ -7784,37 +7810,160 @@
           <a:p>
             <a:r>
               <a:rPr lang="pt-BR" dirty="0"/>
-              <a:t>Linguagens Regulares</a:t>
-            </a:r>
-          </a:p>
-        </p:txBody>
-      </p:sp>
-      <p:sp>
-        <p:nvSpPr>
-          <p:cNvPr id="10" name="Espaço Reservado para Texto 9">
-            <a:extLst>
-              <a:ext uri="{FF2B5EF4-FFF2-40B4-BE49-F238E27FC236}">
-                <a16:creationId xmlns:a16="http://schemas.microsoft.com/office/drawing/2014/main" id="{EFAC1510-A6C3-FE44-A8A8-DD3B1E134631}"/>
-              </a:ext>
-            </a:extLst>
-          </p:cNvPr>
-          <p:cNvSpPr>
-            <a:spLocks noGrp="1"/>
-          </p:cNvSpPr>
-          <p:nvPr>
-            <p:ph type="body" idx="1"/>
-          </p:nvPr>
-        </p:nvSpPr>
-        <p:spPr/>
-        <p:txBody>
-          <a:bodyPr/>
-          <a:lstStyle/>
-          <a:p>
-            <a:pPr algn="r"/>
+              <a:t>Problemas Durante o Processo</a:t>
+            </a:r>
+          </a:p>
+        </p:txBody>
+      </p:sp>
+      <p:sp>
+        <p:nvSpPr>
+          <p:cNvPr id="3" name="Espaço Reservado para Conteúdo 2">
+            <a:extLst>
+              <a:ext uri="{FF2B5EF4-FFF2-40B4-BE49-F238E27FC236}">
+                <a16:creationId xmlns:a16="http://schemas.microsoft.com/office/drawing/2014/main" id="{41A5C70F-E12D-9348-B5C9-1A8AC75E692E}"/>
+              </a:ext>
+            </a:extLst>
+          </p:cNvPr>
+          <p:cNvSpPr>
+            <a:spLocks noGrp="1"/>
+          </p:cNvSpPr>
+          <p:nvPr>
+            <p:ph idx="1"/>
+          </p:nvPr>
+        </p:nvSpPr>
+        <p:spPr/>
+        <p:txBody>
+          <a:bodyPr/>
+          <a:lstStyle/>
+          <a:p>
             <a:r>
               <a:rPr lang="pt-BR" dirty="0"/>
-              <a:t>Revisão</a:t>
-            </a:r>
+              <a:t>Ambiguidades – Quando definimos a nossa linguagem podemos ter que lidar com ambiguidades do gênero:</a:t>
+            </a:r>
+          </a:p>
+          <a:p>
+            <a:pPr lvl="1"/>
+            <a:r>
+              <a:rPr lang="pt-BR" dirty="0"/>
+              <a:t>Exemplos: </a:t>
+            </a:r>
+          </a:p>
+          <a:p>
+            <a:pPr lvl="2"/>
+            <a:r>
+              <a:rPr lang="pt-BR" sz="1800" dirty="0" err="1">
+                <a:solidFill>
+                  <a:srgbClr val="FFFFB6"/>
+                </a:solidFill>
+                <a:latin typeface="Helvetica" pitchFamily="2" charset="0"/>
+              </a:rPr>
+              <a:t>int</a:t>
+            </a:r>
+            <a:r>
+              <a:rPr lang="pt-BR" dirty="0"/>
+              <a:t>  </a:t>
+            </a:r>
+            <a:r>
+              <a:rPr lang="pt-BR" dirty="0" err="1"/>
+              <a:t>vs</a:t>
+            </a:r>
+            <a:r>
+              <a:rPr lang="pt-BR" dirty="0"/>
+              <a:t>  </a:t>
+            </a:r>
+            <a:r>
+              <a:rPr lang="pt-BR" sz="1800" dirty="0" err="1">
+                <a:solidFill>
+                  <a:srgbClr val="FFFFB6"/>
+                </a:solidFill>
+                <a:latin typeface="Helvetica" pitchFamily="2" charset="0"/>
+              </a:rPr>
+              <a:t>print</a:t>
+            </a:r>
+            <a:endParaRPr lang="pt-BR" sz="1800" dirty="0">
+              <a:solidFill>
+                <a:srgbClr val="FFFFB6"/>
+              </a:solidFill>
+              <a:latin typeface="Helvetica" pitchFamily="2" charset="0"/>
+            </a:endParaRPr>
+          </a:p>
+          <a:p>
+            <a:pPr lvl="2"/>
+            <a:r>
+              <a:rPr lang="pt-BR" sz="1800" dirty="0">
+                <a:solidFill>
+                  <a:srgbClr val="EDEDED"/>
+                </a:solidFill>
+                <a:latin typeface="Helvetica" pitchFamily="2" charset="0"/>
+              </a:rPr>
+              <a:t>&gt;</a:t>
+            </a:r>
+            <a:r>
+              <a:rPr lang="pt-BR" dirty="0"/>
+              <a:t>    </a:t>
+            </a:r>
+            <a:r>
+              <a:rPr lang="pt-BR" dirty="0" err="1"/>
+              <a:t>vs</a:t>
+            </a:r>
+            <a:r>
+              <a:rPr lang="pt-BR" dirty="0"/>
+              <a:t>   </a:t>
+            </a:r>
+            <a:r>
+              <a:rPr lang="pt-BR" sz="1800" dirty="0">
+                <a:solidFill>
+                  <a:srgbClr val="EDEDED"/>
+                </a:solidFill>
+                <a:latin typeface="Helvetica" pitchFamily="2" charset="0"/>
+              </a:rPr>
+              <a:t>&gt;=</a:t>
+            </a:r>
+          </a:p>
+          <a:p>
+            <a:endParaRPr lang="pt-BR" dirty="0"/>
+          </a:p>
+          <a:p>
+            <a:r>
+              <a:rPr lang="pt-BR" dirty="0" err="1"/>
+              <a:t>Lookahead</a:t>
+            </a:r>
+            <a:endParaRPr lang="pt-BR" dirty="0"/>
+          </a:p>
+          <a:p>
+            <a:pPr lvl="1"/>
+            <a:r>
+              <a:rPr lang="pt-BR" dirty="0"/>
+              <a:t>É o nome da técnica usada para identificar se a leitura do </a:t>
+            </a:r>
+            <a:r>
+              <a:rPr lang="pt-BR" i="1" dirty="0" err="1"/>
+              <a:t>token</a:t>
+            </a:r>
+            <a:r>
+              <a:rPr lang="pt-BR" dirty="0"/>
+              <a:t> atual encerrou baseado na leitura de caracteres seguintes, definindo assim o termino do </a:t>
+            </a:r>
+            <a:r>
+              <a:rPr lang="pt-BR" i="1" dirty="0" err="1"/>
+              <a:t>token</a:t>
+            </a:r>
+            <a:r>
+              <a:rPr lang="pt-BR" dirty="0"/>
+              <a:t> atual bem como o início do próximo </a:t>
+            </a:r>
+            <a:r>
+              <a:rPr lang="pt-BR" i="1" dirty="0" err="1"/>
+              <a:t>token</a:t>
+            </a:r>
+            <a:r>
+              <a:rPr lang="pt-BR" dirty="0"/>
+              <a:t>.</a:t>
+            </a:r>
+          </a:p>
+          <a:p>
+            <a:pPr lvl="1"/>
+            <a:endParaRPr lang="pt-BR" dirty="0"/>
           </a:p>
         </p:txBody>
       </p:sp>
@@ -7823,7 +7972,7 @@
           <p:cNvPr id="4" name="Espaço Reservado para Data 3">
             <a:extLst>
               <a:ext uri="{FF2B5EF4-FFF2-40B4-BE49-F238E27FC236}">
-                <a16:creationId xmlns:a16="http://schemas.microsoft.com/office/drawing/2014/main" id="{7C548827-3A1A-4C47-B267-420D7B625134}"/>
+                <a16:creationId xmlns:a16="http://schemas.microsoft.com/office/drawing/2014/main" id="{94B987FB-2F69-F240-9CB9-CB06174F6407}"/>
               </a:ext>
             </a:extLst>
           </p:cNvPr>
@@ -7852,7 +8001,7 @@
           <p:cNvPr id="5" name="Espaço Reservado para Rodapé 4">
             <a:extLst>
               <a:ext uri="{FF2B5EF4-FFF2-40B4-BE49-F238E27FC236}">
-                <a16:creationId xmlns:a16="http://schemas.microsoft.com/office/drawing/2014/main" id="{6CD3608A-0432-0843-8B5D-E910DFEB79F9}"/>
+                <a16:creationId xmlns:a16="http://schemas.microsoft.com/office/drawing/2014/main" id="{D44AF75B-383F-CF46-B020-279CB3B452A9}"/>
               </a:ext>
             </a:extLst>
           </p:cNvPr>
@@ -7881,7 +8030,7 @@
           <p:cNvPr id="6" name="Espaço Reservado para Número de Slide 5">
             <a:extLst>
               <a:ext uri="{FF2B5EF4-FFF2-40B4-BE49-F238E27FC236}">
-                <a16:creationId xmlns:a16="http://schemas.microsoft.com/office/drawing/2014/main" id="{928FC0FE-4135-5940-AD3F-B335D0C17A80}"/>
+                <a16:creationId xmlns:a16="http://schemas.microsoft.com/office/drawing/2014/main" id="{A3BF43F9-F725-7349-91A2-EF5E05E578B5}"/>
               </a:ext>
             </a:extLst>
           </p:cNvPr>
@@ -7908,7 +8057,7 @@
     </p:spTree>
     <p:extLst>
       <p:ext uri="{BB962C8B-B14F-4D97-AF65-F5344CB8AC3E}">
-        <p14:creationId xmlns:p14="http://schemas.microsoft.com/office/powerpoint/2010/main" val="1757913549"/>
+        <p14:creationId xmlns:p14="http://schemas.microsoft.com/office/powerpoint/2010/main" val="1857551279"/>
       </p:ext>
     </p:extLst>
   </p:cSld>
@@ -8074,6 +8223,41 @@
               <a:t>16</a:t>
             </a:fld>
             <a:endParaRPr lang="pt-BR"/>
+          </a:p>
+        </p:txBody>
+      </p:sp>
+      <p:sp>
+        <p:nvSpPr>
+          <p:cNvPr id="2" name="CaixaDeTexto 1">
+            <a:extLst>
+              <a:ext uri="{FF2B5EF4-FFF2-40B4-BE49-F238E27FC236}">
+                <a16:creationId xmlns:a16="http://schemas.microsoft.com/office/drawing/2014/main" id="{CA18AB7E-74E0-2547-B863-5848E69F82D8}"/>
+              </a:ext>
+            </a:extLst>
+          </p:cNvPr>
+          <p:cNvSpPr txBox="1"/>
+          <p:nvPr/>
+        </p:nvSpPr>
+        <p:spPr>
+          <a:xfrm>
+            <a:off x="188386" y="183568"/>
+            <a:ext cx="4396396" cy="584775"/>
+          </a:xfrm>
+          <a:prstGeom prst="rect">
+            <a:avLst/>
+          </a:prstGeom>
+          <a:noFill/>
+        </p:spPr>
+        <p:txBody>
+          <a:bodyPr wrap="none" rtlCol="0">
+            <a:spAutoFit/>
+          </a:bodyPr>
+          <a:lstStyle/>
+          <a:p>
+            <a:r>
+              <a:rPr lang="pt-BR" sz="3200" dirty="0"/>
+              <a:t>Antes da teoria... Prática!</a:t>
+            </a:r>
           </a:p>
         </p:txBody>
       </p:sp>
@@ -8109,10 +8293,10 @@
       </p:grpSpPr>
       <p:sp>
         <p:nvSpPr>
-          <p:cNvPr id="4" name="Título 3">
-            <a:extLst>
-              <a:ext uri="{FF2B5EF4-FFF2-40B4-BE49-F238E27FC236}">
-                <a16:creationId xmlns:a16="http://schemas.microsoft.com/office/drawing/2014/main" id="{BC5B4F1A-9D11-884A-A367-B8C8E453B342}"/>
+          <p:cNvPr id="9" name="Título 8">
+            <a:extLst>
+              <a:ext uri="{FF2B5EF4-FFF2-40B4-BE49-F238E27FC236}">
+                <a16:creationId xmlns:a16="http://schemas.microsoft.com/office/drawing/2014/main" id="{B26A381D-1FE2-F344-BCCF-9A4D8C5A3BBD}"/>
               </a:ext>
             </a:extLst>
           </p:cNvPr>
@@ -8130,51 +8314,54 @@
           <a:p>
             <a:r>
               <a:rPr lang="pt-BR" dirty="0"/>
-              <a:t>Brincando com o </a:t>
-            </a:r>
-            <a:r>
-              <a:rPr lang="pt-BR" dirty="0" err="1"/>
-              <a:t>Awk</a:t>
-            </a:r>
+              <a:t>Antes da Teoria... Prática!</a:t>
+            </a:r>
+          </a:p>
+        </p:txBody>
+      </p:sp>
+      <p:sp>
+        <p:nvSpPr>
+          <p:cNvPr id="10" name="Espaço Reservado para Conteúdo 9">
+            <a:extLst>
+              <a:ext uri="{FF2B5EF4-FFF2-40B4-BE49-F238E27FC236}">
+                <a16:creationId xmlns:a16="http://schemas.microsoft.com/office/drawing/2014/main" id="{D36A723C-FBE6-974F-8A02-216B5F6309A2}"/>
+              </a:ext>
+            </a:extLst>
+          </p:cNvPr>
+          <p:cNvSpPr>
+            <a:spLocks noGrp="1"/>
+          </p:cNvSpPr>
+          <p:nvPr>
+            <p:ph idx="1"/>
+          </p:nvPr>
+        </p:nvSpPr>
+        <p:spPr/>
+        <p:txBody>
+          <a:bodyPr/>
+          <a:lstStyle/>
+          <a:p>
+            <a:r>
+              <a:rPr lang="pt-BR" dirty="0"/>
+              <a:t>Antes de mergulhar nos detalhes das expressões regulares e suas formalidades, vamos brincar com uma ferramenta que usa expressões regulares.</a:t>
+            </a:r>
+          </a:p>
+          <a:p>
             <a:endParaRPr lang="pt-BR" dirty="0"/>
           </a:p>
-        </p:txBody>
-      </p:sp>
-      <p:sp>
-        <p:nvSpPr>
-          <p:cNvPr id="5" name="Espaço Reservado para Texto 4">
-            <a:extLst>
-              <a:ext uri="{FF2B5EF4-FFF2-40B4-BE49-F238E27FC236}">
-                <a16:creationId xmlns:a16="http://schemas.microsoft.com/office/drawing/2014/main" id="{FC402B4D-8022-DE41-A30A-34EEDFDE3039}"/>
-              </a:ext>
-            </a:extLst>
-          </p:cNvPr>
-          <p:cNvSpPr>
-            <a:spLocks noGrp="1"/>
-          </p:cNvSpPr>
-          <p:nvPr>
-            <p:ph type="body" idx="1"/>
-          </p:nvPr>
-        </p:nvSpPr>
-        <p:spPr/>
-        <p:txBody>
-          <a:bodyPr/>
-          <a:lstStyle/>
-          <a:p>
-            <a:pPr algn="r"/>
-            <a:r>
-              <a:rPr lang="pt-BR" i="1" dirty="0"/>
-              <a:t>Análise Léxica</a:t>
-            </a:r>
-          </a:p>
-        </p:txBody>
-      </p:sp>
-      <p:sp>
-        <p:nvSpPr>
-          <p:cNvPr id="6" name="Espaço Reservado para Data 5">
-            <a:extLst>
-              <a:ext uri="{FF2B5EF4-FFF2-40B4-BE49-F238E27FC236}">
-                <a16:creationId xmlns:a16="http://schemas.microsoft.com/office/drawing/2014/main" id="{0862D101-ECD5-BB46-8DAE-A89AD7C1AF97}"/>
+          <a:p>
+            <a:r>
+              <a:rPr lang="pt-BR" dirty="0"/>
+              <a:t>Vamos fazer alguns exercícios e entender como as expressões regulares funcionam na prática.</a:t>
+            </a:r>
+          </a:p>
+        </p:txBody>
+      </p:sp>
+      <p:sp>
+        <p:nvSpPr>
+          <p:cNvPr id="4" name="Espaço Reservado para Data 3">
+            <a:extLst>
+              <a:ext uri="{FF2B5EF4-FFF2-40B4-BE49-F238E27FC236}">
+                <a16:creationId xmlns:a16="http://schemas.microsoft.com/office/drawing/2014/main" id="{9D3424C9-4A06-7742-BACC-F210B1E339CA}"/>
               </a:ext>
             </a:extLst>
           </p:cNvPr>
@@ -8199,10 +8386,10 @@
       </p:sp>
       <p:sp>
         <p:nvSpPr>
-          <p:cNvPr id="7" name="Espaço Reservado para Rodapé 6">
-            <a:extLst>
-              <a:ext uri="{FF2B5EF4-FFF2-40B4-BE49-F238E27FC236}">
-                <a16:creationId xmlns:a16="http://schemas.microsoft.com/office/drawing/2014/main" id="{AE70A418-72DE-5B43-9342-28253C40BE29}"/>
+          <p:cNvPr id="5" name="Espaço Reservado para Rodapé 4">
+            <a:extLst>
+              <a:ext uri="{FF2B5EF4-FFF2-40B4-BE49-F238E27FC236}">
+                <a16:creationId xmlns:a16="http://schemas.microsoft.com/office/drawing/2014/main" id="{B932A058-167F-F348-8316-781F3ADA9909}"/>
               </a:ext>
             </a:extLst>
           </p:cNvPr>
@@ -8227,10 +8414,10 @@
       </p:sp>
       <p:sp>
         <p:nvSpPr>
-          <p:cNvPr id="8" name="Espaço Reservado para Número de Slide 7">
-            <a:extLst>
-              <a:ext uri="{FF2B5EF4-FFF2-40B4-BE49-F238E27FC236}">
-                <a16:creationId xmlns:a16="http://schemas.microsoft.com/office/drawing/2014/main" id="{53394976-C3EF-FF40-9A8F-E51379E10188}"/>
+          <p:cNvPr id="6" name="Espaço Reservado para Número de Slide 5">
+            <a:extLst>
+              <a:ext uri="{FF2B5EF4-FFF2-40B4-BE49-F238E27FC236}">
+                <a16:creationId xmlns:a16="http://schemas.microsoft.com/office/drawing/2014/main" id="{10D7F21B-31C8-AF44-A6CE-293655FB66CD}"/>
               </a:ext>
             </a:extLst>
           </p:cNvPr>
@@ -8257,7 +8444,7 @@
     </p:spTree>
     <p:extLst>
       <p:ext uri="{BB962C8B-B14F-4D97-AF65-F5344CB8AC3E}">
-        <p14:creationId xmlns:p14="http://schemas.microsoft.com/office/powerpoint/2010/main" val="424433137"/>
+        <p14:creationId xmlns:p14="http://schemas.microsoft.com/office/powerpoint/2010/main" val="1310551829"/>
       </p:ext>
     </p:extLst>
   </p:cSld>
@@ -8286,168 +8473,153 @@
       </p:grpSpPr>
       <p:sp>
         <p:nvSpPr>
-          <p:cNvPr id="5" name="Espaço Reservado para Conteúdo 4">
-            <a:extLst>
-              <a:ext uri="{FF2B5EF4-FFF2-40B4-BE49-F238E27FC236}">
-                <a16:creationId xmlns:a16="http://schemas.microsoft.com/office/drawing/2014/main" id="{6448450A-B10D-A543-8EFD-23B16465EAE3}"/>
-              </a:ext>
-            </a:extLst>
-          </p:cNvPr>
-          <p:cNvSpPr>
-            <a:spLocks noGrp="1"/>
-          </p:cNvSpPr>
-          <p:nvPr>
-            <p:ph sz="half" idx="1"/>
-          </p:nvPr>
-        </p:nvSpPr>
-        <p:spPr/>
-        <p:txBody>
-          <a:bodyPr/>
-          <a:lstStyle/>
-          <a:p>
-            <a:r>
-              <a:rPr lang="en" dirty="0"/>
-              <a:t>^ </a:t>
-            </a:r>
+          <p:cNvPr id="2" name="Título 1">
+            <a:extLst>
+              <a:ext uri="{FF2B5EF4-FFF2-40B4-BE49-F238E27FC236}">
+                <a16:creationId xmlns:a16="http://schemas.microsoft.com/office/drawing/2014/main" id="{D75DFF7E-4791-5541-A1D0-ABE42402B536}"/>
+              </a:ext>
+            </a:extLst>
+          </p:cNvPr>
+          <p:cNvSpPr>
+            <a:spLocks noGrp="1"/>
+          </p:cNvSpPr>
+          <p:nvPr>
+            <p:ph type="title"/>
+          </p:nvPr>
+        </p:nvSpPr>
+        <p:spPr/>
+        <p:txBody>
+          <a:bodyPr/>
+          <a:lstStyle/>
+          <a:p>
             <a:r>
               <a:rPr lang="pt-BR" dirty="0"/>
-              <a:t>caractere</a:t>
-            </a:r>
-            <a:r>
-              <a:rPr lang="en" dirty="0"/>
-              <a:t> no </a:t>
-            </a:r>
-            <a:r>
-              <a:rPr lang="en" dirty="0" err="1"/>
-              <a:t>começo</a:t>
-            </a:r>
-            <a:r>
-              <a:rPr lang="en" dirty="0"/>
-              <a:t> do string.</a:t>
-            </a:r>
-          </a:p>
-          <a:p>
+              <a:t>Como extrair os </a:t>
+            </a:r>
+            <a:r>
+              <a:rPr lang="pt-BR" i="1" dirty="0" err="1"/>
+              <a:t>tokens</a:t>
+            </a:r>
             <a:r>
               <a:rPr lang="pt-BR" dirty="0"/>
-              <a:t>$ caractere no final do </a:t>
-            </a:r>
+              <a:t>?</a:t>
+            </a:r>
+          </a:p>
+        </p:txBody>
+      </p:sp>
+      <p:sp>
+        <p:nvSpPr>
+          <p:cNvPr id="3" name="Espaço Reservado para Conteúdo 2">
+            <a:extLst>
+              <a:ext uri="{FF2B5EF4-FFF2-40B4-BE49-F238E27FC236}">
+                <a16:creationId xmlns:a16="http://schemas.microsoft.com/office/drawing/2014/main" id="{A6A92580-E6A8-5444-A893-35F14D59B7AA}"/>
+              </a:ext>
+            </a:extLst>
+          </p:cNvPr>
+          <p:cNvSpPr>
+            <a:spLocks noGrp="1"/>
+          </p:cNvSpPr>
+          <p:nvPr>
+            <p:ph idx="1"/>
+          </p:nvPr>
+        </p:nvSpPr>
+        <p:spPr/>
+        <p:txBody>
+          <a:bodyPr>
+            <a:normAutofit fontScale="92500" lnSpcReduction="10000"/>
+          </a:bodyPr>
+          <a:lstStyle/>
+          <a:p>
+            <a:r>
+              <a:rPr lang="pt-BR" dirty="0"/>
+              <a:t>Podemos utilizar expressões regulares para extrair os </a:t>
+            </a:r>
+            <a:r>
+              <a:rPr lang="pt-BR" i="1" dirty="0" err="1"/>
+              <a:t>tokens</a:t>
+            </a:r>
+            <a:r>
+              <a:rPr lang="pt-BR" dirty="0"/>
+              <a:t> de um </a:t>
+            </a:r>
+            <a:r>
+              <a:rPr lang="pt-BR" i="1" dirty="0" err="1"/>
+              <a:t>stream</a:t>
+            </a:r>
+            <a:r>
+              <a:rPr lang="pt-BR" dirty="0"/>
+              <a:t> de caracteres.</a:t>
+            </a:r>
+          </a:p>
+          <a:p>
+            <a:r>
+              <a:rPr lang="pt-BR" dirty="0"/>
+              <a:t>Expressões regulares são extremamente úteis em diversas área da computação e suas aplicações.</a:t>
+            </a:r>
+          </a:p>
+          <a:p>
+            <a:pPr lvl="1"/>
+            <a:r>
+              <a:rPr lang="pt-BR" dirty="0"/>
+              <a:t>Administração de Redes</a:t>
+            </a:r>
+          </a:p>
+          <a:p>
+            <a:pPr lvl="1"/>
+            <a:r>
+              <a:rPr lang="pt-BR" dirty="0"/>
+              <a:t>Análise de Dados</a:t>
+            </a:r>
+          </a:p>
+          <a:p>
+            <a:pPr lvl="1"/>
+            <a:r>
+              <a:rPr lang="pt-BR" dirty="0"/>
+              <a:t>Etc...</a:t>
+            </a:r>
+          </a:p>
+          <a:p>
+            <a:r>
+              <a:rPr lang="pt-BR" dirty="0"/>
+              <a:t>Diversas ferramentas usam expressões regulares e muitas linguagens oferecem bibliotecas para processar </a:t>
+            </a:r>
+            <a:r>
+              <a:rPr lang="pt-BR" i="1" dirty="0" err="1"/>
+              <a:t>strings</a:t>
+            </a:r>
+            <a:r>
+              <a:rPr lang="pt-BR" dirty="0"/>
+              <a:t> usando expressões regulares.</a:t>
+            </a:r>
+          </a:p>
+          <a:p>
+            <a:pPr lvl="1"/>
             <a:r>
               <a:rPr lang="pt-BR" dirty="0" err="1"/>
-              <a:t>string</a:t>
+              <a:t>sed</a:t>
+            </a:r>
+            <a:r>
+              <a:rPr lang="pt-BR" dirty="0"/>
+              <a:t>, </a:t>
+            </a:r>
+            <a:r>
+              <a:rPr lang="pt-BR" dirty="0" err="1"/>
+              <a:t>awk</a:t>
+            </a:r>
+            <a:r>
+              <a:rPr lang="pt-BR" dirty="0"/>
+              <a:t>, </a:t>
+            </a:r>
+            <a:r>
+              <a:rPr lang="pt-BR" dirty="0" err="1"/>
+              <a:t>perl</a:t>
             </a:r>
             <a:endParaRPr lang="pt-BR" dirty="0"/>
           </a:p>
           <a:p>
             <a:r>
               <a:rPr lang="pt-BR" dirty="0"/>
-              <a:t>. Qualquer caractere simples incluindo nova linha</a:t>
-            </a:r>
-          </a:p>
-          <a:p>
-            <a:r>
-              <a:rPr lang="pt-BR" dirty="0"/>
-              <a:t>[...] Lista de caracteres podendo usar intervalos como </a:t>
-            </a:r>
-            <a:r>
-              <a:rPr lang="pt-BR" dirty="0" err="1"/>
-              <a:t>a-z</a:t>
-            </a:r>
-            <a:r>
-              <a:rPr lang="pt-BR" dirty="0"/>
-              <a:t>, A-Z, 0-9</a:t>
-            </a:r>
-          </a:p>
-          <a:p>
-            <a:r>
-              <a:rPr lang="pt-BR" dirty="0"/>
-              <a:t>| usado para indicar alternativas, como um OU.</a:t>
-            </a:r>
-          </a:p>
-        </p:txBody>
-      </p:sp>
-      <p:sp>
-        <p:nvSpPr>
-          <p:cNvPr id="6" name="Espaço Reservado para Conteúdo 5">
-            <a:extLst>
-              <a:ext uri="{FF2B5EF4-FFF2-40B4-BE49-F238E27FC236}">
-                <a16:creationId xmlns:a16="http://schemas.microsoft.com/office/drawing/2014/main" id="{95B8DA8B-E394-4647-994C-8F7265BCF759}"/>
-              </a:ext>
-            </a:extLst>
-          </p:cNvPr>
-          <p:cNvSpPr>
-            <a:spLocks noGrp="1"/>
-          </p:cNvSpPr>
-          <p:nvPr>
-            <p:ph sz="half" idx="2"/>
-          </p:nvPr>
-        </p:nvSpPr>
-        <p:spPr/>
-        <p:txBody>
-          <a:bodyPr/>
-          <a:lstStyle/>
-          <a:p>
-            <a:r>
-              <a:rPr lang="pt-BR" dirty="0"/>
-              <a:t>* o símbolo o regular anterior pode se repetir.</a:t>
-            </a:r>
-          </a:p>
-          <a:p>
-            <a:r>
-              <a:rPr lang="pt-BR" dirty="0"/>
-              <a:t>+ como o anterior mas deve ocorrer pelo menos uma vez</a:t>
-            </a:r>
-          </a:p>
-          <a:p>
-            <a:r>
-              <a:rPr lang="pt-BR" dirty="0"/>
-              <a:t>? O símbolo anterior deve ocorrer uma vez ou nenhuma.</a:t>
-            </a:r>
-          </a:p>
-          <a:p>
-            <a:r>
-              <a:rPr lang="pt-BR" dirty="0" err="1"/>
-              <a:t>Ex</a:t>
-            </a:r>
-            <a:r>
-              <a:rPr lang="pt-BR" dirty="0"/>
-              <a:t> para detecção de um identificador. </a:t>
-            </a:r>
-            <a:br>
-              <a:rPr lang="pt-BR" dirty="0"/>
-            </a:br>
-            <a:r>
-              <a:rPr lang="pt-BR" dirty="0"/>
-              <a:t>	</a:t>
-            </a:r>
-            <a:r>
-              <a:rPr lang="pt-BR" sz="2000" dirty="0">
-                <a:latin typeface="Courier" pitchFamily="2" charset="0"/>
-              </a:rPr>
-              <a:t>[_a-</a:t>
-            </a:r>
-            <a:r>
-              <a:rPr lang="pt-BR" sz="2000" dirty="0" err="1">
-                <a:latin typeface="Courier" pitchFamily="2" charset="0"/>
-              </a:rPr>
-              <a:t>zA</a:t>
-            </a:r>
-            <a:r>
-              <a:rPr lang="pt-BR" sz="2000" dirty="0">
-                <a:latin typeface="Courier" pitchFamily="2" charset="0"/>
-              </a:rPr>
-              <a:t>-</a:t>
-            </a:r>
-            <a:r>
-              <a:rPr lang="pt-BR" sz="2000" dirty="0" err="1">
-                <a:latin typeface="Courier" pitchFamily="2" charset="0"/>
-              </a:rPr>
-              <a:t>Z</a:t>
-            </a:r>
-            <a:r>
-              <a:rPr lang="pt-BR" sz="2000" dirty="0">
-                <a:latin typeface="Courier" pitchFamily="2" charset="0"/>
-              </a:rPr>
-              <a:t>][_a-zA-Z0-9]*</a:t>
+              <a:t>Um problema potencial  são as diferentes sintaxes para representar uma Expressão Regular.</a:t>
             </a:r>
           </a:p>
           <a:p>
@@ -8457,38 +8629,10 @@
       </p:sp>
       <p:sp>
         <p:nvSpPr>
-          <p:cNvPr id="4" name="Título 3">
-            <a:extLst>
-              <a:ext uri="{FF2B5EF4-FFF2-40B4-BE49-F238E27FC236}">
-                <a16:creationId xmlns:a16="http://schemas.microsoft.com/office/drawing/2014/main" id="{D6E91D40-26B5-0A4F-A018-FE75FEEB8CEF}"/>
-              </a:ext>
-            </a:extLst>
-          </p:cNvPr>
-          <p:cNvSpPr>
-            <a:spLocks noGrp="1"/>
-          </p:cNvSpPr>
-          <p:nvPr>
-            <p:ph type="title"/>
-          </p:nvPr>
-        </p:nvSpPr>
-        <p:spPr/>
-        <p:txBody>
-          <a:bodyPr/>
-          <a:lstStyle/>
-          <a:p>
-            <a:r>
-              <a:rPr lang="pt-BR" dirty="0"/>
-              <a:t>Sintaxe para Expressões Regulares em AWK</a:t>
-            </a:r>
-          </a:p>
-        </p:txBody>
-      </p:sp>
-      <p:sp>
-        <p:nvSpPr>
-          <p:cNvPr id="7" name="Espaço Reservado para Data 6">
-            <a:extLst>
-              <a:ext uri="{FF2B5EF4-FFF2-40B4-BE49-F238E27FC236}">
-                <a16:creationId xmlns:a16="http://schemas.microsoft.com/office/drawing/2014/main" id="{10803530-8916-094D-AAED-2BC17B091C9C}"/>
+          <p:cNvPr id="4" name="Espaço Reservado para Data 3">
+            <a:extLst>
+              <a:ext uri="{FF2B5EF4-FFF2-40B4-BE49-F238E27FC236}">
+                <a16:creationId xmlns:a16="http://schemas.microsoft.com/office/drawing/2014/main" id="{B3864675-D49F-1845-906C-2FB581FCEB56}"/>
               </a:ext>
             </a:extLst>
           </p:cNvPr>
@@ -8508,15 +8652,16 @@
               <a:rPr lang="pt-BR"/>
               <a:t>Compiladores</a:t>
             </a:r>
-          </a:p>
-        </p:txBody>
-      </p:sp>
-      <p:sp>
-        <p:nvSpPr>
-          <p:cNvPr id="8" name="Espaço Reservado para Rodapé 7">
-            <a:extLst>
-              <a:ext uri="{FF2B5EF4-FFF2-40B4-BE49-F238E27FC236}">
-                <a16:creationId xmlns:a16="http://schemas.microsoft.com/office/drawing/2014/main" id="{47C5C32D-BB91-8A4D-B7F3-13501D0A28A4}"/>
+            <a:endParaRPr lang="pt-BR" dirty="0"/>
+          </a:p>
+        </p:txBody>
+      </p:sp>
+      <p:sp>
+        <p:nvSpPr>
+          <p:cNvPr id="5" name="Espaço Reservado para Rodapé 4">
+            <a:extLst>
+              <a:ext uri="{FF2B5EF4-FFF2-40B4-BE49-F238E27FC236}">
+                <a16:creationId xmlns:a16="http://schemas.microsoft.com/office/drawing/2014/main" id="{F052B022-AD13-C444-8AA9-38A5EE5E036A}"/>
               </a:ext>
             </a:extLst>
           </p:cNvPr>
@@ -8536,15 +8681,16 @@
               <a:rPr lang="pt-BR"/>
               <a:t>Prof. Mathias Santos de Brito</a:t>
             </a:r>
-          </a:p>
-        </p:txBody>
-      </p:sp>
-      <p:sp>
-        <p:nvSpPr>
-          <p:cNvPr id="9" name="Espaço Reservado para Número de Slide 8">
-            <a:extLst>
-              <a:ext uri="{FF2B5EF4-FFF2-40B4-BE49-F238E27FC236}">
-                <a16:creationId xmlns:a16="http://schemas.microsoft.com/office/drawing/2014/main" id="{6E90200F-2E32-EB45-914E-E58456E609C8}"/>
+            <a:endParaRPr lang="pt-BR" dirty="0"/>
+          </a:p>
+        </p:txBody>
+      </p:sp>
+      <p:sp>
+        <p:nvSpPr>
+          <p:cNvPr id="6" name="Espaço Reservado para Número de Slide 5">
+            <a:extLst>
+              <a:ext uri="{FF2B5EF4-FFF2-40B4-BE49-F238E27FC236}">
+                <a16:creationId xmlns:a16="http://schemas.microsoft.com/office/drawing/2014/main" id="{9DF9D360-8564-D242-A0C7-4B9CCCE051FC}"/>
               </a:ext>
             </a:extLst>
           </p:cNvPr>
@@ -8571,7 +8717,184 @@
     </p:spTree>
     <p:extLst>
       <p:ext uri="{BB962C8B-B14F-4D97-AF65-F5344CB8AC3E}">
-        <p14:creationId xmlns:p14="http://schemas.microsoft.com/office/powerpoint/2010/main" val="3456597360"/>
+        <p14:creationId xmlns:p14="http://schemas.microsoft.com/office/powerpoint/2010/main" val="2789849420"/>
+      </p:ext>
+    </p:extLst>
+  </p:cSld>
+  <p:clrMapOvr>
+    <a:masterClrMapping/>
+  </p:clrMapOvr>
+</p:sld>
+</file>
+
+<file path=ppt/slides/slide19.xml><?xml version="1.0" encoding="utf-8"?>
+<p:sld xmlns:a="http://schemas.openxmlformats.org/drawingml/2006/main" xmlns:r="http://schemas.openxmlformats.org/officeDocument/2006/relationships" xmlns:p="http://schemas.openxmlformats.org/presentationml/2006/main">
+  <p:cSld>
+    <p:spTree>
+      <p:nvGrpSpPr>
+        <p:cNvPr id="1" name=""/>
+        <p:cNvGrpSpPr/>
+        <p:nvPr/>
+      </p:nvGrpSpPr>
+      <p:grpSpPr>
+        <a:xfrm>
+          <a:off x="0" y="0"/>
+          <a:ext cx="0" cy="0"/>
+          <a:chOff x="0" y="0"/>
+          <a:chExt cx="0" cy="0"/>
+        </a:xfrm>
+      </p:grpSpPr>
+      <p:sp>
+        <p:nvSpPr>
+          <p:cNvPr id="4" name="Título 3">
+            <a:extLst>
+              <a:ext uri="{FF2B5EF4-FFF2-40B4-BE49-F238E27FC236}">
+                <a16:creationId xmlns:a16="http://schemas.microsoft.com/office/drawing/2014/main" id="{BC5B4F1A-9D11-884A-A367-B8C8E453B342}"/>
+              </a:ext>
+            </a:extLst>
+          </p:cNvPr>
+          <p:cNvSpPr>
+            <a:spLocks noGrp="1"/>
+          </p:cNvSpPr>
+          <p:nvPr>
+            <p:ph type="title"/>
+          </p:nvPr>
+        </p:nvSpPr>
+        <p:spPr/>
+        <p:txBody>
+          <a:bodyPr/>
+          <a:lstStyle/>
+          <a:p>
+            <a:r>
+              <a:rPr lang="pt-BR" dirty="0"/>
+              <a:t>Brincando com o </a:t>
+            </a:r>
+            <a:r>
+              <a:rPr lang="pt-BR" dirty="0" err="1"/>
+              <a:t>Awk</a:t>
+            </a:r>
+            <a:endParaRPr lang="pt-BR" dirty="0"/>
+          </a:p>
+        </p:txBody>
+      </p:sp>
+      <p:sp>
+        <p:nvSpPr>
+          <p:cNvPr id="5" name="Espaço Reservado para Texto 4">
+            <a:extLst>
+              <a:ext uri="{FF2B5EF4-FFF2-40B4-BE49-F238E27FC236}">
+                <a16:creationId xmlns:a16="http://schemas.microsoft.com/office/drawing/2014/main" id="{FC402B4D-8022-DE41-A30A-34EEDFDE3039}"/>
+              </a:ext>
+            </a:extLst>
+          </p:cNvPr>
+          <p:cNvSpPr>
+            <a:spLocks noGrp="1"/>
+          </p:cNvSpPr>
+          <p:nvPr>
+            <p:ph type="body" idx="1"/>
+          </p:nvPr>
+        </p:nvSpPr>
+        <p:spPr/>
+        <p:txBody>
+          <a:bodyPr/>
+          <a:lstStyle/>
+          <a:p>
+            <a:pPr algn="r"/>
+            <a:r>
+              <a:rPr lang="pt-BR" i="1" dirty="0"/>
+              <a:t>Análise Léxica</a:t>
+            </a:r>
+          </a:p>
+        </p:txBody>
+      </p:sp>
+      <p:sp>
+        <p:nvSpPr>
+          <p:cNvPr id="6" name="Espaço Reservado para Data 5">
+            <a:extLst>
+              <a:ext uri="{FF2B5EF4-FFF2-40B4-BE49-F238E27FC236}">
+                <a16:creationId xmlns:a16="http://schemas.microsoft.com/office/drawing/2014/main" id="{0862D101-ECD5-BB46-8DAE-A89AD7C1AF97}"/>
+              </a:ext>
+            </a:extLst>
+          </p:cNvPr>
+          <p:cNvSpPr>
+            <a:spLocks noGrp="1"/>
+          </p:cNvSpPr>
+          <p:nvPr>
+            <p:ph type="dt" sz="half" idx="10"/>
+          </p:nvPr>
+        </p:nvSpPr>
+        <p:spPr/>
+        <p:txBody>
+          <a:bodyPr/>
+          <a:lstStyle/>
+          <a:p>
+            <a:r>
+              <a:rPr lang="pt-BR"/>
+              <a:t>Compiladores</a:t>
+            </a:r>
+          </a:p>
+        </p:txBody>
+      </p:sp>
+      <p:sp>
+        <p:nvSpPr>
+          <p:cNvPr id="7" name="Espaço Reservado para Rodapé 6">
+            <a:extLst>
+              <a:ext uri="{FF2B5EF4-FFF2-40B4-BE49-F238E27FC236}">
+                <a16:creationId xmlns:a16="http://schemas.microsoft.com/office/drawing/2014/main" id="{AE70A418-72DE-5B43-9342-28253C40BE29}"/>
+              </a:ext>
+            </a:extLst>
+          </p:cNvPr>
+          <p:cNvSpPr>
+            <a:spLocks noGrp="1"/>
+          </p:cNvSpPr>
+          <p:nvPr>
+            <p:ph type="ftr" sz="quarter" idx="11"/>
+          </p:nvPr>
+        </p:nvSpPr>
+        <p:spPr/>
+        <p:txBody>
+          <a:bodyPr/>
+          <a:lstStyle/>
+          <a:p>
+            <a:r>
+              <a:rPr lang="pt-BR"/>
+              <a:t>Prof. Mathias Santos de Brito</a:t>
+            </a:r>
+          </a:p>
+        </p:txBody>
+      </p:sp>
+      <p:sp>
+        <p:nvSpPr>
+          <p:cNvPr id="8" name="Espaço Reservado para Número de Slide 7">
+            <a:extLst>
+              <a:ext uri="{FF2B5EF4-FFF2-40B4-BE49-F238E27FC236}">
+                <a16:creationId xmlns:a16="http://schemas.microsoft.com/office/drawing/2014/main" id="{53394976-C3EF-FF40-9A8F-E51379E10188}"/>
+              </a:ext>
+            </a:extLst>
+          </p:cNvPr>
+          <p:cNvSpPr>
+            <a:spLocks noGrp="1"/>
+          </p:cNvSpPr>
+          <p:nvPr>
+            <p:ph type="sldNum" sz="quarter" idx="12"/>
+          </p:nvPr>
+        </p:nvSpPr>
+        <p:spPr/>
+        <p:txBody>
+          <a:bodyPr/>
+          <a:lstStyle/>
+          <a:p>
+            <a:fld id="{BB6592E8-4CB6-CA48-8DDA-14B9D6C8BDBF}" type="slidenum">
+              <a:rPr lang="pt-BR" smtClean="0"/>
+              <a:t>19</a:t>
+            </a:fld>
+            <a:endParaRPr lang="pt-BR"/>
+          </a:p>
+        </p:txBody>
+      </p:sp>
+    </p:spTree>
+    <p:extLst>
+      <p:ext uri="{BB962C8B-B14F-4D97-AF65-F5344CB8AC3E}">
+        <p14:creationId xmlns:p14="http://schemas.microsoft.com/office/powerpoint/2010/main" val="424433137"/>
       </p:ext>
     </p:extLst>
   </p:cSld>
@@ -8798,6 +9121,2811 @@
     <p:extLst>
       <p:ext uri="{BB962C8B-B14F-4D97-AF65-F5344CB8AC3E}">
         <p14:creationId xmlns:p14="http://schemas.microsoft.com/office/powerpoint/2010/main" val="3049676474"/>
+      </p:ext>
+    </p:extLst>
+  </p:cSld>
+  <p:clrMapOvr>
+    <a:masterClrMapping/>
+  </p:clrMapOvr>
+</p:sld>
+</file>
+
+<file path=ppt/slides/slide20.xml><?xml version="1.0" encoding="utf-8"?>
+<p:sld xmlns:a="http://schemas.openxmlformats.org/drawingml/2006/main" xmlns:r="http://schemas.openxmlformats.org/officeDocument/2006/relationships" xmlns:p="http://schemas.openxmlformats.org/presentationml/2006/main">
+  <p:cSld>
+    <p:spTree>
+      <p:nvGrpSpPr>
+        <p:cNvPr id="1" name=""/>
+        <p:cNvGrpSpPr/>
+        <p:nvPr/>
+      </p:nvGrpSpPr>
+      <p:grpSpPr>
+        <a:xfrm>
+          <a:off x="0" y="0"/>
+          <a:ext cx="0" cy="0"/>
+          <a:chOff x="0" y="0"/>
+          <a:chExt cx="0" cy="0"/>
+        </a:xfrm>
+      </p:grpSpPr>
+      <p:sp>
+        <p:nvSpPr>
+          <p:cNvPr id="5" name="Espaço Reservado para Conteúdo 4">
+            <a:extLst>
+              <a:ext uri="{FF2B5EF4-FFF2-40B4-BE49-F238E27FC236}">
+                <a16:creationId xmlns:a16="http://schemas.microsoft.com/office/drawing/2014/main" id="{6448450A-B10D-A543-8EFD-23B16465EAE3}"/>
+              </a:ext>
+            </a:extLst>
+          </p:cNvPr>
+          <p:cNvSpPr>
+            <a:spLocks noGrp="1"/>
+          </p:cNvSpPr>
+          <p:nvPr>
+            <p:ph sz="half" idx="1"/>
+          </p:nvPr>
+        </p:nvSpPr>
+        <p:spPr/>
+        <p:txBody>
+          <a:bodyPr/>
+          <a:lstStyle/>
+          <a:p>
+            <a:r>
+              <a:rPr lang="en" dirty="0"/>
+              <a:t>^ </a:t>
+            </a:r>
+            <a:r>
+              <a:rPr lang="pt-BR" dirty="0"/>
+              <a:t>caractere</a:t>
+            </a:r>
+            <a:r>
+              <a:rPr lang="en" dirty="0"/>
+              <a:t> no </a:t>
+            </a:r>
+            <a:r>
+              <a:rPr lang="en" dirty="0" err="1"/>
+              <a:t>começo</a:t>
+            </a:r>
+            <a:r>
+              <a:rPr lang="en" dirty="0"/>
+              <a:t> do string.</a:t>
+            </a:r>
+          </a:p>
+          <a:p>
+            <a:r>
+              <a:rPr lang="pt-BR" dirty="0"/>
+              <a:t>$ caractere no final do </a:t>
+            </a:r>
+            <a:r>
+              <a:rPr lang="pt-BR" dirty="0" err="1"/>
+              <a:t>string</a:t>
+            </a:r>
+            <a:endParaRPr lang="pt-BR" dirty="0"/>
+          </a:p>
+          <a:p>
+            <a:r>
+              <a:rPr lang="pt-BR" dirty="0"/>
+              <a:t>. Qualquer caractere simples incluindo nova linha</a:t>
+            </a:r>
+          </a:p>
+          <a:p>
+            <a:r>
+              <a:rPr lang="pt-BR" dirty="0"/>
+              <a:t>[...] Lista de caracteres podendo usar intervalos como </a:t>
+            </a:r>
+            <a:r>
+              <a:rPr lang="pt-BR" dirty="0" err="1"/>
+              <a:t>a-z</a:t>
+            </a:r>
+            <a:r>
+              <a:rPr lang="pt-BR" dirty="0"/>
+              <a:t>, A-Z, 0-9</a:t>
+            </a:r>
+          </a:p>
+          <a:p>
+            <a:r>
+              <a:rPr lang="pt-BR" dirty="0"/>
+              <a:t>| usado para indicar alternativas, como um OU.</a:t>
+            </a:r>
+          </a:p>
+        </p:txBody>
+      </p:sp>
+      <p:sp>
+        <p:nvSpPr>
+          <p:cNvPr id="6" name="Espaço Reservado para Conteúdo 5">
+            <a:extLst>
+              <a:ext uri="{FF2B5EF4-FFF2-40B4-BE49-F238E27FC236}">
+                <a16:creationId xmlns:a16="http://schemas.microsoft.com/office/drawing/2014/main" id="{95B8DA8B-E394-4647-994C-8F7265BCF759}"/>
+              </a:ext>
+            </a:extLst>
+          </p:cNvPr>
+          <p:cNvSpPr>
+            <a:spLocks noGrp="1"/>
+          </p:cNvSpPr>
+          <p:nvPr>
+            <p:ph sz="half" idx="2"/>
+          </p:nvPr>
+        </p:nvSpPr>
+        <p:spPr/>
+        <p:txBody>
+          <a:bodyPr/>
+          <a:lstStyle/>
+          <a:p>
+            <a:r>
+              <a:rPr lang="pt-BR" dirty="0"/>
+              <a:t>* o símbolo o regular anterior pode se repetir.</a:t>
+            </a:r>
+          </a:p>
+          <a:p>
+            <a:r>
+              <a:rPr lang="pt-BR" dirty="0"/>
+              <a:t>+ como o anterior mas deve ocorrer pelo menos uma vez</a:t>
+            </a:r>
+          </a:p>
+          <a:p>
+            <a:r>
+              <a:rPr lang="pt-BR" dirty="0"/>
+              <a:t>? O símbolo anterior deve ocorrer uma vez ou nenhuma.</a:t>
+            </a:r>
+          </a:p>
+          <a:p>
+            <a:r>
+              <a:rPr lang="pt-BR" dirty="0" err="1"/>
+              <a:t>Ex</a:t>
+            </a:r>
+            <a:r>
+              <a:rPr lang="pt-BR" dirty="0"/>
+              <a:t> para detecção de um identificador. </a:t>
+            </a:r>
+            <a:br>
+              <a:rPr lang="pt-BR" dirty="0"/>
+            </a:br>
+            <a:r>
+              <a:rPr lang="pt-BR" dirty="0"/>
+              <a:t>	</a:t>
+            </a:r>
+            <a:r>
+              <a:rPr lang="pt-BR" sz="2000" dirty="0">
+                <a:latin typeface="Courier" pitchFamily="2" charset="0"/>
+              </a:rPr>
+              <a:t>[_a-</a:t>
+            </a:r>
+            <a:r>
+              <a:rPr lang="pt-BR" sz="2000" dirty="0" err="1">
+                <a:latin typeface="Courier" pitchFamily="2" charset="0"/>
+              </a:rPr>
+              <a:t>zA</a:t>
+            </a:r>
+            <a:r>
+              <a:rPr lang="pt-BR" sz="2000" dirty="0">
+                <a:latin typeface="Courier" pitchFamily="2" charset="0"/>
+              </a:rPr>
+              <a:t>-</a:t>
+            </a:r>
+            <a:r>
+              <a:rPr lang="pt-BR" sz="2000" dirty="0" err="1">
+                <a:latin typeface="Courier" pitchFamily="2" charset="0"/>
+              </a:rPr>
+              <a:t>Z</a:t>
+            </a:r>
+            <a:r>
+              <a:rPr lang="pt-BR" sz="2000" dirty="0">
+                <a:latin typeface="Courier" pitchFamily="2" charset="0"/>
+              </a:rPr>
+              <a:t>][_a-zA-Z0-9]*</a:t>
+            </a:r>
+          </a:p>
+          <a:p>
+            <a:endParaRPr lang="pt-BR" dirty="0"/>
+          </a:p>
+        </p:txBody>
+      </p:sp>
+      <p:sp>
+        <p:nvSpPr>
+          <p:cNvPr id="4" name="Título 3">
+            <a:extLst>
+              <a:ext uri="{FF2B5EF4-FFF2-40B4-BE49-F238E27FC236}">
+                <a16:creationId xmlns:a16="http://schemas.microsoft.com/office/drawing/2014/main" id="{D6E91D40-26B5-0A4F-A018-FE75FEEB8CEF}"/>
+              </a:ext>
+            </a:extLst>
+          </p:cNvPr>
+          <p:cNvSpPr>
+            <a:spLocks noGrp="1"/>
+          </p:cNvSpPr>
+          <p:nvPr>
+            <p:ph type="title"/>
+          </p:nvPr>
+        </p:nvSpPr>
+        <p:spPr/>
+        <p:txBody>
+          <a:bodyPr/>
+          <a:lstStyle/>
+          <a:p>
+            <a:r>
+              <a:rPr lang="pt-BR" dirty="0"/>
+              <a:t>Sintaxe para Expressões Regulares em AWK</a:t>
+            </a:r>
+          </a:p>
+        </p:txBody>
+      </p:sp>
+      <p:sp>
+        <p:nvSpPr>
+          <p:cNvPr id="7" name="Espaço Reservado para Data 6">
+            <a:extLst>
+              <a:ext uri="{FF2B5EF4-FFF2-40B4-BE49-F238E27FC236}">
+                <a16:creationId xmlns:a16="http://schemas.microsoft.com/office/drawing/2014/main" id="{10803530-8916-094D-AAED-2BC17B091C9C}"/>
+              </a:ext>
+            </a:extLst>
+          </p:cNvPr>
+          <p:cNvSpPr>
+            <a:spLocks noGrp="1"/>
+          </p:cNvSpPr>
+          <p:nvPr>
+            <p:ph type="dt" sz="half" idx="10"/>
+          </p:nvPr>
+        </p:nvSpPr>
+        <p:spPr/>
+        <p:txBody>
+          <a:bodyPr/>
+          <a:lstStyle/>
+          <a:p>
+            <a:r>
+              <a:rPr lang="pt-BR"/>
+              <a:t>Compiladores</a:t>
+            </a:r>
+          </a:p>
+        </p:txBody>
+      </p:sp>
+      <p:sp>
+        <p:nvSpPr>
+          <p:cNvPr id="8" name="Espaço Reservado para Rodapé 7">
+            <a:extLst>
+              <a:ext uri="{FF2B5EF4-FFF2-40B4-BE49-F238E27FC236}">
+                <a16:creationId xmlns:a16="http://schemas.microsoft.com/office/drawing/2014/main" id="{47C5C32D-BB91-8A4D-B7F3-13501D0A28A4}"/>
+              </a:ext>
+            </a:extLst>
+          </p:cNvPr>
+          <p:cNvSpPr>
+            <a:spLocks noGrp="1"/>
+          </p:cNvSpPr>
+          <p:nvPr>
+            <p:ph type="ftr" sz="quarter" idx="11"/>
+          </p:nvPr>
+        </p:nvSpPr>
+        <p:spPr/>
+        <p:txBody>
+          <a:bodyPr/>
+          <a:lstStyle/>
+          <a:p>
+            <a:r>
+              <a:rPr lang="pt-BR"/>
+              <a:t>Prof. Mathias Santos de Brito</a:t>
+            </a:r>
+          </a:p>
+        </p:txBody>
+      </p:sp>
+      <p:sp>
+        <p:nvSpPr>
+          <p:cNvPr id="9" name="Espaço Reservado para Número de Slide 8">
+            <a:extLst>
+              <a:ext uri="{FF2B5EF4-FFF2-40B4-BE49-F238E27FC236}">
+                <a16:creationId xmlns:a16="http://schemas.microsoft.com/office/drawing/2014/main" id="{6E90200F-2E32-EB45-914E-E58456E609C8}"/>
+              </a:ext>
+            </a:extLst>
+          </p:cNvPr>
+          <p:cNvSpPr>
+            <a:spLocks noGrp="1"/>
+          </p:cNvSpPr>
+          <p:nvPr>
+            <p:ph type="sldNum" sz="quarter" idx="12"/>
+          </p:nvPr>
+        </p:nvSpPr>
+        <p:spPr/>
+        <p:txBody>
+          <a:bodyPr/>
+          <a:lstStyle/>
+          <a:p>
+            <a:fld id="{BB6592E8-4CB6-CA48-8DDA-14B9D6C8BDBF}" type="slidenum">
+              <a:rPr lang="pt-BR" smtClean="0"/>
+              <a:t>20</a:t>
+            </a:fld>
+            <a:endParaRPr lang="pt-BR"/>
+          </a:p>
+        </p:txBody>
+      </p:sp>
+    </p:spTree>
+    <p:extLst>
+      <p:ext uri="{BB962C8B-B14F-4D97-AF65-F5344CB8AC3E}">
+        <p14:creationId xmlns:p14="http://schemas.microsoft.com/office/powerpoint/2010/main" val="3456597360"/>
+      </p:ext>
+    </p:extLst>
+  </p:cSld>
+  <p:clrMapOvr>
+    <a:masterClrMapping/>
+  </p:clrMapOvr>
+</p:sld>
+</file>
+
+<file path=ppt/slides/slide21.xml><?xml version="1.0" encoding="utf-8"?>
+<p:sld xmlns:a="http://schemas.openxmlformats.org/drawingml/2006/main" xmlns:r="http://schemas.openxmlformats.org/officeDocument/2006/relationships" xmlns:p="http://schemas.openxmlformats.org/presentationml/2006/main" show="0">
+  <p:cSld>
+    <p:spTree>
+      <p:nvGrpSpPr>
+        <p:cNvPr id="1" name=""/>
+        <p:cNvGrpSpPr/>
+        <p:nvPr/>
+      </p:nvGrpSpPr>
+      <p:grpSpPr>
+        <a:xfrm>
+          <a:off x="0" y="0"/>
+          <a:ext cx="0" cy="0"/>
+          <a:chOff x="0" y="0"/>
+          <a:chExt cx="0" cy="0"/>
+        </a:xfrm>
+      </p:grpSpPr>
+      <p:sp>
+        <p:nvSpPr>
+          <p:cNvPr id="2" name="Título 1">
+            <a:extLst>
+              <a:ext uri="{FF2B5EF4-FFF2-40B4-BE49-F238E27FC236}">
+                <a16:creationId xmlns:a16="http://schemas.microsoft.com/office/drawing/2014/main" id="{CA478034-4D4F-774F-B20E-0FDABE0E2B6E}"/>
+              </a:ext>
+            </a:extLst>
+          </p:cNvPr>
+          <p:cNvSpPr>
+            <a:spLocks noGrp="1"/>
+          </p:cNvSpPr>
+          <p:nvPr>
+            <p:ph type="title"/>
+          </p:nvPr>
+        </p:nvSpPr>
+        <p:spPr/>
+        <p:txBody>
+          <a:bodyPr/>
+          <a:lstStyle/>
+          <a:p>
+            <a:r>
+              <a:rPr lang="pt-BR" dirty="0" err="1"/>
+              <a:t>Bufferes</a:t>
+            </a:r>
+            <a:r>
+              <a:rPr lang="pt-BR" dirty="0"/>
+              <a:t> de Entrada</a:t>
+            </a:r>
+          </a:p>
+        </p:txBody>
+      </p:sp>
+      <p:sp>
+        <p:nvSpPr>
+          <p:cNvPr id="3" name="Espaço Reservado para Conteúdo 2">
+            <a:extLst>
+              <a:ext uri="{FF2B5EF4-FFF2-40B4-BE49-F238E27FC236}">
+                <a16:creationId xmlns:a16="http://schemas.microsoft.com/office/drawing/2014/main" id="{1B0E6424-7D14-BE48-B9EB-C4E8276F2982}"/>
+              </a:ext>
+            </a:extLst>
+          </p:cNvPr>
+          <p:cNvSpPr>
+            <a:spLocks noGrp="1"/>
+          </p:cNvSpPr>
+          <p:nvPr>
+            <p:ph idx="1"/>
+          </p:nvPr>
+        </p:nvSpPr>
+        <p:spPr/>
+        <p:txBody>
+          <a:bodyPr/>
+          <a:lstStyle/>
+          <a:p>
+            <a:r>
+              <a:rPr lang="pt-BR" dirty="0"/>
+              <a:t>Algumas dificuldades pode ser observadas durante a extração de </a:t>
+            </a:r>
+            <a:r>
+              <a:rPr lang="pt-BR" i="1" dirty="0" err="1"/>
+              <a:t>tokens</a:t>
+            </a:r>
+            <a:r>
+              <a:rPr lang="pt-BR" i="1" dirty="0"/>
+              <a:t> </a:t>
+            </a:r>
+            <a:r>
+              <a:rPr lang="pt-BR" dirty="0"/>
+              <a:t>em um código fonte.</a:t>
+            </a:r>
+          </a:p>
+          <a:p>
+            <a:pPr lvl="1"/>
+            <a:r>
+              <a:rPr lang="pt-BR" i="1" dirty="0"/>
+              <a:t>Isso é especialmente válido ao tentarmos, ex., extrair </a:t>
+            </a:r>
+            <a:r>
+              <a:rPr lang="pt-BR" i="1" dirty="0" err="1"/>
+              <a:t>tokens</a:t>
+            </a:r>
+            <a:r>
+              <a:rPr lang="pt-BR" i="1" dirty="0"/>
+              <a:t> cujo padrão pode aparecer em identificador.</a:t>
+            </a:r>
+          </a:p>
+          <a:p>
+            <a:pPr lvl="1"/>
+            <a:r>
+              <a:rPr lang="pt-BR" i="1" dirty="0"/>
+              <a:t>Onde começa e onde termina o </a:t>
+            </a:r>
+            <a:r>
+              <a:rPr lang="pt-BR" i="1" dirty="0" err="1"/>
+              <a:t>token</a:t>
+            </a:r>
+            <a:r>
+              <a:rPr lang="pt-BR" i="1" dirty="0"/>
+              <a:t> é uma informação essencial.</a:t>
+            </a:r>
+          </a:p>
+          <a:p>
+            <a:r>
+              <a:rPr lang="pt-BR" i="1" dirty="0"/>
+              <a:t>Muitas vezes antes de determinar se uma ocorrência é válida precisamos ler alguns caracteres à frente. A técnica de analisar caracteres à frente é conhecida como </a:t>
+            </a:r>
+            <a:r>
+              <a:rPr lang="pt-BR" b="1" i="1" dirty="0" err="1"/>
+              <a:t>Lookahead</a:t>
+            </a:r>
+            <a:r>
+              <a:rPr lang="pt-BR" b="1" i="1" dirty="0"/>
+              <a:t>.</a:t>
+            </a:r>
+          </a:p>
+          <a:p>
+            <a:r>
+              <a:rPr lang="pt-BR" i="1" dirty="0"/>
+              <a:t>A dificuldade também está ligada à definição da gramática correspondente à linguagem.</a:t>
+            </a:r>
+          </a:p>
+        </p:txBody>
+      </p:sp>
+      <p:sp>
+        <p:nvSpPr>
+          <p:cNvPr id="4" name="Espaço Reservado para Data 3">
+            <a:extLst>
+              <a:ext uri="{FF2B5EF4-FFF2-40B4-BE49-F238E27FC236}">
+                <a16:creationId xmlns:a16="http://schemas.microsoft.com/office/drawing/2014/main" id="{D311ADDF-02D5-8C45-BBFF-8C1437EA27E8}"/>
+              </a:ext>
+            </a:extLst>
+          </p:cNvPr>
+          <p:cNvSpPr>
+            <a:spLocks noGrp="1"/>
+          </p:cNvSpPr>
+          <p:nvPr>
+            <p:ph type="dt" sz="half" idx="10"/>
+          </p:nvPr>
+        </p:nvSpPr>
+        <p:spPr/>
+        <p:txBody>
+          <a:bodyPr/>
+          <a:lstStyle/>
+          <a:p>
+            <a:r>
+              <a:rPr lang="pt-BR"/>
+              <a:t>Compiladores</a:t>
+            </a:r>
+            <a:endParaRPr lang="pt-BR" dirty="0"/>
+          </a:p>
+        </p:txBody>
+      </p:sp>
+      <p:sp>
+        <p:nvSpPr>
+          <p:cNvPr id="5" name="Espaço Reservado para Rodapé 4">
+            <a:extLst>
+              <a:ext uri="{FF2B5EF4-FFF2-40B4-BE49-F238E27FC236}">
+                <a16:creationId xmlns:a16="http://schemas.microsoft.com/office/drawing/2014/main" id="{5FA50F3E-A569-604A-98DF-4E66DED5A465}"/>
+              </a:ext>
+            </a:extLst>
+          </p:cNvPr>
+          <p:cNvSpPr>
+            <a:spLocks noGrp="1"/>
+          </p:cNvSpPr>
+          <p:nvPr>
+            <p:ph type="ftr" sz="quarter" idx="11"/>
+          </p:nvPr>
+        </p:nvSpPr>
+        <p:spPr/>
+        <p:txBody>
+          <a:bodyPr/>
+          <a:lstStyle/>
+          <a:p>
+            <a:r>
+              <a:rPr lang="pt-BR"/>
+              <a:t>Prof. Mathias Santos de Brito</a:t>
+            </a:r>
+            <a:endParaRPr lang="pt-BR" dirty="0"/>
+          </a:p>
+        </p:txBody>
+      </p:sp>
+      <p:sp>
+        <p:nvSpPr>
+          <p:cNvPr id="6" name="Espaço Reservado para Número de Slide 5">
+            <a:extLst>
+              <a:ext uri="{FF2B5EF4-FFF2-40B4-BE49-F238E27FC236}">
+                <a16:creationId xmlns:a16="http://schemas.microsoft.com/office/drawing/2014/main" id="{5E957526-22B1-734C-B34C-4E2291B0425B}"/>
+              </a:ext>
+            </a:extLst>
+          </p:cNvPr>
+          <p:cNvSpPr>
+            <a:spLocks noGrp="1"/>
+          </p:cNvSpPr>
+          <p:nvPr>
+            <p:ph type="sldNum" sz="quarter" idx="12"/>
+          </p:nvPr>
+        </p:nvSpPr>
+        <p:spPr/>
+        <p:txBody>
+          <a:bodyPr/>
+          <a:lstStyle/>
+          <a:p>
+            <a:fld id="{BB6592E8-4CB6-CA48-8DDA-14B9D6C8BDBF}" type="slidenum">
+              <a:rPr lang="pt-BR" smtClean="0"/>
+              <a:t>21</a:t>
+            </a:fld>
+            <a:endParaRPr lang="pt-BR"/>
+          </a:p>
+        </p:txBody>
+      </p:sp>
+    </p:spTree>
+    <p:extLst>
+      <p:ext uri="{BB962C8B-B14F-4D97-AF65-F5344CB8AC3E}">
+        <p14:creationId xmlns:p14="http://schemas.microsoft.com/office/powerpoint/2010/main" val="4133411194"/>
+      </p:ext>
+    </p:extLst>
+  </p:cSld>
+  <p:clrMapOvr>
+    <a:masterClrMapping/>
+  </p:clrMapOvr>
+</p:sld>
+</file>
+
+<file path=ppt/slides/slide22.xml><?xml version="1.0" encoding="utf-8"?>
+<p:sld xmlns:a="http://schemas.openxmlformats.org/drawingml/2006/main" xmlns:r="http://schemas.openxmlformats.org/officeDocument/2006/relationships" xmlns:p="http://schemas.openxmlformats.org/presentationml/2006/main">
+  <p:cSld>
+    <p:spTree>
+      <p:nvGrpSpPr>
+        <p:cNvPr id="1" name=""/>
+        <p:cNvGrpSpPr/>
+        <p:nvPr/>
+      </p:nvGrpSpPr>
+      <p:grpSpPr>
+        <a:xfrm>
+          <a:off x="0" y="0"/>
+          <a:ext cx="0" cy="0"/>
+          <a:chOff x="0" y="0"/>
+          <a:chExt cx="0" cy="0"/>
+        </a:xfrm>
+      </p:grpSpPr>
+      <p:sp>
+        <p:nvSpPr>
+          <p:cNvPr id="9" name="Título 8">
+            <a:extLst>
+              <a:ext uri="{FF2B5EF4-FFF2-40B4-BE49-F238E27FC236}">
+                <a16:creationId xmlns:a16="http://schemas.microsoft.com/office/drawing/2014/main" id="{F8688819-746B-2549-8FF9-B16CECF0A4F6}"/>
+              </a:ext>
+            </a:extLst>
+          </p:cNvPr>
+          <p:cNvSpPr>
+            <a:spLocks noGrp="1"/>
+          </p:cNvSpPr>
+          <p:nvPr>
+            <p:ph type="title"/>
+          </p:nvPr>
+        </p:nvSpPr>
+        <p:spPr/>
+        <p:txBody>
+          <a:bodyPr/>
+          <a:lstStyle/>
+          <a:p>
+            <a:r>
+              <a:rPr lang="pt-BR" dirty="0"/>
+              <a:t>Linguagens Regulares</a:t>
+            </a:r>
+          </a:p>
+        </p:txBody>
+      </p:sp>
+      <p:sp>
+        <p:nvSpPr>
+          <p:cNvPr id="10" name="Espaço Reservado para Texto 9">
+            <a:extLst>
+              <a:ext uri="{FF2B5EF4-FFF2-40B4-BE49-F238E27FC236}">
+                <a16:creationId xmlns:a16="http://schemas.microsoft.com/office/drawing/2014/main" id="{EFAC1510-A6C3-FE44-A8A8-DD3B1E134631}"/>
+              </a:ext>
+            </a:extLst>
+          </p:cNvPr>
+          <p:cNvSpPr>
+            <a:spLocks noGrp="1"/>
+          </p:cNvSpPr>
+          <p:nvPr>
+            <p:ph type="body" idx="1"/>
+          </p:nvPr>
+        </p:nvSpPr>
+        <p:spPr/>
+        <p:txBody>
+          <a:bodyPr/>
+          <a:lstStyle/>
+          <a:p>
+            <a:pPr algn="r"/>
+            <a:r>
+              <a:rPr lang="pt-BR" dirty="0"/>
+              <a:t>Revisão</a:t>
+            </a:r>
+          </a:p>
+        </p:txBody>
+      </p:sp>
+      <p:sp>
+        <p:nvSpPr>
+          <p:cNvPr id="4" name="Espaço Reservado para Data 3">
+            <a:extLst>
+              <a:ext uri="{FF2B5EF4-FFF2-40B4-BE49-F238E27FC236}">
+                <a16:creationId xmlns:a16="http://schemas.microsoft.com/office/drawing/2014/main" id="{7C548827-3A1A-4C47-B267-420D7B625134}"/>
+              </a:ext>
+            </a:extLst>
+          </p:cNvPr>
+          <p:cNvSpPr>
+            <a:spLocks noGrp="1"/>
+          </p:cNvSpPr>
+          <p:nvPr>
+            <p:ph type="dt" sz="half" idx="10"/>
+          </p:nvPr>
+        </p:nvSpPr>
+        <p:spPr/>
+        <p:txBody>
+          <a:bodyPr/>
+          <a:lstStyle/>
+          <a:p>
+            <a:r>
+              <a:rPr lang="pt-BR"/>
+              <a:t>Compiladores</a:t>
+            </a:r>
+            <a:endParaRPr lang="pt-BR" dirty="0"/>
+          </a:p>
+        </p:txBody>
+      </p:sp>
+      <p:sp>
+        <p:nvSpPr>
+          <p:cNvPr id="5" name="Espaço Reservado para Rodapé 4">
+            <a:extLst>
+              <a:ext uri="{FF2B5EF4-FFF2-40B4-BE49-F238E27FC236}">
+                <a16:creationId xmlns:a16="http://schemas.microsoft.com/office/drawing/2014/main" id="{6CD3608A-0432-0843-8B5D-E910DFEB79F9}"/>
+              </a:ext>
+            </a:extLst>
+          </p:cNvPr>
+          <p:cNvSpPr>
+            <a:spLocks noGrp="1"/>
+          </p:cNvSpPr>
+          <p:nvPr>
+            <p:ph type="ftr" sz="quarter" idx="11"/>
+          </p:nvPr>
+        </p:nvSpPr>
+        <p:spPr/>
+        <p:txBody>
+          <a:bodyPr/>
+          <a:lstStyle/>
+          <a:p>
+            <a:r>
+              <a:rPr lang="pt-BR"/>
+              <a:t>Prof. Mathias Santos de Brito</a:t>
+            </a:r>
+            <a:endParaRPr lang="pt-BR" dirty="0"/>
+          </a:p>
+        </p:txBody>
+      </p:sp>
+      <p:sp>
+        <p:nvSpPr>
+          <p:cNvPr id="6" name="Espaço Reservado para Número de Slide 5">
+            <a:extLst>
+              <a:ext uri="{FF2B5EF4-FFF2-40B4-BE49-F238E27FC236}">
+                <a16:creationId xmlns:a16="http://schemas.microsoft.com/office/drawing/2014/main" id="{928FC0FE-4135-5940-AD3F-B335D0C17A80}"/>
+              </a:ext>
+            </a:extLst>
+          </p:cNvPr>
+          <p:cNvSpPr>
+            <a:spLocks noGrp="1"/>
+          </p:cNvSpPr>
+          <p:nvPr>
+            <p:ph type="sldNum" sz="quarter" idx="12"/>
+          </p:nvPr>
+        </p:nvSpPr>
+        <p:spPr/>
+        <p:txBody>
+          <a:bodyPr/>
+          <a:lstStyle/>
+          <a:p>
+            <a:fld id="{BB6592E8-4CB6-CA48-8DDA-14B9D6C8BDBF}" type="slidenum">
+              <a:rPr lang="pt-BR" smtClean="0"/>
+              <a:t>22</a:t>
+            </a:fld>
+            <a:endParaRPr lang="pt-BR"/>
+          </a:p>
+        </p:txBody>
+      </p:sp>
+    </p:spTree>
+    <p:extLst>
+      <p:ext uri="{BB962C8B-B14F-4D97-AF65-F5344CB8AC3E}">
+        <p14:creationId xmlns:p14="http://schemas.microsoft.com/office/powerpoint/2010/main" val="1757913549"/>
+      </p:ext>
+    </p:extLst>
+  </p:cSld>
+  <p:clrMapOvr>
+    <a:masterClrMapping/>
+  </p:clrMapOvr>
+</p:sld>
+</file>
+
+<file path=ppt/slides/slide23.xml><?xml version="1.0" encoding="utf-8"?>
+<p:sld xmlns:a="http://schemas.openxmlformats.org/drawingml/2006/main" xmlns:r="http://schemas.openxmlformats.org/officeDocument/2006/relationships" xmlns:p="http://schemas.openxmlformats.org/presentationml/2006/main">
+  <p:cSld>
+    <p:spTree>
+      <p:nvGrpSpPr>
+        <p:cNvPr id="1" name=""/>
+        <p:cNvGrpSpPr/>
+        <p:nvPr/>
+      </p:nvGrpSpPr>
+      <p:grpSpPr>
+        <a:xfrm>
+          <a:off x="0" y="0"/>
+          <a:ext cx="0" cy="0"/>
+          <a:chOff x="0" y="0"/>
+          <a:chExt cx="0" cy="0"/>
+        </a:xfrm>
+      </p:grpSpPr>
+      <p:sp>
+        <p:nvSpPr>
+          <p:cNvPr id="2" name="Título 1">
+            <a:extLst>
+              <a:ext uri="{FF2B5EF4-FFF2-40B4-BE49-F238E27FC236}">
+                <a16:creationId xmlns:a16="http://schemas.microsoft.com/office/drawing/2014/main" id="{08D900E0-05B0-F441-9F01-190DCCA30691}"/>
+              </a:ext>
+            </a:extLst>
+          </p:cNvPr>
+          <p:cNvSpPr>
+            <a:spLocks noGrp="1"/>
+          </p:cNvSpPr>
+          <p:nvPr>
+            <p:ph type="title"/>
+          </p:nvPr>
+        </p:nvSpPr>
+        <p:spPr/>
+        <p:txBody>
+          <a:bodyPr>
+            <a:normAutofit fontScale="90000"/>
+          </a:bodyPr>
+          <a:lstStyle/>
+          <a:p>
+            <a:r>
+              <a:rPr lang="pt-BR" dirty="0"/>
+              <a:t>Flex – Gerador de Analisador Léxico</a:t>
+            </a:r>
+          </a:p>
+        </p:txBody>
+      </p:sp>
+      <p:sp>
+        <p:nvSpPr>
+          <p:cNvPr id="3" name="Espaço Reservado para Texto 2">
+            <a:extLst>
+              <a:ext uri="{FF2B5EF4-FFF2-40B4-BE49-F238E27FC236}">
+                <a16:creationId xmlns:a16="http://schemas.microsoft.com/office/drawing/2014/main" id="{839FEB05-1ABA-0C46-B521-658C59BF2084}"/>
+              </a:ext>
+            </a:extLst>
+          </p:cNvPr>
+          <p:cNvSpPr>
+            <a:spLocks noGrp="1"/>
+          </p:cNvSpPr>
+          <p:nvPr>
+            <p:ph type="body" idx="1"/>
+          </p:nvPr>
+        </p:nvSpPr>
+        <p:spPr/>
+        <p:txBody>
+          <a:bodyPr/>
+          <a:lstStyle/>
+          <a:p>
+            <a:endParaRPr lang="pt-BR" dirty="0"/>
+          </a:p>
+        </p:txBody>
+      </p:sp>
+      <p:sp>
+        <p:nvSpPr>
+          <p:cNvPr id="4" name="Espaço Reservado para Data 3">
+            <a:extLst>
+              <a:ext uri="{FF2B5EF4-FFF2-40B4-BE49-F238E27FC236}">
+                <a16:creationId xmlns:a16="http://schemas.microsoft.com/office/drawing/2014/main" id="{E142DEDD-A90D-2648-99FD-71830F960C1D}"/>
+              </a:ext>
+            </a:extLst>
+          </p:cNvPr>
+          <p:cNvSpPr>
+            <a:spLocks noGrp="1"/>
+          </p:cNvSpPr>
+          <p:nvPr>
+            <p:ph type="dt" sz="half" idx="10"/>
+          </p:nvPr>
+        </p:nvSpPr>
+        <p:spPr/>
+        <p:txBody>
+          <a:bodyPr/>
+          <a:lstStyle/>
+          <a:p>
+            <a:r>
+              <a:rPr lang="pt-BR"/>
+              <a:t>Compiladores</a:t>
+            </a:r>
+          </a:p>
+        </p:txBody>
+      </p:sp>
+      <p:sp>
+        <p:nvSpPr>
+          <p:cNvPr id="5" name="Espaço Reservado para Rodapé 4">
+            <a:extLst>
+              <a:ext uri="{FF2B5EF4-FFF2-40B4-BE49-F238E27FC236}">
+                <a16:creationId xmlns:a16="http://schemas.microsoft.com/office/drawing/2014/main" id="{B9773CFE-5838-F940-A868-CF905137C40D}"/>
+              </a:ext>
+            </a:extLst>
+          </p:cNvPr>
+          <p:cNvSpPr>
+            <a:spLocks noGrp="1"/>
+          </p:cNvSpPr>
+          <p:nvPr>
+            <p:ph type="ftr" sz="quarter" idx="11"/>
+          </p:nvPr>
+        </p:nvSpPr>
+        <p:spPr/>
+        <p:txBody>
+          <a:bodyPr/>
+          <a:lstStyle/>
+          <a:p>
+            <a:r>
+              <a:rPr lang="pt-BR"/>
+              <a:t>Prof. Mathias Santos de Brito</a:t>
+            </a:r>
+          </a:p>
+        </p:txBody>
+      </p:sp>
+      <p:sp>
+        <p:nvSpPr>
+          <p:cNvPr id="6" name="Espaço Reservado para Número de Slide 5">
+            <a:extLst>
+              <a:ext uri="{FF2B5EF4-FFF2-40B4-BE49-F238E27FC236}">
+                <a16:creationId xmlns:a16="http://schemas.microsoft.com/office/drawing/2014/main" id="{D2C8FDCD-2BCC-674C-9557-01F9BABD2D3B}"/>
+              </a:ext>
+            </a:extLst>
+          </p:cNvPr>
+          <p:cNvSpPr>
+            <a:spLocks noGrp="1"/>
+          </p:cNvSpPr>
+          <p:nvPr>
+            <p:ph type="sldNum" sz="quarter" idx="12"/>
+          </p:nvPr>
+        </p:nvSpPr>
+        <p:spPr/>
+        <p:txBody>
+          <a:bodyPr/>
+          <a:lstStyle/>
+          <a:p>
+            <a:fld id="{BB6592E8-4CB6-CA48-8DDA-14B9D6C8BDBF}" type="slidenum">
+              <a:rPr lang="pt-BR" smtClean="0"/>
+              <a:t>23</a:t>
+            </a:fld>
+            <a:endParaRPr lang="pt-BR"/>
+          </a:p>
+        </p:txBody>
+      </p:sp>
+    </p:spTree>
+    <p:extLst>
+      <p:ext uri="{BB962C8B-B14F-4D97-AF65-F5344CB8AC3E}">
+        <p14:creationId xmlns:p14="http://schemas.microsoft.com/office/powerpoint/2010/main" val="2195025614"/>
+      </p:ext>
+    </p:extLst>
+  </p:cSld>
+  <p:clrMapOvr>
+    <a:masterClrMapping/>
+  </p:clrMapOvr>
+</p:sld>
+</file>
+
+<file path=ppt/slides/slide24.xml><?xml version="1.0" encoding="utf-8"?>
+<p:sld xmlns:a="http://schemas.openxmlformats.org/drawingml/2006/main" xmlns:r="http://schemas.openxmlformats.org/officeDocument/2006/relationships" xmlns:p="http://schemas.openxmlformats.org/presentationml/2006/main">
+  <p:cSld>
+    <p:bg>
+      <p:bgPr>
+        <a:solidFill>
+          <a:schemeClr val="bg1"/>
+        </a:solidFill>
+        <a:effectLst/>
+      </p:bgPr>
+    </p:bg>
+    <p:spTree>
+      <p:nvGrpSpPr>
+        <p:cNvPr id="1" name=""/>
+        <p:cNvGrpSpPr/>
+        <p:nvPr/>
+      </p:nvGrpSpPr>
+      <p:grpSpPr>
+        <a:xfrm>
+          <a:off x="0" y="0"/>
+          <a:ext cx="0" cy="0"/>
+          <a:chOff x="0" y="0"/>
+          <a:chExt cx="0" cy="0"/>
+        </a:xfrm>
+      </p:grpSpPr>
+      <p:sp>
+        <p:nvSpPr>
+          <p:cNvPr id="19" name="Rectangle 13">
+            <a:extLst>
+              <a:ext uri="{FF2B5EF4-FFF2-40B4-BE49-F238E27FC236}">
+                <a16:creationId xmlns:a16="http://schemas.microsoft.com/office/drawing/2014/main" id="{BE95D989-81FA-4BAD-9AD5-E46CEDA91B36}"/>
+              </a:ext>
+              <a:ext uri="{C183D7F6-B498-43B3-948B-1728B52AA6E4}">
+                <adec:decorative xmlns:adec="http://schemas.microsoft.com/office/drawing/2017/decorative" val="1"/>
+              </a:ext>
+            </a:extLst>
+          </p:cNvPr>
+          <p:cNvSpPr>
+            <a:spLocks noGrp="1" noRot="1" noChangeAspect="1" noMove="1" noResize="1" noEditPoints="1" noAdjustHandles="1" noChangeArrowheads="1" noChangeShapeType="1" noTextEdit="1"/>
+          </p:cNvSpPr>
+          <p:nvPr>
+            <p:extLst>
+              <p:ext uri="{386F3935-93C4-4BCD-93E2-E3B085C9AB24}">
+                <p16:designElem xmlns:p16="http://schemas.microsoft.com/office/powerpoint/2015/main" val="1"/>
+              </p:ext>
+            </p:extLst>
+          </p:nvPr>
+        </p:nvSpPr>
+        <p:spPr>
+          <a:xfrm>
+            <a:off x="0" y="0"/>
+            <a:ext cx="4654293" cy="6858000"/>
+          </a:xfrm>
+          <a:prstGeom prst="rect">
+            <a:avLst/>
+          </a:prstGeom>
+          <a:solidFill>
+            <a:srgbClr val="404040"/>
+          </a:solidFill>
+          <a:ln>
+            <a:noFill/>
+          </a:ln>
+        </p:spPr>
+        <p:style>
+          <a:lnRef idx="2">
+            <a:schemeClr val="accent1">
+              <a:shade val="50000"/>
+            </a:schemeClr>
+          </a:lnRef>
+          <a:fillRef idx="1">
+            <a:schemeClr val="accent1"/>
+          </a:fillRef>
+          <a:effectRef idx="0">
+            <a:schemeClr val="accent1"/>
+          </a:effectRef>
+          <a:fontRef idx="minor">
+            <a:schemeClr val="lt1"/>
+          </a:fontRef>
+        </p:style>
+        <p:txBody>
+          <a:bodyPr rtlCol="0" anchor="ctr"/>
+          <a:lstStyle/>
+          <a:p>
+            <a:pPr marL="0" marR="0" lvl="0" indent="0" algn="ctr" defTabSz="914400" rtl="0" eaLnBrk="1" fontAlgn="auto" latinLnBrk="0" hangingPunct="1">
+              <a:lnSpc>
+                <a:spcPct val="100000"/>
+              </a:lnSpc>
+              <a:spcBef>
+                <a:spcPts val="0"/>
+              </a:spcBef>
+              <a:spcAft>
+                <a:spcPts val="0"/>
+              </a:spcAft>
+              <a:buClrTx/>
+              <a:buSzTx/>
+              <a:buFontTx/>
+              <a:buNone/>
+              <a:tabLst/>
+              <a:defRPr/>
+            </a:pPr>
+            <a:endParaRPr kumimoji="0" lang="en-US" sz="1800" b="0" i="0" u="none" strike="noStrike" kern="1200" cap="none" spc="0" normalizeH="0" baseline="0" noProof="0">
+              <a:ln>
+                <a:noFill/>
+              </a:ln>
+              <a:solidFill>
+                <a:prstClr val="white"/>
+              </a:solidFill>
+              <a:effectLst/>
+              <a:uLnTx/>
+              <a:uFillTx/>
+              <a:latin typeface="Calibri" panose="020F0502020204030204"/>
+              <a:ea typeface="+mn-ea"/>
+              <a:cs typeface="+mn-cs"/>
+            </a:endParaRPr>
+          </a:p>
+        </p:txBody>
+      </p:sp>
+      <p:sp>
+        <p:nvSpPr>
+          <p:cNvPr id="7" name="Título 6">
+            <a:extLst>
+              <a:ext uri="{FF2B5EF4-FFF2-40B4-BE49-F238E27FC236}">
+                <a16:creationId xmlns:a16="http://schemas.microsoft.com/office/drawing/2014/main" id="{AEC56AA6-EE09-B14C-95B0-6A22B9B5AE00}"/>
+              </a:ext>
+            </a:extLst>
+          </p:cNvPr>
+          <p:cNvSpPr>
+            <a:spLocks noGrp="1"/>
+          </p:cNvSpPr>
+          <p:nvPr>
+            <p:ph type="title"/>
+          </p:nvPr>
+        </p:nvSpPr>
+        <p:spPr>
+          <a:xfrm>
+            <a:off x="838200" y="811161"/>
+            <a:ext cx="3335594" cy="5403370"/>
+          </a:xfrm>
+        </p:spPr>
+        <p:txBody>
+          <a:bodyPr>
+            <a:normAutofit/>
+          </a:bodyPr>
+          <a:lstStyle/>
+          <a:p>
+            <a:pPr algn="ctr"/>
+            <a:r>
+              <a:rPr lang="pt-BR" dirty="0">
+                <a:solidFill>
+                  <a:srgbClr val="FFFFFF"/>
+                </a:solidFill>
+              </a:rPr>
+              <a:t>Sintaxe para formação de expressões regulares.</a:t>
+            </a:r>
+          </a:p>
+        </p:txBody>
+      </p:sp>
+      <p:sp>
+        <p:nvSpPr>
+          <p:cNvPr id="4" name="Espaço Reservado para Data 3">
+            <a:extLst>
+              <a:ext uri="{FF2B5EF4-FFF2-40B4-BE49-F238E27FC236}">
+                <a16:creationId xmlns:a16="http://schemas.microsoft.com/office/drawing/2014/main" id="{E07C4C19-B665-354E-93C0-8D6D6C55F187}"/>
+              </a:ext>
+            </a:extLst>
+          </p:cNvPr>
+          <p:cNvSpPr>
+            <a:spLocks noGrp="1"/>
+          </p:cNvSpPr>
+          <p:nvPr>
+            <p:ph type="dt" sz="half" idx="10"/>
+          </p:nvPr>
+        </p:nvSpPr>
+        <p:spPr>
+          <a:xfrm>
+            <a:off x="838200" y="6356350"/>
+            <a:ext cx="2743200" cy="365125"/>
+          </a:xfrm>
+        </p:spPr>
+        <p:txBody>
+          <a:bodyPr>
+            <a:normAutofit/>
+          </a:bodyPr>
+          <a:lstStyle/>
+          <a:p>
+            <a:pPr>
+              <a:spcAft>
+                <a:spcPts val="600"/>
+              </a:spcAft>
+            </a:pPr>
+            <a:r>
+              <a:rPr lang="pt-BR" sz="1100">
+                <a:solidFill>
+                  <a:prstClr val="white">
+                    <a:alpha val="80000"/>
+                  </a:prstClr>
+                </a:solidFill>
+              </a:rPr>
+              <a:t>Compiladores</a:t>
+            </a:r>
+          </a:p>
+        </p:txBody>
+      </p:sp>
+      <p:sp>
+        <p:nvSpPr>
+          <p:cNvPr id="16" name="Rectangle 15">
+            <a:extLst>
+              <a:ext uri="{FF2B5EF4-FFF2-40B4-BE49-F238E27FC236}">
+                <a16:creationId xmlns:a16="http://schemas.microsoft.com/office/drawing/2014/main" id="{156189E5-8A3E-4CFD-B71B-CCD0F8495E56}"/>
+              </a:ext>
+              <a:ext uri="{C183D7F6-B498-43B3-948B-1728B52AA6E4}">
+                <adec:decorative xmlns:adec="http://schemas.microsoft.com/office/drawing/2017/decorative" val="1"/>
+              </a:ext>
+            </a:extLst>
+          </p:cNvPr>
+          <p:cNvSpPr>
+            <a:spLocks noGrp="1" noRot="1" noChangeAspect="1" noMove="1" noResize="1" noEditPoints="1" noAdjustHandles="1" noChangeArrowheads="1" noChangeShapeType="1" noTextEdit="1"/>
+          </p:cNvSpPr>
+          <p:nvPr>
+            <p:extLst>
+              <p:ext uri="{386F3935-93C4-4BCD-93E2-E3B085C9AB24}">
+                <p16:designElem xmlns:p16="http://schemas.microsoft.com/office/powerpoint/2015/main" val="1"/>
+              </p:ext>
+            </p:extLst>
+          </p:nvPr>
+        </p:nvSpPr>
+        <p:spPr>
+          <a:xfrm>
+            <a:off x="4654293" y="0"/>
+            <a:ext cx="142074" cy="6858000"/>
+          </a:xfrm>
+          <a:prstGeom prst="rect">
+            <a:avLst/>
+          </a:prstGeom>
+          <a:solidFill>
+            <a:schemeClr val="tx1">
+              <a:alpha val="20000"/>
+            </a:schemeClr>
+          </a:solidFill>
+          <a:ln>
+            <a:noFill/>
+          </a:ln>
+        </p:spPr>
+        <p:style>
+          <a:lnRef idx="2">
+            <a:schemeClr val="accent1">
+              <a:shade val="50000"/>
+            </a:schemeClr>
+          </a:lnRef>
+          <a:fillRef idx="1">
+            <a:schemeClr val="accent1"/>
+          </a:fillRef>
+          <a:effectRef idx="0">
+            <a:schemeClr val="accent1"/>
+          </a:effectRef>
+          <a:fontRef idx="minor">
+            <a:schemeClr val="lt1"/>
+          </a:fontRef>
+        </p:style>
+        <p:txBody>
+          <a:bodyPr rtlCol="0" anchor="ctr"/>
+          <a:lstStyle/>
+          <a:p>
+            <a:pPr marL="0" marR="0" lvl="0" indent="0" algn="ctr" defTabSz="914400" rtl="0" eaLnBrk="1" fontAlgn="auto" latinLnBrk="0" hangingPunct="1">
+              <a:lnSpc>
+                <a:spcPct val="100000"/>
+              </a:lnSpc>
+              <a:spcBef>
+                <a:spcPts val="0"/>
+              </a:spcBef>
+              <a:spcAft>
+                <a:spcPts val="0"/>
+              </a:spcAft>
+              <a:buClrTx/>
+              <a:buSzTx/>
+              <a:buFontTx/>
+              <a:buNone/>
+              <a:tabLst/>
+              <a:defRPr/>
+            </a:pPr>
+            <a:endParaRPr kumimoji="0" lang="en-US" sz="1800" b="0" i="0" u="none" strike="noStrike" kern="1200" cap="none" spc="0" normalizeH="0" baseline="0" noProof="0">
+              <a:ln>
+                <a:noFill/>
+              </a:ln>
+              <a:solidFill>
+                <a:prstClr val="white"/>
+              </a:solidFill>
+              <a:effectLst/>
+              <a:uLnTx/>
+              <a:uFillTx/>
+              <a:latin typeface="Calibri" panose="020F0502020204030204"/>
+              <a:ea typeface="+mn-ea"/>
+              <a:cs typeface="+mn-cs"/>
+            </a:endParaRPr>
+          </a:p>
+        </p:txBody>
+      </p:sp>
+      <p:sp>
+        <p:nvSpPr>
+          <p:cNvPr id="5" name="Espaço Reservado para Rodapé 4">
+            <a:extLst>
+              <a:ext uri="{FF2B5EF4-FFF2-40B4-BE49-F238E27FC236}">
+                <a16:creationId xmlns:a16="http://schemas.microsoft.com/office/drawing/2014/main" id="{AD6CD71C-26FC-CD4C-8A49-3E5D35206189}"/>
+              </a:ext>
+            </a:extLst>
+          </p:cNvPr>
+          <p:cNvSpPr>
+            <a:spLocks noGrp="1"/>
+          </p:cNvSpPr>
+          <p:nvPr>
+            <p:ph type="ftr" sz="quarter" idx="11"/>
+          </p:nvPr>
+        </p:nvSpPr>
+        <p:spPr>
+          <a:xfrm>
+            <a:off x="5459413" y="6199632"/>
+            <a:ext cx="5365665" cy="365125"/>
+          </a:xfrm>
+        </p:spPr>
+        <p:txBody>
+          <a:bodyPr>
+            <a:normAutofit/>
+          </a:bodyPr>
+          <a:lstStyle/>
+          <a:p>
+            <a:pPr algn="r">
+              <a:spcAft>
+                <a:spcPts val="600"/>
+              </a:spcAft>
+            </a:pPr>
+            <a:r>
+              <a:rPr lang="pt-BR" sz="1100">
+                <a:solidFill>
+                  <a:schemeClr val="tx1">
+                    <a:alpha val="80000"/>
+                  </a:schemeClr>
+                </a:solidFill>
+              </a:rPr>
+              <a:t>Prof. Mathias Santos de Brito</a:t>
+            </a:r>
+          </a:p>
+        </p:txBody>
+      </p:sp>
+      <p:sp>
+        <p:nvSpPr>
+          <p:cNvPr id="6" name="Espaço Reservado para Número de Slide 5">
+            <a:extLst>
+              <a:ext uri="{FF2B5EF4-FFF2-40B4-BE49-F238E27FC236}">
+                <a16:creationId xmlns:a16="http://schemas.microsoft.com/office/drawing/2014/main" id="{4C9D15AE-36DB-ED43-92BD-0CF6D0C08F74}"/>
+              </a:ext>
+            </a:extLst>
+          </p:cNvPr>
+          <p:cNvSpPr>
+            <a:spLocks noGrp="1"/>
+          </p:cNvSpPr>
+          <p:nvPr>
+            <p:ph type="sldNum" sz="quarter" idx="12"/>
+          </p:nvPr>
+        </p:nvSpPr>
+        <p:spPr>
+          <a:xfrm>
+            <a:off x="11000232" y="6108192"/>
+            <a:ext cx="548640" cy="548640"/>
+          </a:xfrm>
+          <a:prstGeom prst="ellipse">
+            <a:avLst/>
+          </a:prstGeom>
+          <a:solidFill>
+            <a:srgbClr val="898989"/>
+          </a:solidFill>
+        </p:spPr>
+        <p:txBody>
+          <a:bodyPr>
+            <a:normAutofit/>
+          </a:bodyPr>
+          <a:lstStyle/>
+          <a:p>
+            <a:pPr algn="ctr">
+              <a:spcAft>
+                <a:spcPts val="600"/>
+              </a:spcAft>
+            </a:pPr>
+            <a:fld id="{BB6592E8-4CB6-CA48-8DDA-14B9D6C8BDBF}" type="slidenum">
+              <a:rPr lang="pt-BR" sz="1500">
+                <a:solidFill>
+                  <a:srgbClr val="FFFFFF">
+                    <a:alpha val="80000"/>
+                  </a:srgbClr>
+                </a:solidFill>
+              </a:rPr>
+              <a:pPr algn="ctr">
+                <a:spcAft>
+                  <a:spcPts val="600"/>
+                </a:spcAft>
+              </a:pPr>
+              <a:t>24</a:t>
+            </a:fld>
+            <a:endParaRPr lang="pt-BR" sz="1500">
+              <a:solidFill>
+                <a:srgbClr val="FFFFFF">
+                  <a:alpha val="80000"/>
+                </a:srgbClr>
+              </a:solidFill>
+            </a:endParaRPr>
+          </a:p>
+        </p:txBody>
+      </p:sp>
+      <p:graphicFrame>
+        <p:nvGraphicFramePr>
+          <p:cNvPr id="20" name="Espaço Reservado para Conteúdo 8">
+            <a:extLst>
+              <a:ext uri="{FF2B5EF4-FFF2-40B4-BE49-F238E27FC236}">
+                <a16:creationId xmlns:a16="http://schemas.microsoft.com/office/drawing/2014/main" id="{F818B44D-472F-3946-84D7-528544FB3038}"/>
+              </a:ext>
+            </a:extLst>
+          </p:cNvPr>
+          <p:cNvGraphicFramePr>
+            <a:graphicFrameLocks noGrp="1"/>
+          </p:cNvGraphicFramePr>
+          <p:nvPr>
+            <p:ph idx="1"/>
+            <p:extLst>
+              <p:ext uri="{D42A27DB-BD31-4B8C-83A1-F6EECF244321}">
+                <p14:modId xmlns:p14="http://schemas.microsoft.com/office/powerpoint/2010/main" val="308754486"/>
+              </p:ext>
+            </p:extLst>
+          </p:nvPr>
+        </p:nvGraphicFramePr>
+        <p:xfrm>
+          <a:off x="5314713" y="966775"/>
+          <a:ext cx="5841959" cy="5572137"/>
+        </p:xfrm>
+        <a:graphic>
+          <a:graphicData uri="http://schemas.openxmlformats.org/drawingml/2006/table">
+            <a:tbl>
+              <a:tblPr firstRow="1">
+                <a:tableStyleId>{72833802-FEF1-4C79-8D5D-14CF1EAF98D9}</a:tableStyleId>
+              </a:tblPr>
+              <a:tblGrid>
+                <a:gridCol w="1657882">
+                  <a:extLst>
+                    <a:ext uri="{9D8B030D-6E8A-4147-A177-3AD203B41FA5}">
+                      <a16:colId xmlns:a16="http://schemas.microsoft.com/office/drawing/2014/main" val="1367811284"/>
+                    </a:ext>
+                  </a:extLst>
+                </a:gridCol>
+                <a:gridCol w="4184077">
+                  <a:extLst>
+                    <a:ext uri="{9D8B030D-6E8A-4147-A177-3AD203B41FA5}">
+                      <a16:colId xmlns:a16="http://schemas.microsoft.com/office/drawing/2014/main" val="526959745"/>
+                    </a:ext>
+                  </a:extLst>
+                </a:gridCol>
+              </a:tblGrid>
+              <a:tr h="305157">
+                <a:tc>
+                  <a:txBody>
+                    <a:bodyPr/>
+                    <a:lstStyle/>
+                    <a:p>
+                      <a:pPr algn="ctr" fontAlgn="base">
+                        <a:spcBef>
+                          <a:spcPts val="0"/>
+                        </a:spcBef>
+                        <a:spcAft>
+                          <a:spcPts val="0"/>
+                        </a:spcAft>
+                      </a:pPr>
+                      <a:r>
+                        <a:rPr lang="pt-BR" sz="1200" u="none" strike="noStrike" cap="all" dirty="0">
+                          <a:effectLst/>
+                        </a:rPr>
+                        <a:t>Padrão</a:t>
+                      </a:r>
+                      <a:endParaRPr lang="pt-BR" sz="1200" b="0" i="0" u="none" strike="noStrike" dirty="0">
+                        <a:effectLst/>
+                        <a:latin typeface="Arial" panose="020B0604020202020204" pitchFamily="34" charset="0"/>
+                      </a:endParaRPr>
+                    </a:p>
+                  </a:txBody>
+                  <a:tcPr marL="50190" marR="50190" marT="50190" marB="50190" anchor="ctr"/>
+                </a:tc>
+                <a:tc>
+                  <a:txBody>
+                    <a:bodyPr/>
+                    <a:lstStyle/>
+                    <a:p>
+                      <a:pPr algn="ctr" fontAlgn="base">
+                        <a:spcBef>
+                          <a:spcPts val="0"/>
+                        </a:spcBef>
+                        <a:spcAft>
+                          <a:spcPts val="0"/>
+                        </a:spcAft>
+                      </a:pPr>
+                      <a:r>
+                        <a:rPr lang="pt-BR" sz="1200" u="none" strike="noStrike" cap="all" dirty="0">
+                          <a:effectLst/>
+                        </a:rPr>
+                        <a:t>Casa com...</a:t>
+                      </a:r>
+                      <a:endParaRPr lang="pt-BR" sz="1200" b="0" i="0" u="none" strike="noStrike" dirty="0">
+                        <a:effectLst/>
+                        <a:latin typeface="Arial" panose="020B0604020202020204" pitchFamily="34" charset="0"/>
+                      </a:endParaRPr>
+                    </a:p>
+                  </a:txBody>
+                  <a:tcPr marL="50190" marR="50190" marT="50190" marB="50190" anchor="ctr"/>
+                </a:tc>
+                <a:extLst>
+                  <a:ext uri="{0D108BD9-81ED-4DB2-BD59-A6C34878D82A}">
+                    <a16:rowId xmlns:a16="http://schemas.microsoft.com/office/drawing/2014/main" val="1789022341"/>
+                  </a:ext>
+                </a:extLst>
+              </a:tr>
+              <a:tr h="292610">
+                <a:tc>
+                  <a:txBody>
+                    <a:bodyPr/>
+                    <a:lstStyle/>
+                    <a:p>
+                      <a:pPr algn="ctr" fontAlgn="base">
+                        <a:spcBef>
+                          <a:spcPts val="0"/>
+                        </a:spcBef>
+                        <a:spcAft>
+                          <a:spcPts val="0"/>
+                        </a:spcAft>
+                      </a:pPr>
+                      <a:r>
+                        <a:rPr lang="pt-BR" sz="1200" u="none" strike="noStrike">
+                          <a:effectLst/>
+                        </a:rPr>
+                        <a:t>[0-9]</a:t>
+                      </a:r>
+                      <a:endParaRPr lang="pt-BR" sz="1200" b="0" i="0" u="none" strike="noStrike">
+                        <a:effectLst/>
+                        <a:latin typeface="Arial" panose="020B0604020202020204" pitchFamily="34" charset="0"/>
+                      </a:endParaRPr>
+                    </a:p>
+                  </a:txBody>
+                  <a:tcPr marL="87833" marR="87833" marT="43916" marB="43916" anchor="ctr"/>
+                </a:tc>
+                <a:tc>
+                  <a:txBody>
+                    <a:bodyPr/>
+                    <a:lstStyle/>
+                    <a:p>
+                      <a:pPr algn="ctr" fontAlgn="base">
+                        <a:spcBef>
+                          <a:spcPts val="0"/>
+                        </a:spcBef>
+                        <a:spcAft>
+                          <a:spcPts val="0"/>
+                        </a:spcAft>
+                      </a:pPr>
+                      <a:r>
+                        <a:rPr lang="en-US" sz="1200" u="none" strike="noStrike">
+                          <a:effectLst/>
+                        </a:rPr>
+                        <a:t>all the digits between 0 and 9</a:t>
+                      </a:r>
+                      <a:endParaRPr lang="en-US" sz="1200" b="0" i="0" u="none" strike="noStrike">
+                        <a:effectLst/>
+                        <a:latin typeface="Arial" panose="020B0604020202020204" pitchFamily="34" charset="0"/>
+                      </a:endParaRPr>
+                    </a:p>
+                  </a:txBody>
+                  <a:tcPr marL="87833" marR="87833" marT="43916" marB="43916" anchor="ctr"/>
+                </a:tc>
+                <a:extLst>
+                  <a:ext uri="{0D108BD9-81ED-4DB2-BD59-A6C34878D82A}">
+                    <a16:rowId xmlns:a16="http://schemas.microsoft.com/office/drawing/2014/main" val="4163413070"/>
+                  </a:ext>
+                </a:extLst>
+              </a:tr>
+              <a:tr h="292610">
+                <a:tc>
+                  <a:txBody>
+                    <a:bodyPr/>
+                    <a:lstStyle/>
+                    <a:p>
+                      <a:pPr algn="ctr" fontAlgn="base">
+                        <a:spcBef>
+                          <a:spcPts val="0"/>
+                        </a:spcBef>
+                        <a:spcAft>
+                          <a:spcPts val="0"/>
+                        </a:spcAft>
+                      </a:pPr>
+                      <a:r>
+                        <a:rPr lang="pt-BR" sz="1200" u="none" strike="noStrike">
+                          <a:effectLst/>
+                        </a:rPr>
+                        <a:t>[0+9]</a:t>
+                      </a:r>
+                      <a:endParaRPr lang="pt-BR" sz="1200" b="0" i="0" u="none" strike="noStrike">
+                        <a:effectLst/>
+                        <a:latin typeface="Arial" panose="020B0604020202020204" pitchFamily="34" charset="0"/>
+                      </a:endParaRPr>
+                    </a:p>
+                  </a:txBody>
+                  <a:tcPr marL="87833" marR="87833" marT="43916" marB="43916" anchor="ctr"/>
+                </a:tc>
+                <a:tc>
+                  <a:txBody>
+                    <a:bodyPr/>
+                    <a:lstStyle/>
+                    <a:p>
+                      <a:pPr algn="ctr" fontAlgn="base">
+                        <a:spcBef>
+                          <a:spcPts val="0"/>
+                        </a:spcBef>
+                        <a:spcAft>
+                          <a:spcPts val="0"/>
+                        </a:spcAft>
+                      </a:pPr>
+                      <a:r>
+                        <a:rPr lang="pt-BR" sz="1200" u="none" strike="noStrike">
+                          <a:effectLst/>
+                        </a:rPr>
+                        <a:t>either 0, + or 9</a:t>
+                      </a:r>
+                      <a:endParaRPr lang="pt-BR" sz="1200" b="0" i="0" u="none" strike="noStrike">
+                        <a:effectLst/>
+                        <a:latin typeface="Arial" panose="020B0604020202020204" pitchFamily="34" charset="0"/>
+                      </a:endParaRPr>
+                    </a:p>
+                  </a:txBody>
+                  <a:tcPr marL="87833" marR="87833" marT="43916" marB="43916" anchor="ctr"/>
+                </a:tc>
+                <a:extLst>
+                  <a:ext uri="{0D108BD9-81ED-4DB2-BD59-A6C34878D82A}">
+                    <a16:rowId xmlns:a16="http://schemas.microsoft.com/office/drawing/2014/main" val="315392459"/>
+                  </a:ext>
+                </a:extLst>
+              </a:tr>
+              <a:tr h="292610">
+                <a:tc>
+                  <a:txBody>
+                    <a:bodyPr/>
+                    <a:lstStyle/>
+                    <a:p>
+                      <a:pPr algn="ctr" fontAlgn="base">
+                        <a:spcBef>
+                          <a:spcPts val="0"/>
+                        </a:spcBef>
+                        <a:spcAft>
+                          <a:spcPts val="0"/>
+                        </a:spcAft>
+                      </a:pPr>
+                      <a:r>
+                        <a:rPr lang="pt-BR" sz="1200" u="none" strike="noStrike">
+                          <a:effectLst/>
+                        </a:rPr>
+                        <a:t>[0, 9]</a:t>
+                      </a:r>
+                      <a:endParaRPr lang="pt-BR" sz="1200" b="0" i="0" u="none" strike="noStrike">
+                        <a:effectLst/>
+                        <a:latin typeface="Arial" panose="020B0604020202020204" pitchFamily="34" charset="0"/>
+                      </a:endParaRPr>
+                    </a:p>
+                  </a:txBody>
+                  <a:tcPr marL="87833" marR="87833" marT="43916" marB="43916" anchor="ctr"/>
+                </a:tc>
+                <a:tc>
+                  <a:txBody>
+                    <a:bodyPr/>
+                    <a:lstStyle/>
+                    <a:p>
+                      <a:pPr algn="ctr" fontAlgn="base">
+                        <a:spcBef>
+                          <a:spcPts val="0"/>
+                        </a:spcBef>
+                        <a:spcAft>
+                          <a:spcPts val="0"/>
+                        </a:spcAft>
+                      </a:pPr>
+                      <a:r>
+                        <a:rPr lang="pt-BR" sz="1200" u="none" strike="noStrike">
+                          <a:effectLst/>
+                        </a:rPr>
+                        <a:t>either 0, ‘, ‘ or 9</a:t>
+                      </a:r>
+                      <a:endParaRPr lang="pt-BR" sz="1200" b="0" i="0" u="none" strike="noStrike">
+                        <a:effectLst/>
+                        <a:latin typeface="Arial" panose="020B0604020202020204" pitchFamily="34" charset="0"/>
+                      </a:endParaRPr>
+                    </a:p>
+                  </a:txBody>
+                  <a:tcPr marL="87833" marR="87833" marT="43916" marB="43916" anchor="ctr"/>
+                </a:tc>
+                <a:extLst>
+                  <a:ext uri="{0D108BD9-81ED-4DB2-BD59-A6C34878D82A}">
+                    <a16:rowId xmlns:a16="http://schemas.microsoft.com/office/drawing/2014/main" val="655614320"/>
+                  </a:ext>
+                </a:extLst>
+              </a:tr>
+              <a:tr h="292610">
+                <a:tc>
+                  <a:txBody>
+                    <a:bodyPr/>
+                    <a:lstStyle/>
+                    <a:p>
+                      <a:pPr algn="ctr" fontAlgn="base">
+                        <a:spcBef>
+                          <a:spcPts val="0"/>
+                        </a:spcBef>
+                        <a:spcAft>
+                          <a:spcPts val="0"/>
+                        </a:spcAft>
+                      </a:pPr>
+                      <a:r>
+                        <a:rPr lang="pt-BR" sz="1200" u="none" strike="noStrike">
+                          <a:effectLst/>
+                        </a:rPr>
+                        <a:t>[0 9]</a:t>
+                      </a:r>
+                      <a:endParaRPr lang="pt-BR" sz="1200" b="0" i="0" u="none" strike="noStrike">
+                        <a:effectLst/>
+                        <a:latin typeface="Arial" panose="020B0604020202020204" pitchFamily="34" charset="0"/>
+                      </a:endParaRPr>
+                    </a:p>
+                  </a:txBody>
+                  <a:tcPr marL="87833" marR="87833" marT="43916" marB="43916" anchor="ctr"/>
+                </a:tc>
+                <a:tc>
+                  <a:txBody>
+                    <a:bodyPr/>
+                    <a:lstStyle/>
+                    <a:p>
+                      <a:pPr algn="ctr" fontAlgn="base">
+                        <a:spcBef>
+                          <a:spcPts val="0"/>
+                        </a:spcBef>
+                        <a:spcAft>
+                          <a:spcPts val="0"/>
+                        </a:spcAft>
+                      </a:pPr>
+                      <a:r>
+                        <a:rPr lang="pt-BR" sz="1200" u="none" strike="noStrike">
+                          <a:effectLst/>
+                        </a:rPr>
+                        <a:t>either 0, ‘ ‘ or 9</a:t>
+                      </a:r>
+                      <a:endParaRPr lang="pt-BR" sz="1200" b="0" i="0" u="none" strike="noStrike">
+                        <a:effectLst/>
+                        <a:latin typeface="Arial" panose="020B0604020202020204" pitchFamily="34" charset="0"/>
+                      </a:endParaRPr>
+                    </a:p>
+                  </a:txBody>
+                  <a:tcPr marL="87833" marR="87833" marT="43916" marB="43916" anchor="ctr"/>
+                </a:tc>
+                <a:extLst>
+                  <a:ext uri="{0D108BD9-81ED-4DB2-BD59-A6C34878D82A}">
+                    <a16:rowId xmlns:a16="http://schemas.microsoft.com/office/drawing/2014/main" val="644427784"/>
+                  </a:ext>
+                </a:extLst>
+              </a:tr>
+              <a:tr h="292610">
+                <a:tc>
+                  <a:txBody>
+                    <a:bodyPr/>
+                    <a:lstStyle/>
+                    <a:p>
+                      <a:pPr algn="ctr" fontAlgn="base">
+                        <a:spcBef>
+                          <a:spcPts val="0"/>
+                        </a:spcBef>
+                        <a:spcAft>
+                          <a:spcPts val="0"/>
+                        </a:spcAft>
+                      </a:pPr>
+                      <a:r>
+                        <a:rPr lang="pt-BR" sz="1200" u="none" strike="noStrike">
+                          <a:effectLst/>
+                        </a:rPr>
+                        <a:t>[-09]</a:t>
+                      </a:r>
+                      <a:endParaRPr lang="pt-BR" sz="1200" b="0" i="0" u="none" strike="noStrike">
+                        <a:effectLst/>
+                        <a:latin typeface="Arial" panose="020B0604020202020204" pitchFamily="34" charset="0"/>
+                      </a:endParaRPr>
+                    </a:p>
+                  </a:txBody>
+                  <a:tcPr marL="87833" marR="87833" marT="43916" marB="43916" anchor="ctr"/>
+                </a:tc>
+                <a:tc>
+                  <a:txBody>
+                    <a:bodyPr/>
+                    <a:lstStyle/>
+                    <a:p>
+                      <a:pPr algn="ctr" fontAlgn="base">
+                        <a:spcBef>
+                          <a:spcPts val="0"/>
+                        </a:spcBef>
+                        <a:spcAft>
+                          <a:spcPts val="0"/>
+                        </a:spcAft>
+                      </a:pPr>
+                      <a:r>
+                        <a:rPr lang="pt-BR" sz="1200" u="none" strike="noStrike">
+                          <a:effectLst/>
+                        </a:rPr>
+                        <a:t>either -, 0 or 9</a:t>
+                      </a:r>
+                      <a:endParaRPr lang="pt-BR" sz="1200" b="0" i="0" u="none" strike="noStrike">
+                        <a:effectLst/>
+                        <a:latin typeface="Arial" panose="020B0604020202020204" pitchFamily="34" charset="0"/>
+                      </a:endParaRPr>
+                    </a:p>
+                  </a:txBody>
+                  <a:tcPr marL="87833" marR="87833" marT="43916" marB="43916" anchor="ctr"/>
+                </a:tc>
+                <a:extLst>
+                  <a:ext uri="{0D108BD9-81ED-4DB2-BD59-A6C34878D82A}">
+                    <a16:rowId xmlns:a16="http://schemas.microsoft.com/office/drawing/2014/main" val="1200995774"/>
+                  </a:ext>
+                </a:extLst>
+              </a:tr>
+              <a:tr h="292610">
+                <a:tc>
+                  <a:txBody>
+                    <a:bodyPr/>
+                    <a:lstStyle/>
+                    <a:p>
+                      <a:pPr algn="ctr" fontAlgn="base">
+                        <a:spcBef>
+                          <a:spcPts val="0"/>
+                        </a:spcBef>
+                        <a:spcAft>
+                          <a:spcPts val="0"/>
+                        </a:spcAft>
+                      </a:pPr>
+                      <a:r>
+                        <a:rPr lang="pt-BR" sz="1200" u="none" strike="noStrike">
+                          <a:effectLst/>
+                        </a:rPr>
+                        <a:t>[-0-9]</a:t>
+                      </a:r>
+                      <a:endParaRPr lang="pt-BR" sz="1200" b="0" i="0" u="none" strike="noStrike">
+                        <a:effectLst/>
+                        <a:latin typeface="Arial" panose="020B0604020202020204" pitchFamily="34" charset="0"/>
+                      </a:endParaRPr>
+                    </a:p>
+                  </a:txBody>
+                  <a:tcPr marL="87833" marR="87833" marT="43916" marB="43916" anchor="ctr"/>
+                </a:tc>
+                <a:tc>
+                  <a:txBody>
+                    <a:bodyPr/>
+                    <a:lstStyle/>
+                    <a:p>
+                      <a:pPr algn="ctr" fontAlgn="base">
+                        <a:spcBef>
+                          <a:spcPts val="0"/>
+                        </a:spcBef>
+                        <a:spcAft>
+                          <a:spcPts val="0"/>
+                        </a:spcAft>
+                      </a:pPr>
+                      <a:r>
+                        <a:rPr lang="en-US" sz="1200" u="none" strike="noStrike">
+                          <a:effectLst/>
+                        </a:rPr>
+                        <a:t>either – or all digit between 0 and 9</a:t>
+                      </a:r>
+                      <a:endParaRPr lang="en-US" sz="1200" b="0" i="0" u="none" strike="noStrike">
+                        <a:effectLst/>
+                        <a:latin typeface="Arial" panose="020B0604020202020204" pitchFamily="34" charset="0"/>
+                      </a:endParaRPr>
+                    </a:p>
+                  </a:txBody>
+                  <a:tcPr marL="87833" marR="87833" marT="43916" marB="43916" anchor="ctr"/>
+                </a:tc>
+                <a:extLst>
+                  <a:ext uri="{0D108BD9-81ED-4DB2-BD59-A6C34878D82A}">
+                    <a16:rowId xmlns:a16="http://schemas.microsoft.com/office/drawing/2014/main" val="2925203352"/>
+                  </a:ext>
+                </a:extLst>
+              </a:tr>
+              <a:tr h="292610">
+                <a:tc>
+                  <a:txBody>
+                    <a:bodyPr/>
+                    <a:lstStyle/>
+                    <a:p>
+                      <a:pPr algn="ctr" fontAlgn="base">
+                        <a:spcBef>
+                          <a:spcPts val="0"/>
+                        </a:spcBef>
+                        <a:spcAft>
+                          <a:spcPts val="0"/>
+                        </a:spcAft>
+                      </a:pPr>
+                      <a:r>
+                        <a:rPr lang="pt-BR" sz="1200" u="none" strike="noStrike">
+                          <a:effectLst/>
+                        </a:rPr>
+                        <a:t>[0-9]+</a:t>
+                      </a:r>
+                      <a:endParaRPr lang="pt-BR" sz="1200" b="0" i="0" u="none" strike="noStrike">
+                        <a:effectLst/>
+                        <a:latin typeface="Arial" panose="020B0604020202020204" pitchFamily="34" charset="0"/>
+                      </a:endParaRPr>
+                    </a:p>
+                  </a:txBody>
+                  <a:tcPr marL="87833" marR="87833" marT="43916" marB="43916" anchor="ctr"/>
+                </a:tc>
+                <a:tc>
+                  <a:txBody>
+                    <a:bodyPr/>
+                    <a:lstStyle/>
+                    <a:p>
+                      <a:pPr algn="ctr" fontAlgn="base">
+                        <a:spcBef>
+                          <a:spcPts val="0"/>
+                        </a:spcBef>
+                        <a:spcAft>
+                          <a:spcPts val="0"/>
+                        </a:spcAft>
+                      </a:pPr>
+                      <a:r>
+                        <a:rPr lang="en-US" sz="1200" u="none" strike="noStrike">
+                          <a:effectLst/>
+                        </a:rPr>
+                        <a:t>one or more digit between 0 and 9</a:t>
+                      </a:r>
+                      <a:endParaRPr lang="en-US" sz="1200" b="0" i="0" u="none" strike="noStrike">
+                        <a:effectLst/>
+                        <a:latin typeface="Arial" panose="020B0604020202020204" pitchFamily="34" charset="0"/>
+                      </a:endParaRPr>
+                    </a:p>
+                  </a:txBody>
+                  <a:tcPr marL="87833" marR="87833" marT="43916" marB="43916" anchor="ctr"/>
+                </a:tc>
+                <a:extLst>
+                  <a:ext uri="{0D108BD9-81ED-4DB2-BD59-A6C34878D82A}">
+                    <a16:rowId xmlns:a16="http://schemas.microsoft.com/office/drawing/2014/main" val="640236848"/>
+                  </a:ext>
+                </a:extLst>
+              </a:tr>
+              <a:tr h="292610">
+                <a:tc>
+                  <a:txBody>
+                    <a:bodyPr/>
+                    <a:lstStyle/>
+                    <a:p>
+                      <a:pPr algn="ctr" fontAlgn="base">
+                        <a:spcBef>
+                          <a:spcPts val="0"/>
+                        </a:spcBef>
+                        <a:spcAft>
+                          <a:spcPts val="0"/>
+                        </a:spcAft>
+                      </a:pPr>
+                      <a:r>
+                        <a:rPr lang="pt-BR" sz="1200" u="none" strike="noStrike">
+                          <a:effectLst/>
+                        </a:rPr>
+                        <a:t>[^a]</a:t>
+                      </a:r>
+                      <a:endParaRPr lang="pt-BR" sz="1200" b="0" i="0" u="none" strike="noStrike">
+                        <a:effectLst/>
+                        <a:latin typeface="Arial" panose="020B0604020202020204" pitchFamily="34" charset="0"/>
+                      </a:endParaRPr>
+                    </a:p>
+                  </a:txBody>
+                  <a:tcPr marL="87833" marR="87833" marT="43916" marB="43916" anchor="ctr"/>
+                </a:tc>
+                <a:tc>
+                  <a:txBody>
+                    <a:bodyPr/>
+                    <a:lstStyle/>
+                    <a:p>
+                      <a:pPr algn="ctr" fontAlgn="base">
+                        <a:spcBef>
+                          <a:spcPts val="0"/>
+                        </a:spcBef>
+                        <a:spcAft>
+                          <a:spcPts val="0"/>
+                        </a:spcAft>
+                      </a:pPr>
+                      <a:r>
+                        <a:rPr lang="en-US" sz="1200" u="none" strike="noStrike">
+                          <a:effectLst/>
+                        </a:rPr>
+                        <a:t>all the other characters except a</a:t>
+                      </a:r>
+                      <a:endParaRPr lang="en-US" sz="1200" b="0" i="0" u="none" strike="noStrike">
+                        <a:effectLst/>
+                        <a:latin typeface="Arial" panose="020B0604020202020204" pitchFamily="34" charset="0"/>
+                      </a:endParaRPr>
+                    </a:p>
+                  </a:txBody>
+                  <a:tcPr marL="87833" marR="87833" marT="43916" marB="43916" anchor="ctr"/>
+                </a:tc>
+                <a:extLst>
+                  <a:ext uri="{0D108BD9-81ED-4DB2-BD59-A6C34878D82A}">
+                    <a16:rowId xmlns:a16="http://schemas.microsoft.com/office/drawing/2014/main" val="3056834726"/>
+                  </a:ext>
+                </a:extLst>
+              </a:tr>
+              <a:tr h="292610">
+                <a:tc>
+                  <a:txBody>
+                    <a:bodyPr/>
+                    <a:lstStyle/>
+                    <a:p>
+                      <a:pPr algn="ctr" fontAlgn="base">
+                        <a:spcBef>
+                          <a:spcPts val="0"/>
+                        </a:spcBef>
+                        <a:spcAft>
+                          <a:spcPts val="0"/>
+                        </a:spcAft>
+                      </a:pPr>
+                      <a:r>
+                        <a:rPr lang="pt-BR" sz="1200" u="none" strike="noStrike">
+                          <a:effectLst/>
+                        </a:rPr>
+                        <a:t>[^A-Z]</a:t>
+                      </a:r>
+                      <a:endParaRPr lang="pt-BR" sz="1200" b="0" i="0" u="none" strike="noStrike">
+                        <a:effectLst/>
+                        <a:latin typeface="Arial" panose="020B0604020202020204" pitchFamily="34" charset="0"/>
+                      </a:endParaRPr>
+                    </a:p>
+                  </a:txBody>
+                  <a:tcPr marL="87833" marR="87833" marT="43916" marB="43916" anchor="ctr"/>
+                </a:tc>
+                <a:tc>
+                  <a:txBody>
+                    <a:bodyPr/>
+                    <a:lstStyle/>
+                    <a:p>
+                      <a:pPr algn="ctr" fontAlgn="base">
+                        <a:spcBef>
+                          <a:spcPts val="0"/>
+                        </a:spcBef>
+                        <a:spcAft>
+                          <a:spcPts val="0"/>
+                        </a:spcAft>
+                      </a:pPr>
+                      <a:r>
+                        <a:rPr lang="en-US" sz="1200" u="none" strike="noStrike">
+                          <a:effectLst/>
+                        </a:rPr>
+                        <a:t>all the other characters except the upper case letters</a:t>
+                      </a:r>
+                      <a:endParaRPr lang="en-US" sz="1200" b="0" i="0" u="none" strike="noStrike">
+                        <a:effectLst/>
+                        <a:latin typeface="Arial" panose="020B0604020202020204" pitchFamily="34" charset="0"/>
+                      </a:endParaRPr>
+                    </a:p>
+                  </a:txBody>
+                  <a:tcPr marL="87833" marR="87833" marT="43916" marB="43916" anchor="ctr"/>
+                </a:tc>
+                <a:extLst>
+                  <a:ext uri="{0D108BD9-81ED-4DB2-BD59-A6C34878D82A}">
+                    <a16:rowId xmlns:a16="http://schemas.microsoft.com/office/drawing/2014/main" val="1821273624"/>
+                  </a:ext>
+                </a:extLst>
+              </a:tr>
+              <a:tr h="292610">
+                <a:tc>
+                  <a:txBody>
+                    <a:bodyPr/>
+                    <a:lstStyle/>
+                    <a:p>
+                      <a:pPr algn="ctr" fontAlgn="base">
+                        <a:spcBef>
+                          <a:spcPts val="0"/>
+                        </a:spcBef>
+                        <a:spcAft>
+                          <a:spcPts val="0"/>
+                        </a:spcAft>
+                      </a:pPr>
+                      <a:r>
+                        <a:rPr lang="pt-BR" sz="1200" u="none" strike="noStrike">
+                          <a:effectLst/>
+                        </a:rPr>
+                        <a:t>a{2, 4}</a:t>
+                      </a:r>
+                      <a:endParaRPr lang="pt-BR" sz="1200" b="0" i="0" u="none" strike="noStrike">
+                        <a:effectLst/>
+                        <a:latin typeface="Arial" panose="020B0604020202020204" pitchFamily="34" charset="0"/>
+                      </a:endParaRPr>
+                    </a:p>
+                  </a:txBody>
+                  <a:tcPr marL="87833" marR="87833" marT="43916" marB="43916" anchor="ctr"/>
+                </a:tc>
+                <a:tc>
+                  <a:txBody>
+                    <a:bodyPr/>
+                    <a:lstStyle/>
+                    <a:p>
+                      <a:pPr algn="ctr" fontAlgn="base">
+                        <a:spcBef>
+                          <a:spcPts val="0"/>
+                        </a:spcBef>
+                        <a:spcAft>
+                          <a:spcPts val="0"/>
+                        </a:spcAft>
+                      </a:pPr>
+                      <a:r>
+                        <a:rPr lang="en-US" sz="1200" u="none" strike="noStrike">
+                          <a:effectLst/>
+                        </a:rPr>
+                        <a:t>either aa, aaa or aaaa</a:t>
+                      </a:r>
+                      <a:endParaRPr lang="en-US" sz="1200" b="0" i="0" u="none" strike="noStrike">
+                        <a:effectLst/>
+                        <a:latin typeface="Arial" panose="020B0604020202020204" pitchFamily="34" charset="0"/>
+                      </a:endParaRPr>
+                    </a:p>
+                  </a:txBody>
+                  <a:tcPr marL="87833" marR="87833" marT="43916" marB="43916" anchor="ctr"/>
+                </a:tc>
+                <a:extLst>
+                  <a:ext uri="{0D108BD9-81ED-4DB2-BD59-A6C34878D82A}">
+                    <a16:rowId xmlns:a16="http://schemas.microsoft.com/office/drawing/2014/main" val="1751030859"/>
+                  </a:ext>
+                </a:extLst>
+              </a:tr>
+              <a:tr h="292610">
+                <a:tc>
+                  <a:txBody>
+                    <a:bodyPr/>
+                    <a:lstStyle/>
+                    <a:p>
+                      <a:pPr algn="ctr" fontAlgn="base">
+                        <a:spcBef>
+                          <a:spcPts val="0"/>
+                        </a:spcBef>
+                        <a:spcAft>
+                          <a:spcPts val="0"/>
+                        </a:spcAft>
+                      </a:pPr>
+                      <a:r>
+                        <a:rPr lang="pt-BR" sz="1200" u="none" strike="noStrike">
+                          <a:effectLst/>
+                        </a:rPr>
+                        <a:t>a{2, }</a:t>
+                      </a:r>
+                      <a:endParaRPr lang="pt-BR" sz="1200" b="0" i="0" u="none" strike="noStrike">
+                        <a:effectLst/>
+                        <a:latin typeface="Arial" panose="020B0604020202020204" pitchFamily="34" charset="0"/>
+                      </a:endParaRPr>
+                    </a:p>
+                  </a:txBody>
+                  <a:tcPr marL="87833" marR="87833" marT="43916" marB="43916" anchor="ctr"/>
+                </a:tc>
+                <a:tc>
+                  <a:txBody>
+                    <a:bodyPr/>
+                    <a:lstStyle/>
+                    <a:p>
+                      <a:pPr algn="ctr" fontAlgn="base">
+                        <a:spcBef>
+                          <a:spcPts val="0"/>
+                        </a:spcBef>
+                        <a:spcAft>
+                          <a:spcPts val="0"/>
+                        </a:spcAft>
+                      </a:pPr>
+                      <a:r>
+                        <a:rPr lang="en-US" sz="1200" u="none" strike="noStrike">
+                          <a:effectLst/>
+                        </a:rPr>
+                        <a:t>two or more occurrences of a</a:t>
+                      </a:r>
+                      <a:endParaRPr lang="en-US" sz="1200" b="0" i="0" u="none" strike="noStrike">
+                        <a:effectLst/>
+                        <a:latin typeface="Arial" panose="020B0604020202020204" pitchFamily="34" charset="0"/>
+                      </a:endParaRPr>
+                    </a:p>
+                  </a:txBody>
+                  <a:tcPr marL="87833" marR="87833" marT="43916" marB="43916" anchor="ctr"/>
+                </a:tc>
+                <a:extLst>
+                  <a:ext uri="{0D108BD9-81ED-4DB2-BD59-A6C34878D82A}">
+                    <a16:rowId xmlns:a16="http://schemas.microsoft.com/office/drawing/2014/main" val="2355512719"/>
+                  </a:ext>
+                </a:extLst>
+              </a:tr>
+              <a:tr h="292610">
+                <a:tc>
+                  <a:txBody>
+                    <a:bodyPr/>
+                    <a:lstStyle/>
+                    <a:p>
+                      <a:pPr algn="ctr" fontAlgn="base">
+                        <a:spcBef>
+                          <a:spcPts val="0"/>
+                        </a:spcBef>
+                        <a:spcAft>
+                          <a:spcPts val="0"/>
+                        </a:spcAft>
+                      </a:pPr>
+                      <a:r>
+                        <a:rPr lang="pt-BR" sz="1200" u="none" strike="noStrike">
+                          <a:effectLst/>
+                        </a:rPr>
+                        <a:t>a{4}</a:t>
+                      </a:r>
+                      <a:endParaRPr lang="pt-BR" sz="1200" b="0" i="0" u="none" strike="noStrike">
+                        <a:effectLst/>
+                        <a:latin typeface="Arial" panose="020B0604020202020204" pitchFamily="34" charset="0"/>
+                      </a:endParaRPr>
+                    </a:p>
+                  </a:txBody>
+                  <a:tcPr marL="87833" marR="87833" marT="43916" marB="43916" anchor="ctr"/>
+                </a:tc>
+                <a:tc>
+                  <a:txBody>
+                    <a:bodyPr/>
+                    <a:lstStyle/>
+                    <a:p>
+                      <a:pPr algn="ctr" fontAlgn="base">
+                        <a:spcBef>
+                          <a:spcPts val="0"/>
+                        </a:spcBef>
+                        <a:spcAft>
+                          <a:spcPts val="0"/>
+                        </a:spcAft>
+                      </a:pPr>
+                      <a:r>
+                        <a:rPr lang="en-US" sz="1200" u="none" strike="noStrike">
+                          <a:effectLst/>
+                        </a:rPr>
+                        <a:t>exactly 4 a’s i.e, aaaa</a:t>
+                      </a:r>
+                      <a:endParaRPr lang="en-US" sz="1200" b="0" i="0" u="none" strike="noStrike">
+                        <a:effectLst/>
+                        <a:latin typeface="Arial" panose="020B0604020202020204" pitchFamily="34" charset="0"/>
+                      </a:endParaRPr>
+                    </a:p>
+                  </a:txBody>
+                  <a:tcPr marL="87833" marR="87833" marT="43916" marB="43916" anchor="ctr"/>
+                </a:tc>
+                <a:extLst>
+                  <a:ext uri="{0D108BD9-81ED-4DB2-BD59-A6C34878D82A}">
+                    <a16:rowId xmlns:a16="http://schemas.microsoft.com/office/drawing/2014/main" val="1204501736"/>
+                  </a:ext>
+                </a:extLst>
+              </a:tr>
+              <a:tr h="292610">
+                <a:tc>
+                  <a:txBody>
+                    <a:bodyPr/>
+                    <a:lstStyle/>
+                    <a:p>
+                      <a:pPr algn="ctr" fontAlgn="base">
+                        <a:spcBef>
+                          <a:spcPts val="0"/>
+                        </a:spcBef>
+                        <a:spcAft>
+                          <a:spcPts val="0"/>
+                        </a:spcAft>
+                      </a:pPr>
+                      <a:r>
+                        <a:rPr lang="pt-BR" sz="1200" u="none" strike="noStrike">
+                          <a:effectLst/>
+                        </a:rPr>
+                        <a:t>.</a:t>
+                      </a:r>
+                      <a:endParaRPr lang="pt-BR" sz="1200" b="0" i="0" u="none" strike="noStrike">
+                        <a:effectLst/>
+                        <a:latin typeface="Arial" panose="020B0604020202020204" pitchFamily="34" charset="0"/>
+                      </a:endParaRPr>
+                    </a:p>
+                  </a:txBody>
+                  <a:tcPr marL="87833" marR="87833" marT="43916" marB="43916" anchor="ctr"/>
+                </a:tc>
+                <a:tc>
+                  <a:txBody>
+                    <a:bodyPr/>
+                    <a:lstStyle/>
+                    <a:p>
+                      <a:pPr algn="ctr" fontAlgn="base">
+                        <a:spcBef>
+                          <a:spcPts val="0"/>
+                        </a:spcBef>
+                        <a:spcAft>
+                          <a:spcPts val="0"/>
+                        </a:spcAft>
+                      </a:pPr>
+                      <a:r>
+                        <a:rPr lang="pt-BR" sz="1200" u="none" strike="noStrike">
+                          <a:effectLst/>
+                        </a:rPr>
+                        <a:t>any character except newline</a:t>
+                      </a:r>
+                      <a:endParaRPr lang="pt-BR" sz="1200" b="0" i="0" u="none" strike="noStrike">
+                        <a:effectLst/>
+                        <a:latin typeface="Arial" panose="020B0604020202020204" pitchFamily="34" charset="0"/>
+                      </a:endParaRPr>
+                    </a:p>
+                  </a:txBody>
+                  <a:tcPr marL="87833" marR="87833" marT="43916" marB="43916" anchor="ctr"/>
+                </a:tc>
+                <a:extLst>
+                  <a:ext uri="{0D108BD9-81ED-4DB2-BD59-A6C34878D82A}">
+                    <a16:rowId xmlns:a16="http://schemas.microsoft.com/office/drawing/2014/main" val="3658361101"/>
+                  </a:ext>
+                </a:extLst>
+              </a:tr>
+              <a:tr h="292610">
+                <a:tc>
+                  <a:txBody>
+                    <a:bodyPr/>
+                    <a:lstStyle/>
+                    <a:p>
+                      <a:pPr algn="ctr" fontAlgn="base">
+                        <a:spcBef>
+                          <a:spcPts val="0"/>
+                        </a:spcBef>
+                        <a:spcAft>
+                          <a:spcPts val="0"/>
+                        </a:spcAft>
+                      </a:pPr>
+                      <a:r>
+                        <a:rPr lang="pt-BR" sz="1200" u="none" strike="noStrike">
+                          <a:effectLst/>
+                        </a:rPr>
+                        <a:t>a*</a:t>
+                      </a:r>
+                      <a:endParaRPr lang="pt-BR" sz="1200" b="0" i="0" u="none" strike="noStrike">
+                        <a:effectLst/>
+                        <a:latin typeface="Arial" panose="020B0604020202020204" pitchFamily="34" charset="0"/>
+                      </a:endParaRPr>
+                    </a:p>
+                  </a:txBody>
+                  <a:tcPr marL="87833" marR="87833" marT="43916" marB="43916" anchor="ctr"/>
+                </a:tc>
+                <a:tc>
+                  <a:txBody>
+                    <a:bodyPr/>
+                    <a:lstStyle/>
+                    <a:p>
+                      <a:pPr algn="ctr" fontAlgn="base">
+                        <a:spcBef>
+                          <a:spcPts val="0"/>
+                        </a:spcBef>
+                        <a:spcAft>
+                          <a:spcPts val="0"/>
+                        </a:spcAft>
+                      </a:pPr>
+                      <a:r>
+                        <a:rPr lang="en-US" sz="1200" u="none" strike="noStrike">
+                          <a:effectLst/>
+                        </a:rPr>
+                        <a:t>0 or more occurrences of a</a:t>
+                      </a:r>
+                      <a:endParaRPr lang="en-US" sz="1200" b="0" i="0" u="none" strike="noStrike">
+                        <a:effectLst/>
+                        <a:latin typeface="Arial" panose="020B0604020202020204" pitchFamily="34" charset="0"/>
+                      </a:endParaRPr>
+                    </a:p>
+                  </a:txBody>
+                  <a:tcPr marL="87833" marR="87833" marT="43916" marB="43916" anchor="ctr"/>
+                </a:tc>
+                <a:extLst>
+                  <a:ext uri="{0D108BD9-81ED-4DB2-BD59-A6C34878D82A}">
+                    <a16:rowId xmlns:a16="http://schemas.microsoft.com/office/drawing/2014/main" val="2406694935"/>
+                  </a:ext>
+                </a:extLst>
+              </a:tr>
+              <a:tr h="292610">
+                <a:tc>
+                  <a:txBody>
+                    <a:bodyPr/>
+                    <a:lstStyle/>
+                    <a:p>
+                      <a:pPr algn="ctr" fontAlgn="base">
+                        <a:spcBef>
+                          <a:spcPts val="0"/>
+                        </a:spcBef>
+                        <a:spcAft>
+                          <a:spcPts val="0"/>
+                        </a:spcAft>
+                      </a:pPr>
+                      <a:r>
+                        <a:rPr lang="pt-BR" sz="1200" u="none" strike="noStrike">
+                          <a:effectLst/>
+                        </a:rPr>
+                        <a:t>a+</a:t>
+                      </a:r>
+                      <a:endParaRPr lang="pt-BR" sz="1200" b="0" i="0" u="none" strike="noStrike">
+                        <a:effectLst/>
+                        <a:latin typeface="Arial" panose="020B0604020202020204" pitchFamily="34" charset="0"/>
+                      </a:endParaRPr>
+                    </a:p>
+                  </a:txBody>
+                  <a:tcPr marL="87833" marR="87833" marT="43916" marB="43916" anchor="ctr"/>
+                </a:tc>
+                <a:tc>
+                  <a:txBody>
+                    <a:bodyPr/>
+                    <a:lstStyle/>
+                    <a:p>
+                      <a:pPr algn="ctr" fontAlgn="base">
+                        <a:spcBef>
+                          <a:spcPts val="0"/>
+                        </a:spcBef>
+                        <a:spcAft>
+                          <a:spcPts val="0"/>
+                        </a:spcAft>
+                      </a:pPr>
+                      <a:r>
+                        <a:rPr lang="en-US" sz="1200" u="none" strike="noStrike">
+                          <a:effectLst/>
+                        </a:rPr>
+                        <a:t>1 or more occurrences of a</a:t>
+                      </a:r>
+                      <a:endParaRPr lang="en-US" sz="1200" b="0" i="0" u="none" strike="noStrike">
+                        <a:effectLst/>
+                        <a:latin typeface="Arial" panose="020B0604020202020204" pitchFamily="34" charset="0"/>
+                      </a:endParaRPr>
+                    </a:p>
+                  </a:txBody>
+                  <a:tcPr marL="87833" marR="87833" marT="43916" marB="43916" anchor="ctr"/>
+                </a:tc>
+                <a:extLst>
+                  <a:ext uri="{0D108BD9-81ED-4DB2-BD59-A6C34878D82A}">
+                    <a16:rowId xmlns:a16="http://schemas.microsoft.com/office/drawing/2014/main" val="792033576"/>
+                  </a:ext>
+                </a:extLst>
+              </a:tr>
+              <a:tr h="292610">
+                <a:tc>
+                  <a:txBody>
+                    <a:bodyPr/>
+                    <a:lstStyle/>
+                    <a:p>
+                      <a:pPr algn="ctr" fontAlgn="base">
+                        <a:spcBef>
+                          <a:spcPts val="0"/>
+                        </a:spcBef>
+                        <a:spcAft>
+                          <a:spcPts val="0"/>
+                        </a:spcAft>
+                      </a:pPr>
+                      <a:r>
+                        <a:rPr lang="pt-BR" sz="1200" u="none" strike="noStrike">
+                          <a:effectLst/>
+                        </a:rPr>
+                        <a:t>[a-z]</a:t>
+                      </a:r>
+                      <a:endParaRPr lang="pt-BR" sz="1200" b="0" i="0" u="none" strike="noStrike">
+                        <a:effectLst/>
+                        <a:latin typeface="Arial" panose="020B0604020202020204" pitchFamily="34" charset="0"/>
+                      </a:endParaRPr>
+                    </a:p>
+                  </a:txBody>
+                  <a:tcPr marL="87833" marR="87833" marT="43916" marB="43916" anchor="ctr"/>
+                </a:tc>
+                <a:tc>
+                  <a:txBody>
+                    <a:bodyPr/>
+                    <a:lstStyle/>
+                    <a:p>
+                      <a:pPr algn="ctr" fontAlgn="base">
+                        <a:spcBef>
+                          <a:spcPts val="0"/>
+                        </a:spcBef>
+                        <a:spcAft>
+                          <a:spcPts val="0"/>
+                        </a:spcAft>
+                      </a:pPr>
+                      <a:r>
+                        <a:rPr lang="pt-BR" sz="1200" u="none" strike="noStrike">
+                          <a:effectLst/>
+                        </a:rPr>
+                        <a:t>all lower case letters</a:t>
+                      </a:r>
+                      <a:endParaRPr lang="pt-BR" sz="1200" b="0" i="0" u="none" strike="noStrike">
+                        <a:effectLst/>
+                        <a:latin typeface="Arial" panose="020B0604020202020204" pitchFamily="34" charset="0"/>
+                      </a:endParaRPr>
+                    </a:p>
+                  </a:txBody>
+                  <a:tcPr marL="87833" marR="87833" marT="43916" marB="43916" anchor="ctr"/>
+                </a:tc>
+                <a:extLst>
+                  <a:ext uri="{0D108BD9-81ED-4DB2-BD59-A6C34878D82A}">
+                    <a16:rowId xmlns:a16="http://schemas.microsoft.com/office/drawing/2014/main" val="3556612657"/>
+                  </a:ext>
+                </a:extLst>
+              </a:tr>
+              <a:tr h="292610">
+                <a:tc>
+                  <a:txBody>
+                    <a:bodyPr/>
+                    <a:lstStyle/>
+                    <a:p>
+                      <a:pPr algn="ctr" fontAlgn="base">
+                        <a:spcBef>
+                          <a:spcPts val="0"/>
+                        </a:spcBef>
+                        <a:spcAft>
+                          <a:spcPts val="0"/>
+                        </a:spcAft>
+                      </a:pPr>
+                      <a:r>
+                        <a:rPr lang="pt-BR" sz="1200" u="none" strike="noStrike">
+                          <a:effectLst/>
+                        </a:rPr>
+                        <a:t>[a-zA-Z]</a:t>
+                      </a:r>
+                      <a:endParaRPr lang="pt-BR" sz="1200" b="0" i="0" u="none" strike="noStrike">
+                        <a:effectLst/>
+                        <a:latin typeface="Arial" panose="020B0604020202020204" pitchFamily="34" charset="0"/>
+                      </a:endParaRPr>
+                    </a:p>
+                  </a:txBody>
+                  <a:tcPr marL="87833" marR="87833" marT="43916" marB="43916" anchor="ctr"/>
+                </a:tc>
+                <a:tc>
+                  <a:txBody>
+                    <a:bodyPr/>
+                    <a:lstStyle/>
+                    <a:p>
+                      <a:pPr algn="ctr" fontAlgn="base">
+                        <a:spcBef>
+                          <a:spcPts val="0"/>
+                        </a:spcBef>
+                        <a:spcAft>
+                          <a:spcPts val="0"/>
+                        </a:spcAft>
+                      </a:pPr>
+                      <a:r>
+                        <a:rPr lang="pt-BR" sz="1200" u="none" strike="noStrike">
+                          <a:effectLst/>
+                        </a:rPr>
+                        <a:t>any alphabetic letter</a:t>
+                      </a:r>
+                      <a:endParaRPr lang="pt-BR" sz="1200" b="0" i="0" u="none" strike="noStrike">
+                        <a:effectLst/>
+                        <a:latin typeface="Arial" panose="020B0604020202020204" pitchFamily="34" charset="0"/>
+                      </a:endParaRPr>
+                    </a:p>
+                  </a:txBody>
+                  <a:tcPr marL="87833" marR="87833" marT="43916" marB="43916" anchor="ctr"/>
+                </a:tc>
+                <a:extLst>
+                  <a:ext uri="{0D108BD9-81ED-4DB2-BD59-A6C34878D82A}">
+                    <a16:rowId xmlns:a16="http://schemas.microsoft.com/office/drawing/2014/main" val="2965452822"/>
+                  </a:ext>
+                </a:extLst>
+              </a:tr>
+              <a:tr h="292610">
+                <a:tc>
+                  <a:txBody>
+                    <a:bodyPr/>
+                    <a:lstStyle/>
+                    <a:p>
+                      <a:pPr algn="ctr" fontAlgn="base">
+                        <a:spcBef>
+                          <a:spcPts val="0"/>
+                        </a:spcBef>
+                        <a:spcAft>
+                          <a:spcPts val="0"/>
+                        </a:spcAft>
+                      </a:pPr>
+                      <a:r>
+                        <a:rPr lang="pt-BR" sz="1200" u="none" strike="noStrike">
+                          <a:effectLst/>
+                        </a:rPr>
+                        <a:t>w(x | y)z</a:t>
+                      </a:r>
+                      <a:endParaRPr lang="pt-BR" sz="1200" b="0" i="0" u="none" strike="noStrike">
+                        <a:effectLst/>
+                        <a:latin typeface="Arial" panose="020B0604020202020204" pitchFamily="34" charset="0"/>
+                      </a:endParaRPr>
+                    </a:p>
+                  </a:txBody>
+                  <a:tcPr marL="87833" marR="87833" marT="43916" marB="43916" anchor="ctr"/>
+                </a:tc>
+                <a:tc>
+                  <a:txBody>
+                    <a:bodyPr/>
+                    <a:lstStyle/>
+                    <a:p>
+                      <a:pPr algn="ctr" fontAlgn="base">
+                        <a:spcBef>
+                          <a:spcPts val="0"/>
+                        </a:spcBef>
+                        <a:spcAft>
+                          <a:spcPts val="0"/>
+                        </a:spcAft>
+                      </a:pPr>
+                      <a:r>
+                        <a:rPr lang="pt-BR" sz="1200" u="none" strike="noStrike" dirty="0" err="1">
+                          <a:effectLst/>
+                        </a:rPr>
+                        <a:t>wxz</a:t>
+                      </a:r>
+                      <a:r>
+                        <a:rPr lang="pt-BR" sz="1200" u="none" strike="noStrike" dirty="0">
+                          <a:effectLst/>
+                        </a:rPr>
+                        <a:t> </a:t>
+                      </a:r>
+                      <a:r>
+                        <a:rPr lang="pt-BR" sz="1200" u="none" strike="noStrike" dirty="0" err="1">
+                          <a:effectLst/>
+                        </a:rPr>
+                        <a:t>or</a:t>
+                      </a:r>
+                      <a:r>
+                        <a:rPr lang="pt-BR" sz="1200" u="none" strike="noStrike" dirty="0">
+                          <a:effectLst/>
+                        </a:rPr>
+                        <a:t> </a:t>
+                      </a:r>
+                      <a:r>
+                        <a:rPr lang="pt-BR" sz="1200" u="none" strike="noStrike" dirty="0" err="1">
+                          <a:effectLst/>
+                        </a:rPr>
+                        <a:t>wyz</a:t>
+                      </a:r>
+                      <a:endParaRPr lang="pt-BR" sz="1200" b="0" i="0" u="none" strike="noStrike" dirty="0">
+                        <a:effectLst/>
+                        <a:latin typeface="Arial" panose="020B0604020202020204" pitchFamily="34" charset="0"/>
+                      </a:endParaRPr>
+                    </a:p>
+                  </a:txBody>
+                  <a:tcPr marL="87833" marR="87833" marT="43916" marB="43916" anchor="ctr"/>
+                </a:tc>
+                <a:extLst>
+                  <a:ext uri="{0D108BD9-81ED-4DB2-BD59-A6C34878D82A}">
+                    <a16:rowId xmlns:a16="http://schemas.microsoft.com/office/drawing/2014/main" val="4154246225"/>
+                  </a:ext>
+                </a:extLst>
+              </a:tr>
+            </a:tbl>
+          </a:graphicData>
+        </a:graphic>
+      </p:graphicFrame>
+      <p:sp>
+        <p:nvSpPr>
+          <p:cNvPr id="10" name="CaixaDeTexto 9">
+            <a:extLst>
+              <a:ext uri="{FF2B5EF4-FFF2-40B4-BE49-F238E27FC236}">
+                <a16:creationId xmlns:a16="http://schemas.microsoft.com/office/drawing/2014/main" id="{4A5BB09D-1FCE-1847-A89C-28821A8DCD7C}"/>
+              </a:ext>
+            </a:extLst>
+          </p:cNvPr>
+          <p:cNvSpPr txBox="1"/>
+          <p:nvPr/>
+        </p:nvSpPr>
+        <p:spPr>
+          <a:xfrm>
+            <a:off x="11490884" y="642938"/>
+            <a:ext cx="323165" cy="4524315"/>
+          </a:xfrm>
+          <a:prstGeom prst="rect">
+            <a:avLst/>
+          </a:prstGeom>
+          <a:noFill/>
+        </p:spPr>
+        <p:txBody>
+          <a:bodyPr vert="vert" wrap="square" rtlCol="0">
+            <a:spAutoFit/>
+          </a:bodyPr>
+          <a:lstStyle/>
+          <a:p>
+            <a:r>
+              <a:rPr lang="pt-BR" sz="900" dirty="0"/>
+              <a:t>Tabela adaptada de </a:t>
+            </a:r>
+            <a:r>
+              <a:rPr lang="pt-BR" sz="900" dirty="0" err="1"/>
+              <a:t>https</a:t>
+            </a:r>
+            <a:r>
+              <a:rPr lang="pt-BR" sz="900" dirty="0"/>
+              <a:t>://</a:t>
+            </a:r>
+            <a:r>
+              <a:rPr lang="pt-BR" sz="900" dirty="0" err="1"/>
+              <a:t>www.geeksforgeeks.org</a:t>
+            </a:r>
+            <a:r>
+              <a:rPr lang="pt-BR" sz="900" dirty="0"/>
+              <a:t>/</a:t>
+            </a:r>
+            <a:r>
+              <a:rPr lang="pt-BR" sz="900" dirty="0" err="1"/>
+              <a:t>flex</a:t>
+            </a:r>
+            <a:r>
+              <a:rPr lang="pt-BR" sz="900" dirty="0"/>
+              <a:t>-</a:t>
+            </a:r>
+            <a:r>
+              <a:rPr lang="pt-BR" sz="900" dirty="0" err="1"/>
+              <a:t>fast</a:t>
+            </a:r>
+            <a:r>
+              <a:rPr lang="pt-BR" sz="900" dirty="0"/>
+              <a:t>-lexical-</a:t>
+            </a:r>
+            <a:r>
+              <a:rPr lang="pt-BR" sz="900" dirty="0" err="1"/>
+              <a:t>analyzer</a:t>
+            </a:r>
+            <a:r>
+              <a:rPr lang="pt-BR" sz="900" dirty="0"/>
+              <a:t>-</a:t>
+            </a:r>
+            <a:r>
+              <a:rPr lang="pt-BR" sz="900" dirty="0" err="1"/>
+              <a:t>generator</a:t>
+            </a:r>
+            <a:r>
+              <a:rPr lang="pt-BR" sz="900" dirty="0"/>
+              <a:t>/</a:t>
+            </a:r>
+          </a:p>
+        </p:txBody>
+      </p:sp>
+    </p:spTree>
+    <p:extLst>
+      <p:ext uri="{BB962C8B-B14F-4D97-AF65-F5344CB8AC3E}">
+        <p14:creationId xmlns:p14="http://schemas.microsoft.com/office/powerpoint/2010/main" val="2710426287"/>
+      </p:ext>
+    </p:extLst>
+  </p:cSld>
+  <p:clrMapOvr>
+    <a:masterClrMapping/>
+  </p:clrMapOvr>
+</p:sld>
+</file>
+
+<file path=ppt/slides/slide25.xml><?xml version="1.0" encoding="utf-8"?>
+<p:sld xmlns:a="http://schemas.openxmlformats.org/drawingml/2006/main" xmlns:r="http://schemas.openxmlformats.org/officeDocument/2006/relationships" xmlns:p="http://schemas.openxmlformats.org/presentationml/2006/main">
+  <p:cSld>
+    <p:spTree>
+      <p:nvGrpSpPr>
+        <p:cNvPr id="1" name=""/>
+        <p:cNvGrpSpPr/>
+        <p:nvPr/>
+      </p:nvGrpSpPr>
+      <p:grpSpPr>
+        <a:xfrm>
+          <a:off x="0" y="0"/>
+          <a:ext cx="0" cy="0"/>
+          <a:chOff x="0" y="0"/>
+          <a:chExt cx="0" cy="0"/>
+        </a:xfrm>
+      </p:grpSpPr>
+      <p:sp>
+        <p:nvSpPr>
+          <p:cNvPr id="2" name="Título 1">
+            <a:extLst>
+              <a:ext uri="{FF2B5EF4-FFF2-40B4-BE49-F238E27FC236}">
+                <a16:creationId xmlns:a16="http://schemas.microsoft.com/office/drawing/2014/main" id="{94CBF466-56A3-D64A-9DD5-161F35463C37}"/>
+              </a:ext>
+            </a:extLst>
+          </p:cNvPr>
+          <p:cNvSpPr>
+            <a:spLocks noGrp="1"/>
+          </p:cNvSpPr>
+          <p:nvPr>
+            <p:ph type="title"/>
+          </p:nvPr>
+        </p:nvSpPr>
+        <p:spPr/>
+        <p:txBody>
+          <a:bodyPr/>
+          <a:lstStyle/>
+          <a:p>
+            <a:endParaRPr lang="pt-BR"/>
+          </a:p>
+        </p:txBody>
+      </p:sp>
+      <p:sp>
+        <p:nvSpPr>
+          <p:cNvPr id="3" name="Espaço Reservado para Conteúdo 2">
+            <a:extLst>
+              <a:ext uri="{FF2B5EF4-FFF2-40B4-BE49-F238E27FC236}">
+                <a16:creationId xmlns:a16="http://schemas.microsoft.com/office/drawing/2014/main" id="{BDD3C173-6726-874A-8180-D5D89DB8CC58}"/>
+              </a:ext>
+            </a:extLst>
+          </p:cNvPr>
+          <p:cNvSpPr>
+            <a:spLocks noGrp="1"/>
+          </p:cNvSpPr>
+          <p:nvPr>
+            <p:ph idx="1"/>
+          </p:nvPr>
+        </p:nvSpPr>
+        <p:spPr/>
+        <p:txBody>
+          <a:bodyPr/>
+          <a:lstStyle/>
+          <a:p>
+            <a:r>
+              <a:rPr lang="en" dirty="0"/>
+              <a:t>Note that inside of a character class, all regular expression operators lose their special meaning except escape (‘\’) and the character class operators, ‘-’, ‘]]’, and, at the beginning of the class, ‘^’.</a:t>
+            </a:r>
+            <a:endParaRPr lang="pt-BR" dirty="0"/>
+          </a:p>
+        </p:txBody>
+      </p:sp>
+      <p:sp>
+        <p:nvSpPr>
+          <p:cNvPr id="4" name="Espaço Reservado para Data 3">
+            <a:extLst>
+              <a:ext uri="{FF2B5EF4-FFF2-40B4-BE49-F238E27FC236}">
+                <a16:creationId xmlns:a16="http://schemas.microsoft.com/office/drawing/2014/main" id="{26F06495-6493-2348-814C-2ABBC1BC737E}"/>
+              </a:ext>
+            </a:extLst>
+          </p:cNvPr>
+          <p:cNvSpPr>
+            <a:spLocks noGrp="1"/>
+          </p:cNvSpPr>
+          <p:nvPr>
+            <p:ph type="dt" sz="half" idx="10"/>
+          </p:nvPr>
+        </p:nvSpPr>
+        <p:spPr/>
+        <p:txBody>
+          <a:bodyPr/>
+          <a:lstStyle/>
+          <a:p>
+            <a:r>
+              <a:rPr lang="pt-BR"/>
+              <a:t>Compiladores</a:t>
+            </a:r>
+            <a:endParaRPr lang="pt-BR" dirty="0"/>
+          </a:p>
+        </p:txBody>
+      </p:sp>
+      <p:sp>
+        <p:nvSpPr>
+          <p:cNvPr id="5" name="Espaço Reservado para Rodapé 4">
+            <a:extLst>
+              <a:ext uri="{FF2B5EF4-FFF2-40B4-BE49-F238E27FC236}">
+                <a16:creationId xmlns:a16="http://schemas.microsoft.com/office/drawing/2014/main" id="{199B6F68-9EDE-144A-9E5F-4CCAC08190C9}"/>
+              </a:ext>
+            </a:extLst>
+          </p:cNvPr>
+          <p:cNvSpPr>
+            <a:spLocks noGrp="1"/>
+          </p:cNvSpPr>
+          <p:nvPr>
+            <p:ph type="ftr" sz="quarter" idx="11"/>
+          </p:nvPr>
+        </p:nvSpPr>
+        <p:spPr/>
+        <p:txBody>
+          <a:bodyPr/>
+          <a:lstStyle/>
+          <a:p>
+            <a:r>
+              <a:rPr lang="pt-BR"/>
+              <a:t>Prof. Mathias Santos de Brito</a:t>
+            </a:r>
+            <a:endParaRPr lang="pt-BR" dirty="0"/>
+          </a:p>
+        </p:txBody>
+      </p:sp>
+      <p:sp>
+        <p:nvSpPr>
+          <p:cNvPr id="6" name="Espaço Reservado para Número de Slide 5">
+            <a:extLst>
+              <a:ext uri="{FF2B5EF4-FFF2-40B4-BE49-F238E27FC236}">
+                <a16:creationId xmlns:a16="http://schemas.microsoft.com/office/drawing/2014/main" id="{CEF36FE6-375B-D647-8BC4-B0CFD4024DA2}"/>
+              </a:ext>
+            </a:extLst>
+          </p:cNvPr>
+          <p:cNvSpPr>
+            <a:spLocks noGrp="1"/>
+          </p:cNvSpPr>
+          <p:nvPr>
+            <p:ph type="sldNum" sz="quarter" idx="12"/>
+          </p:nvPr>
+        </p:nvSpPr>
+        <p:spPr/>
+        <p:txBody>
+          <a:bodyPr/>
+          <a:lstStyle/>
+          <a:p>
+            <a:fld id="{BB6592E8-4CB6-CA48-8DDA-14B9D6C8BDBF}" type="slidenum">
+              <a:rPr lang="pt-BR" smtClean="0"/>
+              <a:t>25</a:t>
+            </a:fld>
+            <a:endParaRPr lang="pt-BR"/>
+          </a:p>
+        </p:txBody>
+      </p:sp>
+    </p:spTree>
+    <p:extLst>
+      <p:ext uri="{BB962C8B-B14F-4D97-AF65-F5344CB8AC3E}">
+        <p14:creationId xmlns:p14="http://schemas.microsoft.com/office/powerpoint/2010/main" val="1289528513"/>
       </p:ext>
     </p:extLst>
   </p:cSld>
@@ -10206,49 +13334,6 @@
       </p:grpSpPr>
       <p:sp>
         <p:nvSpPr>
-          <p:cNvPr id="4" name="Título 3">
-            <a:extLst>
-              <a:ext uri="{FF2B5EF4-FFF2-40B4-BE49-F238E27FC236}">
-                <a16:creationId xmlns:a16="http://schemas.microsoft.com/office/drawing/2014/main" id="{2097F763-365D-2F46-9440-8AACFD1041B3}"/>
-              </a:ext>
-            </a:extLst>
-          </p:cNvPr>
-          <p:cNvSpPr>
-            <a:spLocks noGrp="1"/>
-          </p:cNvSpPr>
-          <p:nvPr>
-            <p:ph type="title"/>
-          </p:nvPr>
-        </p:nvSpPr>
-        <p:spPr>
-          <a:xfrm>
-            <a:off x="1136428" y="627564"/>
-            <a:ext cx="7474172" cy="1325563"/>
-          </a:xfrm>
-        </p:spPr>
-        <p:txBody>
-          <a:bodyPr vert="horz" lIns="91440" tIns="45720" rIns="91440" bIns="45720" rtlCol="0" anchor="ctr">
-            <a:normAutofit/>
-          </a:bodyPr>
-          <a:lstStyle/>
-          <a:p>
-            <a:pPr defTabSz="914400"/>
-            <a:r>
-              <a:rPr lang="en-US" kern="1200">
-                <a:solidFill>
-                  <a:schemeClr val="tx1"/>
-                </a:solidFill>
-                <a:latin typeface="+mj-lt"/>
-                <a:ea typeface="+mj-ea"/>
-                <a:cs typeface="+mj-cs"/>
-              </a:rPr>
-              <a:t>Projeto</a:t>
-            </a:r>
-          </a:p>
-        </p:txBody>
-      </p:sp>
-      <p:sp>
-        <p:nvSpPr>
           <p:cNvPr id="2" name="Espaço Reservado para Conteúdo 1">
             <a:extLst>
               <a:ext uri="{FF2B5EF4-FFF2-40B4-BE49-F238E27FC236}">
@@ -10271,7 +13356,7 @@
         </p:spPr>
         <p:txBody>
           <a:bodyPr vert="horz" lIns="91440" tIns="45720" rIns="91440" bIns="45720" rtlCol="0" anchor="ctr">
-            <a:normAutofit/>
+            <a:normAutofit fontScale="92500" lnSpcReduction="20000"/>
           </a:bodyPr>
           <a:lstStyle/>
           <a:p>
@@ -10319,18 +13404,26 @@
           <a:p>
             <a:pPr indent="-228600" defTabSz="914400"/>
             <a:r>
-              <a:rPr lang="en-US" sz="1700" dirty="0" err="1"/>
-              <a:t>Repositório</a:t>
-            </a:r>
-            <a:r>
-              <a:rPr lang="en-US" sz="1700" dirty="0"/>
-              <a:t> de </a:t>
-            </a:r>
-            <a:r>
-              <a:rPr lang="en-US" sz="1700" dirty="0" err="1"/>
-              <a:t>Suporte</a:t>
-            </a:r>
-            <a:endParaRPr lang="en-US" sz="1700" dirty="0"/>
+              <a:rPr lang="en-US" sz="2100" dirty="0" err="1"/>
+              <a:t>Organização</a:t>
+            </a:r>
+            <a:r>
+              <a:rPr lang="en-US" sz="2100" dirty="0"/>
+              <a:t> da </a:t>
+            </a:r>
+            <a:r>
+              <a:rPr lang="en-US" sz="2100" dirty="0" err="1"/>
+              <a:t>Disciplina</a:t>
+            </a:r>
+            <a:r>
+              <a:rPr lang="en-US" sz="2100" dirty="0"/>
+              <a:t> e </a:t>
+            </a:r>
+            <a:r>
+              <a:rPr lang="en-US" sz="2100" dirty="0" err="1"/>
+              <a:t>Comunicação</a:t>
+            </a:r>
+            <a:endParaRPr lang="en-US" sz="2100" dirty="0"/>
           </a:p>
           <a:p>
             <a:pPr lvl="1" indent="-228600" defTabSz="914400"/>
@@ -10338,7 +13431,7 @@
               <a:rPr lang="en-US" sz="1700" dirty="0">
                 <a:hlinkClick r:id="rId2"/>
               </a:rPr>
-              <a:t>https://github.com/mathiasbrito/CET058</a:t>
+              <a:t>https://github.com/CET058</a:t>
             </a:r>
             <a:r>
               <a:rPr lang="en-US" sz="1700" dirty="0"/>
@@ -10346,6 +13439,32 @@
             </a:r>
           </a:p>
           <a:p>
+            <a:pPr indent="-228600" defTabSz="914400"/>
+            <a:r>
+              <a:rPr lang="en-US" sz="1700" dirty="0" err="1"/>
+              <a:t>Repositório</a:t>
+            </a:r>
+            <a:r>
+              <a:rPr lang="en-US" sz="1700" dirty="0"/>
+              <a:t> de </a:t>
+            </a:r>
+            <a:r>
+              <a:rPr lang="en-US" sz="1700" dirty="0" err="1"/>
+              <a:t>Suporte</a:t>
+            </a:r>
+            <a:endParaRPr lang="en-US" sz="1700" dirty="0"/>
+          </a:p>
+          <a:p>
+            <a:pPr lvl="1" indent="-228600" defTabSz="914400"/>
+            <a:r>
+              <a:rPr lang="en-US" sz="1700" dirty="0">
+                <a:hlinkClick r:id="rId3"/>
+              </a:rPr>
+              <a:t>https://github.com/CET058/2019.1</a:t>
+            </a:r>
+            <a:endParaRPr lang="en-US" sz="1700" dirty="0"/>
+          </a:p>
+          <a:p>
             <a:pPr lvl="1" indent="-228600" defTabSz="914400"/>
             <a:endParaRPr lang="en-US" sz="1700" dirty="0"/>
           </a:p>
@@ -10377,7 +13496,7 @@
             </a:r>
             <a:r>
               <a:rPr lang="en-US" sz="1700" dirty="0">
-                <a:hlinkClick r:id="rId3"/>
+                <a:hlinkClick r:id="rId4"/>
               </a:rPr>
               <a:t>msbrito@uesc.br</a:t>
             </a:r>
@@ -10624,10 +13743,10 @@
           </p:nvPr>
         </p:nvPicPr>
         <p:blipFill>
-          <a:blip r:embed="rId4">
+          <a:blip r:embed="rId5">
             <a:extLst>
               <a:ext uri="{96DAC541-7B7A-43D3-8B79-37D633B846F1}">
-                <asvg:svgBlip xmlns:asvg="http://schemas.microsoft.com/office/drawing/2016/SVG/main" r:embed="rId5"/>
+                <asvg:svgBlip xmlns:asvg="http://schemas.microsoft.com/office/drawing/2016/SVG/main" r:embed="rId6"/>
               </a:ext>
             </a:extLst>
           </a:blip>
@@ -10727,6 +13846,34 @@
               <a:t>8</a:t>
             </a:fld>
             <a:endParaRPr lang="pt-BR"/>
+          </a:p>
+        </p:txBody>
+      </p:sp>
+      <p:sp>
+        <p:nvSpPr>
+          <p:cNvPr id="5" name="Título 4">
+            <a:extLst>
+              <a:ext uri="{FF2B5EF4-FFF2-40B4-BE49-F238E27FC236}">
+                <a16:creationId xmlns:a16="http://schemas.microsoft.com/office/drawing/2014/main" id="{2860C058-E68A-2346-B8AD-624A5B296B26}"/>
+              </a:ext>
+            </a:extLst>
+          </p:cNvPr>
+          <p:cNvSpPr>
+            <a:spLocks noGrp="1"/>
+          </p:cNvSpPr>
+          <p:nvPr>
+            <p:ph type="title"/>
+          </p:nvPr>
+        </p:nvSpPr>
+        <p:spPr/>
+        <p:txBody>
+          <a:bodyPr/>
+          <a:lstStyle/>
+          <a:p>
+            <a:r>
+              <a:rPr lang="pt-BR" dirty="0"/>
+              <a:t>Projeto e Organização da Disciplina</a:t>
+            </a:r>
           </a:p>
         </p:txBody>
       </p:sp>

--- a/slides.pptx
+++ b/slides.pptx
@@ -5,7 +5,7 @@
     <p:sldMasterId id="2147483648" r:id="rId1"/>
   </p:sldMasterIdLst>
   <p:notesMasterIdLst>
-    <p:notesMasterId r:id="rId45"/>
+    <p:notesMasterId r:id="rId53"/>
   </p:notesMasterIdLst>
   <p:sldIdLst>
     <p:sldId id="256" r:id="rId2"/>
@@ -51,6 +51,14 @@
     <p:sldId id="297" r:id="rId42"/>
     <p:sldId id="298" r:id="rId43"/>
     <p:sldId id="299" r:id="rId44"/>
+    <p:sldId id="300" r:id="rId45"/>
+    <p:sldId id="301" r:id="rId46"/>
+    <p:sldId id="302" r:id="rId47"/>
+    <p:sldId id="303" r:id="rId48"/>
+    <p:sldId id="304" r:id="rId49"/>
+    <p:sldId id="305" r:id="rId50"/>
+    <p:sldId id="306" r:id="rId51"/>
+    <p:sldId id="307" r:id="rId52"/>
   </p:sldIdLst>
   <p:sldSz cx="12192000" cy="6858000"/>
   <p:notesSz cx="6858000" cy="9144000"/>
@@ -239,7 +247,7 @@
           <a:p>
             <a:fld id="{50D3EFD1-E012-1B4E-9FBB-EC2F7160D07E}" type="datetimeFigureOut">
               <a:rPr lang="pt-BR" smtClean="0"/>
-              <a:t>20/03/2019</a:t>
+              <a:t>25/03/2019</a:t>
             </a:fld>
             <a:endParaRPr lang="pt-BR"/>
           </a:p>
@@ -13113,8 +13121,8 @@
           </a:p>
         </p:txBody>
       </p:sp>
-      <mc:AlternateContent xmlns:mc="http://schemas.openxmlformats.org/markup-compatibility/2006">
-        <mc:Choice xmlns:a14="http://schemas.microsoft.com/office/drawing/2010/main" Requires="a14">
+      <mc:AlternateContent xmlns:mc="http://schemas.openxmlformats.org/markup-compatibility/2006" xmlns:a14="http://schemas.microsoft.com/office/drawing/2010/main">
+        <mc:Choice Requires="a14">
           <p:sp>
             <p:nvSpPr>
               <p:cNvPr id="3" name="Espaço Reservado para Conteúdo 2">
@@ -13689,7 +13697,7 @@
             </p:txBody>
           </p:sp>
         </mc:Choice>
-        <mc:Fallback>
+        <mc:Fallback xmlns="">
           <p:sp>
             <p:nvSpPr>
               <p:cNvPr id="3" name="Espaço Reservado para Conteúdo 2">
@@ -14317,8 +14325,8 @@
           </a:p>
         </p:txBody>
       </p:sp>
-      <mc:AlternateContent xmlns:mc="http://schemas.openxmlformats.org/markup-compatibility/2006">
-        <mc:Choice xmlns:a14="http://schemas.microsoft.com/office/drawing/2010/main" Requires="a14">
+      <mc:AlternateContent xmlns:mc="http://schemas.openxmlformats.org/markup-compatibility/2006" xmlns:a14="http://schemas.microsoft.com/office/drawing/2010/main">
+        <mc:Choice Requires="a14">
           <p:sp>
             <p:nvSpPr>
               <p:cNvPr id="3" name="Espaço Reservado para Conteúdo 2">
@@ -14744,7 +14752,7 @@
             </p:txBody>
           </p:sp>
         </mc:Choice>
-        <mc:Fallback>
+        <mc:Fallback xmlns="">
           <p:sp>
             <p:nvSpPr>
               <p:cNvPr id="3" name="Espaço Reservado para Conteúdo 2">
@@ -14984,8 +14992,8 @@
           </a:p>
         </p:txBody>
       </p:sp>
-      <mc:AlternateContent xmlns:mc="http://schemas.openxmlformats.org/markup-compatibility/2006">
-        <mc:Choice xmlns:a14="http://schemas.microsoft.com/office/drawing/2010/main" Requires="a14">
+      <mc:AlternateContent xmlns:mc="http://schemas.openxmlformats.org/markup-compatibility/2006" xmlns:a14="http://schemas.microsoft.com/office/drawing/2010/main">
+        <mc:Choice Requires="a14">
           <p:sp>
             <p:nvSpPr>
               <p:cNvPr id="3" name="Espaço Reservado para Conteúdo 2">
@@ -15305,7 +15313,7 @@
             </p:txBody>
           </p:sp>
         </mc:Choice>
-        <mc:Fallback>
+        <mc:Fallback xmlns="">
           <p:sp>
             <p:nvSpPr>
               <p:cNvPr id="3" name="Espaço Reservado para Conteúdo 2">
@@ -15546,8 +15554,8 @@
           </a:p>
         </p:txBody>
       </p:sp>
-      <mc:AlternateContent xmlns:mc="http://schemas.openxmlformats.org/markup-compatibility/2006">
-        <mc:Choice xmlns:a14="http://schemas.microsoft.com/office/drawing/2010/main" Requires="a14">
+      <mc:AlternateContent xmlns:mc="http://schemas.openxmlformats.org/markup-compatibility/2006" xmlns:a14="http://schemas.microsoft.com/office/drawing/2010/main">
+        <mc:Choice Requires="a14">
           <p:sp>
             <p:nvSpPr>
               <p:cNvPr id="3" name="Espaço Reservado para Conteúdo 2">
@@ -15768,7 +15776,7 @@
             </p:txBody>
           </p:sp>
         </mc:Choice>
-        <mc:Fallback>
+        <mc:Fallback xmlns="">
           <p:sp>
             <p:nvSpPr>
               <p:cNvPr id="3" name="Espaço Reservado para Conteúdo 2">
@@ -16196,8 +16204,8 @@
           </a:p>
         </p:txBody>
       </p:sp>
-      <mc:AlternateContent xmlns:mc="http://schemas.openxmlformats.org/markup-compatibility/2006">
-        <mc:Choice xmlns:a14="http://schemas.microsoft.com/office/drawing/2010/main" Requires="a14">
+      <mc:AlternateContent xmlns:mc="http://schemas.openxmlformats.org/markup-compatibility/2006" xmlns:a14="http://schemas.microsoft.com/office/drawing/2010/main">
+        <mc:Choice Requires="a14">
           <p:sp>
             <p:nvSpPr>
               <p:cNvPr id="3" name="Espaço Reservado para Conteúdo 2">
@@ -16361,7 +16369,7 @@
             </p:txBody>
           </p:sp>
         </mc:Choice>
-        <mc:Fallback>
+        <mc:Fallback xmlns="">
           <p:sp>
             <p:nvSpPr>
               <p:cNvPr id="3" name="Espaço Reservado para Conteúdo 2">
@@ -16597,8 +16605,8 @@
           </a:p>
         </p:txBody>
       </p:sp>
-      <mc:AlternateContent xmlns:mc="http://schemas.openxmlformats.org/markup-compatibility/2006">
-        <mc:Choice xmlns:a14="http://schemas.microsoft.com/office/drawing/2010/main" Requires="a14">
+      <mc:AlternateContent xmlns:mc="http://schemas.openxmlformats.org/markup-compatibility/2006" xmlns:a14="http://schemas.microsoft.com/office/drawing/2010/main">
+        <mc:Choice Requires="a14">
           <p:sp>
             <p:nvSpPr>
               <p:cNvPr id="3" name="Espaço Reservado para Conteúdo 2">
@@ -16780,7 +16788,7 @@
             </p:txBody>
           </p:sp>
         </mc:Choice>
-        <mc:Fallback>
+        <mc:Fallback xmlns="">
           <p:sp>
             <p:nvSpPr>
               <p:cNvPr id="3" name="Espaço Reservado para Conteúdo 2">
@@ -17015,8 +17023,8 @@
           </a:p>
         </p:txBody>
       </p:sp>
-      <mc:AlternateContent xmlns:mc="http://schemas.openxmlformats.org/markup-compatibility/2006">
-        <mc:Choice xmlns:a14="http://schemas.microsoft.com/office/drawing/2010/main" Requires="a14">
+      <mc:AlternateContent xmlns:mc="http://schemas.openxmlformats.org/markup-compatibility/2006" xmlns:a14="http://schemas.microsoft.com/office/drawing/2010/main">
+        <mc:Choice Requires="a14">
           <p:sp>
             <p:nvSpPr>
               <p:cNvPr id="3" name="Espaço Reservado para Conteúdo 2">
@@ -17479,7 +17487,7 @@
             </p:txBody>
           </p:sp>
         </mc:Choice>
-        <mc:Fallback>
+        <mc:Fallback xmlns="">
           <p:sp>
             <p:nvSpPr>
               <p:cNvPr id="3" name="Espaço Reservado para Conteúdo 2">
@@ -17715,8 +17723,8 @@
           </a:p>
         </p:txBody>
       </p:sp>
-      <mc:AlternateContent xmlns:mc="http://schemas.openxmlformats.org/markup-compatibility/2006">
-        <mc:Choice xmlns:a14="http://schemas.microsoft.com/office/drawing/2010/main" Requires="a14">
+      <mc:AlternateContent xmlns:mc="http://schemas.openxmlformats.org/markup-compatibility/2006" xmlns:a14="http://schemas.microsoft.com/office/drawing/2010/main">
+        <mc:Choice Requires="a14">
           <p:sp>
             <p:nvSpPr>
               <p:cNvPr id="3" name="Espaço Reservado para Conteúdo 2">
@@ -17838,7 +17846,7 @@
             </p:txBody>
           </p:sp>
         </mc:Choice>
-        <mc:Fallback>
+        <mc:Fallback xmlns="">
           <p:sp>
             <p:nvSpPr>
               <p:cNvPr id="3" name="Espaço Reservado para Conteúdo 2">
@@ -18059,8 +18067,8 @@
           </a:p>
         </p:txBody>
       </p:sp>
-      <mc:AlternateContent xmlns:mc="http://schemas.openxmlformats.org/markup-compatibility/2006">
-        <mc:Choice xmlns:a14="http://schemas.microsoft.com/office/drawing/2010/main" Requires="a14">
+      <mc:AlternateContent xmlns:mc="http://schemas.openxmlformats.org/markup-compatibility/2006" xmlns:a14="http://schemas.microsoft.com/office/drawing/2010/main">
+        <mc:Choice Requires="a14">
           <p:sp>
             <p:nvSpPr>
               <p:cNvPr id="3" name="Espaço Reservado para Conteúdo 2">
@@ -19046,7 +19054,7 @@
             </p:txBody>
           </p:sp>
         </mc:Choice>
-        <mc:Fallback>
+        <mc:Fallback xmlns="">
           <p:sp>
             <p:nvSpPr>
               <p:cNvPr id="3" name="Espaço Reservado para Conteúdo 2">
@@ -19281,8 +19289,8 @@
           </a:p>
         </p:txBody>
       </p:sp>
-      <mc:AlternateContent xmlns:mc="http://schemas.openxmlformats.org/markup-compatibility/2006">
-        <mc:Choice xmlns:a14="http://schemas.microsoft.com/office/drawing/2010/main" Requires="a14">
+      <mc:AlternateContent xmlns:mc="http://schemas.openxmlformats.org/markup-compatibility/2006" xmlns:a14="http://schemas.microsoft.com/office/drawing/2010/main">
+        <mc:Choice Requires="a14">
           <p:sp>
             <p:nvSpPr>
               <p:cNvPr id="3" name="Espaço Reservado para Conteúdo 2">
@@ -19375,7 +19383,7 @@
             </p:txBody>
           </p:sp>
         </mc:Choice>
-        <mc:Fallback>
+        <mc:Fallback xmlns="">
           <p:sp>
             <p:nvSpPr>
               <p:cNvPr id="3" name="Espaço Reservado para Conteúdo 2">
@@ -20121,8 +20129,8 @@
           </a:p>
         </p:txBody>
       </p:sp>
-      <mc:AlternateContent xmlns:mc="http://schemas.openxmlformats.org/markup-compatibility/2006">
-        <mc:Choice xmlns:a14="http://schemas.microsoft.com/office/drawing/2010/main" Requires="a14">
+      <mc:AlternateContent xmlns:mc="http://schemas.openxmlformats.org/markup-compatibility/2006" xmlns:a14="http://schemas.microsoft.com/office/drawing/2010/main">
+        <mc:Choice Requires="a14">
           <p:sp>
             <p:nvSpPr>
               <p:cNvPr id="3" name="Espaço Reservado para Conteúdo 2">
@@ -20752,7 +20760,7 @@
             </p:txBody>
           </p:sp>
         </mc:Choice>
-        <mc:Fallback>
+        <mc:Fallback xmlns="">
           <p:sp>
             <p:nvSpPr>
               <p:cNvPr id="3" name="Espaço Reservado para Conteúdo 2">
@@ -20988,8 +20996,8 @@
           </a:p>
         </p:txBody>
       </p:sp>
-      <mc:AlternateContent xmlns:mc="http://schemas.openxmlformats.org/markup-compatibility/2006">
-        <mc:Choice xmlns:a14="http://schemas.microsoft.com/office/drawing/2010/main" Requires="a14">
+      <mc:AlternateContent xmlns:mc="http://schemas.openxmlformats.org/markup-compatibility/2006" xmlns:a14="http://schemas.microsoft.com/office/drawing/2010/main">
+        <mc:Choice Requires="a14">
           <p:sp>
             <p:nvSpPr>
               <p:cNvPr id="3" name="Espaço Reservado para Conteúdo 2">
@@ -21409,7 +21417,7 @@
             </p:txBody>
           </p:sp>
         </mc:Choice>
-        <mc:Fallback>
+        <mc:Fallback xmlns="">
           <p:sp>
             <p:nvSpPr>
               <p:cNvPr id="3" name="Espaço Reservado para Conteúdo 2">
@@ -21736,6 +21744,2061 @@
 </p:sld>
 </file>
 
+<file path=ppt/slides/slide44.xml><?xml version="1.0" encoding="utf-8"?>
+<p:sld xmlns:a="http://schemas.openxmlformats.org/drawingml/2006/main" xmlns:r="http://schemas.openxmlformats.org/officeDocument/2006/relationships" xmlns:p="http://schemas.openxmlformats.org/presentationml/2006/main">
+  <p:cSld>
+    <p:spTree>
+      <p:nvGrpSpPr>
+        <p:cNvPr id="1" name=""/>
+        <p:cNvGrpSpPr/>
+        <p:nvPr/>
+      </p:nvGrpSpPr>
+      <p:grpSpPr>
+        <a:xfrm>
+          <a:off x="0" y="0"/>
+          <a:ext cx="0" cy="0"/>
+          <a:chOff x="0" y="0"/>
+          <a:chExt cx="0" cy="0"/>
+        </a:xfrm>
+      </p:grpSpPr>
+      <p:sp>
+        <p:nvSpPr>
+          <p:cNvPr id="2" name="Título 1">
+            <a:extLst>
+              <a:ext uri="{FF2B5EF4-FFF2-40B4-BE49-F238E27FC236}">
+                <a16:creationId xmlns:a16="http://schemas.microsoft.com/office/drawing/2014/main" id="{AAA3A49A-E8B4-9840-A9F3-C4C4DB636C63}"/>
+              </a:ext>
+            </a:extLst>
+          </p:cNvPr>
+          <p:cNvSpPr>
+            <a:spLocks noGrp="1"/>
+          </p:cNvSpPr>
+          <p:nvPr>
+            <p:ph type="title"/>
+          </p:nvPr>
+        </p:nvSpPr>
+        <p:spPr/>
+        <p:txBody>
+          <a:bodyPr/>
+          <a:lstStyle/>
+          <a:p>
+            <a:r>
+              <a:rPr lang="pt-BR" dirty="0"/>
+              <a:t>Atividade nos Repositórios</a:t>
+            </a:r>
+          </a:p>
+        </p:txBody>
+      </p:sp>
+      <p:graphicFrame>
+        <p:nvGraphicFramePr>
+          <p:cNvPr id="7" name="Espaço Reservado para Conteúdo 6">
+            <a:extLst>
+              <a:ext uri="{FF2B5EF4-FFF2-40B4-BE49-F238E27FC236}">
+                <a16:creationId xmlns:a16="http://schemas.microsoft.com/office/drawing/2014/main" id="{3A1F4B42-33AF-C24B-BE5D-E60DF78BBEAB}"/>
+              </a:ext>
+            </a:extLst>
+          </p:cNvPr>
+          <p:cNvGraphicFramePr>
+            <a:graphicFrameLocks noGrp="1"/>
+          </p:cNvGraphicFramePr>
+          <p:nvPr>
+            <p:ph idx="1"/>
+            <p:extLst>
+              <p:ext uri="{D42A27DB-BD31-4B8C-83A1-F6EECF244321}">
+                <p14:modId xmlns:p14="http://schemas.microsoft.com/office/powerpoint/2010/main" val="2809780706"/>
+              </p:ext>
+            </p:extLst>
+          </p:nvPr>
+        </p:nvGraphicFramePr>
+        <p:xfrm>
+          <a:off x="812006" y="1199517"/>
+          <a:ext cx="10515600" cy="4820920"/>
+        </p:xfrm>
+        <a:graphic>
+          <a:graphicData uri="http://schemas.openxmlformats.org/drawingml/2006/table">
+            <a:tbl>
+              <a:tblPr firstRow="1" bandRow="1">
+                <a:tableStyleId>{5C22544A-7EE6-4342-B048-85BDC9FD1C3A}</a:tableStyleId>
+              </a:tblPr>
+              <a:tblGrid>
+                <a:gridCol w="4022558">
+                  <a:extLst>
+                    <a:ext uri="{9D8B030D-6E8A-4147-A177-3AD203B41FA5}">
+                      <a16:colId xmlns:a16="http://schemas.microsoft.com/office/drawing/2014/main" val="1258381910"/>
+                    </a:ext>
+                  </a:extLst>
+                </a:gridCol>
+                <a:gridCol w="6493042">
+                  <a:extLst>
+                    <a:ext uri="{9D8B030D-6E8A-4147-A177-3AD203B41FA5}">
+                      <a16:colId xmlns:a16="http://schemas.microsoft.com/office/drawing/2014/main" val="1084935754"/>
+                    </a:ext>
+                  </a:extLst>
+                </a:gridCol>
+              </a:tblGrid>
+              <a:tr h="370840">
+                <a:tc>
+                  <a:txBody>
+                    <a:bodyPr/>
+                    <a:lstStyle/>
+                    <a:p>
+                      <a:r>
+                        <a:rPr lang="pt-BR" dirty="0"/>
+                        <a:t>Alunos</a:t>
+                      </a:r>
+                    </a:p>
+                  </a:txBody>
+                  <a:tcPr/>
+                </a:tc>
+                <a:tc>
+                  <a:txBody>
+                    <a:bodyPr/>
+                    <a:lstStyle/>
+                    <a:p>
+                      <a:pPr algn="ctr"/>
+                      <a:r>
+                        <a:rPr lang="pt-BR" dirty="0"/>
+                        <a:t>Atividade no Repositório</a:t>
+                      </a:r>
+                    </a:p>
+                  </a:txBody>
+                  <a:tcPr/>
+                </a:tc>
+                <a:extLst>
+                  <a:ext uri="{0D108BD9-81ED-4DB2-BD59-A6C34878D82A}">
+                    <a16:rowId xmlns:a16="http://schemas.microsoft.com/office/drawing/2014/main" val="1927343955"/>
+                  </a:ext>
+                </a:extLst>
+              </a:tr>
+              <a:tr h="370840">
+                <a:tc>
+                  <a:txBody>
+                    <a:bodyPr/>
+                    <a:lstStyle/>
+                    <a:p>
+                      <a:r>
+                        <a:rPr lang="pt-BR" dirty="0"/>
+                        <a:t>Eduardo Nobre e Raí Pereira</a:t>
+                      </a:r>
+                    </a:p>
+                  </a:txBody>
+                  <a:tcPr/>
+                </a:tc>
+                <a:tc>
+                  <a:txBody>
+                    <a:bodyPr/>
+                    <a:lstStyle/>
+                    <a:p>
+                      <a:r>
+                        <a:rPr lang="pt-BR" dirty="0"/>
+                        <a:t>1 </a:t>
+                      </a:r>
+                      <a:r>
+                        <a:rPr lang="pt-BR" dirty="0" err="1"/>
+                        <a:t>Commit</a:t>
+                      </a:r>
+                      <a:r>
+                        <a:rPr lang="pt-BR" dirty="0"/>
+                        <a:t> (</a:t>
+                      </a:r>
+                      <a:r>
+                        <a:rPr lang="pt-BR" dirty="0" err="1"/>
+                        <a:t>Commit</a:t>
+                      </a:r>
+                      <a:r>
+                        <a:rPr lang="pt-BR" dirty="0"/>
+                        <a:t> inicial) – Último </a:t>
+                      </a:r>
+                      <a:r>
+                        <a:rPr lang="pt-BR" dirty="0" err="1"/>
+                        <a:t>Commit</a:t>
+                      </a:r>
+                      <a:r>
+                        <a:rPr lang="pt-BR" dirty="0"/>
+                        <a:t> 14 dias atrás</a:t>
+                      </a:r>
+                    </a:p>
+                  </a:txBody>
+                  <a:tcPr/>
+                </a:tc>
+                <a:extLst>
+                  <a:ext uri="{0D108BD9-81ED-4DB2-BD59-A6C34878D82A}">
+                    <a16:rowId xmlns:a16="http://schemas.microsoft.com/office/drawing/2014/main" val="2556199307"/>
+                  </a:ext>
+                </a:extLst>
+              </a:tr>
+              <a:tr h="370840">
+                <a:tc>
+                  <a:txBody>
+                    <a:bodyPr/>
+                    <a:lstStyle/>
+                    <a:p>
+                      <a:r>
+                        <a:rPr lang="pt-BR" dirty="0"/>
+                        <a:t>Eduardo Dantas e Ítalo Ramos</a:t>
+                      </a:r>
+                    </a:p>
+                  </a:txBody>
+                  <a:tcPr/>
+                </a:tc>
+                <a:tc>
+                  <a:txBody>
+                    <a:bodyPr/>
+                    <a:lstStyle/>
+                    <a:p>
+                      <a:r>
+                        <a:rPr lang="pt-BR" dirty="0"/>
+                        <a:t>1 </a:t>
+                      </a:r>
+                      <a:r>
+                        <a:rPr lang="pt-BR" dirty="0" err="1"/>
+                        <a:t>Commit</a:t>
+                      </a:r>
+                      <a:r>
+                        <a:rPr lang="pt-BR" dirty="0"/>
+                        <a:t> (</a:t>
+                      </a:r>
+                      <a:r>
+                        <a:rPr lang="pt-BR" dirty="0" err="1"/>
+                        <a:t>Commit</a:t>
+                      </a:r>
+                      <a:r>
+                        <a:rPr lang="pt-BR" dirty="0"/>
+                        <a:t> Inicial) – Último </a:t>
+                      </a:r>
+                      <a:r>
+                        <a:rPr lang="pt-BR" dirty="0" err="1"/>
+                        <a:t>Commit</a:t>
+                      </a:r>
+                      <a:r>
+                        <a:rPr lang="pt-BR" dirty="0"/>
+                        <a:t> 12 dias </a:t>
+                      </a:r>
+                      <a:r>
+                        <a:rPr lang="pt-BR" dirty="0" err="1"/>
+                        <a:t>atraás</a:t>
+                      </a:r>
+                      <a:endParaRPr lang="pt-BR" dirty="0"/>
+                    </a:p>
+                  </a:txBody>
+                  <a:tcPr/>
+                </a:tc>
+                <a:extLst>
+                  <a:ext uri="{0D108BD9-81ED-4DB2-BD59-A6C34878D82A}">
+                    <a16:rowId xmlns:a16="http://schemas.microsoft.com/office/drawing/2014/main" val="1706768892"/>
+                  </a:ext>
+                </a:extLst>
+              </a:tr>
+              <a:tr h="370840">
+                <a:tc>
+                  <a:txBody>
+                    <a:bodyPr/>
+                    <a:lstStyle/>
+                    <a:p>
+                      <a:r>
+                        <a:rPr lang="pt-BR" dirty="0" err="1"/>
+                        <a:t>Higor</a:t>
+                      </a:r>
+                      <a:r>
+                        <a:rPr lang="pt-BR" dirty="0"/>
+                        <a:t> Belém e Isaac </a:t>
+                      </a:r>
+                      <a:r>
+                        <a:rPr lang="pt-BR" dirty="0" err="1"/>
+                        <a:t>Allef</a:t>
+                      </a:r>
+                      <a:endParaRPr lang="pt-BR" dirty="0"/>
+                    </a:p>
+                  </a:txBody>
+                  <a:tcPr/>
+                </a:tc>
+                <a:tc>
+                  <a:txBody>
+                    <a:bodyPr/>
+                    <a:lstStyle/>
+                    <a:p>
+                      <a:r>
+                        <a:rPr lang="pt-BR" dirty="0"/>
+                        <a:t>0 </a:t>
+                      </a:r>
+                      <a:r>
+                        <a:rPr lang="pt-BR" dirty="0" err="1"/>
+                        <a:t>Commits</a:t>
+                      </a:r>
+                      <a:endParaRPr lang="pt-BR" dirty="0"/>
+                    </a:p>
+                  </a:txBody>
+                  <a:tcPr/>
+                </a:tc>
+                <a:extLst>
+                  <a:ext uri="{0D108BD9-81ED-4DB2-BD59-A6C34878D82A}">
+                    <a16:rowId xmlns:a16="http://schemas.microsoft.com/office/drawing/2014/main" val="1435259842"/>
+                  </a:ext>
+                </a:extLst>
+              </a:tr>
+              <a:tr h="370840">
+                <a:tc>
+                  <a:txBody>
+                    <a:bodyPr/>
+                    <a:lstStyle/>
+                    <a:p>
+                      <a:r>
+                        <a:rPr lang="pt-BR" dirty="0"/>
+                        <a:t>Camila Dias e Ian Moreira</a:t>
+                      </a:r>
+                    </a:p>
+                  </a:txBody>
+                  <a:tcPr/>
+                </a:tc>
+                <a:tc>
+                  <a:txBody>
+                    <a:bodyPr/>
+                    <a:lstStyle/>
+                    <a:p>
+                      <a:r>
+                        <a:rPr lang="pt-BR" dirty="0"/>
+                        <a:t>1 </a:t>
+                      </a:r>
+                      <a:r>
+                        <a:rPr lang="pt-BR" dirty="0" err="1"/>
+                        <a:t>Commit</a:t>
+                      </a:r>
+                      <a:r>
+                        <a:rPr lang="pt-BR" dirty="0"/>
+                        <a:t> (</a:t>
+                      </a:r>
+                      <a:r>
+                        <a:rPr lang="pt-BR" dirty="0" err="1"/>
+                        <a:t>Commit</a:t>
+                      </a:r>
+                      <a:r>
+                        <a:rPr lang="pt-BR" dirty="0"/>
+                        <a:t> Inicial) – Último </a:t>
+                      </a:r>
+                      <a:r>
+                        <a:rPr lang="pt-BR" dirty="0" err="1"/>
+                        <a:t>Commit</a:t>
+                      </a:r>
+                      <a:r>
+                        <a:rPr lang="pt-BR" dirty="0"/>
+                        <a:t> 14 dias atrás </a:t>
+                      </a:r>
+                    </a:p>
+                  </a:txBody>
+                  <a:tcPr/>
+                </a:tc>
+                <a:extLst>
+                  <a:ext uri="{0D108BD9-81ED-4DB2-BD59-A6C34878D82A}">
+                    <a16:rowId xmlns:a16="http://schemas.microsoft.com/office/drawing/2014/main" val="3646792196"/>
+                  </a:ext>
+                </a:extLst>
+              </a:tr>
+              <a:tr h="370840">
+                <a:tc>
+                  <a:txBody>
+                    <a:bodyPr/>
+                    <a:lstStyle/>
+                    <a:p>
+                      <a:r>
+                        <a:rPr lang="pt-BR" dirty="0" err="1"/>
+                        <a:t>Jefson</a:t>
+                      </a:r>
+                      <a:r>
+                        <a:rPr lang="pt-BR" dirty="0"/>
+                        <a:t> Matos e Thales Augusto</a:t>
+                      </a:r>
+                    </a:p>
+                  </a:txBody>
+                  <a:tcPr/>
+                </a:tc>
+                <a:tc>
+                  <a:txBody>
+                    <a:bodyPr/>
+                    <a:lstStyle/>
+                    <a:p>
+                      <a:r>
+                        <a:rPr lang="pt-BR" dirty="0"/>
+                        <a:t>0 </a:t>
+                      </a:r>
+                      <a:r>
+                        <a:rPr lang="pt-BR" dirty="0" err="1"/>
+                        <a:t>Commits</a:t>
+                      </a:r>
+                      <a:endParaRPr lang="pt-BR" dirty="0"/>
+                    </a:p>
+                  </a:txBody>
+                  <a:tcPr/>
+                </a:tc>
+                <a:extLst>
+                  <a:ext uri="{0D108BD9-81ED-4DB2-BD59-A6C34878D82A}">
+                    <a16:rowId xmlns:a16="http://schemas.microsoft.com/office/drawing/2014/main" val="2408052104"/>
+                  </a:ext>
+                </a:extLst>
+              </a:tr>
+              <a:tr h="370840">
+                <a:tc>
+                  <a:txBody>
+                    <a:bodyPr/>
+                    <a:lstStyle/>
+                    <a:p>
+                      <a:r>
+                        <a:rPr lang="pt-BR" dirty="0"/>
+                        <a:t>Marcos Rogério e Felipe Cardoso</a:t>
+                      </a:r>
+                    </a:p>
+                  </a:txBody>
+                  <a:tcPr/>
+                </a:tc>
+                <a:tc>
+                  <a:txBody>
+                    <a:bodyPr/>
+                    <a:lstStyle/>
+                    <a:p>
+                      <a:r>
+                        <a:rPr lang="pt-BR" dirty="0"/>
+                        <a:t>0 </a:t>
+                      </a:r>
+                      <a:r>
+                        <a:rPr lang="pt-BR" dirty="0" err="1"/>
+                        <a:t>Commits</a:t>
+                      </a:r>
+                      <a:endParaRPr lang="pt-BR" dirty="0"/>
+                    </a:p>
+                  </a:txBody>
+                  <a:tcPr/>
+                </a:tc>
+                <a:extLst>
+                  <a:ext uri="{0D108BD9-81ED-4DB2-BD59-A6C34878D82A}">
+                    <a16:rowId xmlns:a16="http://schemas.microsoft.com/office/drawing/2014/main" val="2312085730"/>
+                  </a:ext>
+                </a:extLst>
+              </a:tr>
+              <a:tr h="370840">
+                <a:tc>
+                  <a:txBody>
+                    <a:bodyPr/>
+                    <a:lstStyle/>
+                    <a:p>
+                      <a:r>
+                        <a:rPr lang="pt-BR" dirty="0"/>
+                        <a:t>Thiago Silva e Adonias Alcântara</a:t>
+                      </a:r>
+                    </a:p>
+                  </a:txBody>
+                  <a:tcPr/>
+                </a:tc>
+                <a:tc>
+                  <a:txBody>
+                    <a:bodyPr/>
+                    <a:lstStyle/>
+                    <a:p>
+                      <a:r>
+                        <a:rPr lang="pt-BR" dirty="0"/>
+                        <a:t>0 </a:t>
+                      </a:r>
+                      <a:r>
+                        <a:rPr lang="pt-BR" dirty="0" err="1"/>
+                        <a:t>Commits</a:t>
+                      </a:r>
+                      <a:endParaRPr lang="pt-BR" dirty="0"/>
+                    </a:p>
+                  </a:txBody>
+                  <a:tcPr/>
+                </a:tc>
+                <a:extLst>
+                  <a:ext uri="{0D108BD9-81ED-4DB2-BD59-A6C34878D82A}">
+                    <a16:rowId xmlns:a16="http://schemas.microsoft.com/office/drawing/2014/main" val="1518697036"/>
+                  </a:ext>
+                </a:extLst>
+              </a:tr>
+              <a:tr h="370840">
+                <a:tc>
+                  <a:txBody>
+                    <a:bodyPr/>
+                    <a:lstStyle/>
+                    <a:p>
+                      <a:r>
+                        <a:rPr lang="pt-BR" dirty="0" err="1"/>
+                        <a:t>Brandon</a:t>
+                      </a:r>
+                      <a:r>
+                        <a:rPr lang="pt-BR" dirty="0"/>
+                        <a:t> Ribeiro e Bruna Oliveira</a:t>
+                      </a:r>
+                    </a:p>
+                  </a:txBody>
+                  <a:tcPr/>
+                </a:tc>
+                <a:tc>
+                  <a:txBody>
+                    <a:bodyPr/>
+                    <a:lstStyle/>
+                    <a:p>
+                      <a:r>
+                        <a:rPr lang="pt-BR" dirty="0"/>
+                        <a:t>0 </a:t>
+                      </a:r>
+                      <a:r>
+                        <a:rPr lang="pt-BR" dirty="0" err="1"/>
+                        <a:t>Commits</a:t>
+                      </a:r>
+                      <a:endParaRPr lang="pt-BR" dirty="0"/>
+                    </a:p>
+                  </a:txBody>
+                  <a:tcPr/>
+                </a:tc>
+                <a:extLst>
+                  <a:ext uri="{0D108BD9-81ED-4DB2-BD59-A6C34878D82A}">
+                    <a16:rowId xmlns:a16="http://schemas.microsoft.com/office/drawing/2014/main" val="357611949"/>
+                  </a:ext>
+                </a:extLst>
+              </a:tr>
+              <a:tr h="370840">
+                <a:tc>
+                  <a:txBody>
+                    <a:bodyPr/>
+                    <a:lstStyle/>
+                    <a:p>
+                      <a:r>
+                        <a:rPr lang="pt-BR" dirty="0" err="1"/>
+                        <a:t>Valber</a:t>
+                      </a:r>
+                      <a:r>
+                        <a:rPr lang="pt-BR" dirty="0"/>
+                        <a:t> Francisco e Daniel Lucas</a:t>
+                      </a:r>
+                    </a:p>
+                  </a:txBody>
+                  <a:tcPr/>
+                </a:tc>
+                <a:tc>
+                  <a:txBody>
+                    <a:bodyPr/>
+                    <a:lstStyle/>
+                    <a:p>
+                      <a:r>
+                        <a:rPr lang="pt-BR" dirty="0"/>
+                        <a:t>1 </a:t>
+                      </a:r>
+                      <a:r>
+                        <a:rPr lang="pt-BR" dirty="0" err="1"/>
+                        <a:t>Commit</a:t>
+                      </a:r>
+                      <a:r>
+                        <a:rPr lang="pt-BR" dirty="0"/>
+                        <a:t> (</a:t>
+                      </a:r>
+                      <a:r>
+                        <a:rPr lang="pt-BR" dirty="0" err="1"/>
+                        <a:t>Commit</a:t>
+                      </a:r>
+                      <a:r>
+                        <a:rPr lang="pt-BR" dirty="0"/>
+                        <a:t> Inicial)</a:t>
+                      </a:r>
+                    </a:p>
+                  </a:txBody>
+                  <a:tcPr/>
+                </a:tc>
+                <a:extLst>
+                  <a:ext uri="{0D108BD9-81ED-4DB2-BD59-A6C34878D82A}">
+                    <a16:rowId xmlns:a16="http://schemas.microsoft.com/office/drawing/2014/main" val="1971283656"/>
+                  </a:ext>
+                </a:extLst>
+              </a:tr>
+              <a:tr h="370840">
+                <a:tc>
+                  <a:txBody>
+                    <a:bodyPr/>
+                    <a:lstStyle/>
+                    <a:p>
+                      <a:r>
+                        <a:rPr lang="pt-BR" dirty="0"/>
+                        <a:t>Matheus Almeida e Alexandre </a:t>
+                      </a:r>
+                      <a:r>
+                        <a:rPr lang="pt-BR" dirty="0" err="1"/>
+                        <a:t>Pedrecal</a:t>
+                      </a:r>
+                      <a:endParaRPr lang="pt-BR" dirty="0"/>
+                    </a:p>
+                  </a:txBody>
+                  <a:tcPr/>
+                </a:tc>
+                <a:tc>
+                  <a:txBody>
+                    <a:bodyPr/>
+                    <a:lstStyle/>
+                    <a:p>
+                      <a:r>
+                        <a:rPr lang="pt-BR" dirty="0"/>
+                        <a:t>1 </a:t>
+                      </a:r>
+                      <a:r>
+                        <a:rPr lang="pt-BR" dirty="0" err="1"/>
+                        <a:t>Commit</a:t>
+                      </a:r>
+                      <a:r>
+                        <a:rPr lang="pt-BR" dirty="0"/>
+                        <a:t> (</a:t>
+                      </a:r>
+                      <a:r>
+                        <a:rPr lang="pt-BR" dirty="0" err="1"/>
+                        <a:t>Commit</a:t>
+                      </a:r>
+                      <a:r>
+                        <a:rPr lang="pt-BR" dirty="0"/>
+                        <a:t> Inicial)</a:t>
+                      </a:r>
+                    </a:p>
+                  </a:txBody>
+                  <a:tcPr/>
+                </a:tc>
+                <a:extLst>
+                  <a:ext uri="{0D108BD9-81ED-4DB2-BD59-A6C34878D82A}">
+                    <a16:rowId xmlns:a16="http://schemas.microsoft.com/office/drawing/2014/main" val="566107855"/>
+                  </a:ext>
+                </a:extLst>
+              </a:tr>
+              <a:tr h="370840">
+                <a:tc>
+                  <a:txBody>
+                    <a:bodyPr/>
+                    <a:lstStyle/>
+                    <a:p>
+                      <a:r>
+                        <a:rPr lang="pt-BR" dirty="0"/>
+                        <a:t>Gabriel Figueiredo e Marcos Fortuna</a:t>
+                      </a:r>
+                    </a:p>
+                  </a:txBody>
+                  <a:tcPr/>
+                </a:tc>
+                <a:tc>
+                  <a:txBody>
+                    <a:bodyPr/>
+                    <a:lstStyle/>
+                    <a:p>
+                      <a:r>
+                        <a:rPr lang="pt-BR" dirty="0"/>
+                        <a:t>?</a:t>
+                      </a:r>
+                    </a:p>
+                  </a:txBody>
+                  <a:tcPr/>
+                </a:tc>
+                <a:extLst>
+                  <a:ext uri="{0D108BD9-81ED-4DB2-BD59-A6C34878D82A}">
+                    <a16:rowId xmlns:a16="http://schemas.microsoft.com/office/drawing/2014/main" val="1896492350"/>
+                  </a:ext>
+                </a:extLst>
+              </a:tr>
+              <a:tr h="370840">
+                <a:tc>
+                  <a:txBody>
+                    <a:bodyPr/>
+                    <a:lstStyle/>
+                    <a:p>
+                      <a:r>
+                        <a:rPr lang="pt-BR" dirty="0"/>
+                        <a:t>Márcio </a:t>
+                      </a:r>
+                      <a:r>
+                        <a:rPr lang="pt-BR" dirty="0" err="1"/>
+                        <a:t>Andre</a:t>
+                      </a:r>
+                      <a:r>
+                        <a:rPr lang="pt-BR" dirty="0"/>
+                        <a:t> e ...</a:t>
+                      </a:r>
+                    </a:p>
+                  </a:txBody>
+                  <a:tcPr/>
+                </a:tc>
+                <a:tc>
+                  <a:txBody>
+                    <a:bodyPr/>
+                    <a:lstStyle/>
+                    <a:p>
+                      <a:r>
+                        <a:rPr lang="pt-BR" dirty="0"/>
+                        <a:t>0 </a:t>
+                      </a:r>
+                      <a:r>
+                        <a:rPr lang="pt-BR" dirty="0" err="1"/>
+                        <a:t>Commits</a:t>
+                      </a:r>
+                      <a:r>
+                        <a:rPr lang="pt-BR" dirty="0"/>
+                        <a:t> </a:t>
+                      </a:r>
+                    </a:p>
+                  </a:txBody>
+                  <a:tcPr/>
+                </a:tc>
+                <a:extLst>
+                  <a:ext uri="{0D108BD9-81ED-4DB2-BD59-A6C34878D82A}">
+                    <a16:rowId xmlns:a16="http://schemas.microsoft.com/office/drawing/2014/main" val="262740359"/>
+                  </a:ext>
+                </a:extLst>
+              </a:tr>
+            </a:tbl>
+          </a:graphicData>
+        </a:graphic>
+      </p:graphicFrame>
+      <p:sp>
+        <p:nvSpPr>
+          <p:cNvPr id="4" name="Espaço Reservado para Data 3">
+            <a:extLst>
+              <a:ext uri="{FF2B5EF4-FFF2-40B4-BE49-F238E27FC236}">
+                <a16:creationId xmlns:a16="http://schemas.microsoft.com/office/drawing/2014/main" id="{F3E30E5F-901F-2C49-9550-4014179E3CFC}"/>
+              </a:ext>
+            </a:extLst>
+          </p:cNvPr>
+          <p:cNvSpPr>
+            <a:spLocks noGrp="1"/>
+          </p:cNvSpPr>
+          <p:nvPr>
+            <p:ph type="dt" sz="half" idx="10"/>
+          </p:nvPr>
+        </p:nvSpPr>
+        <p:spPr/>
+        <p:txBody>
+          <a:bodyPr/>
+          <a:lstStyle/>
+          <a:p>
+            <a:r>
+              <a:rPr lang="pt-BR"/>
+              <a:t>Compiladores</a:t>
+            </a:r>
+            <a:endParaRPr lang="pt-BR" dirty="0"/>
+          </a:p>
+        </p:txBody>
+      </p:sp>
+      <p:sp>
+        <p:nvSpPr>
+          <p:cNvPr id="5" name="Espaço Reservado para Rodapé 4">
+            <a:extLst>
+              <a:ext uri="{FF2B5EF4-FFF2-40B4-BE49-F238E27FC236}">
+                <a16:creationId xmlns:a16="http://schemas.microsoft.com/office/drawing/2014/main" id="{9D0C0903-F069-3F45-8235-1E8DF77D2F24}"/>
+              </a:ext>
+            </a:extLst>
+          </p:cNvPr>
+          <p:cNvSpPr>
+            <a:spLocks noGrp="1"/>
+          </p:cNvSpPr>
+          <p:nvPr>
+            <p:ph type="ftr" sz="quarter" idx="11"/>
+          </p:nvPr>
+        </p:nvSpPr>
+        <p:spPr/>
+        <p:txBody>
+          <a:bodyPr/>
+          <a:lstStyle/>
+          <a:p>
+            <a:r>
+              <a:rPr lang="pt-BR"/>
+              <a:t>Prof. Mathias Santos de Brito</a:t>
+            </a:r>
+            <a:endParaRPr lang="pt-BR" dirty="0"/>
+          </a:p>
+        </p:txBody>
+      </p:sp>
+      <p:sp>
+        <p:nvSpPr>
+          <p:cNvPr id="6" name="Espaço Reservado para Número de Slide 5">
+            <a:extLst>
+              <a:ext uri="{FF2B5EF4-FFF2-40B4-BE49-F238E27FC236}">
+                <a16:creationId xmlns:a16="http://schemas.microsoft.com/office/drawing/2014/main" id="{F1BC7291-361E-5944-904E-F23F12F27BC3}"/>
+              </a:ext>
+            </a:extLst>
+          </p:cNvPr>
+          <p:cNvSpPr>
+            <a:spLocks noGrp="1"/>
+          </p:cNvSpPr>
+          <p:nvPr>
+            <p:ph type="sldNum" sz="quarter" idx="12"/>
+          </p:nvPr>
+        </p:nvSpPr>
+        <p:spPr/>
+        <p:txBody>
+          <a:bodyPr/>
+          <a:lstStyle/>
+          <a:p>
+            <a:fld id="{BB6592E8-4CB6-CA48-8DDA-14B9D6C8BDBF}" type="slidenum">
+              <a:rPr lang="pt-BR" smtClean="0"/>
+              <a:t>44</a:t>
+            </a:fld>
+            <a:endParaRPr lang="pt-BR"/>
+          </a:p>
+        </p:txBody>
+      </p:sp>
+    </p:spTree>
+    <p:extLst>
+      <p:ext uri="{BB962C8B-B14F-4D97-AF65-F5344CB8AC3E}">
+        <p14:creationId xmlns:p14="http://schemas.microsoft.com/office/powerpoint/2010/main" val="88835088"/>
+      </p:ext>
+    </p:extLst>
+  </p:cSld>
+  <p:clrMapOvr>
+    <a:masterClrMapping/>
+  </p:clrMapOvr>
+</p:sld>
+</file>
+
+<file path=ppt/slides/slide45.xml><?xml version="1.0" encoding="utf-8"?>
+<p:sld xmlns:a="http://schemas.openxmlformats.org/drawingml/2006/main" xmlns:r="http://schemas.openxmlformats.org/officeDocument/2006/relationships" xmlns:p="http://schemas.openxmlformats.org/presentationml/2006/main">
+  <p:cSld>
+    <p:spTree>
+      <p:nvGrpSpPr>
+        <p:cNvPr id="1" name=""/>
+        <p:cNvGrpSpPr/>
+        <p:nvPr/>
+      </p:nvGrpSpPr>
+      <p:grpSpPr>
+        <a:xfrm>
+          <a:off x="0" y="0"/>
+          <a:ext cx="0" cy="0"/>
+          <a:chOff x="0" y="0"/>
+          <a:chExt cx="0" cy="0"/>
+        </a:xfrm>
+      </p:grpSpPr>
+      <p:sp>
+        <p:nvSpPr>
+          <p:cNvPr id="2" name="Título 1">
+            <a:extLst>
+              <a:ext uri="{FF2B5EF4-FFF2-40B4-BE49-F238E27FC236}">
+                <a16:creationId xmlns:a16="http://schemas.microsoft.com/office/drawing/2014/main" id="{E3CE8DF0-1823-D54B-AA53-C1CC73FD8AC5}"/>
+              </a:ext>
+            </a:extLst>
+          </p:cNvPr>
+          <p:cNvSpPr>
+            <a:spLocks noGrp="1"/>
+          </p:cNvSpPr>
+          <p:nvPr>
+            <p:ph type="title"/>
+          </p:nvPr>
+        </p:nvSpPr>
+        <p:spPr/>
+        <p:txBody>
+          <a:bodyPr/>
+          <a:lstStyle/>
+          <a:p>
+            <a:r>
+              <a:rPr lang="pt-BR" dirty="0"/>
+              <a:t>Diagramas de Transição</a:t>
+            </a:r>
+          </a:p>
+        </p:txBody>
+      </p:sp>
+      <p:sp>
+        <p:nvSpPr>
+          <p:cNvPr id="3" name="Espaço Reservado para Conteúdo 2">
+            <a:extLst>
+              <a:ext uri="{FF2B5EF4-FFF2-40B4-BE49-F238E27FC236}">
+                <a16:creationId xmlns:a16="http://schemas.microsoft.com/office/drawing/2014/main" id="{27B03D00-AAA3-454F-BFA3-EB49B5D72391}"/>
+              </a:ext>
+            </a:extLst>
+          </p:cNvPr>
+          <p:cNvSpPr>
+            <a:spLocks noGrp="1"/>
+          </p:cNvSpPr>
+          <p:nvPr>
+            <p:ph idx="1"/>
+          </p:nvPr>
+        </p:nvSpPr>
+        <p:spPr/>
+        <p:txBody>
+          <a:bodyPr>
+            <a:normAutofit lnSpcReduction="10000"/>
+          </a:bodyPr>
+          <a:lstStyle/>
+          <a:p>
+            <a:r>
+              <a:rPr lang="pt-BR" dirty="0"/>
+              <a:t>Um passo inicial na análise léxica é  a construção de </a:t>
+            </a:r>
+            <a:r>
+              <a:rPr lang="pt-BR" b="1" dirty="0"/>
+              <a:t>Diagramas de Transição</a:t>
+            </a:r>
+            <a:r>
+              <a:rPr lang="pt-BR" dirty="0"/>
+              <a:t> a partir dos padrões definidos.</a:t>
+            </a:r>
+          </a:p>
+          <a:p>
+            <a:pPr lvl="1"/>
+            <a:r>
+              <a:rPr lang="pt-BR" dirty="0"/>
+              <a:t>Dentre os nós no conjunto de estados definimos um estado inicial e um ou mais estados finais.</a:t>
+            </a:r>
+          </a:p>
+          <a:p>
+            <a:r>
+              <a:rPr lang="pt-BR" dirty="0"/>
+              <a:t>Estes diagramas são compostos por nós e arestas, onde um nó representa um estado e as arestas uma condição de transição.</a:t>
+            </a:r>
+          </a:p>
+          <a:p>
+            <a:r>
+              <a:rPr lang="pt-BR" dirty="0"/>
+              <a:t>Esses diagramas já são velho conhecidos de vocês, e vocês os estudaram na disciplina Teoria da Computação como uma forma de representar Autômatos, no nosso caso estamos lidando com Autômatos Finitos Determinísticos (AFD ou DFA em Inglês) nos exemplos a seguir.</a:t>
+            </a:r>
+          </a:p>
+          <a:p>
+            <a:endParaRPr lang="pt-BR" dirty="0"/>
+          </a:p>
+        </p:txBody>
+      </p:sp>
+      <p:sp>
+        <p:nvSpPr>
+          <p:cNvPr id="4" name="Espaço Reservado para Data 3">
+            <a:extLst>
+              <a:ext uri="{FF2B5EF4-FFF2-40B4-BE49-F238E27FC236}">
+                <a16:creationId xmlns:a16="http://schemas.microsoft.com/office/drawing/2014/main" id="{848284FE-8A77-694D-A9DF-9F07C9082F32}"/>
+              </a:ext>
+            </a:extLst>
+          </p:cNvPr>
+          <p:cNvSpPr>
+            <a:spLocks noGrp="1"/>
+          </p:cNvSpPr>
+          <p:nvPr>
+            <p:ph type="dt" sz="half" idx="10"/>
+          </p:nvPr>
+        </p:nvSpPr>
+        <p:spPr/>
+        <p:txBody>
+          <a:bodyPr/>
+          <a:lstStyle/>
+          <a:p>
+            <a:r>
+              <a:rPr lang="pt-BR"/>
+              <a:t>Compiladores</a:t>
+            </a:r>
+            <a:endParaRPr lang="pt-BR" dirty="0"/>
+          </a:p>
+        </p:txBody>
+      </p:sp>
+      <p:sp>
+        <p:nvSpPr>
+          <p:cNvPr id="5" name="Espaço Reservado para Rodapé 4">
+            <a:extLst>
+              <a:ext uri="{FF2B5EF4-FFF2-40B4-BE49-F238E27FC236}">
+                <a16:creationId xmlns:a16="http://schemas.microsoft.com/office/drawing/2014/main" id="{C0780957-F727-9446-8DA9-63837739FD06}"/>
+              </a:ext>
+            </a:extLst>
+          </p:cNvPr>
+          <p:cNvSpPr>
+            <a:spLocks noGrp="1"/>
+          </p:cNvSpPr>
+          <p:nvPr>
+            <p:ph type="ftr" sz="quarter" idx="11"/>
+          </p:nvPr>
+        </p:nvSpPr>
+        <p:spPr/>
+        <p:txBody>
+          <a:bodyPr/>
+          <a:lstStyle/>
+          <a:p>
+            <a:r>
+              <a:rPr lang="pt-BR"/>
+              <a:t>Prof. Mathias Santos de Brito</a:t>
+            </a:r>
+            <a:endParaRPr lang="pt-BR" dirty="0"/>
+          </a:p>
+        </p:txBody>
+      </p:sp>
+      <p:sp>
+        <p:nvSpPr>
+          <p:cNvPr id="6" name="Espaço Reservado para Número de Slide 5">
+            <a:extLst>
+              <a:ext uri="{FF2B5EF4-FFF2-40B4-BE49-F238E27FC236}">
+                <a16:creationId xmlns:a16="http://schemas.microsoft.com/office/drawing/2014/main" id="{38D682D2-2B47-0042-AA84-F718B1FF0E0F}"/>
+              </a:ext>
+            </a:extLst>
+          </p:cNvPr>
+          <p:cNvSpPr>
+            <a:spLocks noGrp="1"/>
+          </p:cNvSpPr>
+          <p:nvPr>
+            <p:ph type="sldNum" sz="quarter" idx="12"/>
+          </p:nvPr>
+        </p:nvSpPr>
+        <p:spPr/>
+        <p:txBody>
+          <a:bodyPr/>
+          <a:lstStyle/>
+          <a:p>
+            <a:fld id="{BB6592E8-4CB6-CA48-8DDA-14B9D6C8BDBF}" type="slidenum">
+              <a:rPr lang="pt-BR" smtClean="0"/>
+              <a:t>45</a:t>
+            </a:fld>
+            <a:endParaRPr lang="pt-BR"/>
+          </a:p>
+        </p:txBody>
+      </p:sp>
+    </p:spTree>
+    <p:extLst>
+      <p:ext uri="{BB962C8B-B14F-4D97-AF65-F5344CB8AC3E}">
+        <p14:creationId xmlns:p14="http://schemas.microsoft.com/office/powerpoint/2010/main" val="3177789896"/>
+      </p:ext>
+    </p:extLst>
+  </p:cSld>
+  <p:clrMapOvr>
+    <a:masterClrMapping/>
+  </p:clrMapOvr>
+</p:sld>
+</file>
+
+<file path=ppt/slides/slide46.xml><?xml version="1.0" encoding="utf-8"?>
+<p:sld xmlns:a="http://schemas.openxmlformats.org/drawingml/2006/main" xmlns:r="http://schemas.openxmlformats.org/officeDocument/2006/relationships" xmlns:p="http://schemas.openxmlformats.org/presentationml/2006/main">
+  <p:cSld>
+    <p:spTree>
+      <p:nvGrpSpPr>
+        <p:cNvPr id="1" name=""/>
+        <p:cNvGrpSpPr/>
+        <p:nvPr/>
+      </p:nvGrpSpPr>
+      <p:grpSpPr>
+        <a:xfrm>
+          <a:off x="0" y="0"/>
+          <a:ext cx="0" cy="0"/>
+          <a:chOff x="0" y="0"/>
+          <a:chExt cx="0" cy="0"/>
+        </a:xfrm>
+      </p:grpSpPr>
+      <p:sp>
+        <p:nvSpPr>
+          <p:cNvPr id="2" name="Título 1">
+            <a:extLst>
+              <a:ext uri="{FF2B5EF4-FFF2-40B4-BE49-F238E27FC236}">
+                <a16:creationId xmlns:a16="http://schemas.microsoft.com/office/drawing/2014/main" id="{905B01C0-DF65-D14B-9BC0-CD3C0AEF6022}"/>
+              </a:ext>
+            </a:extLst>
+          </p:cNvPr>
+          <p:cNvSpPr>
+            <a:spLocks noGrp="1"/>
+          </p:cNvSpPr>
+          <p:nvPr>
+            <p:ph type="title"/>
+          </p:nvPr>
+        </p:nvSpPr>
+        <p:spPr/>
+        <p:txBody>
+          <a:bodyPr/>
+          <a:lstStyle/>
+          <a:p>
+            <a:r>
+              <a:rPr lang="pt-BR" dirty="0"/>
+              <a:t>Um exemplo de Diagrama de Transição</a:t>
+            </a:r>
+          </a:p>
+        </p:txBody>
+      </p:sp>
+      <p:sp>
+        <p:nvSpPr>
+          <p:cNvPr id="4" name="Espaço Reservado para Data 3">
+            <a:extLst>
+              <a:ext uri="{FF2B5EF4-FFF2-40B4-BE49-F238E27FC236}">
+                <a16:creationId xmlns:a16="http://schemas.microsoft.com/office/drawing/2014/main" id="{4BBF5B29-FC4D-0646-A64A-BFC706A81878}"/>
+              </a:ext>
+            </a:extLst>
+          </p:cNvPr>
+          <p:cNvSpPr>
+            <a:spLocks noGrp="1"/>
+          </p:cNvSpPr>
+          <p:nvPr>
+            <p:ph type="dt" sz="half" idx="10"/>
+          </p:nvPr>
+        </p:nvSpPr>
+        <p:spPr/>
+        <p:txBody>
+          <a:bodyPr/>
+          <a:lstStyle/>
+          <a:p>
+            <a:r>
+              <a:rPr lang="pt-BR"/>
+              <a:t>Compiladores</a:t>
+            </a:r>
+            <a:endParaRPr lang="pt-BR" dirty="0"/>
+          </a:p>
+        </p:txBody>
+      </p:sp>
+      <p:sp>
+        <p:nvSpPr>
+          <p:cNvPr id="5" name="Espaço Reservado para Rodapé 4">
+            <a:extLst>
+              <a:ext uri="{FF2B5EF4-FFF2-40B4-BE49-F238E27FC236}">
+                <a16:creationId xmlns:a16="http://schemas.microsoft.com/office/drawing/2014/main" id="{BD3D0CB2-0CF9-874F-8F05-20E17D8C6E1E}"/>
+              </a:ext>
+            </a:extLst>
+          </p:cNvPr>
+          <p:cNvSpPr>
+            <a:spLocks noGrp="1"/>
+          </p:cNvSpPr>
+          <p:nvPr>
+            <p:ph type="ftr" sz="quarter" idx="11"/>
+          </p:nvPr>
+        </p:nvSpPr>
+        <p:spPr/>
+        <p:txBody>
+          <a:bodyPr/>
+          <a:lstStyle/>
+          <a:p>
+            <a:r>
+              <a:rPr lang="pt-BR"/>
+              <a:t>Prof. Mathias Santos de Brito</a:t>
+            </a:r>
+            <a:endParaRPr lang="pt-BR" dirty="0"/>
+          </a:p>
+        </p:txBody>
+      </p:sp>
+      <p:sp>
+        <p:nvSpPr>
+          <p:cNvPr id="6" name="Espaço Reservado para Número de Slide 5">
+            <a:extLst>
+              <a:ext uri="{FF2B5EF4-FFF2-40B4-BE49-F238E27FC236}">
+                <a16:creationId xmlns:a16="http://schemas.microsoft.com/office/drawing/2014/main" id="{064DD4C3-4FEC-564F-B8F3-0E182CFEB689}"/>
+              </a:ext>
+            </a:extLst>
+          </p:cNvPr>
+          <p:cNvSpPr>
+            <a:spLocks noGrp="1"/>
+          </p:cNvSpPr>
+          <p:nvPr>
+            <p:ph type="sldNum" sz="quarter" idx="12"/>
+          </p:nvPr>
+        </p:nvSpPr>
+        <p:spPr/>
+        <p:txBody>
+          <a:bodyPr/>
+          <a:lstStyle/>
+          <a:p>
+            <a:fld id="{BB6592E8-4CB6-CA48-8DDA-14B9D6C8BDBF}" type="slidenum">
+              <a:rPr lang="pt-BR" smtClean="0"/>
+              <a:t>46</a:t>
+            </a:fld>
+            <a:endParaRPr lang="pt-BR"/>
+          </a:p>
+        </p:txBody>
+      </p:sp>
+      <p:pic>
+        <p:nvPicPr>
+          <p:cNvPr id="8" name="Imagem 7" descr="Uma imagem contendo texto, mapa&#10;&#10;Descrição gerada automaticamente">
+            <a:extLst>
+              <a:ext uri="{FF2B5EF4-FFF2-40B4-BE49-F238E27FC236}">
+                <a16:creationId xmlns:a16="http://schemas.microsoft.com/office/drawing/2014/main" id="{4FA92936-9C44-7747-9687-71B2F0B2CCB7}"/>
+              </a:ext>
+            </a:extLst>
+          </p:cNvPr>
+          <p:cNvPicPr>
+            <a:picLocks noChangeAspect="1"/>
+          </p:cNvPicPr>
+          <p:nvPr/>
+        </p:nvPicPr>
+        <p:blipFill>
+          <a:blip r:embed="rId2"/>
+          <a:stretch>
+            <a:fillRect/>
+          </a:stretch>
+        </p:blipFill>
+        <p:spPr>
+          <a:xfrm>
+            <a:off x="2526506" y="1033460"/>
+            <a:ext cx="7086600" cy="5194300"/>
+          </a:xfrm>
+          <a:prstGeom prst="rect">
+            <a:avLst/>
+          </a:prstGeom>
+        </p:spPr>
+      </p:pic>
+      <p:sp>
+        <p:nvSpPr>
+          <p:cNvPr id="9" name="CaixaDeTexto 8">
+            <a:extLst>
+              <a:ext uri="{FF2B5EF4-FFF2-40B4-BE49-F238E27FC236}">
+                <a16:creationId xmlns:a16="http://schemas.microsoft.com/office/drawing/2014/main" id="{C037F0F3-EB42-2449-A4BD-35662B18FC53}"/>
+              </a:ext>
+            </a:extLst>
+          </p:cNvPr>
+          <p:cNvSpPr txBox="1"/>
+          <p:nvPr/>
+        </p:nvSpPr>
+        <p:spPr>
+          <a:xfrm>
+            <a:off x="11353800" y="863598"/>
+            <a:ext cx="461665" cy="5534025"/>
+          </a:xfrm>
+          <a:prstGeom prst="rect">
+            <a:avLst/>
+          </a:prstGeom>
+          <a:noFill/>
+        </p:spPr>
+        <p:txBody>
+          <a:bodyPr vert="vert" wrap="square" rtlCol="0">
+            <a:spAutoFit/>
+          </a:bodyPr>
+          <a:lstStyle/>
+          <a:p>
+            <a:r>
+              <a:rPr lang="pt-BR" sz="900" dirty="0"/>
+              <a:t>Fonte: AHO, Alfred V.; SETHI, </a:t>
+            </a:r>
+            <a:r>
+              <a:rPr lang="pt-BR" sz="900" dirty="0" err="1"/>
+              <a:t>Ravi</a:t>
+            </a:r>
+            <a:r>
+              <a:rPr lang="pt-BR" sz="900" dirty="0"/>
+              <a:t>; ULLMAN, Jeffrey D. Compiladores:  princípios, técnicas e ferramentas. Rio de Janeiro: Guanabara Koogan, c1995. 344p. ISBN 8527703122 (</a:t>
+            </a:r>
+            <a:r>
+              <a:rPr lang="pt-BR" sz="900" dirty="0" err="1"/>
+              <a:t>broch</a:t>
+            </a:r>
+            <a:r>
+              <a:rPr lang="pt-BR" sz="900" dirty="0"/>
+              <a:t>.)</a:t>
+            </a:r>
+          </a:p>
+        </p:txBody>
+      </p:sp>
+      <p:sp>
+        <p:nvSpPr>
+          <p:cNvPr id="10" name="Retângulo 9">
+            <a:extLst>
+              <a:ext uri="{FF2B5EF4-FFF2-40B4-BE49-F238E27FC236}">
+                <a16:creationId xmlns:a16="http://schemas.microsoft.com/office/drawing/2014/main" id="{0AE08A84-2012-5544-9214-39F8EC7814DD}"/>
+              </a:ext>
+            </a:extLst>
+          </p:cNvPr>
+          <p:cNvSpPr/>
+          <p:nvPr/>
+        </p:nvSpPr>
+        <p:spPr>
+          <a:xfrm rot="16200000">
+            <a:off x="8857098" y="5120216"/>
+            <a:ext cx="1992148" cy="480131"/>
+          </a:xfrm>
+          <a:prstGeom prst="rect">
+            <a:avLst/>
+          </a:prstGeom>
+        </p:spPr>
+        <p:txBody>
+          <a:bodyPr vert="horz" lIns="91440" tIns="45720" rIns="91440" bIns="45720" rtlCol="0">
+            <a:normAutofit/>
+          </a:bodyPr>
+          <a:lstStyle/>
+          <a:p>
+            <a:pPr defTabSz="914377">
+              <a:lnSpc>
+                <a:spcPct val="90000"/>
+              </a:lnSpc>
+              <a:spcBef>
+                <a:spcPts val="1000"/>
+              </a:spcBef>
+            </a:pPr>
+            <a:r>
+              <a:rPr lang="pt-PT" dirty="0">
+                <a:solidFill>
+                  <a:schemeClr val="accent2">
+                    <a:lumMod val="20000"/>
+                    <a:lumOff val="80000"/>
+                  </a:schemeClr>
+                </a:solidFill>
+              </a:rPr>
+              <a:t>(AHO, 1995; p. 83)</a:t>
+            </a:r>
+          </a:p>
+        </p:txBody>
+      </p:sp>
+    </p:spTree>
+    <p:extLst>
+      <p:ext uri="{BB962C8B-B14F-4D97-AF65-F5344CB8AC3E}">
+        <p14:creationId xmlns:p14="http://schemas.microsoft.com/office/powerpoint/2010/main" val="3030958640"/>
+      </p:ext>
+    </p:extLst>
+  </p:cSld>
+  <p:clrMapOvr>
+    <a:masterClrMapping/>
+  </p:clrMapOvr>
+</p:sld>
+</file>
+
+<file path=ppt/slides/slide47.xml><?xml version="1.0" encoding="utf-8"?>
+<p:sld xmlns:a="http://schemas.openxmlformats.org/drawingml/2006/main" xmlns:r="http://schemas.openxmlformats.org/officeDocument/2006/relationships" xmlns:p="http://schemas.openxmlformats.org/presentationml/2006/main">
+  <p:cSld>
+    <p:spTree>
+      <p:nvGrpSpPr>
+        <p:cNvPr id="1" name=""/>
+        <p:cNvGrpSpPr/>
+        <p:nvPr/>
+      </p:nvGrpSpPr>
+      <p:grpSpPr>
+        <a:xfrm>
+          <a:off x="0" y="0"/>
+          <a:ext cx="0" cy="0"/>
+          <a:chOff x="0" y="0"/>
+          <a:chExt cx="0" cy="0"/>
+        </a:xfrm>
+      </p:grpSpPr>
+      <p:sp>
+        <p:nvSpPr>
+          <p:cNvPr id="2" name="Título 1">
+            <a:extLst>
+              <a:ext uri="{FF2B5EF4-FFF2-40B4-BE49-F238E27FC236}">
+                <a16:creationId xmlns:a16="http://schemas.microsoft.com/office/drawing/2014/main" id="{7B461B94-0D97-AE40-A702-8524DF684E78}"/>
+              </a:ext>
+            </a:extLst>
+          </p:cNvPr>
+          <p:cNvSpPr>
+            <a:spLocks noGrp="1"/>
+          </p:cNvSpPr>
+          <p:nvPr>
+            <p:ph type="title"/>
+          </p:nvPr>
+        </p:nvSpPr>
+        <p:spPr>
+          <a:xfrm>
+            <a:off x="411956" y="0"/>
+            <a:ext cx="10515600" cy="863598"/>
+          </a:xfrm>
+        </p:spPr>
+        <p:txBody>
+          <a:bodyPr>
+            <a:noAutofit/>
+          </a:bodyPr>
+          <a:lstStyle/>
+          <a:p>
+            <a:r>
+              <a:rPr lang="pt-BR" sz="3200" dirty="0"/>
+              <a:t>Ambiguidades</a:t>
+            </a:r>
+            <a:r>
+              <a:rPr lang="pt-BR" sz="3600" dirty="0"/>
+              <a:t>, Identificadores e Palavras Reservadas</a:t>
+            </a:r>
+          </a:p>
+        </p:txBody>
+      </p:sp>
+      <p:sp>
+        <p:nvSpPr>
+          <p:cNvPr id="3" name="Espaço Reservado para Conteúdo 2">
+            <a:extLst>
+              <a:ext uri="{FF2B5EF4-FFF2-40B4-BE49-F238E27FC236}">
+                <a16:creationId xmlns:a16="http://schemas.microsoft.com/office/drawing/2014/main" id="{8750FE84-6BAE-7241-8859-A2B74347FB36}"/>
+              </a:ext>
+            </a:extLst>
+          </p:cNvPr>
+          <p:cNvSpPr>
+            <a:spLocks noGrp="1"/>
+          </p:cNvSpPr>
+          <p:nvPr>
+            <p:ph idx="1"/>
+          </p:nvPr>
+        </p:nvSpPr>
+        <p:spPr/>
+        <p:txBody>
+          <a:bodyPr vert="horz" lIns="91440" tIns="45720" rIns="91440" bIns="45720" rtlCol="0">
+            <a:normAutofit/>
+          </a:bodyPr>
+          <a:lstStyle/>
+          <a:p>
+            <a:r>
+              <a:rPr lang="pt-BR" dirty="0"/>
+              <a:t>O problema de ambiguidade entre identificadores e palavras reservadas constitui um problema adicional na análise Léxica.</a:t>
+            </a:r>
+          </a:p>
+          <a:p>
+            <a:r>
+              <a:rPr lang="pt-BR" dirty="0"/>
+              <a:t>Pois palavras chaves podem ser uma </a:t>
+            </a:r>
+            <a:r>
+              <a:rPr lang="pt-BR" dirty="0" err="1"/>
+              <a:t>substring</a:t>
+            </a:r>
+            <a:r>
+              <a:rPr lang="pt-BR" dirty="0"/>
+              <a:t>, sufixo ou prefixo de um identificador.  Analise o Diagrama abaixo!</a:t>
+            </a:r>
+          </a:p>
+        </p:txBody>
+      </p:sp>
+      <p:sp>
+        <p:nvSpPr>
+          <p:cNvPr id="4" name="Espaço Reservado para Data 3">
+            <a:extLst>
+              <a:ext uri="{FF2B5EF4-FFF2-40B4-BE49-F238E27FC236}">
+                <a16:creationId xmlns:a16="http://schemas.microsoft.com/office/drawing/2014/main" id="{D6A559EC-740B-F84F-AED0-A03BA7D5467B}"/>
+              </a:ext>
+            </a:extLst>
+          </p:cNvPr>
+          <p:cNvSpPr>
+            <a:spLocks noGrp="1"/>
+          </p:cNvSpPr>
+          <p:nvPr>
+            <p:ph type="dt" sz="half" idx="10"/>
+          </p:nvPr>
+        </p:nvSpPr>
+        <p:spPr/>
+        <p:txBody>
+          <a:bodyPr/>
+          <a:lstStyle/>
+          <a:p>
+            <a:r>
+              <a:rPr lang="pt-BR" dirty="0"/>
+              <a:t>Compiladores</a:t>
+            </a:r>
+          </a:p>
+        </p:txBody>
+      </p:sp>
+      <p:sp>
+        <p:nvSpPr>
+          <p:cNvPr id="5" name="Espaço Reservado para Rodapé 4">
+            <a:extLst>
+              <a:ext uri="{FF2B5EF4-FFF2-40B4-BE49-F238E27FC236}">
+                <a16:creationId xmlns:a16="http://schemas.microsoft.com/office/drawing/2014/main" id="{3202C780-086E-EF40-8C59-593373A1F2B0}"/>
+              </a:ext>
+            </a:extLst>
+          </p:cNvPr>
+          <p:cNvSpPr>
+            <a:spLocks noGrp="1"/>
+          </p:cNvSpPr>
+          <p:nvPr>
+            <p:ph type="ftr" sz="quarter" idx="11"/>
+          </p:nvPr>
+        </p:nvSpPr>
+        <p:spPr/>
+        <p:txBody>
+          <a:bodyPr/>
+          <a:lstStyle/>
+          <a:p>
+            <a:r>
+              <a:rPr lang="pt-BR"/>
+              <a:t>Prof. Mathias Santos de Brito</a:t>
+            </a:r>
+            <a:endParaRPr lang="pt-BR" dirty="0"/>
+          </a:p>
+        </p:txBody>
+      </p:sp>
+      <p:sp>
+        <p:nvSpPr>
+          <p:cNvPr id="6" name="Espaço Reservado para Número de Slide 5">
+            <a:extLst>
+              <a:ext uri="{FF2B5EF4-FFF2-40B4-BE49-F238E27FC236}">
+                <a16:creationId xmlns:a16="http://schemas.microsoft.com/office/drawing/2014/main" id="{D8662F98-9EA1-ED4F-8FF0-4C87B131F777}"/>
+              </a:ext>
+            </a:extLst>
+          </p:cNvPr>
+          <p:cNvSpPr>
+            <a:spLocks noGrp="1"/>
+          </p:cNvSpPr>
+          <p:nvPr>
+            <p:ph type="sldNum" sz="quarter" idx="12"/>
+          </p:nvPr>
+        </p:nvSpPr>
+        <p:spPr/>
+        <p:txBody>
+          <a:bodyPr/>
+          <a:lstStyle/>
+          <a:p>
+            <a:fld id="{BB6592E8-4CB6-CA48-8DDA-14B9D6C8BDBF}" type="slidenum">
+              <a:rPr lang="pt-BR" smtClean="0"/>
+              <a:t>47</a:t>
+            </a:fld>
+            <a:endParaRPr lang="pt-BR" dirty="0"/>
+          </a:p>
+        </p:txBody>
+      </p:sp>
+      <p:pic>
+        <p:nvPicPr>
+          <p:cNvPr id="7" name="Imagem 6">
+            <a:extLst>
+              <a:ext uri="{FF2B5EF4-FFF2-40B4-BE49-F238E27FC236}">
+                <a16:creationId xmlns:a16="http://schemas.microsoft.com/office/drawing/2014/main" id="{D8AECAF3-4AEE-8446-AFE7-A85FC7C06406}"/>
+              </a:ext>
+            </a:extLst>
+          </p:cNvPr>
+          <p:cNvPicPr>
+            <a:picLocks noChangeAspect="1"/>
+          </p:cNvPicPr>
+          <p:nvPr/>
+        </p:nvPicPr>
+        <p:blipFill>
+          <a:blip r:embed="rId2"/>
+          <a:stretch>
+            <a:fillRect/>
+          </a:stretch>
+        </p:blipFill>
+        <p:spPr>
+          <a:xfrm>
+            <a:off x="1866106" y="3798055"/>
+            <a:ext cx="8407400" cy="2298700"/>
+          </a:xfrm>
+          <a:prstGeom prst="rect">
+            <a:avLst/>
+          </a:prstGeom>
+        </p:spPr>
+      </p:pic>
+      <p:sp>
+        <p:nvSpPr>
+          <p:cNvPr id="8" name="CaixaDeTexto 7">
+            <a:extLst>
+              <a:ext uri="{FF2B5EF4-FFF2-40B4-BE49-F238E27FC236}">
+                <a16:creationId xmlns:a16="http://schemas.microsoft.com/office/drawing/2014/main" id="{93F4C617-1B35-D942-A192-5A02AA3A645F}"/>
+              </a:ext>
+            </a:extLst>
+          </p:cNvPr>
+          <p:cNvSpPr txBox="1"/>
+          <p:nvPr/>
+        </p:nvSpPr>
+        <p:spPr>
+          <a:xfrm>
+            <a:off x="11353800" y="863598"/>
+            <a:ext cx="461665" cy="5534025"/>
+          </a:xfrm>
+          <a:prstGeom prst="rect">
+            <a:avLst/>
+          </a:prstGeom>
+          <a:noFill/>
+        </p:spPr>
+        <p:txBody>
+          <a:bodyPr vert="vert" wrap="square" rtlCol="0">
+            <a:spAutoFit/>
+          </a:bodyPr>
+          <a:lstStyle/>
+          <a:p>
+            <a:r>
+              <a:rPr lang="pt-BR" sz="900" dirty="0"/>
+              <a:t>Fonte: AHO, Alfred V.; SETHI, </a:t>
+            </a:r>
+            <a:r>
+              <a:rPr lang="pt-BR" sz="900" dirty="0" err="1"/>
+              <a:t>Ravi</a:t>
+            </a:r>
+            <a:r>
+              <a:rPr lang="pt-BR" sz="900" dirty="0"/>
+              <a:t>; ULLMAN, Jeffrey D. Compiladores:  princípios, técnicas e ferramentas. Rio de Janeiro: Guanabara Koogan, c1995. 344p. ISBN 8527703122 (</a:t>
+            </a:r>
+            <a:r>
+              <a:rPr lang="pt-BR" sz="900" dirty="0" err="1"/>
+              <a:t>broch</a:t>
+            </a:r>
+            <a:r>
+              <a:rPr lang="pt-BR" sz="900" dirty="0"/>
+              <a:t>.)</a:t>
+            </a:r>
+          </a:p>
+        </p:txBody>
+      </p:sp>
+      <p:sp>
+        <p:nvSpPr>
+          <p:cNvPr id="9" name="Retângulo 8">
+            <a:extLst>
+              <a:ext uri="{FF2B5EF4-FFF2-40B4-BE49-F238E27FC236}">
+                <a16:creationId xmlns:a16="http://schemas.microsoft.com/office/drawing/2014/main" id="{2B377B9C-66EE-194A-B859-56B39BBB09F0}"/>
+              </a:ext>
+            </a:extLst>
+          </p:cNvPr>
+          <p:cNvSpPr/>
+          <p:nvPr/>
+        </p:nvSpPr>
+        <p:spPr>
+          <a:xfrm rot="16200000">
+            <a:off x="9463611" y="4853799"/>
+            <a:ext cx="1992148" cy="480131"/>
+          </a:xfrm>
+          <a:prstGeom prst="rect">
+            <a:avLst/>
+          </a:prstGeom>
+        </p:spPr>
+        <p:txBody>
+          <a:bodyPr vert="horz" lIns="91440" tIns="45720" rIns="91440" bIns="45720" rtlCol="0">
+            <a:normAutofit/>
+          </a:bodyPr>
+          <a:lstStyle/>
+          <a:p>
+            <a:pPr defTabSz="914377">
+              <a:lnSpc>
+                <a:spcPct val="90000"/>
+              </a:lnSpc>
+              <a:spcBef>
+                <a:spcPts val="1000"/>
+              </a:spcBef>
+            </a:pPr>
+            <a:r>
+              <a:rPr lang="pt-PT" dirty="0">
+                <a:solidFill>
+                  <a:schemeClr val="accent2">
+                    <a:lumMod val="20000"/>
+                    <a:lumOff val="80000"/>
+                  </a:schemeClr>
+                </a:solidFill>
+              </a:rPr>
+              <a:t>(AHO, 1995; p. 84)</a:t>
+            </a:r>
+          </a:p>
+        </p:txBody>
+      </p:sp>
+    </p:spTree>
+    <p:extLst>
+      <p:ext uri="{BB962C8B-B14F-4D97-AF65-F5344CB8AC3E}">
+        <p14:creationId xmlns:p14="http://schemas.microsoft.com/office/powerpoint/2010/main" val="3231015514"/>
+      </p:ext>
+    </p:extLst>
+  </p:cSld>
+  <p:clrMapOvr>
+    <a:masterClrMapping/>
+  </p:clrMapOvr>
+</p:sld>
+</file>
+
+<file path=ppt/slides/slide48.xml><?xml version="1.0" encoding="utf-8"?>
+<p:sld xmlns:a="http://schemas.openxmlformats.org/drawingml/2006/main" xmlns:r="http://schemas.openxmlformats.org/officeDocument/2006/relationships" xmlns:p="http://schemas.openxmlformats.org/presentationml/2006/main">
+  <p:cSld>
+    <p:spTree>
+      <p:nvGrpSpPr>
+        <p:cNvPr id="1" name=""/>
+        <p:cNvGrpSpPr/>
+        <p:nvPr/>
+      </p:nvGrpSpPr>
+      <p:grpSpPr>
+        <a:xfrm>
+          <a:off x="0" y="0"/>
+          <a:ext cx="0" cy="0"/>
+          <a:chOff x="0" y="0"/>
+          <a:chExt cx="0" cy="0"/>
+        </a:xfrm>
+      </p:grpSpPr>
+      <p:sp>
+        <p:nvSpPr>
+          <p:cNvPr id="2" name="Título 1">
+            <a:extLst>
+              <a:ext uri="{FF2B5EF4-FFF2-40B4-BE49-F238E27FC236}">
+                <a16:creationId xmlns:a16="http://schemas.microsoft.com/office/drawing/2014/main" id="{6E9D3D16-3400-0E4E-94C3-56AFA05FDA82}"/>
+              </a:ext>
+            </a:extLst>
+          </p:cNvPr>
+          <p:cNvSpPr>
+            <a:spLocks noGrp="1"/>
+          </p:cNvSpPr>
+          <p:nvPr>
+            <p:ph type="title"/>
+          </p:nvPr>
+        </p:nvSpPr>
+        <p:spPr/>
+        <p:txBody>
+          <a:bodyPr>
+            <a:noAutofit/>
+          </a:bodyPr>
+          <a:lstStyle/>
+          <a:p>
+            <a:r>
+              <a:rPr lang="pt-BR" sz="3200" dirty="0"/>
+              <a:t>Ambiguidades</a:t>
+            </a:r>
+            <a:r>
+              <a:rPr lang="pt-BR" sz="3600" dirty="0"/>
+              <a:t>, Identificadores e Palavras Reservadas</a:t>
+            </a:r>
+          </a:p>
+        </p:txBody>
+      </p:sp>
+      <p:sp>
+        <p:nvSpPr>
+          <p:cNvPr id="3" name="Espaço Reservado para Conteúdo 2">
+            <a:extLst>
+              <a:ext uri="{FF2B5EF4-FFF2-40B4-BE49-F238E27FC236}">
+                <a16:creationId xmlns:a16="http://schemas.microsoft.com/office/drawing/2014/main" id="{77E80CFB-F811-B747-AAC3-9D42F0F041AD}"/>
+              </a:ext>
+            </a:extLst>
+          </p:cNvPr>
+          <p:cNvSpPr>
+            <a:spLocks noGrp="1"/>
+          </p:cNvSpPr>
+          <p:nvPr>
+            <p:ph idx="1"/>
+          </p:nvPr>
+        </p:nvSpPr>
+        <p:spPr/>
+        <p:txBody>
+          <a:bodyPr/>
+          <a:lstStyle/>
+          <a:p>
+            <a:r>
+              <a:rPr lang="pt-BR" dirty="0"/>
+              <a:t>Temos duas soluções básicas para este problema:</a:t>
+            </a:r>
+          </a:p>
+          <a:p>
+            <a:pPr marL="914389" lvl="1" indent="-457200">
+              <a:buFont typeface="+mj-lt"/>
+              <a:buAutoNum type="arabicPeriod"/>
+            </a:pPr>
+            <a:r>
+              <a:rPr lang="pt-BR" dirty="0"/>
+              <a:t>Adicionar as palavras-reservadas na tabela de símbolos e marca-las como palavra-reservada. Ao reconhecer um </a:t>
+            </a:r>
+            <a:r>
+              <a:rPr lang="pt-BR" dirty="0" err="1"/>
+              <a:t>lexama</a:t>
+            </a:r>
+            <a:r>
+              <a:rPr lang="pt-BR" dirty="0"/>
+              <a:t> do tipo ID este é colocado na tabela de símbolos se ainda não existe, ou retornando uma referência ao símbolo na tabela.</a:t>
+            </a:r>
+          </a:p>
+          <a:p>
+            <a:pPr marL="914389" lvl="1" indent="-457200">
+              <a:buFont typeface="+mj-lt"/>
+              <a:buAutoNum type="arabicPeriod"/>
+            </a:pPr>
+            <a:r>
+              <a:rPr lang="pt-BR" dirty="0"/>
+              <a:t>Adicionar um diagrama específico para cada palavra-chave. Analise o diagrama abaixo: para “</a:t>
+            </a:r>
+            <a:r>
+              <a:rPr lang="pt-BR" dirty="0" err="1"/>
+              <a:t>then</a:t>
+            </a:r>
+            <a:r>
+              <a:rPr lang="pt-BR" dirty="0"/>
+              <a:t> “ e “</a:t>
+            </a:r>
+            <a:r>
+              <a:rPr lang="pt-BR" dirty="0" err="1"/>
+              <a:t>thenextvalue</a:t>
+            </a:r>
+            <a:r>
+              <a:rPr lang="pt-BR" dirty="0"/>
+              <a:t>”.</a:t>
+            </a:r>
+          </a:p>
+        </p:txBody>
+      </p:sp>
+      <p:sp>
+        <p:nvSpPr>
+          <p:cNvPr id="4" name="Espaço Reservado para Data 3">
+            <a:extLst>
+              <a:ext uri="{FF2B5EF4-FFF2-40B4-BE49-F238E27FC236}">
+                <a16:creationId xmlns:a16="http://schemas.microsoft.com/office/drawing/2014/main" id="{7CD4AB02-6341-EA44-9A01-FAB0CB3791B2}"/>
+              </a:ext>
+            </a:extLst>
+          </p:cNvPr>
+          <p:cNvSpPr>
+            <a:spLocks noGrp="1"/>
+          </p:cNvSpPr>
+          <p:nvPr>
+            <p:ph type="dt" sz="half" idx="10"/>
+          </p:nvPr>
+        </p:nvSpPr>
+        <p:spPr/>
+        <p:txBody>
+          <a:bodyPr/>
+          <a:lstStyle/>
+          <a:p>
+            <a:r>
+              <a:rPr lang="pt-BR"/>
+              <a:t>Compiladores</a:t>
+            </a:r>
+            <a:endParaRPr lang="pt-BR" dirty="0"/>
+          </a:p>
+        </p:txBody>
+      </p:sp>
+      <p:sp>
+        <p:nvSpPr>
+          <p:cNvPr id="5" name="Espaço Reservado para Rodapé 4">
+            <a:extLst>
+              <a:ext uri="{FF2B5EF4-FFF2-40B4-BE49-F238E27FC236}">
+                <a16:creationId xmlns:a16="http://schemas.microsoft.com/office/drawing/2014/main" id="{CBC3D26E-EC56-DF4C-9964-AD4D990A6099}"/>
+              </a:ext>
+            </a:extLst>
+          </p:cNvPr>
+          <p:cNvSpPr>
+            <a:spLocks noGrp="1"/>
+          </p:cNvSpPr>
+          <p:nvPr>
+            <p:ph type="ftr" sz="quarter" idx="11"/>
+          </p:nvPr>
+        </p:nvSpPr>
+        <p:spPr/>
+        <p:txBody>
+          <a:bodyPr/>
+          <a:lstStyle/>
+          <a:p>
+            <a:r>
+              <a:rPr lang="pt-BR"/>
+              <a:t>Prof. Mathias Santos de Brito</a:t>
+            </a:r>
+            <a:endParaRPr lang="pt-BR" dirty="0"/>
+          </a:p>
+        </p:txBody>
+      </p:sp>
+      <p:sp>
+        <p:nvSpPr>
+          <p:cNvPr id="6" name="Espaço Reservado para Número de Slide 5">
+            <a:extLst>
+              <a:ext uri="{FF2B5EF4-FFF2-40B4-BE49-F238E27FC236}">
+                <a16:creationId xmlns:a16="http://schemas.microsoft.com/office/drawing/2014/main" id="{4B31EAB8-030E-774D-9DE4-1770687E6149}"/>
+              </a:ext>
+            </a:extLst>
+          </p:cNvPr>
+          <p:cNvSpPr>
+            <a:spLocks noGrp="1"/>
+          </p:cNvSpPr>
+          <p:nvPr>
+            <p:ph type="sldNum" sz="quarter" idx="12"/>
+          </p:nvPr>
+        </p:nvSpPr>
+        <p:spPr/>
+        <p:txBody>
+          <a:bodyPr/>
+          <a:lstStyle/>
+          <a:p>
+            <a:fld id="{BB6592E8-4CB6-CA48-8DDA-14B9D6C8BDBF}" type="slidenum">
+              <a:rPr lang="pt-BR" smtClean="0"/>
+              <a:t>48</a:t>
+            </a:fld>
+            <a:endParaRPr lang="pt-BR"/>
+          </a:p>
+        </p:txBody>
+      </p:sp>
+      <p:pic>
+        <p:nvPicPr>
+          <p:cNvPr id="7" name="Imagem 6">
+            <a:extLst>
+              <a:ext uri="{FF2B5EF4-FFF2-40B4-BE49-F238E27FC236}">
+                <a16:creationId xmlns:a16="http://schemas.microsoft.com/office/drawing/2014/main" id="{C8391D68-8E62-E94C-990A-0369AA656F3B}"/>
+              </a:ext>
+            </a:extLst>
+          </p:cNvPr>
+          <p:cNvPicPr>
+            <a:picLocks noChangeAspect="1"/>
+          </p:cNvPicPr>
+          <p:nvPr/>
+        </p:nvPicPr>
+        <p:blipFill>
+          <a:blip r:embed="rId2"/>
+          <a:stretch>
+            <a:fillRect/>
+          </a:stretch>
+        </p:blipFill>
+        <p:spPr>
+          <a:xfrm>
+            <a:off x="2520384" y="4587014"/>
+            <a:ext cx="7307652" cy="1589949"/>
+          </a:xfrm>
+          <a:prstGeom prst="rect">
+            <a:avLst/>
+          </a:prstGeom>
+        </p:spPr>
+      </p:pic>
+    </p:spTree>
+    <p:extLst>
+      <p:ext uri="{BB962C8B-B14F-4D97-AF65-F5344CB8AC3E}">
+        <p14:creationId xmlns:p14="http://schemas.microsoft.com/office/powerpoint/2010/main" val="1657347400"/>
+      </p:ext>
+    </p:extLst>
+  </p:cSld>
+  <p:clrMapOvr>
+    <a:masterClrMapping/>
+  </p:clrMapOvr>
+</p:sld>
+</file>
+
+<file path=ppt/slides/slide49.xml><?xml version="1.0" encoding="utf-8"?>
+<p:sld xmlns:a="http://schemas.openxmlformats.org/drawingml/2006/main" xmlns:r="http://schemas.openxmlformats.org/officeDocument/2006/relationships" xmlns:p="http://schemas.openxmlformats.org/presentationml/2006/main">
+  <p:cSld>
+    <p:spTree>
+      <p:nvGrpSpPr>
+        <p:cNvPr id="1" name=""/>
+        <p:cNvGrpSpPr/>
+        <p:nvPr/>
+      </p:nvGrpSpPr>
+      <p:grpSpPr>
+        <a:xfrm>
+          <a:off x="0" y="0"/>
+          <a:ext cx="0" cy="0"/>
+          <a:chOff x="0" y="0"/>
+          <a:chExt cx="0" cy="0"/>
+        </a:xfrm>
+      </p:grpSpPr>
+      <p:sp>
+        <p:nvSpPr>
+          <p:cNvPr id="2" name="Título 1">
+            <a:extLst>
+              <a:ext uri="{FF2B5EF4-FFF2-40B4-BE49-F238E27FC236}">
+                <a16:creationId xmlns:a16="http://schemas.microsoft.com/office/drawing/2014/main" id="{4EEA289B-104B-CB47-B23F-FE467989F3B2}"/>
+              </a:ext>
+            </a:extLst>
+          </p:cNvPr>
+          <p:cNvSpPr>
+            <a:spLocks noGrp="1"/>
+          </p:cNvSpPr>
+          <p:nvPr>
+            <p:ph type="title"/>
+          </p:nvPr>
+        </p:nvSpPr>
+        <p:spPr/>
+        <p:txBody>
+          <a:bodyPr>
+            <a:noAutofit/>
+          </a:bodyPr>
+          <a:lstStyle/>
+          <a:p>
+            <a:r>
+              <a:rPr lang="pt-BR" sz="3200" dirty="0"/>
+              <a:t>Ambiguidades</a:t>
+            </a:r>
+            <a:r>
+              <a:rPr lang="pt-BR" sz="3600" dirty="0"/>
+              <a:t>, Identificadores e Palavras Reservadas</a:t>
+            </a:r>
+          </a:p>
+        </p:txBody>
+      </p:sp>
+      <p:sp>
+        <p:nvSpPr>
+          <p:cNvPr id="3" name="Espaço Reservado para Conteúdo 2">
+            <a:extLst>
+              <a:ext uri="{FF2B5EF4-FFF2-40B4-BE49-F238E27FC236}">
+                <a16:creationId xmlns:a16="http://schemas.microsoft.com/office/drawing/2014/main" id="{41058828-F082-1F4E-B0B6-47E9E422D013}"/>
+              </a:ext>
+            </a:extLst>
+          </p:cNvPr>
+          <p:cNvSpPr>
+            <a:spLocks noGrp="1"/>
+          </p:cNvSpPr>
+          <p:nvPr>
+            <p:ph idx="1"/>
+          </p:nvPr>
+        </p:nvSpPr>
+        <p:spPr/>
+        <p:txBody>
+          <a:bodyPr/>
+          <a:lstStyle/>
+          <a:p>
+            <a:r>
+              <a:rPr lang="pt-BR" dirty="0"/>
+              <a:t>Em relação à técnica 2, não precisamos submeter a análise para diferentes diagramas.</a:t>
+            </a:r>
+          </a:p>
+          <a:p>
+            <a:r>
+              <a:rPr lang="pt-BR" dirty="0"/>
+              <a:t>Podemos escrever um só diagrama que contemplem todos os diagramas necessários para o reconhecimento dos lexemas.</a:t>
+            </a:r>
+          </a:p>
+          <a:p>
+            <a:pPr marL="0" indent="0">
+              <a:buNone/>
+            </a:pPr>
+            <a:endParaRPr lang="pt-BR" dirty="0"/>
+          </a:p>
+        </p:txBody>
+      </p:sp>
+      <p:sp>
+        <p:nvSpPr>
+          <p:cNvPr id="4" name="Espaço Reservado para Data 3">
+            <a:extLst>
+              <a:ext uri="{FF2B5EF4-FFF2-40B4-BE49-F238E27FC236}">
+                <a16:creationId xmlns:a16="http://schemas.microsoft.com/office/drawing/2014/main" id="{5BB18707-CD04-1D41-BB49-A55643CDCA9D}"/>
+              </a:ext>
+            </a:extLst>
+          </p:cNvPr>
+          <p:cNvSpPr>
+            <a:spLocks noGrp="1"/>
+          </p:cNvSpPr>
+          <p:nvPr>
+            <p:ph type="dt" sz="half" idx="10"/>
+          </p:nvPr>
+        </p:nvSpPr>
+        <p:spPr/>
+        <p:txBody>
+          <a:bodyPr/>
+          <a:lstStyle/>
+          <a:p>
+            <a:r>
+              <a:rPr lang="pt-BR"/>
+              <a:t>Compiladores</a:t>
+            </a:r>
+            <a:endParaRPr lang="pt-BR" dirty="0"/>
+          </a:p>
+        </p:txBody>
+      </p:sp>
+      <p:sp>
+        <p:nvSpPr>
+          <p:cNvPr id="5" name="Espaço Reservado para Rodapé 4">
+            <a:extLst>
+              <a:ext uri="{FF2B5EF4-FFF2-40B4-BE49-F238E27FC236}">
+                <a16:creationId xmlns:a16="http://schemas.microsoft.com/office/drawing/2014/main" id="{B4D4CFC0-67D5-D049-A84D-53481F1E03B4}"/>
+              </a:ext>
+            </a:extLst>
+          </p:cNvPr>
+          <p:cNvSpPr>
+            <a:spLocks noGrp="1"/>
+          </p:cNvSpPr>
+          <p:nvPr>
+            <p:ph type="ftr" sz="quarter" idx="11"/>
+          </p:nvPr>
+        </p:nvSpPr>
+        <p:spPr/>
+        <p:txBody>
+          <a:bodyPr/>
+          <a:lstStyle/>
+          <a:p>
+            <a:r>
+              <a:rPr lang="pt-BR"/>
+              <a:t>Prof. Mathias Santos de Brito</a:t>
+            </a:r>
+            <a:endParaRPr lang="pt-BR" dirty="0"/>
+          </a:p>
+        </p:txBody>
+      </p:sp>
+      <p:sp>
+        <p:nvSpPr>
+          <p:cNvPr id="6" name="Espaço Reservado para Número de Slide 5">
+            <a:extLst>
+              <a:ext uri="{FF2B5EF4-FFF2-40B4-BE49-F238E27FC236}">
+                <a16:creationId xmlns:a16="http://schemas.microsoft.com/office/drawing/2014/main" id="{E9627831-A7DC-2E49-A4FA-DF8BA78208F3}"/>
+              </a:ext>
+            </a:extLst>
+          </p:cNvPr>
+          <p:cNvSpPr>
+            <a:spLocks noGrp="1"/>
+          </p:cNvSpPr>
+          <p:nvPr>
+            <p:ph type="sldNum" sz="quarter" idx="12"/>
+          </p:nvPr>
+        </p:nvSpPr>
+        <p:spPr/>
+        <p:txBody>
+          <a:bodyPr/>
+          <a:lstStyle/>
+          <a:p>
+            <a:fld id="{BB6592E8-4CB6-CA48-8DDA-14B9D6C8BDBF}" type="slidenum">
+              <a:rPr lang="pt-BR" smtClean="0"/>
+              <a:t>49</a:t>
+            </a:fld>
+            <a:endParaRPr lang="pt-BR"/>
+          </a:p>
+        </p:txBody>
+      </p:sp>
+    </p:spTree>
+    <p:extLst>
+      <p:ext uri="{BB962C8B-B14F-4D97-AF65-F5344CB8AC3E}">
+        <p14:creationId xmlns:p14="http://schemas.microsoft.com/office/powerpoint/2010/main" val="2440770697"/>
+      </p:ext>
+    </p:extLst>
+  </p:cSld>
+  <p:clrMapOvr>
+    <a:masterClrMapping/>
+  </p:clrMapOvr>
+</p:sld>
+</file>
+
 <file path=ppt/slides/slide5.xml><?xml version="1.0" encoding="utf-8"?>
 <p:sld xmlns:a="http://schemas.openxmlformats.org/drawingml/2006/main" xmlns:r="http://schemas.openxmlformats.org/officeDocument/2006/relationships" xmlns:p="http://schemas.openxmlformats.org/presentationml/2006/main">
   <p:cSld>
@@ -22045,6 +24108,443 @@
     <p:extLst>
       <p:ext uri="{BB962C8B-B14F-4D97-AF65-F5344CB8AC3E}">
         <p14:creationId xmlns:p14="http://schemas.microsoft.com/office/powerpoint/2010/main" val="2719942122"/>
+      </p:ext>
+    </p:extLst>
+  </p:cSld>
+  <p:clrMapOvr>
+    <a:masterClrMapping/>
+  </p:clrMapOvr>
+</p:sld>
+</file>
+
+<file path=ppt/slides/slide50.xml><?xml version="1.0" encoding="utf-8"?>
+<p:sld xmlns:a="http://schemas.openxmlformats.org/drawingml/2006/main" xmlns:r="http://schemas.openxmlformats.org/officeDocument/2006/relationships" xmlns:p="http://schemas.openxmlformats.org/presentationml/2006/main">
+  <p:cSld>
+    <p:spTree>
+      <p:nvGrpSpPr>
+        <p:cNvPr id="1" name=""/>
+        <p:cNvGrpSpPr/>
+        <p:nvPr/>
+      </p:nvGrpSpPr>
+      <p:grpSpPr>
+        <a:xfrm>
+          <a:off x="0" y="0"/>
+          <a:ext cx="0" cy="0"/>
+          <a:chOff x="0" y="0"/>
+          <a:chExt cx="0" cy="0"/>
+        </a:xfrm>
+      </p:grpSpPr>
+      <p:sp>
+        <p:nvSpPr>
+          <p:cNvPr id="2" name="Título 1">
+            <a:extLst>
+              <a:ext uri="{FF2B5EF4-FFF2-40B4-BE49-F238E27FC236}">
+                <a16:creationId xmlns:a16="http://schemas.microsoft.com/office/drawing/2014/main" id="{846F9A3D-27D9-D645-89FA-FF62157D2BD0}"/>
+              </a:ext>
+            </a:extLst>
+          </p:cNvPr>
+          <p:cNvSpPr>
+            <a:spLocks noGrp="1"/>
+          </p:cNvSpPr>
+          <p:nvPr>
+            <p:ph type="title"/>
+          </p:nvPr>
+        </p:nvSpPr>
+        <p:spPr/>
+        <p:txBody>
+          <a:bodyPr>
+            <a:noAutofit/>
+          </a:bodyPr>
+          <a:lstStyle/>
+          <a:p>
+            <a:r>
+              <a:rPr lang="pt-BR" sz="3200" dirty="0"/>
+              <a:t>Ambiguidades</a:t>
+            </a:r>
+            <a:r>
+              <a:rPr lang="pt-BR" sz="3600" dirty="0"/>
+              <a:t>, Identificadores e Palavras Reservadas</a:t>
+            </a:r>
+          </a:p>
+        </p:txBody>
+      </p:sp>
+      <p:sp>
+        <p:nvSpPr>
+          <p:cNvPr id="3" name="Espaço Reservado para Conteúdo 2">
+            <a:extLst>
+              <a:ext uri="{FF2B5EF4-FFF2-40B4-BE49-F238E27FC236}">
+                <a16:creationId xmlns:a16="http://schemas.microsoft.com/office/drawing/2014/main" id="{A8CA3232-492C-B249-8D79-4A4C41EE9984}"/>
+              </a:ext>
+            </a:extLst>
+          </p:cNvPr>
+          <p:cNvSpPr>
+            <a:spLocks noGrp="1"/>
+          </p:cNvSpPr>
+          <p:nvPr>
+            <p:ph idx="1"/>
+          </p:nvPr>
+        </p:nvSpPr>
+        <p:spPr/>
+        <p:txBody>
+          <a:bodyPr/>
+          <a:lstStyle/>
+          <a:p>
+            <a:r>
+              <a:rPr lang="pt-BR" dirty="0"/>
+              <a:t>Fazer exercícios da página 88 e 89 do livro </a:t>
+            </a:r>
+            <a:r>
+              <a:rPr lang="pt-PT" dirty="0"/>
+              <a:t>(AHO, 1995)</a:t>
+            </a:r>
+          </a:p>
+          <a:p>
+            <a:pPr marL="0" indent="0">
+              <a:buNone/>
+            </a:pPr>
+            <a:r>
+              <a:rPr lang="pt-BR" dirty="0"/>
+              <a:t> </a:t>
+            </a:r>
+          </a:p>
+        </p:txBody>
+      </p:sp>
+      <p:sp>
+        <p:nvSpPr>
+          <p:cNvPr id="4" name="Espaço Reservado para Data 3">
+            <a:extLst>
+              <a:ext uri="{FF2B5EF4-FFF2-40B4-BE49-F238E27FC236}">
+                <a16:creationId xmlns:a16="http://schemas.microsoft.com/office/drawing/2014/main" id="{3526679D-120B-A043-AC49-051E6F7470DB}"/>
+              </a:ext>
+            </a:extLst>
+          </p:cNvPr>
+          <p:cNvSpPr>
+            <a:spLocks noGrp="1"/>
+          </p:cNvSpPr>
+          <p:nvPr>
+            <p:ph type="dt" sz="half" idx="10"/>
+          </p:nvPr>
+        </p:nvSpPr>
+        <p:spPr/>
+        <p:txBody>
+          <a:bodyPr/>
+          <a:lstStyle/>
+          <a:p>
+            <a:r>
+              <a:rPr lang="pt-BR"/>
+              <a:t>Compiladores</a:t>
+            </a:r>
+            <a:endParaRPr lang="pt-BR" dirty="0"/>
+          </a:p>
+        </p:txBody>
+      </p:sp>
+      <p:sp>
+        <p:nvSpPr>
+          <p:cNvPr id="5" name="Espaço Reservado para Rodapé 4">
+            <a:extLst>
+              <a:ext uri="{FF2B5EF4-FFF2-40B4-BE49-F238E27FC236}">
+                <a16:creationId xmlns:a16="http://schemas.microsoft.com/office/drawing/2014/main" id="{B79415A3-9C92-224C-B6A5-A201D36CC57F}"/>
+              </a:ext>
+            </a:extLst>
+          </p:cNvPr>
+          <p:cNvSpPr>
+            <a:spLocks noGrp="1"/>
+          </p:cNvSpPr>
+          <p:nvPr>
+            <p:ph type="ftr" sz="quarter" idx="11"/>
+          </p:nvPr>
+        </p:nvSpPr>
+        <p:spPr/>
+        <p:txBody>
+          <a:bodyPr/>
+          <a:lstStyle/>
+          <a:p>
+            <a:r>
+              <a:rPr lang="pt-BR"/>
+              <a:t>Prof. Mathias Santos de Brito</a:t>
+            </a:r>
+            <a:endParaRPr lang="pt-BR" dirty="0"/>
+          </a:p>
+        </p:txBody>
+      </p:sp>
+      <p:sp>
+        <p:nvSpPr>
+          <p:cNvPr id="6" name="Espaço Reservado para Número de Slide 5">
+            <a:extLst>
+              <a:ext uri="{FF2B5EF4-FFF2-40B4-BE49-F238E27FC236}">
+                <a16:creationId xmlns:a16="http://schemas.microsoft.com/office/drawing/2014/main" id="{088DF88F-2558-3E46-97D9-29BC06014D69}"/>
+              </a:ext>
+            </a:extLst>
+          </p:cNvPr>
+          <p:cNvSpPr>
+            <a:spLocks noGrp="1"/>
+          </p:cNvSpPr>
+          <p:nvPr>
+            <p:ph type="sldNum" sz="quarter" idx="12"/>
+          </p:nvPr>
+        </p:nvSpPr>
+        <p:spPr/>
+        <p:txBody>
+          <a:bodyPr/>
+          <a:lstStyle/>
+          <a:p>
+            <a:fld id="{BB6592E8-4CB6-CA48-8DDA-14B9D6C8BDBF}" type="slidenum">
+              <a:rPr lang="pt-BR" smtClean="0"/>
+              <a:t>50</a:t>
+            </a:fld>
+            <a:endParaRPr lang="pt-BR"/>
+          </a:p>
+        </p:txBody>
+      </p:sp>
+    </p:spTree>
+    <p:extLst>
+      <p:ext uri="{BB962C8B-B14F-4D97-AF65-F5344CB8AC3E}">
+        <p14:creationId xmlns:p14="http://schemas.microsoft.com/office/powerpoint/2010/main" val="644097840"/>
+      </p:ext>
+    </p:extLst>
+  </p:cSld>
+  <p:clrMapOvr>
+    <a:masterClrMapping/>
+  </p:clrMapOvr>
+</p:sld>
+</file>
+
+<file path=ppt/slides/slide51.xml><?xml version="1.0" encoding="utf-8"?>
+<p:sld xmlns:a="http://schemas.openxmlformats.org/drawingml/2006/main" xmlns:r="http://schemas.openxmlformats.org/officeDocument/2006/relationships" xmlns:p="http://schemas.openxmlformats.org/presentationml/2006/main">
+  <p:cSld>
+    <p:spTree>
+      <p:nvGrpSpPr>
+        <p:cNvPr id="1" name=""/>
+        <p:cNvGrpSpPr/>
+        <p:nvPr/>
+      </p:nvGrpSpPr>
+      <p:grpSpPr>
+        <a:xfrm>
+          <a:off x="0" y="0"/>
+          <a:ext cx="0" cy="0"/>
+          <a:chOff x="0" y="0"/>
+          <a:chExt cx="0" cy="0"/>
+        </a:xfrm>
+      </p:grpSpPr>
+      <p:sp>
+        <p:nvSpPr>
+          <p:cNvPr id="2" name="Título 1">
+            <a:extLst>
+              <a:ext uri="{FF2B5EF4-FFF2-40B4-BE49-F238E27FC236}">
+                <a16:creationId xmlns:a16="http://schemas.microsoft.com/office/drawing/2014/main" id="{A54EE96E-8936-4D4C-A2A1-253A080052AC}"/>
+              </a:ext>
+            </a:extLst>
+          </p:cNvPr>
+          <p:cNvSpPr>
+            <a:spLocks noGrp="1"/>
+          </p:cNvSpPr>
+          <p:nvPr>
+            <p:ph type="title"/>
+          </p:nvPr>
+        </p:nvSpPr>
+        <p:spPr/>
+        <p:txBody>
+          <a:bodyPr/>
+          <a:lstStyle/>
+          <a:p>
+            <a:r>
+              <a:rPr lang="pt-BR" dirty="0"/>
+              <a:t>Expressões Regulares AFD/DFA e AFN/NFA</a:t>
+            </a:r>
+          </a:p>
+        </p:txBody>
+      </p:sp>
+      <mc:AlternateContent xmlns:mc="http://schemas.openxmlformats.org/markup-compatibility/2006">
+        <mc:Choice xmlns:a14="http://schemas.microsoft.com/office/drawing/2010/main" Requires="a14">
+          <p:sp>
+            <p:nvSpPr>
+              <p:cNvPr id="3" name="Espaço Reservado para Conteúdo 2">
+                <a:extLst>
+                  <a:ext uri="{FF2B5EF4-FFF2-40B4-BE49-F238E27FC236}">
+                    <a16:creationId xmlns:a16="http://schemas.microsoft.com/office/drawing/2014/main" id="{830F6F9C-3555-694D-AA66-5D72A6868E8B}"/>
+                  </a:ext>
+                </a:extLst>
+              </p:cNvPr>
+              <p:cNvSpPr>
+                <a:spLocks noGrp="1"/>
+              </p:cNvSpPr>
+              <p:nvPr>
+                <p:ph idx="1"/>
+              </p:nvPr>
+            </p:nvSpPr>
+            <p:spPr/>
+            <p:txBody>
+              <a:bodyPr/>
+              <a:lstStyle/>
+              <a:p>
+                <a:r>
+                  <a:rPr lang="pt-BR" dirty="0"/>
+                  <a:t>Expressões Regulares é uma notação para definir padrões, porém a sua análise e simulação em computadores são realizados através de autômatos finitos.</a:t>
+                </a:r>
+              </a:p>
+              <a:p>
+                <a:endParaRPr lang="pt-BR" dirty="0"/>
+              </a:p>
+              <a:p>
+                <a:r>
+                  <a:rPr lang="pt-BR" dirty="0"/>
+                  <a:t>A grosso modo a diferença entre autômatos finitos determinísticos e não-determinísticos é o fato de que o segundo pode conter diferentes arestas saindo de um estado e pode inclusive ter uma aresta rotulada com o símbolo </a:t>
+                </a:r>
+                <a14:m>
+                  <m:oMath xmlns:m="http://schemas.openxmlformats.org/officeDocument/2006/math">
+                    <m:r>
+                      <a:rPr lang="pt-BR" i="1" smtClean="0">
+                        <a:latin typeface="Cambria Math" panose="02040503050406030204" pitchFamily="18" charset="0"/>
+                        <a:ea typeface="Cambria Math" panose="02040503050406030204" pitchFamily="18" charset="0"/>
+                      </a:rPr>
+                      <m:t>𝜖</m:t>
+                    </m:r>
+                  </m:oMath>
+                </a14:m>
+                <a:r>
+                  <a:rPr lang="pt-BR" dirty="0">
+                    <a:ea typeface="Cambria Math" panose="02040503050406030204" pitchFamily="18" charset="0"/>
+                  </a:rPr>
+                  <a:t>, vazio.</a:t>
+                </a:r>
+                <a:endParaRPr lang="en-US" dirty="0">
+                  <a:ea typeface="Cambria Math" panose="02040503050406030204" pitchFamily="18" charset="0"/>
+                </a:endParaRPr>
+              </a:p>
+            </p:txBody>
+          </p:sp>
+        </mc:Choice>
+        <mc:Fallback>
+          <p:sp>
+            <p:nvSpPr>
+              <p:cNvPr id="3" name="Espaço Reservado para Conteúdo 2">
+                <a:extLst>
+                  <a:ext uri="{FF2B5EF4-FFF2-40B4-BE49-F238E27FC236}">
+                    <a16:creationId xmlns:a16="http://schemas.microsoft.com/office/drawing/2014/main" id="{830F6F9C-3555-694D-AA66-5D72A6868E8B}"/>
+                  </a:ext>
+                </a:extLst>
+              </p:cNvPr>
+              <p:cNvSpPr>
+                <a:spLocks noGrp="1" noRot="1" noChangeAspect="1" noMove="1" noResize="1" noEditPoints="1" noAdjustHandles="1" noChangeArrowheads="1" noChangeShapeType="1" noTextEdit="1"/>
+              </p:cNvSpPr>
+              <p:nvPr>
+                <p:ph idx="1"/>
+              </p:nvPr>
+            </p:nvSpPr>
+            <p:spPr>
+              <a:blipFill>
+                <a:blip r:embed="rId2"/>
+                <a:stretch>
+                  <a:fillRect l="-965" t="-2632" r="-1689"/>
+                </a:stretch>
+              </a:blipFill>
+            </p:spPr>
+            <p:txBody>
+              <a:bodyPr/>
+              <a:lstStyle/>
+              <a:p>
+                <a:r>
+                  <a:rPr lang="pt-BR">
+                    <a:noFill/>
+                  </a:rPr>
+                  <a:t> </a:t>
+                </a:r>
+              </a:p>
+            </p:txBody>
+          </p:sp>
+        </mc:Fallback>
+      </mc:AlternateContent>
+      <p:sp>
+        <p:nvSpPr>
+          <p:cNvPr id="4" name="Espaço Reservado para Data 3">
+            <a:extLst>
+              <a:ext uri="{FF2B5EF4-FFF2-40B4-BE49-F238E27FC236}">
+                <a16:creationId xmlns:a16="http://schemas.microsoft.com/office/drawing/2014/main" id="{8B345D14-C655-A945-9EE4-2926A2852C8D}"/>
+              </a:ext>
+            </a:extLst>
+          </p:cNvPr>
+          <p:cNvSpPr>
+            <a:spLocks noGrp="1"/>
+          </p:cNvSpPr>
+          <p:nvPr>
+            <p:ph type="dt" sz="half" idx="10"/>
+          </p:nvPr>
+        </p:nvSpPr>
+        <p:spPr/>
+        <p:txBody>
+          <a:bodyPr/>
+          <a:lstStyle/>
+          <a:p>
+            <a:r>
+              <a:rPr lang="pt-BR"/>
+              <a:t>Compiladores</a:t>
+            </a:r>
+            <a:endParaRPr lang="pt-BR" dirty="0"/>
+          </a:p>
+        </p:txBody>
+      </p:sp>
+      <p:sp>
+        <p:nvSpPr>
+          <p:cNvPr id="5" name="Espaço Reservado para Rodapé 4">
+            <a:extLst>
+              <a:ext uri="{FF2B5EF4-FFF2-40B4-BE49-F238E27FC236}">
+                <a16:creationId xmlns:a16="http://schemas.microsoft.com/office/drawing/2014/main" id="{04B72ECB-691B-AE49-B9F9-34A1F8A1BE91}"/>
+              </a:ext>
+            </a:extLst>
+          </p:cNvPr>
+          <p:cNvSpPr>
+            <a:spLocks noGrp="1"/>
+          </p:cNvSpPr>
+          <p:nvPr>
+            <p:ph type="ftr" sz="quarter" idx="11"/>
+          </p:nvPr>
+        </p:nvSpPr>
+        <p:spPr/>
+        <p:txBody>
+          <a:bodyPr/>
+          <a:lstStyle/>
+          <a:p>
+            <a:r>
+              <a:rPr lang="pt-BR"/>
+              <a:t>Prof. Mathias Santos de Brito</a:t>
+            </a:r>
+            <a:endParaRPr lang="pt-BR" dirty="0"/>
+          </a:p>
+        </p:txBody>
+      </p:sp>
+      <p:sp>
+        <p:nvSpPr>
+          <p:cNvPr id="6" name="Espaço Reservado para Número de Slide 5">
+            <a:extLst>
+              <a:ext uri="{FF2B5EF4-FFF2-40B4-BE49-F238E27FC236}">
+                <a16:creationId xmlns:a16="http://schemas.microsoft.com/office/drawing/2014/main" id="{CB1DA039-728E-DF41-86F4-BC8D1FBA315E}"/>
+              </a:ext>
+            </a:extLst>
+          </p:cNvPr>
+          <p:cNvSpPr>
+            <a:spLocks noGrp="1"/>
+          </p:cNvSpPr>
+          <p:nvPr>
+            <p:ph type="sldNum" sz="quarter" idx="12"/>
+          </p:nvPr>
+        </p:nvSpPr>
+        <p:spPr/>
+        <p:txBody>
+          <a:bodyPr/>
+          <a:lstStyle/>
+          <a:p>
+            <a:fld id="{BB6592E8-4CB6-CA48-8DDA-14B9D6C8BDBF}" type="slidenum">
+              <a:rPr lang="pt-BR" smtClean="0"/>
+              <a:t>51</a:t>
+            </a:fld>
+            <a:endParaRPr lang="pt-BR"/>
+          </a:p>
+        </p:txBody>
+      </p:sp>
+    </p:spTree>
+    <p:extLst>
+      <p:ext uri="{BB962C8B-B14F-4D97-AF65-F5344CB8AC3E}">
+        <p14:creationId xmlns:p14="http://schemas.microsoft.com/office/powerpoint/2010/main" val="119753175"/>
       </p:ext>
     </p:extLst>
   </p:cSld>

--- a/slides.pptx
+++ b/slides.pptx
@@ -5,7 +5,7 @@
     <p:sldMasterId id="2147483648" r:id="rId1"/>
   </p:sldMasterIdLst>
   <p:notesMasterIdLst>
-    <p:notesMasterId r:id="rId53"/>
+    <p:notesMasterId r:id="rId56"/>
   </p:notesMasterIdLst>
   <p:sldIdLst>
     <p:sldId id="256" r:id="rId2"/>
@@ -59,6 +59,9 @@
     <p:sldId id="305" r:id="rId50"/>
     <p:sldId id="306" r:id="rId51"/>
     <p:sldId id="307" r:id="rId52"/>
+    <p:sldId id="308" r:id="rId53"/>
+    <p:sldId id="309" r:id="rId54"/>
+    <p:sldId id="310" r:id="rId55"/>
   </p:sldIdLst>
   <p:sldSz cx="12192000" cy="6858000"/>
   <p:notesSz cx="6858000" cy="9144000"/>
@@ -24554,6 +24557,809 @@
 </p:sld>
 </file>
 
+<file path=ppt/slides/slide52.xml><?xml version="1.0" encoding="utf-8"?>
+<p:sld xmlns:a="http://schemas.openxmlformats.org/drawingml/2006/main" xmlns:r="http://schemas.openxmlformats.org/officeDocument/2006/relationships" xmlns:p="http://schemas.openxmlformats.org/presentationml/2006/main">
+  <p:cSld>
+    <p:spTree>
+      <p:nvGrpSpPr>
+        <p:cNvPr id="1" name=""/>
+        <p:cNvGrpSpPr/>
+        <p:nvPr/>
+      </p:nvGrpSpPr>
+      <p:grpSpPr>
+        <a:xfrm>
+          <a:off x="0" y="0"/>
+          <a:ext cx="0" cy="0"/>
+          <a:chOff x="0" y="0"/>
+          <a:chExt cx="0" cy="0"/>
+        </a:xfrm>
+      </p:grpSpPr>
+      <p:sp>
+        <p:nvSpPr>
+          <p:cNvPr id="2" name="Título 1">
+            <a:extLst>
+              <a:ext uri="{FF2B5EF4-FFF2-40B4-BE49-F238E27FC236}">
+                <a16:creationId xmlns:a16="http://schemas.microsoft.com/office/drawing/2014/main" id="{AC861865-1FD7-784B-B3BA-CF0058ADECC6}"/>
+              </a:ext>
+            </a:extLst>
+          </p:cNvPr>
+          <p:cNvSpPr>
+            <a:spLocks noGrp="1"/>
+          </p:cNvSpPr>
+          <p:nvPr>
+            <p:ph type="title"/>
+          </p:nvPr>
+        </p:nvSpPr>
+        <p:spPr/>
+        <p:txBody>
+          <a:bodyPr/>
+          <a:lstStyle/>
+          <a:p>
+            <a:r>
+              <a:rPr lang="pt-BR" dirty="0"/>
+              <a:t>Expressões Regulares AFD/DFA e AFN/NFA</a:t>
+            </a:r>
+          </a:p>
+        </p:txBody>
+      </p:sp>
+      <p:sp>
+        <p:nvSpPr>
+          <p:cNvPr id="3" name="Espaço Reservado para Conteúdo 2">
+            <a:extLst>
+              <a:ext uri="{FF2B5EF4-FFF2-40B4-BE49-F238E27FC236}">
+                <a16:creationId xmlns:a16="http://schemas.microsoft.com/office/drawing/2014/main" id="{9A6E356A-F799-E049-883E-110976F7DCDE}"/>
+              </a:ext>
+            </a:extLst>
+          </p:cNvPr>
+          <p:cNvSpPr>
+            <a:spLocks noGrp="1"/>
+          </p:cNvSpPr>
+          <p:nvPr>
+            <p:ph idx="1"/>
+          </p:nvPr>
+        </p:nvSpPr>
+        <p:spPr/>
+        <p:txBody>
+          <a:bodyPr/>
+          <a:lstStyle/>
+          <a:p>
+            <a:r>
+              <a:rPr lang="pt-BR" dirty="0"/>
+              <a:t>Ambos os tipos de autômatos podem ser utilizados para representar uma expressão regular.</a:t>
+            </a:r>
+          </a:p>
+          <a:p>
+            <a:pPr lvl="1"/>
+            <a:r>
+              <a:rPr lang="pt-BR" dirty="0"/>
+              <a:t>Em geral </a:t>
+            </a:r>
+            <a:r>
+              <a:rPr lang="pt-BR" dirty="0" err="1"/>
+              <a:t>AFDs</a:t>
+            </a:r>
+            <a:r>
+              <a:rPr lang="pt-BR" dirty="0"/>
+              <a:t> são mais fáceis de simular do que AFN.</a:t>
+            </a:r>
+          </a:p>
+          <a:p>
+            <a:pPr lvl="1"/>
+            <a:endParaRPr lang="pt-BR" dirty="0"/>
+          </a:p>
+          <a:p>
+            <a:r>
+              <a:rPr lang="pt-BR" dirty="0"/>
+              <a:t>A conversão de uma AFN para uma AFD, porém, pode ser muito complexa, caso essa complexidade seja maior que a simulação do AFN, este último pode ser a escolha correta.</a:t>
+            </a:r>
+          </a:p>
+        </p:txBody>
+      </p:sp>
+      <p:sp>
+        <p:nvSpPr>
+          <p:cNvPr id="4" name="Espaço Reservado para Data 3">
+            <a:extLst>
+              <a:ext uri="{FF2B5EF4-FFF2-40B4-BE49-F238E27FC236}">
+                <a16:creationId xmlns:a16="http://schemas.microsoft.com/office/drawing/2014/main" id="{D37B31C5-0BA1-DB4B-9F8B-F1C33616FAAE}"/>
+              </a:ext>
+            </a:extLst>
+          </p:cNvPr>
+          <p:cNvSpPr>
+            <a:spLocks noGrp="1"/>
+          </p:cNvSpPr>
+          <p:nvPr>
+            <p:ph type="dt" sz="half" idx="10"/>
+          </p:nvPr>
+        </p:nvSpPr>
+        <p:spPr/>
+        <p:txBody>
+          <a:bodyPr/>
+          <a:lstStyle/>
+          <a:p>
+            <a:r>
+              <a:rPr lang="pt-BR"/>
+              <a:t>Compiladores</a:t>
+            </a:r>
+            <a:endParaRPr lang="pt-BR" dirty="0"/>
+          </a:p>
+        </p:txBody>
+      </p:sp>
+      <p:sp>
+        <p:nvSpPr>
+          <p:cNvPr id="5" name="Espaço Reservado para Rodapé 4">
+            <a:extLst>
+              <a:ext uri="{FF2B5EF4-FFF2-40B4-BE49-F238E27FC236}">
+                <a16:creationId xmlns:a16="http://schemas.microsoft.com/office/drawing/2014/main" id="{0C780D29-0D5D-3C43-BD0B-D370075061FF}"/>
+              </a:ext>
+            </a:extLst>
+          </p:cNvPr>
+          <p:cNvSpPr>
+            <a:spLocks noGrp="1"/>
+          </p:cNvSpPr>
+          <p:nvPr>
+            <p:ph type="ftr" sz="quarter" idx="11"/>
+          </p:nvPr>
+        </p:nvSpPr>
+        <p:spPr/>
+        <p:txBody>
+          <a:bodyPr/>
+          <a:lstStyle/>
+          <a:p>
+            <a:r>
+              <a:rPr lang="pt-BR"/>
+              <a:t>Prof. Mathias Santos de Brito</a:t>
+            </a:r>
+            <a:endParaRPr lang="pt-BR" dirty="0"/>
+          </a:p>
+        </p:txBody>
+      </p:sp>
+      <p:sp>
+        <p:nvSpPr>
+          <p:cNvPr id="6" name="Espaço Reservado para Número de Slide 5">
+            <a:extLst>
+              <a:ext uri="{FF2B5EF4-FFF2-40B4-BE49-F238E27FC236}">
+                <a16:creationId xmlns:a16="http://schemas.microsoft.com/office/drawing/2014/main" id="{7F091333-9054-534B-ACD9-9889DF0B442E}"/>
+              </a:ext>
+            </a:extLst>
+          </p:cNvPr>
+          <p:cNvSpPr>
+            <a:spLocks noGrp="1"/>
+          </p:cNvSpPr>
+          <p:nvPr>
+            <p:ph type="sldNum" sz="quarter" idx="12"/>
+          </p:nvPr>
+        </p:nvSpPr>
+        <p:spPr/>
+        <p:txBody>
+          <a:bodyPr/>
+          <a:lstStyle/>
+          <a:p>
+            <a:fld id="{BB6592E8-4CB6-CA48-8DDA-14B9D6C8BDBF}" type="slidenum">
+              <a:rPr lang="pt-BR" smtClean="0"/>
+              <a:t>52</a:t>
+            </a:fld>
+            <a:endParaRPr lang="pt-BR"/>
+          </a:p>
+        </p:txBody>
+      </p:sp>
+    </p:spTree>
+    <p:extLst>
+      <p:ext uri="{BB962C8B-B14F-4D97-AF65-F5344CB8AC3E}">
+        <p14:creationId xmlns:p14="http://schemas.microsoft.com/office/powerpoint/2010/main" val="2153695642"/>
+      </p:ext>
+    </p:extLst>
+  </p:cSld>
+  <p:clrMapOvr>
+    <a:masterClrMapping/>
+  </p:clrMapOvr>
+</p:sld>
+</file>
+
+<file path=ppt/slides/slide53.xml><?xml version="1.0" encoding="utf-8"?>
+<p:sld xmlns:a="http://schemas.openxmlformats.org/drawingml/2006/main" xmlns:r="http://schemas.openxmlformats.org/officeDocument/2006/relationships" xmlns:p="http://schemas.openxmlformats.org/presentationml/2006/main">
+  <p:cSld>
+    <p:spTree>
+      <p:nvGrpSpPr>
+        <p:cNvPr id="1" name=""/>
+        <p:cNvGrpSpPr/>
+        <p:nvPr/>
+      </p:nvGrpSpPr>
+      <p:grpSpPr>
+        <a:xfrm>
+          <a:off x="0" y="0"/>
+          <a:ext cx="0" cy="0"/>
+          <a:chOff x="0" y="0"/>
+          <a:chExt cx="0" cy="0"/>
+        </a:xfrm>
+      </p:grpSpPr>
+      <p:sp>
+        <p:nvSpPr>
+          <p:cNvPr id="2" name="Título 1">
+            <a:extLst>
+              <a:ext uri="{FF2B5EF4-FFF2-40B4-BE49-F238E27FC236}">
+                <a16:creationId xmlns:a16="http://schemas.microsoft.com/office/drawing/2014/main" id="{AB414F1F-51C1-F743-9B17-FA3A443A6A96}"/>
+              </a:ext>
+            </a:extLst>
+          </p:cNvPr>
+          <p:cNvSpPr>
+            <a:spLocks noGrp="1"/>
+          </p:cNvSpPr>
+          <p:nvPr>
+            <p:ph type="title"/>
+          </p:nvPr>
+        </p:nvSpPr>
+        <p:spPr/>
+        <p:txBody>
+          <a:bodyPr/>
+          <a:lstStyle/>
+          <a:p>
+            <a:r>
+              <a:rPr lang="pt-BR" dirty="0"/>
+              <a:t>Usando AFD</a:t>
+            </a:r>
+          </a:p>
+        </p:txBody>
+      </p:sp>
+      <mc:AlternateContent xmlns:mc="http://schemas.openxmlformats.org/markup-compatibility/2006">
+        <mc:Choice xmlns:a14="http://schemas.microsoft.com/office/drawing/2010/main" Requires="a14">
+          <p:sp>
+            <p:nvSpPr>
+              <p:cNvPr id="3" name="Espaço Reservado para Conteúdo 2">
+                <a:extLst>
+                  <a:ext uri="{FF2B5EF4-FFF2-40B4-BE49-F238E27FC236}">
+                    <a16:creationId xmlns:a16="http://schemas.microsoft.com/office/drawing/2014/main" id="{BA968348-D355-C944-9C9A-A2FEB480A346}"/>
+                  </a:ext>
+                </a:extLst>
+              </p:cNvPr>
+              <p:cNvSpPr>
+                <a:spLocks noGrp="1"/>
+              </p:cNvSpPr>
+              <p:nvPr>
+                <p:ph idx="1"/>
+              </p:nvPr>
+            </p:nvSpPr>
+            <p:spPr/>
+            <p:txBody>
+              <a:bodyPr/>
+              <a:lstStyle/>
+              <a:p>
+                <a:r>
+                  <a:rPr lang="pt-BR" dirty="0"/>
+                  <a:t>Crie um AFD que aceite a linguagem </a:t>
+                </a:r>
+                <a14:m>
+                  <m:oMath xmlns:m="http://schemas.openxmlformats.org/officeDocument/2006/math">
+                    <m:sSup>
+                      <m:sSupPr>
+                        <m:ctrlPr>
+                          <a:rPr lang="en-US" b="0" i="1" smtClean="0">
+                            <a:latin typeface="Cambria Math" panose="02040503050406030204" pitchFamily="18" charset="0"/>
+                          </a:rPr>
+                        </m:ctrlPr>
+                      </m:sSupPr>
+                      <m:e>
+                        <m:d>
+                          <m:dPr>
+                            <m:ctrlPr>
+                              <a:rPr lang="en-US" i="1">
+                                <a:latin typeface="Cambria Math" panose="02040503050406030204" pitchFamily="18" charset="0"/>
+                              </a:rPr>
+                            </m:ctrlPr>
+                          </m:dPr>
+                          <m:e>
+                            <m:r>
+                              <a:rPr lang="en-US" i="1">
+                                <a:latin typeface="Cambria Math" panose="02040503050406030204" pitchFamily="18" charset="0"/>
+                              </a:rPr>
+                              <m:t>𝑎</m:t>
+                            </m:r>
+                          </m:e>
+                          <m:e>
+                            <m:r>
+                              <a:rPr lang="en-US" i="1">
+                                <a:latin typeface="Cambria Math" panose="02040503050406030204" pitchFamily="18" charset="0"/>
+                              </a:rPr>
+                              <m:t>𝑏</m:t>
+                            </m:r>
+                          </m:e>
+                        </m:d>
+                      </m:e>
+                      <m:sup>
+                        <m:r>
+                          <a:rPr lang="en-US" b="0" i="1" smtClean="0">
+                            <a:latin typeface="Cambria Math" panose="02040503050406030204" pitchFamily="18" charset="0"/>
+                          </a:rPr>
+                          <m:t>∗</m:t>
+                        </m:r>
+                      </m:sup>
+                    </m:sSup>
+                    <m:r>
+                      <a:rPr lang="en-US" b="0" i="1" smtClean="0">
+                        <a:latin typeface="Cambria Math" panose="02040503050406030204" pitchFamily="18" charset="0"/>
+                      </a:rPr>
+                      <m:t>𝑎𝑏𝑏</m:t>
+                    </m:r>
+                  </m:oMath>
+                </a14:m>
+                <a:endParaRPr lang="en-US" b="0" dirty="0"/>
+              </a:p>
+              <a:p>
+                <a:endParaRPr lang="pt-BR" dirty="0"/>
+              </a:p>
+              <a:p>
+                <a:endParaRPr lang="pt-BR" dirty="0"/>
+              </a:p>
+            </p:txBody>
+          </p:sp>
+        </mc:Choice>
+        <mc:Fallback>
+          <p:sp>
+            <p:nvSpPr>
+              <p:cNvPr id="3" name="Espaço Reservado para Conteúdo 2">
+                <a:extLst>
+                  <a:ext uri="{FF2B5EF4-FFF2-40B4-BE49-F238E27FC236}">
+                    <a16:creationId xmlns:a16="http://schemas.microsoft.com/office/drawing/2014/main" id="{BA968348-D355-C944-9C9A-A2FEB480A346}"/>
+                  </a:ext>
+                </a:extLst>
+              </p:cNvPr>
+              <p:cNvSpPr>
+                <a:spLocks noGrp="1" noRot="1" noChangeAspect="1" noMove="1" noResize="1" noEditPoints="1" noAdjustHandles="1" noChangeArrowheads="1" noChangeShapeType="1" noTextEdit="1"/>
+              </p:cNvSpPr>
+              <p:nvPr>
+                <p:ph idx="1"/>
+              </p:nvPr>
+            </p:nvSpPr>
+            <p:spPr>
+              <a:blipFill>
+                <a:blip r:embed="rId2"/>
+                <a:stretch>
+                  <a:fillRect l="-965" t="-2632"/>
+                </a:stretch>
+              </a:blipFill>
+            </p:spPr>
+            <p:txBody>
+              <a:bodyPr/>
+              <a:lstStyle/>
+              <a:p>
+                <a:r>
+                  <a:rPr lang="pt-BR">
+                    <a:noFill/>
+                  </a:rPr>
+                  <a:t> </a:t>
+                </a:r>
+              </a:p>
+            </p:txBody>
+          </p:sp>
+        </mc:Fallback>
+      </mc:AlternateContent>
+      <p:sp>
+        <p:nvSpPr>
+          <p:cNvPr id="4" name="Espaço Reservado para Data 3">
+            <a:extLst>
+              <a:ext uri="{FF2B5EF4-FFF2-40B4-BE49-F238E27FC236}">
+                <a16:creationId xmlns:a16="http://schemas.microsoft.com/office/drawing/2014/main" id="{5E13B970-6545-2345-98E4-79A0DD36C444}"/>
+              </a:ext>
+            </a:extLst>
+          </p:cNvPr>
+          <p:cNvSpPr>
+            <a:spLocks noGrp="1"/>
+          </p:cNvSpPr>
+          <p:nvPr>
+            <p:ph type="dt" sz="half" idx="10"/>
+          </p:nvPr>
+        </p:nvSpPr>
+        <p:spPr/>
+        <p:txBody>
+          <a:bodyPr/>
+          <a:lstStyle/>
+          <a:p>
+            <a:r>
+              <a:rPr lang="pt-BR"/>
+              <a:t>Compiladores</a:t>
+            </a:r>
+            <a:endParaRPr lang="pt-BR" dirty="0"/>
+          </a:p>
+        </p:txBody>
+      </p:sp>
+      <p:sp>
+        <p:nvSpPr>
+          <p:cNvPr id="5" name="Espaço Reservado para Rodapé 4">
+            <a:extLst>
+              <a:ext uri="{FF2B5EF4-FFF2-40B4-BE49-F238E27FC236}">
+                <a16:creationId xmlns:a16="http://schemas.microsoft.com/office/drawing/2014/main" id="{3AFD8C2A-3513-5F47-8D47-BD8219E564A8}"/>
+              </a:ext>
+            </a:extLst>
+          </p:cNvPr>
+          <p:cNvSpPr>
+            <a:spLocks noGrp="1"/>
+          </p:cNvSpPr>
+          <p:nvPr>
+            <p:ph type="ftr" sz="quarter" idx="11"/>
+          </p:nvPr>
+        </p:nvSpPr>
+        <p:spPr/>
+        <p:txBody>
+          <a:bodyPr/>
+          <a:lstStyle/>
+          <a:p>
+            <a:r>
+              <a:rPr lang="pt-BR"/>
+              <a:t>Prof. Mathias Santos de Brito</a:t>
+            </a:r>
+            <a:endParaRPr lang="pt-BR" dirty="0"/>
+          </a:p>
+        </p:txBody>
+      </p:sp>
+      <p:sp>
+        <p:nvSpPr>
+          <p:cNvPr id="6" name="Espaço Reservado para Número de Slide 5">
+            <a:extLst>
+              <a:ext uri="{FF2B5EF4-FFF2-40B4-BE49-F238E27FC236}">
+                <a16:creationId xmlns:a16="http://schemas.microsoft.com/office/drawing/2014/main" id="{D1B671D3-446A-744A-AC64-95C333BDB693}"/>
+              </a:ext>
+            </a:extLst>
+          </p:cNvPr>
+          <p:cNvSpPr>
+            <a:spLocks noGrp="1"/>
+          </p:cNvSpPr>
+          <p:nvPr>
+            <p:ph type="sldNum" sz="quarter" idx="12"/>
+          </p:nvPr>
+        </p:nvSpPr>
+        <p:spPr/>
+        <p:txBody>
+          <a:bodyPr/>
+          <a:lstStyle/>
+          <a:p>
+            <a:fld id="{BB6592E8-4CB6-CA48-8DDA-14B9D6C8BDBF}" type="slidenum">
+              <a:rPr lang="pt-BR" smtClean="0"/>
+              <a:t>53</a:t>
+            </a:fld>
+            <a:endParaRPr lang="pt-BR"/>
+          </a:p>
+        </p:txBody>
+      </p:sp>
+      <p:pic>
+        <p:nvPicPr>
+          <p:cNvPr id="8" name="Imagem 7">
+            <a:extLst>
+              <a:ext uri="{FF2B5EF4-FFF2-40B4-BE49-F238E27FC236}">
+                <a16:creationId xmlns:a16="http://schemas.microsoft.com/office/drawing/2014/main" id="{3A864623-2395-1248-B3BB-0F6BF0773EB7}"/>
+              </a:ext>
+            </a:extLst>
+          </p:cNvPr>
+          <p:cNvPicPr>
+            <a:picLocks noChangeAspect="1"/>
+          </p:cNvPicPr>
+          <p:nvPr/>
+        </p:nvPicPr>
+        <p:blipFill rotWithShape="1">
+          <a:blip r:embed="rId3"/>
+          <a:srcRect t="53852" r="1741"/>
+          <a:stretch/>
+        </p:blipFill>
+        <p:spPr>
+          <a:xfrm>
+            <a:off x="2852283" y="2886543"/>
+            <a:ext cx="6367035" cy="2806889"/>
+          </a:xfrm>
+          <a:prstGeom prst="rect">
+            <a:avLst/>
+          </a:prstGeom>
+        </p:spPr>
+      </p:pic>
+    </p:spTree>
+    <p:extLst>
+      <p:ext uri="{BB962C8B-B14F-4D97-AF65-F5344CB8AC3E}">
+        <p14:creationId xmlns:p14="http://schemas.microsoft.com/office/powerpoint/2010/main" val="859475960"/>
+      </p:ext>
+    </p:extLst>
+  </p:cSld>
+  <p:clrMapOvr>
+    <a:masterClrMapping/>
+  </p:clrMapOvr>
+  <p:timing>
+    <p:tnLst>
+      <p:par>
+        <p:cTn id="1" dur="indefinite" restart="never" nodeType="tmRoot">
+          <p:childTnLst>
+            <p:seq concurrent="1" nextAc="seek">
+              <p:cTn id="2" dur="indefinite" nodeType="mainSeq">
+                <p:childTnLst>
+                  <p:par>
+                    <p:cTn id="3" fill="hold">
+                      <p:stCondLst>
+                        <p:cond delay="indefinite"/>
+                      </p:stCondLst>
+                      <p:childTnLst>
+                        <p:par>
+                          <p:cTn id="4" fill="hold">
+                            <p:stCondLst>
+                              <p:cond delay="0"/>
+                            </p:stCondLst>
+                            <p:childTnLst>
+                              <p:par>
+                                <p:cTn id="5" presetID="2" presetClass="entr" presetSubtype="4" fill="hold" nodeType="clickEffect">
+                                  <p:stCondLst>
+                                    <p:cond delay="0"/>
+                                  </p:stCondLst>
+                                  <p:childTnLst>
+                                    <p:set>
+                                      <p:cBhvr>
+                                        <p:cTn id="6" dur="1" fill="hold">
+                                          <p:stCondLst>
+                                            <p:cond delay="0"/>
+                                          </p:stCondLst>
+                                        </p:cTn>
+                                        <p:tgtEl>
+                                          <p:spTgt spid="8"/>
+                                        </p:tgtEl>
+                                        <p:attrNameLst>
+                                          <p:attrName>style.visibility</p:attrName>
+                                        </p:attrNameLst>
+                                      </p:cBhvr>
+                                      <p:to>
+                                        <p:strVal val="visible"/>
+                                      </p:to>
+                                    </p:set>
+                                    <p:anim calcmode="lin" valueType="num">
+                                      <p:cBhvr additive="base">
+                                        <p:cTn id="7" dur="500" fill="hold"/>
+                                        <p:tgtEl>
+                                          <p:spTgt spid="8"/>
+                                        </p:tgtEl>
+                                        <p:attrNameLst>
+                                          <p:attrName>ppt_x</p:attrName>
+                                        </p:attrNameLst>
+                                      </p:cBhvr>
+                                      <p:tavLst>
+                                        <p:tav tm="0">
+                                          <p:val>
+                                            <p:strVal val="#ppt_x"/>
+                                          </p:val>
+                                        </p:tav>
+                                        <p:tav tm="100000">
+                                          <p:val>
+                                            <p:strVal val="#ppt_x"/>
+                                          </p:val>
+                                        </p:tav>
+                                      </p:tavLst>
+                                    </p:anim>
+                                    <p:anim calcmode="lin" valueType="num">
+                                      <p:cBhvr additive="base">
+                                        <p:cTn id="8" dur="500" fill="hold"/>
+                                        <p:tgtEl>
+                                          <p:spTgt spid="8"/>
+                                        </p:tgtEl>
+                                        <p:attrNameLst>
+                                          <p:attrName>ppt_y</p:attrName>
+                                        </p:attrNameLst>
+                                      </p:cBhvr>
+                                      <p:tavLst>
+                                        <p:tav tm="0">
+                                          <p:val>
+                                            <p:strVal val="1+#ppt_h/2"/>
+                                          </p:val>
+                                        </p:tav>
+                                        <p:tav tm="100000">
+                                          <p:val>
+                                            <p:strVal val="#ppt_y"/>
+                                          </p:val>
+                                        </p:tav>
+                                      </p:tavLst>
+                                    </p:anim>
+                                  </p:childTnLst>
+                                </p:cTn>
+                              </p:par>
+                            </p:childTnLst>
+                          </p:cTn>
+                        </p:par>
+                      </p:childTnLst>
+                    </p:cTn>
+                  </p:par>
+                </p:childTnLst>
+              </p:cTn>
+              <p:prevCondLst>
+                <p:cond evt="onPrev" delay="0">
+                  <p:tgtEl>
+                    <p:sldTgt/>
+                  </p:tgtEl>
+                </p:cond>
+              </p:prevCondLst>
+              <p:nextCondLst>
+                <p:cond evt="onNext" delay="0">
+                  <p:tgtEl>
+                    <p:sldTgt/>
+                  </p:tgtEl>
+                </p:cond>
+              </p:nextCondLst>
+            </p:seq>
+          </p:childTnLst>
+        </p:cTn>
+      </p:par>
+    </p:tnLst>
+  </p:timing>
+</p:sld>
+</file>
+
+<file path=ppt/slides/slide54.xml><?xml version="1.0" encoding="utf-8"?>
+<p:sld xmlns:a="http://schemas.openxmlformats.org/drawingml/2006/main" xmlns:r="http://schemas.openxmlformats.org/officeDocument/2006/relationships" xmlns:p="http://schemas.openxmlformats.org/presentationml/2006/main">
+  <p:cSld>
+    <p:spTree>
+      <p:nvGrpSpPr>
+        <p:cNvPr id="1" name=""/>
+        <p:cNvGrpSpPr/>
+        <p:nvPr/>
+      </p:nvGrpSpPr>
+      <p:grpSpPr>
+        <a:xfrm>
+          <a:off x="0" y="0"/>
+          <a:ext cx="0" cy="0"/>
+          <a:chOff x="0" y="0"/>
+          <a:chExt cx="0" cy="0"/>
+        </a:xfrm>
+      </p:grpSpPr>
+      <p:sp>
+        <p:nvSpPr>
+          <p:cNvPr id="2" name="Título 1">
+            <a:extLst>
+              <a:ext uri="{FF2B5EF4-FFF2-40B4-BE49-F238E27FC236}">
+                <a16:creationId xmlns:a16="http://schemas.microsoft.com/office/drawing/2014/main" id="{5979C988-406B-A747-AA1B-C8110644B638}"/>
+              </a:ext>
+            </a:extLst>
+          </p:cNvPr>
+          <p:cNvSpPr>
+            <a:spLocks noGrp="1"/>
+          </p:cNvSpPr>
+          <p:nvPr>
+            <p:ph type="title"/>
+          </p:nvPr>
+        </p:nvSpPr>
+        <p:spPr/>
+        <p:txBody>
+          <a:bodyPr/>
+          <a:lstStyle/>
+          <a:p>
+            <a:r>
+              <a:rPr lang="pt-BR" dirty="0"/>
+              <a:t>Usando AFD</a:t>
+            </a:r>
+          </a:p>
+        </p:txBody>
+      </p:sp>
+      <p:sp>
+        <p:nvSpPr>
+          <p:cNvPr id="3" name="Espaço Reservado para Conteúdo 2">
+            <a:extLst>
+              <a:ext uri="{FF2B5EF4-FFF2-40B4-BE49-F238E27FC236}">
+                <a16:creationId xmlns:a16="http://schemas.microsoft.com/office/drawing/2014/main" id="{FF64B3BC-8630-7142-8FE9-86E572670870}"/>
+              </a:ext>
+            </a:extLst>
+          </p:cNvPr>
+          <p:cNvSpPr>
+            <a:spLocks noGrp="1"/>
+          </p:cNvSpPr>
+          <p:nvPr>
+            <p:ph idx="1"/>
+          </p:nvPr>
+        </p:nvSpPr>
+        <p:spPr/>
+        <p:txBody>
+          <a:bodyPr/>
+          <a:lstStyle/>
+          <a:p>
+            <a:r>
+              <a:rPr lang="pt-BR" dirty="0"/>
+              <a:t>Façam os Exercícios das Páginas 96 e 97 do livro </a:t>
+            </a:r>
+            <a:r>
+              <a:rPr lang="pt-PT" dirty="0"/>
+              <a:t>(AHO, 1995)</a:t>
+            </a:r>
+            <a:endParaRPr lang="pt-BR" dirty="0"/>
+          </a:p>
+        </p:txBody>
+      </p:sp>
+      <p:sp>
+        <p:nvSpPr>
+          <p:cNvPr id="4" name="Espaço Reservado para Data 3">
+            <a:extLst>
+              <a:ext uri="{FF2B5EF4-FFF2-40B4-BE49-F238E27FC236}">
+                <a16:creationId xmlns:a16="http://schemas.microsoft.com/office/drawing/2014/main" id="{C039731F-BC76-1041-B1D7-C9172A349906}"/>
+              </a:ext>
+            </a:extLst>
+          </p:cNvPr>
+          <p:cNvSpPr>
+            <a:spLocks noGrp="1"/>
+          </p:cNvSpPr>
+          <p:nvPr>
+            <p:ph type="dt" sz="half" idx="10"/>
+          </p:nvPr>
+        </p:nvSpPr>
+        <p:spPr/>
+        <p:txBody>
+          <a:bodyPr/>
+          <a:lstStyle/>
+          <a:p>
+            <a:r>
+              <a:rPr lang="pt-BR"/>
+              <a:t>Compiladores</a:t>
+            </a:r>
+            <a:endParaRPr lang="pt-BR" dirty="0"/>
+          </a:p>
+        </p:txBody>
+      </p:sp>
+      <p:sp>
+        <p:nvSpPr>
+          <p:cNvPr id="5" name="Espaço Reservado para Rodapé 4">
+            <a:extLst>
+              <a:ext uri="{FF2B5EF4-FFF2-40B4-BE49-F238E27FC236}">
+                <a16:creationId xmlns:a16="http://schemas.microsoft.com/office/drawing/2014/main" id="{C65FB5BD-0320-8943-94BF-C5529A652215}"/>
+              </a:ext>
+            </a:extLst>
+          </p:cNvPr>
+          <p:cNvSpPr>
+            <a:spLocks noGrp="1"/>
+          </p:cNvSpPr>
+          <p:nvPr>
+            <p:ph type="ftr" sz="quarter" idx="11"/>
+          </p:nvPr>
+        </p:nvSpPr>
+        <p:spPr/>
+        <p:txBody>
+          <a:bodyPr/>
+          <a:lstStyle/>
+          <a:p>
+            <a:r>
+              <a:rPr lang="pt-BR"/>
+              <a:t>Prof. Mathias Santos de Brito</a:t>
+            </a:r>
+            <a:endParaRPr lang="pt-BR" dirty="0"/>
+          </a:p>
+        </p:txBody>
+      </p:sp>
+      <p:sp>
+        <p:nvSpPr>
+          <p:cNvPr id="6" name="Espaço Reservado para Número de Slide 5">
+            <a:extLst>
+              <a:ext uri="{FF2B5EF4-FFF2-40B4-BE49-F238E27FC236}">
+                <a16:creationId xmlns:a16="http://schemas.microsoft.com/office/drawing/2014/main" id="{5BF64264-A31F-744F-988F-6B376315C5F4}"/>
+              </a:ext>
+            </a:extLst>
+          </p:cNvPr>
+          <p:cNvSpPr>
+            <a:spLocks noGrp="1"/>
+          </p:cNvSpPr>
+          <p:nvPr>
+            <p:ph type="sldNum" sz="quarter" idx="12"/>
+          </p:nvPr>
+        </p:nvSpPr>
+        <p:spPr/>
+        <p:txBody>
+          <a:bodyPr/>
+          <a:lstStyle/>
+          <a:p>
+            <a:fld id="{BB6592E8-4CB6-CA48-8DDA-14B9D6C8BDBF}" type="slidenum">
+              <a:rPr lang="pt-BR" smtClean="0"/>
+              <a:t>54</a:t>
+            </a:fld>
+            <a:endParaRPr lang="pt-BR"/>
+          </a:p>
+        </p:txBody>
+      </p:sp>
+    </p:spTree>
+    <p:extLst>
+      <p:ext uri="{BB962C8B-B14F-4D97-AF65-F5344CB8AC3E}">
+        <p14:creationId xmlns:p14="http://schemas.microsoft.com/office/powerpoint/2010/main" val="1102517218"/>
+      </p:ext>
+    </p:extLst>
+  </p:cSld>
+  <p:clrMapOvr>
+    <a:masterClrMapping/>
+  </p:clrMapOvr>
+</p:sld>
+</file>
+
 <file path=ppt/slides/slide6.xml><?xml version="1.0" encoding="utf-8"?>
 <p:sld xmlns:a="http://schemas.openxmlformats.org/drawingml/2006/main" xmlns:r="http://schemas.openxmlformats.org/officeDocument/2006/relationships" xmlns:p="http://schemas.openxmlformats.org/presentationml/2006/main">
   <p:cSld>

--- a/slides.pptx
+++ b/slides.pptx
@@ -5,7 +5,7 @@
     <p:sldMasterId id="2147483648" r:id="rId1"/>
   </p:sldMasterIdLst>
   <p:notesMasterIdLst>
-    <p:notesMasterId r:id="rId56"/>
+    <p:notesMasterId r:id="rId57"/>
   </p:notesMasterIdLst>
   <p:sldIdLst>
     <p:sldId id="256" r:id="rId2"/>
@@ -61,7 +61,8 @@
     <p:sldId id="307" r:id="rId52"/>
     <p:sldId id="308" r:id="rId53"/>
     <p:sldId id="309" r:id="rId54"/>
-    <p:sldId id="310" r:id="rId55"/>
+    <p:sldId id="311" r:id="rId55"/>
+    <p:sldId id="310" r:id="rId56"/>
   </p:sldIdLst>
   <p:sldSz cx="12192000" cy="6858000"/>
   <p:notesSz cx="6858000" cy="9144000"/>
@@ -250,7 +251,7 @@
           <a:p>
             <a:fld id="{50D3EFD1-E012-1B4E-9FBB-EC2F7160D07E}" type="datetimeFigureOut">
               <a:rPr lang="pt-BR" smtClean="0"/>
-              <a:t>25/03/2019</a:t>
+              <a:t>28/03/2019</a:t>
             </a:fld>
             <a:endParaRPr lang="pt-BR"/>
           </a:p>
@@ -21808,7 +21809,7 @@
             <p:ph idx="1"/>
             <p:extLst>
               <p:ext uri="{D42A27DB-BD31-4B8C-83A1-F6EECF244321}">
-                <p14:modId xmlns:p14="http://schemas.microsoft.com/office/powerpoint/2010/main" val="2809780706"/>
+                <p14:modId xmlns:p14="http://schemas.microsoft.com/office/powerpoint/2010/main" val="887524594"/>
               </p:ext>
             </p:extLst>
           </p:nvPr>
@@ -21824,14 +21825,14 @@
                 <a:tableStyleId>{5C22544A-7EE6-4342-B048-85BDC9FD1C3A}</a:tableStyleId>
               </a:tblPr>
               <a:tblGrid>
-                <a:gridCol w="4022558">
+                <a:gridCol w="4024689">
                   <a:extLst>
                     <a:ext uri="{9D8B030D-6E8A-4147-A177-3AD203B41FA5}">
                       <a16:colId xmlns:a16="http://schemas.microsoft.com/office/drawing/2014/main" val="1258381910"/>
                     </a:ext>
                   </a:extLst>
                 </a:gridCol>
-                <a:gridCol w="6493042">
+                <a:gridCol w="6490911">
                   <a:extLst>
                     <a:ext uri="{9D8B030D-6E8A-4147-A177-3AD203B41FA5}">
                       <a16:colId xmlns:a16="http://schemas.microsoft.com/office/drawing/2014/main" val="1084935754"/>
@@ -22022,13 +22023,8 @@
                     <a:p>
                       <a:r>
                         <a:rPr lang="pt-BR" dirty="0"/>
-                        <a:t>0 </a:t>
+                        <a:t>Exercício 1</a:t>
                       </a:r>
-                      <a:r>
-                        <a:rPr lang="pt-BR" dirty="0" err="1"/>
-                        <a:t>Commits</a:t>
-                      </a:r>
-                      <a:endParaRPr lang="pt-BR" dirty="0"/>
                     </a:p>
                   </a:txBody>
                   <a:tcPr/>
@@ -22060,31 +22056,7 @@
                     <a:p>
                       <a:r>
                         <a:rPr lang="pt-BR" dirty="0"/>
-                        <a:t>1 </a:t>
-                      </a:r>
-                      <a:r>
-                        <a:rPr lang="pt-BR" dirty="0" err="1"/>
-                        <a:t>Commit</a:t>
-                      </a:r>
-                      <a:r>
-                        <a:rPr lang="pt-BR" dirty="0"/>
-                        <a:t> (</a:t>
-                      </a:r>
-                      <a:r>
-                        <a:rPr lang="pt-BR" dirty="0" err="1"/>
-                        <a:t>Commit</a:t>
-                      </a:r>
-                      <a:r>
-                        <a:rPr lang="pt-BR" dirty="0"/>
-                        <a:t> Inicial) – Último </a:t>
-                      </a:r>
-                      <a:r>
-                        <a:rPr lang="pt-BR" dirty="0" err="1"/>
-                        <a:t>Commit</a:t>
-                      </a:r>
-                      <a:r>
-                        <a:rPr lang="pt-BR" dirty="0"/>
-                        <a:t> 14 dias atrás </a:t>
+                        <a:t>Parte 1 - Trabalho</a:t>
                       </a:r>
                     </a:p>
                   </a:txBody>
@@ -22158,14 +22130,21 @@
                     <a:lstStyle/>
                     <a:p>
                       <a:r>
+                        <a:rPr lang="pt-BR" dirty="0" err="1"/>
+                        <a:t>Fork</a:t>
+                      </a:r>
+                      <a:r>
                         <a:rPr lang="pt-BR" dirty="0"/>
-                        <a:t>0 </a:t>
+                        <a:t> do </a:t>
                       </a:r>
                       <a:r>
                         <a:rPr lang="pt-BR" dirty="0" err="1"/>
-                        <a:t>Commits</a:t>
+                        <a:t>Repo</a:t>
                       </a:r>
-                      <a:endParaRPr lang="pt-BR" dirty="0"/>
+                      <a:r>
+                        <a:rPr lang="pt-BR" dirty="0"/>
+                        <a:t> do Prof.?</a:t>
+                      </a:r>
                     </a:p>
                   </a:txBody>
                   <a:tcPr/>
@@ -22197,13 +22176,24 @@
                     <a:p>
                       <a:r>
                         <a:rPr lang="pt-BR" dirty="0"/>
-                        <a:t>0 </a:t>
+                        <a:t>Enunciado de Exercício (</a:t>
                       </a:r>
                       <a:r>
                         <a:rPr lang="pt-BR" dirty="0" err="1"/>
-                        <a:t>Commits</a:t>
+                        <a:t>Commit</a:t>
                       </a:r>
-                      <a:endParaRPr lang="pt-BR" dirty="0"/>
+                      <a:r>
+                        <a:rPr lang="pt-BR" dirty="0"/>
+                        <a:t>: Update </a:t>
+                      </a:r>
+                      <a:r>
+                        <a:rPr lang="pt-BR" dirty="0" err="1"/>
+                        <a:t>Exercises</a:t>
+                      </a:r>
+                      <a:r>
+                        <a:rPr lang="pt-BR" dirty="0"/>
+                        <a:t>)</a:t>
+                      </a:r>
                     </a:p>
                   </a:txBody>
                   <a:tcPr/>
@@ -22335,23 +22325,7 @@
                     <a:p>
                       <a:r>
                         <a:rPr lang="pt-BR" dirty="0"/>
-                        <a:t>1 </a:t>
-                      </a:r>
-                      <a:r>
-                        <a:rPr lang="pt-BR" dirty="0" err="1"/>
-                        <a:t>Commit</a:t>
-                      </a:r>
-                      <a:r>
-                        <a:rPr lang="pt-BR" dirty="0"/>
-                        <a:t> (</a:t>
-                      </a:r>
-                      <a:r>
-                        <a:rPr lang="pt-BR" dirty="0" err="1"/>
-                        <a:t>Commit</a:t>
-                      </a:r>
-                      <a:r>
-                        <a:rPr lang="pt-BR" dirty="0"/>
-                        <a:t> Inicial)</a:t>
+                        <a:t>Trabalho Parte 1</a:t>
                       </a:r>
                     </a:p>
                   </a:txBody>
@@ -22384,7 +22358,7 @@
                     <a:p>
                       <a:r>
                         <a:rPr lang="pt-BR" dirty="0"/>
-                        <a:t>?</a:t>
+                        <a:t>Exercício 1</a:t>
                       </a:r>
                     </a:p>
                   </a:txBody>
@@ -24357,8 +24331,8 @@
           </a:p>
         </p:txBody>
       </p:sp>
-      <mc:AlternateContent xmlns:mc="http://schemas.openxmlformats.org/markup-compatibility/2006">
-        <mc:Choice xmlns:a14="http://schemas.microsoft.com/office/drawing/2010/main" Requires="a14">
+      <mc:AlternateContent xmlns:mc="http://schemas.openxmlformats.org/markup-compatibility/2006" xmlns:a14="http://schemas.microsoft.com/office/drawing/2010/main">
+        <mc:Choice Requires="a14">
           <p:sp>
             <p:nvSpPr>
               <p:cNvPr id="3" name="Espaço Reservado para Conteúdo 2">
@@ -24417,7 +24391,7 @@
             </p:txBody>
           </p:sp>
         </mc:Choice>
-        <mc:Fallback>
+        <mc:Fallback xmlns="">
           <p:sp>
             <p:nvSpPr>
               <p:cNvPr id="3" name="Espaço Reservado para Conteúdo 2">
@@ -24800,8 +24774,8 @@
           </a:p>
         </p:txBody>
       </p:sp>
-      <mc:AlternateContent xmlns:mc="http://schemas.openxmlformats.org/markup-compatibility/2006">
-        <mc:Choice xmlns:a14="http://schemas.microsoft.com/office/drawing/2010/main" Requires="a14">
+      <mc:AlternateContent xmlns:mc="http://schemas.openxmlformats.org/markup-compatibility/2006" xmlns:a14="http://schemas.microsoft.com/office/drawing/2010/main">
+        <mc:Choice Requires="a14">
           <p:sp>
             <p:nvSpPr>
               <p:cNvPr id="3" name="Espaço Reservado para Conteúdo 2">
@@ -24892,7 +24866,7 @@
             </p:txBody>
           </p:sp>
         </mc:Choice>
-        <mc:Fallback>
+        <mc:Fallback xmlns="">
           <p:sp>
             <p:nvSpPr>
               <p:cNvPr id="3" name="Espaço Reservado para Conteúdo 2">
@@ -25204,7 +25178,7 @@
           <p:cNvPr id="2" name="Título 1">
             <a:extLst>
               <a:ext uri="{FF2B5EF4-FFF2-40B4-BE49-F238E27FC236}">
-                <a16:creationId xmlns:a16="http://schemas.microsoft.com/office/drawing/2014/main" id="{5979C988-406B-A747-AA1B-C8110644B638}"/>
+                <a16:creationId xmlns:a16="http://schemas.microsoft.com/office/drawing/2014/main" id="{33286369-6AC3-3C42-A77B-AC7910747163}"/>
               </a:ext>
             </a:extLst>
           </p:cNvPr>
@@ -25220,10 +25194,7 @@
           <a:bodyPr/>
           <a:lstStyle/>
           <a:p>
-            <a:r>
-              <a:rPr lang="pt-BR" dirty="0"/>
-              <a:t>Usando AFD</a:t>
-            </a:r>
+            <a:endParaRPr lang="pt-BR"/>
           </a:p>
         </p:txBody>
       </p:sp>
@@ -25232,7 +25203,7 @@
           <p:cNvPr id="3" name="Espaço Reservado para Conteúdo 2">
             <a:extLst>
               <a:ext uri="{FF2B5EF4-FFF2-40B4-BE49-F238E27FC236}">
-                <a16:creationId xmlns:a16="http://schemas.microsoft.com/office/drawing/2014/main" id="{FF64B3BC-8630-7142-8FE9-86E572670870}"/>
+                <a16:creationId xmlns:a16="http://schemas.microsoft.com/office/drawing/2014/main" id="{62095A4D-656A-904B-AEDB-1C3E7716B476}"/>
               </a:ext>
             </a:extLst>
           </p:cNvPr>
@@ -25248,15 +25219,7 @@
           <a:bodyPr/>
           <a:lstStyle/>
           <a:p>
-            <a:r>
-              <a:rPr lang="pt-BR" dirty="0"/>
-              <a:t>Façam os Exercícios das Páginas 96 e 97 do livro </a:t>
-            </a:r>
-            <a:r>
-              <a:rPr lang="pt-PT" dirty="0"/>
-              <a:t>(AHO, 1995)</a:t>
-            </a:r>
-            <a:endParaRPr lang="pt-BR" dirty="0"/>
+            <a:endParaRPr lang="pt-BR"/>
           </a:p>
         </p:txBody>
       </p:sp>
@@ -25265,7 +25228,7 @@
           <p:cNvPr id="4" name="Espaço Reservado para Data 3">
             <a:extLst>
               <a:ext uri="{FF2B5EF4-FFF2-40B4-BE49-F238E27FC236}">
-                <a16:creationId xmlns:a16="http://schemas.microsoft.com/office/drawing/2014/main" id="{C039731F-BC76-1041-B1D7-C9172A349906}"/>
+                <a16:creationId xmlns:a16="http://schemas.microsoft.com/office/drawing/2014/main" id="{641C4789-B148-1045-9D37-AC036769E92F}"/>
               </a:ext>
             </a:extLst>
           </p:cNvPr>
@@ -25294,7 +25257,7 @@
           <p:cNvPr id="5" name="Espaço Reservado para Rodapé 4">
             <a:extLst>
               <a:ext uri="{FF2B5EF4-FFF2-40B4-BE49-F238E27FC236}">
-                <a16:creationId xmlns:a16="http://schemas.microsoft.com/office/drawing/2014/main" id="{C65FB5BD-0320-8943-94BF-C5529A652215}"/>
+                <a16:creationId xmlns:a16="http://schemas.microsoft.com/office/drawing/2014/main" id="{4B65AD98-DD7D-E74A-897B-8B53397B4332}"/>
               </a:ext>
             </a:extLst>
           </p:cNvPr>
@@ -25323,7 +25286,7 @@
           <p:cNvPr id="6" name="Espaço Reservado para Número de Slide 5">
             <a:extLst>
               <a:ext uri="{FF2B5EF4-FFF2-40B4-BE49-F238E27FC236}">
-                <a16:creationId xmlns:a16="http://schemas.microsoft.com/office/drawing/2014/main" id="{5BF64264-A31F-744F-988F-6B376315C5F4}"/>
+                <a16:creationId xmlns:a16="http://schemas.microsoft.com/office/drawing/2014/main" id="{F68C6174-F5F6-8148-93DC-DFEC6A00FD7C}"/>
               </a:ext>
             </a:extLst>
           </p:cNvPr>
@@ -25342,6 +25305,184 @@
             <a:fld id="{BB6592E8-4CB6-CA48-8DDA-14B9D6C8BDBF}" type="slidenum">
               <a:rPr lang="pt-BR" smtClean="0"/>
               <a:t>54</a:t>
+            </a:fld>
+            <a:endParaRPr lang="pt-BR"/>
+          </a:p>
+        </p:txBody>
+      </p:sp>
+    </p:spTree>
+    <p:extLst>
+      <p:ext uri="{BB962C8B-B14F-4D97-AF65-F5344CB8AC3E}">
+        <p14:creationId xmlns:p14="http://schemas.microsoft.com/office/powerpoint/2010/main" val="1443646443"/>
+      </p:ext>
+    </p:extLst>
+  </p:cSld>
+  <p:clrMapOvr>
+    <a:masterClrMapping/>
+  </p:clrMapOvr>
+</p:sld>
+</file>
+
+<file path=ppt/slides/slide55.xml><?xml version="1.0" encoding="utf-8"?>
+<p:sld xmlns:a="http://schemas.openxmlformats.org/drawingml/2006/main" xmlns:r="http://schemas.openxmlformats.org/officeDocument/2006/relationships" xmlns:p="http://schemas.openxmlformats.org/presentationml/2006/main">
+  <p:cSld>
+    <p:spTree>
+      <p:nvGrpSpPr>
+        <p:cNvPr id="1" name=""/>
+        <p:cNvGrpSpPr/>
+        <p:nvPr/>
+      </p:nvGrpSpPr>
+      <p:grpSpPr>
+        <a:xfrm>
+          <a:off x="0" y="0"/>
+          <a:ext cx="0" cy="0"/>
+          <a:chOff x="0" y="0"/>
+          <a:chExt cx="0" cy="0"/>
+        </a:xfrm>
+      </p:grpSpPr>
+      <p:sp>
+        <p:nvSpPr>
+          <p:cNvPr id="2" name="Título 1">
+            <a:extLst>
+              <a:ext uri="{FF2B5EF4-FFF2-40B4-BE49-F238E27FC236}">
+                <a16:creationId xmlns:a16="http://schemas.microsoft.com/office/drawing/2014/main" id="{5979C988-406B-A747-AA1B-C8110644B638}"/>
+              </a:ext>
+            </a:extLst>
+          </p:cNvPr>
+          <p:cNvSpPr>
+            <a:spLocks noGrp="1"/>
+          </p:cNvSpPr>
+          <p:nvPr>
+            <p:ph type="title"/>
+          </p:nvPr>
+        </p:nvSpPr>
+        <p:spPr/>
+        <p:txBody>
+          <a:bodyPr/>
+          <a:lstStyle/>
+          <a:p>
+            <a:r>
+              <a:rPr lang="pt-BR" dirty="0"/>
+              <a:t>Usando AFD</a:t>
+            </a:r>
+          </a:p>
+        </p:txBody>
+      </p:sp>
+      <p:sp>
+        <p:nvSpPr>
+          <p:cNvPr id="3" name="Espaço Reservado para Conteúdo 2">
+            <a:extLst>
+              <a:ext uri="{FF2B5EF4-FFF2-40B4-BE49-F238E27FC236}">
+                <a16:creationId xmlns:a16="http://schemas.microsoft.com/office/drawing/2014/main" id="{FF64B3BC-8630-7142-8FE9-86E572670870}"/>
+              </a:ext>
+            </a:extLst>
+          </p:cNvPr>
+          <p:cNvSpPr>
+            <a:spLocks noGrp="1"/>
+          </p:cNvSpPr>
+          <p:nvPr>
+            <p:ph idx="1"/>
+          </p:nvPr>
+        </p:nvSpPr>
+        <p:spPr/>
+        <p:txBody>
+          <a:bodyPr/>
+          <a:lstStyle/>
+          <a:p>
+            <a:r>
+              <a:rPr lang="pt-BR" dirty="0"/>
+              <a:t>Façam os Exercícios das Páginas 96 e 97 do livro </a:t>
+            </a:r>
+            <a:r>
+              <a:rPr lang="pt-PT" dirty="0"/>
+              <a:t>(AHO, 1995)</a:t>
+            </a:r>
+            <a:endParaRPr lang="pt-BR" dirty="0"/>
+          </a:p>
+        </p:txBody>
+      </p:sp>
+      <p:sp>
+        <p:nvSpPr>
+          <p:cNvPr id="4" name="Espaço Reservado para Data 3">
+            <a:extLst>
+              <a:ext uri="{FF2B5EF4-FFF2-40B4-BE49-F238E27FC236}">
+                <a16:creationId xmlns:a16="http://schemas.microsoft.com/office/drawing/2014/main" id="{C039731F-BC76-1041-B1D7-C9172A349906}"/>
+              </a:ext>
+            </a:extLst>
+          </p:cNvPr>
+          <p:cNvSpPr>
+            <a:spLocks noGrp="1"/>
+          </p:cNvSpPr>
+          <p:nvPr>
+            <p:ph type="dt" sz="half" idx="10"/>
+          </p:nvPr>
+        </p:nvSpPr>
+        <p:spPr/>
+        <p:txBody>
+          <a:bodyPr/>
+          <a:lstStyle/>
+          <a:p>
+            <a:r>
+              <a:rPr lang="pt-BR"/>
+              <a:t>Compiladores</a:t>
+            </a:r>
+            <a:endParaRPr lang="pt-BR" dirty="0"/>
+          </a:p>
+        </p:txBody>
+      </p:sp>
+      <p:sp>
+        <p:nvSpPr>
+          <p:cNvPr id="5" name="Espaço Reservado para Rodapé 4">
+            <a:extLst>
+              <a:ext uri="{FF2B5EF4-FFF2-40B4-BE49-F238E27FC236}">
+                <a16:creationId xmlns:a16="http://schemas.microsoft.com/office/drawing/2014/main" id="{C65FB5BD-0320-8943-94BF-C5529A652215}"/>
+              </a:ext>
+            </a:extLst>
+          </p:cNvPr>
+          <p:cNvSpPr>
+            <a:spLocks noGrp="1"/>
+          </p:cNvSpPr>
+          <p:nvPr>
+            <p:ph type="ftr" sz="quarter" idx="11"/>
+          </p:nvPr>
+        </p:nvSpPr>
+        <p:spPr/>
+        <p:txBody>
+          <a:bodyPr/>
+          <a:lstStyle/>
+          <a:p>
+            <a:r>
+              <a:rPr lang="pt-BR"/>
+              <a:t>Prof. Mathias Santos de Brito</a:t>
+            </a:r>
+            <a:endParaRPr lang="pt-BR" dirty="0"/>
+          </a:p>
+        </p:txBody>
+      </p:sp>
+      <p:sp>
+        <p:nvSpPr>
+          <p:cNvPr id="6" name="Espaço Reservado para Número de Slide 5">
+            <a:extLst>
+              <a:ext uri="{FF2B5EF4-FFF2-40B4-BE49-F238E27FC236}">
+                <a16:creationId xmlns:a16="http://schemas.microsoft.com/office/drawing/2014/main" id="{5BF64264-A31F-744F-988F-6B376315C5F4}"/>
+              </a:ext>
+            </a:extLst>
+          </p:cNvPr>
+          <p:cNvSpPr>
+            <a:spLocks noGrp="1"/>
+          </p:cNvSpPr>
+          <p:nvPr>
+            <p:ph type="sldNum" sz="quarter" idx="12"/>
+          </p:nvPr>
+        </p:nvSpPr>
+        <p:spPr/>
+        <p:txBody>
+          <a:bodyPr/>
+          <a:lstStyle/>
+          <a:p>
+            <a:fld id="{BB6592E8-4CB6-CA48-8DDA-14B9D6C8BDBF}" type="slidenum">
+              <a:rPr lang="pt-BR" smtClean="0"/>
+              <a:t>55</a:t>
             </a:fld>
             <a:endParaRPr lang="pt-BR"/>
           </a:p>

--- a/slides.pptx
+++ b/slides.pptx
@@ -5,7 +5,7 @@
     <p:sldMasterId id="2147483648" r:id="rId1"/>
   </p:sldMasterIdLst>
   <p:notesMasterIdLst>
-    <p:notesMasterId r:id="rId57"/>
+    <p:notesMasterId r:id="rId65"/>
   </p:notesMasterIdLst>
   <p:sldIdLst>
     <p:sldId id="256" r:id="rId2"/>
@@ -61,8 +61,16 @@
     <p:sldId id="307" r:id="rId52"/>
     <p:sldId id="308" r:id="rId53"/>
     <p:sldId id="309" r:id="rId54"/>
-    <p:sldId id="311" r:id="rId55"/>
-    <p:sldId id="310" r:id="rId56"/>
+    <p:sldId id="310" r:id="rId55"/>
+    <p:sldId id="311" r:id="rId56"/>
+    <p:sldId id="312" r:id="rId57"/>
+    <p:sldId id="313" r:id="rId58"/>
+    <p:sldId id="314" r:id="rId59"/>
+    <p:sldId id="315" r:id="rId60"/>
+    <p:sldId id="316" r:id="rId61"/>
+    <p:sldId id="317" r:id="rId62"/>
+    <p:sldId id="318" r:id="rId63"/>
+    <p:sldId id="319" r:id="rId64"/>
   </p:sldIdLst>
   <p:sldSz cx="12192000" cy="6858000"/>
   <p:notesSz cx="6858000" cy="9144000"/>
@@ -251,7 +259,7 @@
           <a:p>
             <a:fld id="{50D3EFD1-E012-1B4E-9FBB-EC2F7160D07E}" type="datetimeFigureOut">
               <a:rPr lang="pt-BR" smtClean="0"/>
-              <a:t>28/03/2019</a:t>
+              <a:t>10/04/2019</a:t>
             </a:fld>
             <a:endParaRPr lang="pt-BR"/>
           </a:p>
@@ -21809,7 +21817,7 @@
             <p:ph idx="1"/>
             <p:extLst>
               <p:ext uri="{D42A27DB-BD31-4B8C-83A1-F6EECF244321}">
-                <p14:modId xmlns:p14="http://schemas.microsoft.com/office/powerpoint/2010/main" val="887524594"/>
+                <p14:modId xmlns:p14="http://schemas.microsoft.com/office/powerpoint/2010/main" val="4046161494"/>
               </p:ext>
             </p:extLst>
           </p:nvPr>
@@ -22056,7 +22064,7 @@
                     <a:p>
                       <a:r>
                         <a:rPr lang="pt-BR" dirty="0"/>
-                        <a:t>Parte 1 - Trabalho</a:t>
+                        <a:t>Parte 1 – Trabalho/Wiki</a:t>
                       </a:r>
                     </a:p>
                   </a:txBody>
@@ -25178,7 +25186,7 @@
           <p:cNvPr id="2" name="Título 1">
             <a:extLst>
               <a:ext uri="{FF2B5EF4-FFF2-40B4-BE49-F238E27FC236}">
-                <a16:creationId xmlns:a16="http://schemas.microsoft.com/office/drawing/2014/main" id="{33286369-6AC3-3C42-A77B-AC7910747163}"/>
+                <a16:creationId xmlns:a16="http://schemas.microsoft.com/office/drawing/2014/main" id="{5979C988-406B-A747-AA1B-C8110644B638}"/>
               </a:ext>
             </a:extLst>
           </p:cNvPr>
@@ -25194,7 +25202,10 @@
           <a:bodyPr/>
           <a:lstStyle/>
           <a:p>
-            <a:endParaRPr lang="pt-BR"/>
+            <a:r>
+              <a:rPr lang="pt-BR" dirty="0"/>
+              <a:t>Usando AFD</a:t>
+            </a:r>
           </a:p>
         </p:txBody>
       </p:sp>
@@ -25203,7 +25214,7 @@
           <p:cNvPr id="3" name="Espaço Reservado para Conteúdo 2">
             <a:extLst>
               <a:ext uri="{FF2B5EF4-FFF2-40B4-BE49-F238E27FC236}">
-                <a16:creationId xmlns:a16="http://schemas.microsoft.com/office/drawing/2014/main" id="{62095A4D-656A-904B-AEDB-1C3E7716B476}"/>
+                <a16:creationId xmlns:a16="http://schemas.microsoft.com/office/drawing/2014/main" id="{FF64B3BC-8630-7142-8FE9-86E572670870}"/>
               </a:ext>
             </a:extLst>
           </p:cNvPr>
@@ -25219,7 +25230,15 @@
           <a:bodyPr/>
           <a:lstStyle/>
           <a:p>
-            <a:endParaRPr lang="pt-BR"/>
+            <a:r>
+              <a:rPr lang="pt-BR" dirty="0"/>
+              <a:t>Façam os Exercícios das Páginas 96 e 97 do livro </a:t>
+            </a:r>
+            <a:r>
+              <a:rPr lang="pt-PT" dirty="0"/>
+              <a:t>(AHO, 1995)</a:t>
+            </a:r>
+            <a:endParaRPr lang="pt-BR" dirty="0"/>
           </a:p>
         </p:txBody>
       </p:sp>
@@ -25228,7 +25247,7 @@
           <p:cNvPr id="4" name="Espaço Reservado para Data 3">
             <a:extLst>
               <a:ext uri="{FF2B5EF4-FFF2-40B4-BE49-F238E27FC236}">
-                <a16:creationId xmlns:a16="http://schemas.microsoft.com/office/drawing/2014/main" id="{641C4789-B148-1045-9D37-AC036769E92F}"/>
+                <a16:creationId xmlns:a16="http://schemas.microsoft.com/office/drawing/2014/main" id="{C039731F-BC76-1041-B1D7-C9172A349906}"/>
               </a:ext>
             </a:extLst>
           </p:cNvPr>
@@ -25257,7 +25276,7 @@
           <p:cNvPr id="5" name="Espaço Reservado para Rodapé 4">
             <a:extLst>
               <a:ext uri="{FF2B5EF4-FFF2-40B4-BE49-F238E27FC236}">
-                <a16:creationId xmlns:a16="http://schemas.microsoft.com/office/drawing/2014/main" id="{4B65AD98-DD7D-E74A-897B-8B53397B4332}"/>
+                <a16:creationId xmlns:a16="http://schemas.microsoft.com/office/drawing/2014/main" id="{C65FB5BD-0320-8943-94BF-C5529A652215}"/>
               </a:ext>
             </a:extLst>
           </p:cNvPr>
@@ -25286,7 +25305,7 @@
           <p:cNvPr id="6" name="Espaço Reservado para Número de Slide 5">
             <a:extLst>
               <a:ext uri="{FF2B5EF4-FFF2-40B4-BE49-F238E27FC236}">
-                <a16:creationId xmlns:a16="http://schemas.microsoft.com/office/drawing/2014/main" id="{F68C6174-F5F6-8148-93DC-DFEC6A00FD7C}"/>
+                <a16:creationId xmlns:a16="http://schemas.microsoft.com/office/drawing/2014/main" id="{5BF64264-A31F-744F-988F-6B376315C5F4}"/>
               </a:ext>
             </a:extLst>
           </p:cNvPr>
@@ -25313,7 +25332,7 @@
     </p:spTree>
     <p:extLst>
       <p:ext uri="{BB962C8B-B14F-4D97-AF65-F5344CB8AC3E}">
-        <p14:creationId xmlns:p14="http://schemas.microsoft.com/office/powerpoint/2010/main" val="1443646443"/>
+        <p14:creationId xmlns:p14="http://schemas.microsoft.com/office/powerpoint/2010/main" val="1102517218"/>
       </p:ext>
     </p:extLst>
   </p:cSld>
@@ -25342,62 +25361,66 @@
       </p:grpSpPr>
       <p:sp>
         <p:nvSpPr>
-          <p:cNvPr id="2" name="Título 1">
-            <a:extLst>
-              <a:ext uri="{FF2B5EF4-FFF2-40B4-BE49-F238E27FC236}">
-                <a16:creationId xmlns:a16="http://schemas.microsoft.com/office/drawing/2014/main" id="{5979C988-406B-A747-AA1B-C8110644B638}"/>
-              </a:ext>
-            </a:extLst>
-          </p:cNvPr>
-          <p:cNvSpPr>
-            <a:spLocks noGrp="1"/>
-          </p:cNvSpPr>
-          <p:nvPr>
-            <p:ph type="title"/>
-          </p:nvPr>
-        </p:nvSpPr>
-        <p:spPr/>
-        <p:txBody>
-          <a:bodyPr/>
-          <a:lstStyle/>
-          <a:p>
+          <p:cNvPr id="7" name="Título 6">
+            <a:extLst>
+              <a:ext uri="{FF2B5EF4-FFF2-40B4-BE49-F238E27FC236}">
+                <a16:creationId xmlns:a16="http://schemas.microsoft.com/office/drawing/2014/main" id="{5092A9D9-AB78-4F4B-AF05-D8F126B3A72A}"/>
+              </a:ext>
+            </a:extLst>
+          </p:cNvPr>
+          <p:cNvSpPr>
+            <a:spLocks noGrp="1"/>
+          </p:cNvSpPr>
+          <p:nvPr>
+            <p:ph type="ctrTitle"/>
+          </p:nvPr>
+        </p:nvSpPr>
+        <p:spPr/>
+        <p:txBody>
+          <a:bodyPr/>
+          <a:lstStyle/>
+          <a:p>
+            <a:r>
+              <a:rPr lang="pt-BR" dirty="0" err="1"/>
+              <a:t>Bison</a:t>
+            </a:r>
             <a:r>
               <a:rPr lang="pt-BR" dirty="0"/>
-              <a:t>Usando AFD</a:t>
-            </a:r>
-          </a:p>
-        </p:txBody>
-      </p:sp>
-      <p:sp>
-        <p:nvSpPr>
-          <p:cNvPr id="3" name="Espaço Reservado para Conteúdo 2">
-            <a:extLst>
-              <a:ext uri="{FF2B5EF4-FFF2-40B4-BE49-F238E27FC236}">
-                <a16:creationId xmlns:a16="http://schemas.microsoft.com/office/drawing/2014/main" id="{FF64B3BC-8630-7142-8FE9-86E572670870}"/>
-              </a:ext>
-            </a:extLst>
-          </p:cNvPr>
-          <p:cNvSpPr>
-            <a:spLocks noGrp="1"/>
-          </p:cNvSpPr>
-          <p:nvPr>
-            <p:ph idx="1"/>
-          </p:nvPr>
-        </p:nvSpPr>
-        <p:spPr/>
-        <p:txBody>
-          <a:bodyPr/>
-          <a:lstStyle/>
-          <a:p>
+              <a:t>: Gerador de </a:t>
+            </a:r>
+            <a:r>
+              <a:rPr lang="pt-BR" dirty="0" err="1"/>
+              <a:t>Parsers</a:t>
+            </a:r>
             <a:r>
               <a:rPr lang="pt-BR" dirty="0"/>
-              <a:t>Façam os Exercícios das Páginas 96 e 97 do livro </a:t>
-            </a:r>
-            <a:r>
-              <a:rPr lang="pt-PT" dirty="0"/>
-              <a:t>(AHO, 1995)</a:t>
-            </a:r>
-            <a:endParaRPr lang="pt-BR" dirty="0"/>
+              <a:t> para análise Sintática</a:t>
+            </a:r>
+          </a:p>
+        </p:txBody>
+      </p:sp>
+      <p:sp>
+        <p:nvSpPr>
+          <p:cNvPr id="8" name="Subtítulo 7">
+            <a:extLst>
+              <a:ext uri="{FF2B5EF4-FFF2-40B4-BE49-F238E27FC236}">
+                <a16:creationId xmlns:a16="http://schemas.microsoft.com/office/drawing/2014/main" id="{F5A11663-6474-2B4F-B2BC-6A940B7BD94C}"/>
+              </a:ext>
+            </a:extLst>
+          </p:cNvPr>
+          <p:cNvSpPr>
+            <a:spLocks noGrp="1"/>
+          </p:cNvSpPr>
+          <p:nvPr>
+            <p:ph type="subTitle" idx="1"/>
+          </p:nvPr>
+        </p:nvSpPr>
+        <p:spPr/>
+        <p:txBody>
+          <a:bodyPr/>
+          <a:lstStyle/>
+          <a:p>
+            <a:endParaRPr lang="pt-BR"/>
           </a:p>
         </p:txBody>
       </p:sp>
@@ -25406,7 +25429,7 @@
           <p:cNvPr id="4" name="Espaço Reservado para Data 3">
             <a:extLst>
               <a:ext uri="{FF2B5EF4-FFF2-40B4-BE49-F238E27FC236}">
-                <a16:creationId xmlns:a16="http://schemas.microsoft.com/office/drawing/2014/main" id="{C039731F-BC76-1041-B1D7-C9172A349906}"/>
+                <a16:creationId xmlns:a16="http://schemas.microsoft.com/office/drawing/2014/main" id="{35EDE0CF-D6B1-3A46-AB20-2A5BC109C290}"/>
               </a:ext>
             </a:extLst>
           </p:cNvPr>
@@ -25435,7 +25458,7 @@
           <p:cNvPr id="5" name="Espaço Reservado para Rodapé 4">
             <a:extLst>
               <a:ext uri="{FF2B5EF4-FFF2-40B4-BE49-F238E27FC236}">
-                <a16:creationId xmlns:a16="http://schemas.microsoft.com/office/drawing/2014/main" id="{C65FB5BD-0320-8943-94BF-C5529A652215}"/>
+                <a16:creationId xmlns:a16="http://schemas.microsoft.com/office/drawing/2014/main" id="{B4B00369-99A8-D840-9458-D5B59C5C0726}"/>
               </a:ext>
             </a:extLst>
           </p:cNvPr>
@@ -25464,7 +25487,7 @@
           <p:cNvPr id="6" name="Espaço Reservado para Número de Slide 5">
             <a:extLst>
               <a:ext uri="{FF2B5EF4-FFF2-40B4-BE49-F238E27FC236}">
-                <a16:creationId xmlns:a16="http://schemas.microsoft.com/office/drawing/2014/main" id="{5BF64264-A31F-744F-988F-6B376315C5F4}"/>
+                <a16:creationId xmlns:a16="http://schemas.microsoft.com/office/drawing/2014/main" id="{874878EF-523D-D84F-A324-92C5BA4095AF}"/>
               </a:ext>
             </a:extLst>
           </p:cNvPr>
@@ -25491,7 +25514,865 @@
     </p:spTree>
     <p:extLst>
       <p:ext uri="{BB962C8B-B14F-4D97-AF65-F5344CB8AC3E}">
-        <p14:creationId xmlns:p14="http://schemas.microsoft.com/office/powerpoint/2010/main" val="1102517218"/>
+        <p14:creationId xmlns:p14="http://schemas.microsoft.com/office/powerpoint/2010/main" val="3528539976"/>
+      </p:ext>
+    </p:extLst>
+  </p:cSld>
+  <p:clrMapOvr>
+    <a:masterClrMapping/>
+  </p:clrMapOvr>
+</p:sld>
+</file>
+
+<file path=ppt/slides/slide56.xml><?xml version="1.0" encoding="utf-8"?>
+<p:sld xmlns:a="http://schemas.openxmlformats.org/drawingml/2006/main" xmlns:r="http://schemas.openxmlformats.org/officeDocument/2006/relationships" xmlns:p="http://schemas.openxmlformats.org/presentationml/2006/main">
+  <p:cSld>
+    <p:spTree>
+      <p:nvGrpSpPr>
+        <p:cNvPr id="1" name=""/>
+        <p:cNvGrpSpPr/>
+        <p:nvPr/>
+      </p:nvGrpSpPr>
+      <p:grpSpPr>
+        <a:xfrm>
+          <a:off x="0" y="0"/>
+          <a:ext cx="0" cy="0"/>
+          <a:chOff x="0" y="0"/>
+          <a:chExt cx="0" cy="0"/>
+        </a:xfrm>
+      </p:grpSpPr>
+      <p:sp>
+        <p:nvSpPr>
+          <p:cNvPr id="2" name="Título 1">
+            <a:extLst>
+              <a:ext uri="{FF2B5EF4-FFF2-40B4-BE49-F238E27FC236}">
+                <a16:creationId xmlns:a16="http://schemas.microsoft.com/office/drawing/2014/main" id="{C60A8B49-2A42-2F41-8AF1-2E556DA1292F}"/>
+              </a:ext>
+            </a:extLst>
+          </p:cNvPr>
+          <p:cNvSpPr>
+            <a:spLocks noGrp="1"/>
+          </p:cNvSpPr>
+          <p:nvPr>
+            <p:ph type="title"/>
+          </p:nvPr>
+        </p:nvSpPr>
+        <p:spPr/>
+        <p:txBody>
+          <a:bodyPr/>
+          <a:lstStyle/>
+          <a:p>
+            <a:r>
+              <a:rPr lang="pt-BR" dirty="0" err="1"/>
+              <a:t>Bison</a:t>
+            </a:r>
+            <a:endParaRPr lang="pt-BR" dirty="0"/>
+          </a:p>
+        </p:txBody>
+      </p:sp>
+      <p:sp>
+        <p:nvSpPr>
+          <p:cNvPr id="3" name="Espaço Reservado para Conteúdo 2">
+            <a:extLst>
+              <a:ext uri="{FF2B5EF4-FFF2-40B4-BE49-F238E27FC236}">
+                <a16:creationId xmlns:a16="http://schemas.microsoft.com/office/drawing/2014/main" id="{54242B9E-7505-7E42-8EEE-F82D34E73CF3}"/>
+              </a:ext>
+            </a:extLst>
+          </p:cNvPr>
+          <p:cNvSpPr>
+            <a:spLocks noGrp="1"/>
+          </p:cNvSpPr>
+          <p:nvPr>
+            <p:ph idx="1"/>
+          </p:nvPr>
+        </p:nvSpPr>
+        <p:spPr/>
+        <p:txBody>
+          <a:bodyPr/>
+          <a:lstStyle/>
+          <a:p>
+            <a:r>
+              <a:rPr lang="pt-BR" dirty="0" err="1"/>
+              <a:t>Bison</a:t>
+            </a:r>
+            <a:r>
+              <a:rPr lang="pt-BR" dirty="0"/>
+              <a:t> é um gerador de </a:t>
+            </a:r>
+            <a:r>
+              <a:rPr lang="pt-BR" b="1" i="1" dirty="0" err="1"/>
+              <a:t>parser</a:t>
+            </a:r>
+            <a:r>
+              <a:rPr lang="pt-BR" dirty="0"/>
+              <a:t> para linguagens livres de contexto.</a:t>
+            </a:r>
+          </a:p>
+          <a:p>
+            <a:endParaRPr lang="pt-BR" dirty="0"/>
+          </a:p>
+          <a:p>
+            <a:r>
+              <a:rPr lang="pt-BR" dirty="0" err="1"/>
+              <a:t>Bison</a:t>
+            </a:r>
+            <a:r>
+              <a:rPr lang="pt-BR" dirty="0"/>
+              <a:t> em modo POSIX é compatível com YACC</a:t>
+            </a:r>
+          </a:p>
+          <a:p>
+            <a:endParaRPr lang="pt-BR" dirty="0"/>
+          </a:p>
+          <a:p>
+            <a:r>
+              <a:rPr lang="pt-BR" dirty="0" err="1"/>
+              <a:t>Bison</a:t>
+            </a:r>
+            <a:r>
+              <a:rPr lang="pt-BR" dirty="0"/>
+              <a:t> pode gerar </a:t>
+            </a:r>
+            <a:r>
+              <a:rPr lang="pt-BR" dirty="0" err="1"/>
+              <a:t>parsers</a:t>
+            </a:r>
+            <a:r>
+              <a:rPr lang="pt-BR" dirty="0"/>
+              <a:t> do tipo LALR, canonical LR, IELR e GLR.</a:t>
+            </a:r>
+          </a:p>
+          <a:p>
+            <a:endParaRPr lang="pt-BR" dirty="0"/>
+          </a:p>
+          <a:p>
+            <a:r>
+              <a:rPr lang="pt-BR" dirty="0" err="1"/>
+              <a:t>Bison</a:t>
+            </a:r>
+            <a:r>
+              <a:rPr lang="pt-BR" dirty="0"/>
+              <a:t> pode ser utilizado com o </a:t>
+            </a:r>
+            <a:r>
+              <a:rPr lang="pt-BR" b="1" i="1" dirty="0" err="1"/>
+              <a:t>flex</a:t>
+            </a:r>
+            <a:r>
+              <a:rPr lang="pt-BR" dirty="0"/>
+              <a:t> para realizar a extração de </a:t>
+            </a:r>
+            <a:r>
+              <a:rPr lang="pt-BR" dirty="0" err="1"/>
+              <a:t>tokens</a:t>
+            </a:r>
+            <a:r>
+              <a:rPr lang="pt-BR" dirty="0"/>
+              <a:t>.</a:t>
+            </a:r>
+          </a:p>
+        </p:txBody>
+      </p:sp>
+      <p:sp>
+        <p:nvSpPr>
+          <p:cNvPr id="4" name="Espaço Reservado para Data 3">
+            <a:extLst>
+              <a:ext uri="{FF2B5EF4-FFF2-40B4-BE49-F238E27FC236}">
+                <a16:creationId xmlns:a16="http://schemas.microsoft.com/office/drawing/2014/main" id="{28F82137-242B-404E-A04A-FE67B6481D24}"/>
+              </a:ext>
+            </a:extLst>
+          </p:cNvPr>
+          <p:cNvSpPr>
+            <a:spLocks noGrp="1"/>
+          </p:cNvSpPr>
+          <p:nvPr>
+            <p:ph type="dt" sz="half" idx="10"/>
+          </p:nvPr>
+        </p:nvSpPr>
+        <p:spPr/>
+        <p:txBody>
+          <a:bodyPr/>
+          <a:lstStyle/>
+          <a:p>
+            <a:r>
+              <a:rPr lang="pt-BR"/>
+              <a:t>Compiladores</a:t>
+            </a:r>
+            <a:endParaRPr lang="pt-BR" dirty="0"/>
+          </a:p>
+        </p:txBody>
+      </p:sp>
+      <p:sp>
+        <p:nvSpPr>
+          <p:cNvPr id="5" name="Espaço Reservado para Rodapé 4">
+            <a:extLst>
+              <a:ext uri="{FF2B5EF4-FFF2-40B4-BE49-F238E27FC236}">
+                <a16:creationId xmlns:a16="http://schemas.microsoft.com/office/drawing/2014/main" id="{18B4E181-ACD8-724E-A11A-53F84BE04BB5}"/>
+              </a:ext>
+            </a:extLst>
+          </p:cNvPr>
+          <p:cNvSpPr>
+            <a:spLocks noGrp="1"/>
+          </p:cNvSpPr>
+          <p:nvPr>
+            <p:ph type="ftr" sz="quarter" idx="11"/>
+          </p:nvPr>
+        </p:nvSpPr>
+        <p:spPr/>
+        <p:txBody>
+          <a:bodyPr/>
+          <a:lstStyle/>
+          <a:p>
+            <a:r>
+              <a:rPr lang="pt-BR"/>
+              <a:t>Prof. Mathias Santos de Brito</a:t>
+            </a:r>
+            <a:endParaRPr lang="pt-BR" dirty="0"/>
+          </a:p>
+        </p:txBody>
+      </p:sp>
+      <p:sp>
+        <p:nvSpPr>
+          <p:cNvPr id="6" name="Espaço Reservado para Número de Slide 5">
+            <a:extLst>
+              <a:ext uri="{FF2B5EF4-FFF2-40B4-BE49-F238E27FC236}">
+                <a16:creationId xmlns:a16="http://schemas.microsoft.com/office/drawing/2014/main" id="{6341F098-130E-0642-AD2A-02D3313AFBB1}"/>
+              </a:ext>
+            </a:extLst>
+          </p:cNvPr>
+          <p:cNvSpPr>
+            <a:spLocks noGrp="1"/>
+          </p:cNvSpPr>
+          <p:nvPr>
+            <p:ph type="sldNum" sz="quarter" idx="12"/>
+          </p:nvPr>
+        </p:nvSpPr>
+        <p:spPr/>
+        <p:txBody>
+          <a:bodyPr/>
+          <a:lstStyle/>
+          <a:p>
+            <a:fld id="{BB6592E8-4CB6-CA48-8DDA-14B9D6C8BDBF}" type="slidenum">
+              <a:rPr lang="pt-BR" smtClean="0"/>
+              <a:t>56</a:t>
+            </a:fld>
+            <a:endParaRPr lang="pt-BR"/>
+          </a:p>
+        </p:txBody>
+      </p:sp>
+    </p:spTree>
+    <p:extLst>
+      <p:ext uri="{BB962C8B-B14F-4D97-AF65-F5344CB8AC3E}">
+        <p14:creationId xmlns:p14="http://schemas.microsoft.com/office/powerpoint/2010/main" val="4195909415"/>
+      </p:ext>
+    </p:extLst>
+  </p:cSld>
+  <p:clrMapOvr>
+    <a:masterClrMapping/>
+  </p:clrMapOvr>
+</p:sld>
+</file>
+
+<file path=ppt/slides/slide57.xml><?xml version="1.0" encoding="utf-8"?>
+<p:sld xmlns:a="http://schemas.openxmlformats.org/drawingml/2006/main" xmlns:r="http://schemas.openxmlformats.org/officeDocument/2006/relationships" xmlns:p="http://schemas.openxmlformats.org/presentationml/2006/main">
+  <p:cSld>
+    <p:spTree>
+      <p:nvGrpSpPr>
+        <p:cNvPr id="1" name=""/>
+        <p:cNvGrpSpPr/>
+        <p:nvPr/>
+      </p:nvGrpSpPr>
+      <p:grpSpPr>
+        <a:xfrm>
+          <a:off x="0" y="0"/>
+          <a:ext cx="0" cy="0"/>
+          <a:chOff x="0" y="0"/>
+          <a:chExt cx="0" cy="0"/>
+        </a:xfrm>
+      </p:grpSpPr>
+      <p:sp>
+        <p:nvSpPr>
+          <p:cNvPr id="2" name="Título 1">
+            <a:extLst>
+              <a:ext uri="{FF2B5EF4-FFF2-40B4-BE49-F238E27FC236}">
+                <a16:creationId xmlns:a16="http://schemas.microsoft.com/office/drawing/2014/main" id="{61063FFE-C615-9940-87A3-85751E2AACC1}"/>
+              </a:ext>
+            </a:extLst>
+          </p:cNvPr>
+          <p:cNvSpPr>
+            <a:spLocks noGrp="1"/>
+          </p:cNvSpPr>
+          <p:nvPr>
+            <p:ph type="title"/>
+          </p:nvPr>
+        </p:nvSpPr>
+        <p:spPr/>
+        <p:txBody>
+          <a:bodyPr/>
+          <a:lstStyle/>
+          <a:p>
+            <a:r>
+              <a:rPr lang="pt-BR" dirty="0"/>
+              <a:t>Arquivos fontes de BISON (.</a:t>
+            </a:r>
+            <a:r>
+              <a:rPr lang="pt-BR" dirty="0" err="1"/>
+              <a:t>y</a:t>
+            </a:r>
+            <a:r>
+              <a:rPr lang="pt-BR" dirty="0"/>
+              <a:t>)</a:t>
+            </a:r>
+          </a:p>
+        </p:txBody>
+      </p:sp>
+      <p:sp>
+        <p:nvSpPr>
+          <p:cNvPr id="3" name="Espaço Reservado para Conteúdo 2">
+            <a:extLst>
+              <a:ext uri="{FF2B5EF4-FFF2-40B4-BE49-F238E27FC236}">
+                <a16:creationId xmlns:a16="http://schemas.microsoft.com/office/drawing/2014/main" id="{B5FB2BE6-721F-F842-9205-532F96469E98}"/>
+              </a:ext>
+            </a:extLst>
+          </p:cNvPr>
+          <p:cNvSpPr>
+            <a:spLocks noGrp="1"/>
+          </p:cNvSpPr>
+          <p:nvPr>
+            <p:ph idx="1"/>
+          </p:nvPr>
+        </p:nvSpPr>
+        <p:spPr/>
+        <p:txBody>
+          <a:bodyPr/>
+          <a:lstStyle/>
+          <a:p>
+            <a:r>
+              <a:rPr lang="pt-BR" dirty="0"/>
+              <a:t>Os fontes de BISON possuem extensão .</a:t>
+            </a:r>
+            <a:r>
+              <a:rPr lang="pt-BR" dirty="0" err="1"/>
+              <a:t>y</a:t>
+            </a:r>
+            <a:endParaRPr lang="pt-BR" dirty="0"/>
+          </a:p>
+          <a:p>
+            <a:endParaRPr lang="pt-BR" dirty="0"/>
+          </a:p>
+          <a:p>
+            <a:r>
+              <a:rPr lang="pt-BR" dirty="0"/>
+              <a:t>A estrutura lembra muito a estrutura que utilizamos com os nossos fontes em FLEX.</a:t>
+            </a:r>
+          </a:p>
+          <a:p>
+            <a:endParaRPr lang="pt-BR" dirty="0"/>
+          </a:p>
+          <a:p>
+            <a:r>
+              <a:rPr lang="pt-BR" dirty="0"/>
+              <a:t>Vamos dar uma olhada...</a:t>
+            </a:r>
+          </a:p>
+        </p:txBody>
+      </p:sp>
+      <p:sp>
+        <p:nvSpPr>
+          <p:cNvPr id="4" name="Espaço Reservado para Data 3">
+            <a:extLst>
+              <a:ext uri="{FF2B5EF4-FFF2-40B4-BE49-F238E27FC236}">
+                <a16:creationId xmlns:a16="http://schemas.microsoft.com/office/drawing/2014/main" id="{B2F4E45C-8C64-D642-8F36-75818E165C5C}"/>
+              </a:ext>
+            </a:extLst>
+          </p:cNvPr>
+          <p:cNvSpPr>
+            <a:spLocks noGrp="1"/>
+          </p:cNvSpPr>
+          <p:nvPr>
+            <p:ph type="dt" sz="half" idx="10"/>
+          </p:nvPr>
+        </p:nvSpPr>
+        <p:spPr/>
+        <p:txBody>
+          <a:bodyPr/>
+          <a:lstStyle/>
+          <a:p>
+            <a:r>
+              <a:rPr lang="pt-BR"/>
+              <a:t>Compiladores</a:t>
+            </a:r>
+            <a:endParaRPr lang="pt-BR" dirty="0"/>
+          </a:p>
+        </p:txBody>
+      </p:sp>
+      <p:sp>
+        <p:nvSpPr>
+          <p:cNvPr id="5" name="Espaço Reservado para Rodapé 4">
+            <a:extLst>
+              <a:ext uri="{FF2B5EF4-FFF2-40B4-BE49-F238E27FC236}">
+                <a16:creationId xmlns:a16="http://schemas.microsoft.com/office/drawing/2014/main" id="{B365495F-3D47-B64E-B802-7EEFAADFBC81}"/>
+              </a:ext>
+            </a:extLst>
+          </p:cNvPr>
+          <p:cNvSpPr>
+            <a:spLocks noGrp="1"/>
+          </p:cNvSpPr>
+          <p:nvPr>
+            <p:ph type="ftr" sz="quarter" idx="11"/>
+          </p:nvPr>
+        </p:nvSpPr>
+        <p:spPr/>
+        <p:txBody>
+          <a:bodyPr/>
+          <a:lstStyle/>
+          <a:p>
+            <a:r>
+              <a:rPr lang="pt-BR"/>
+              <a:t>Prof. Mathias Santos de Brito</a:t>
+            </a:r>
+            <a:endParaRPr lang="pt-BR" dirty="0"/>
+          </a:p>
+        </p:txBody>
+      </p:sp>
+      <p:sp>
+        <p:nvSpPr>
+          <p:cNvPr id="6" name="Espaço Reservado para Número de Slide 5">
+            <a:extLst>
+              <a:ext uri="{FF2B5EF4-FFF2-40B4-BE49-F238E27FC236}">
+                <a16:creationId xmlns:a16="http://schemas.microsoft.com/office/drawing/2014/main" id="{C283CD69-998B-5E43-87DE-31CC8EC62D72}"/>
+              </a:ext>
+            </a:extLst>
+          </p:cNvPr>
+          <p:cNvSpPr>
+            <a:spLocks noGrp="1"/>
+          </p:cNvSpPr>
+          <p:nvPr>
+            <p:ph type="sldNum" sz="quarter" idx="12"/>
+          </p:nvPr>
+        </p:nvSpPr>
+        <p:spPr/>
+        <p:txBody>
+          <a:bodyPr/>
+          <a:lstStyle/>
+          <a:p>
+            <a:fld id="{BB6592E8-4CB6-CA48-8DDA-14B9D6C8BDBF}" type="slidenum">
+              <a:rPr lang="pt-BR" smtClean="0"/>
+              <a:t>57</a:t>
+            </a:fld>
+            <a:endParaRPr lang="pt-BR"/>
+          </a:p>
+        </p:txBody>
+      </p:sp>
+    </p:spTree>
+    <p:extLst>
+      <p:ext uri="{BB962C8B-B14F-4D97-AF65-F5344CB8AC3E}">
+        <p14:creationId xmlns:p14="http://schemas.microsoft.com/office/powerpoint/2010/main" val="2116386657"/>
+      </p:ext>
+    </p:extLst>
+  </p:cSld>
+  <p:clrMapOvr>
+    <a:masterClrMapping/>
+  </p:clrMapOvr>
+</p:sld>
+</file>
+
+<file path=ppt/slides/slide58.xml><?xml version="1.0" encoding="utf-8"?>
+<p:sld xmlns:a="http://schemas.openxmlformats.org/drawingml/2006/main" xmlns:r="http://schemas.openxmlformats.org/officeDocument/2006/relationships" xmlns:p="http://schemas.openxmlformats.org/presentationml/2006/main">
+  <p:cSld>
+    <p:spTree>
+      <p:nvGrpSpPr>
+        <p:cNvPr id="1" name=""/>
+        <p:cNvGrpSpPr/>
+        <p:nvPr/>
+      </p:nvGrpSpPr>
+      <p:grpSpPr>
+        <a:xfrm>
+          <a:off x="0" y="0"/>
+          <a:ext cx="0" cy="0"/>
+          <a:chOff x="0" y="0"/>
+          <a:chExt cx="0" cy="0"/>
+        </a:xfrm>
+      </p:grpSpPr>
+      <p:sp>
+        <p:nvSpPr>
+          <p:cNvPr id="2" name="Título 1">
+            <a:extLst>
+              <a:ext uri="{FF2B5EF4-FFF2-40B4-BE49-F238E27FC236}">
+                <a16:creationId xmlns:a16="http://schemas.microsoft.com/office/drawing/2014/main" id="{F57C0F8D-484D-0D44-9D05-F2E337006F11}"/>
+              </a:ext>
+            </a:extLst>
+          </p:cNvPr>
+          <p:cNvSpPr>
+            <a:spLocks noGrp="1"/>
+          </p:cNvSpPr>
+          <p:nvPr>
+            <p:ph type="title"/>
+          </p:nvPr>
+        </p:nvSpPr>
+        <p:spPr/>
+        <p:txBody>
+          <a:bodyPr/>
+          <a:lstStyle/>
+          <a:p>
+            <a:r>
+              <a:rPr lang="pt-BR" dirty="0"/>
+              <a:t>Estrutura de um Fonte BISON</a:t>
+            </a:r>
+          </a:p>
+        </p:txBody>
+      </p:sp>
+      <p:pic>
+        <p:nvPicPr>
+          <p:cNvPr id="9" name="Espaço Reservado para Conteúdo 8" descr="Uma imagem contendo captura de tela&#10;&#10;Descrição gerada automaticamente">
+            <a:extLst>
+              <a:ext uri="{FF2B5EF4-FFF2-40B4-BE49-F238E27FC236}">
+                <a16:creationId xmlns:a16="http://schemas.microsoft.com/office/drawing/2014/main" id="{46E46512-912F-3140-BC67-2FEDF2035974}"/>
+              </a:ext>
+            </a:extLst>
+          </p:cNvPr>
+          <p:cNvPicPr>
+            <a:picLocks noGrp="1" noChangeAspect="1"/>
+          </p:cNvPicPr>
+          <p:nvPr>
+            <p:ph idx="1"/>
+          </p:nvPr>
+        </p:nvPicPr>
+        <p:blipFill>
+          <a:blip r:embed="rId2"/>
+          <a:stretch>
+            <a:fillRect/>
+          </a:stretch>
+        </p:blipFill>
+        <p:spPr>
+          <a:xfrm>
+            <a:off x="1494653" y="1117035"/>
+            <a:ext cx="9202694" cy="5075426"/>
+          </a:xfrm>
+        </p:spPr>
+      </p:pic>
+      <p:sp>
+        <p:nvSpPr>
+          <p:cNvPr id="4" name="Espaço Reservado para Data 3">
+            <a:extLst>
+              <a:ext uri="{FF2B5EF4-FFF2-40B4-BE49-F238E27FC236}">
+                <a16:creationId xmlns:a16="http://schemas.microsoft.com/office/drawing/2014/main" id="{71D410C5-5EF7-6447-A3DE-572933935AC4}"/>
+              </a:ext>
+            </a:extLst>
+          </p:cNvPr>
+          <p:cNvSpPr>
+            <a:spLocks noGrp="1"/>
+          </p:cNvSpPr>
+          <p:nvPr>
+            <p:ph type="dt" sz="half" idx="10"/>
+          </p:nvPr>
+        </p:nvSpPr>
+        <p:spPr/>
+        <p:txBody>
+          <a:bodyPr/>
+          <a:lstStyle/>
+          <a:p>
+            <a:r>
+              <a:rPr lang="pt-BR"/>
+              <a:t>Compiladores</a:t>
+            </a:r>
+            <a:endParaRPr lang="pt-BR" dirty="0"/>
+          </a:p>
+        </p:txBody>
+      </p:sp>
+      <p:sp>
+        <p:nvSpPr>
+          <p:cNvPr id="5" name="Espaço Reservado para Rodapé 4">
+            <a:extLst>
+              <a:ext uri="{FF2B5EF4-FFF2-40B4-BE49-F238E27FC236}">
+                <a16:creationId xmlns:a16="http://schemas.microsoft.com/office/drawing/2014/main" id="{8C32B5EB-E522-4C47-98FF-7C95F7B9DFFD}"/>
+              </a:ext>
+            </a:extLst>
+          </p:cNvPr>
+          <p:cNvSpPr>
+            <a:spLocks noGrp="1"/>
+          </p:cNvSpPr>
+          <p:nvPr>
+            <p:ph type="ftr" sz="quarter" idx="11"/>
+          </p:nvPr>
+        </p:nvSpPr>
+        <p:spPr/>
+        <p:txBody>
+          <a:bodyPr/>
+          <a:lstStyle/>
+          <a:p>
+            <a:r>
+              <a:rPr lang="pt-BR"/>
+              <a:t>Prof. Mathias Santos de Brito</a:t>
+            </a:r>
+            <a:endParaRPr lang="pt-BR" dirty="0"/>
+          </a:p>
+        </p:txBody>
+      </p:sp>
+      <p:sp>
+        <p:nvSpPr>
+          <p:cNvPr id="6" name="Espaço Reservado para Número de Slide 5">
+            <a:extLst>
+              <a:ext uri="{FF2B5EF4-FFF2-40B4-BE49-F238E27FC236}">
+                <a16:creationId xmlns:a16="http://schemas.microsoft.com/office/drawing/2014/main" id="{984445C6-9B36-C646-9F3B-0A0A835F6938}"/>
+              </a:ext>
+            </a:extLst>
+          </p:cNvPr>
+          <p:cNvSpPr>
+            <a:spLocks noGrp="1"/>
+          </p:cNvSpPr>
+          <p:nvPr>
+            <p:ph type="sldNum" sz="quarter" idx="12"/>
+          </p:nvPr>
+        </p:nvSpPr>
+        <p:spPr/>
+        <p:txBody>
+          <a:bodyPr/>
+          <a:lstStyle/>
+          <a:p>
+            <a:fld id="{BB6592E8-4CB6-CA48-8DDA-14B9D6C8BDBF}" type="slidenum">
+              <a:rPr lang="pt-BR" smtClean="0"/>
+              <a:t>58</a:t>
+            </a:fld>
+            <a:endParaRPr lang="pt-BR"/>
+          </a:p>
+        </p:txBody>
+      </p:sp>
+    </p:spTree>
+    <p:extLst>
+      <p:ext uri="{BB962C8B-B14F-4D97-AF65-F5344CB8AC3E}">
+        <p14:creationId xmlns:p14="http://schemas.microsoft.com/office/powerpoint/2010/main" val="2596438817"/>
+      </p:ext>
+    </p:extLst>
+  </p:cSld>
+  <p:clrMapOvr>
+    <a:masterClrMapping/>
+  </p:clrMapOvr>
+</p:sld>
+</file>
+
+<file path=ppt/slides/slide59.xml><?xml version="1.0" encoding="utf-8"?>
+<p:sld xmlns:a="http://schemas.openxmlformats.org/drawingml/2006/main" xmlns:r="http://schemas.openxmlformats.org/officeDocument/2006/relationships" xmlns:p="http://schemas.openxmlformats.org/presentationml/2006/main">
+  <p:cSld>
+    <p:spTree>
+      <p:nvGrpSpPr>
+        <p:cNvPr id="1" name=""/>
+        <p:cNvGrpSpPr/>
+        <p:nvPr/>
+      </p:nvGrpSpPr>
+      <p:grpSpPr>
+        <a:xfrm>
+          <a:off x="0" y="0"/>
+          <a:ext cx="0" cy="0"/>
+          <a:chOff x="0" y="0"/>
+          <a:chExt cx="0" cy="0"/>
+        </a:xfrm>
+      </p:grpSpPr>
+      <p:sp>
+        <p:nvSpPr>
+          <p:cNvPr id="2" name="Título 1">
+            <a:extLst>
+              <a:ext uri="{FF2B5EF4-FFF2-40B4-BE49-F238E27FC236}">
+                <a16:creationId xmlns:a16="http://schemas.microsoft.com/office/drawing/2014/main" id="{8D242828-CF31-C64B-A565-5AF3158D6B9C}"/>
+              </a:ext>
+            </a:extLst>
+          </p:cNvPr>
+          <p:cNvSpPr>
+            <a:spLocks noGrp="1"/>
+          </p:cNvSpPr>
+          <p:nvPr>
+            <p:ph type="title"/>
+          </p:nvPr>
+        </p:nvSpPr>
+        <p:spPr/>
+        <p:txBody>
+          <a:bodyPr/>
+          <a:lstStyle/>
+          <a:p>
+            <a:r>
+              <a:rPr lang="pt-BR" dirty="0"/>
+              <a:t>BISON e Flex</a:t>
+            </a:r>
+          </a:p>
+        </p:txBody>
+      </p:sp>
+      <p:sp>
+        <p:nvSpPr>
+          <p:cNvPr id="3" name="Espaço Reservado para Conteúdo 2">
+            <a:extLst>
+              <a:ext uri="{FF2B5EF4-FFF2-40B4-BE49-F238E27FC236}">
+                <a16:creationId xmlns:a16="http://schemas.microsoft.com/office/drawing/2014/main" id="{A1563E75-BE10-584E-B063-A1721CE8A546}"/>
+              </a:ext>
+            </a:extLst>
+          </p:cNvPr>
+          <p:cNvSpPr>
+            <a:spLocks noGrp="1"/>
+          </p:cNvSpPr>
+          <p:nvPr>
+            <p:ph idx="1"/>
+          </p:nvPr>
+        </p:nvSpPr>
+        <p:spPr/>
+        <p:txBody>
+          <a:bodyPr>
+            <a:normAutofit lnSpcReduction="10000"/>
+          </a:bodyPr>
+          <a:lstStyle/>
+          <a:p>
+            <a:r>
+              <a:rPr lang="pt-BR" dirty="0"/>
+              <a:t>Para conectarmos o BISON com o FLEX algumas coisas devem ser observadas.</a:t>
+            </a:r>
+          </a:p>
+          <a:p>
+            <a:endParaRPr lang="pt-BR" dirty="0"/>
+          </a:p>
+          <a:p>
+            <a:r>
+              <a:rPr lang="pt-BR" dirty="0"/>
+              <a:t>Os TOKENS serão definidos no código BISON, que ira gerar um arquivo .</a:t>
+            </a:r>
+            <a:r>
+              <a:rPr lang="pt-BR" dirty="0" err="1"/>
+              <a:t>h</a:t>
+            </a:r>
+            <a:r>
+              <a:rPr lang="pt-BR" dirty="0"/>
+              <a:t> (header C), o qual deveremos incluir no fonte do FLEX.</a:t>
+            </a:r>
+          </a:p>
+          <a:p>
+            <a:endParaRPr lang="pt-BR" dirty="0"/>
+          </a:p>
+          <a:p>
+            <a:r>
+              <a:rPr lang="pt-BR" dirty="0"/>
+              <a:t>Cada regra no FLEX deverá retornar o TOKEN.</a:t>
+            </a:r>
+          </a:p>
+          <a:p>
+            <a:endParaRPr lang="pt-BR" dirty="0"/>
+          </a:p>
+          <a:p>
+            <a:r>
+              <a:rPr lang="pt-BR" dirty="0"/>
+              <a:t>O fonte FLEX não terá mais uma função </a:t>
+            </a:r>
+            <a:r>
+              <a:rPr lang="pt-BR" b="1" i="1" dirty="0" err="1"/>
+              <a:t>main</a:t>
+            </a:r>
+            <a:r>
+              <a:rPr lang="pt-BR" b="1" i="1" dirty="0"/>
+              <a:t> </a:t>
+            </a:r>
+            <a:r>
+              <a:rPr lang="pt-BR" dirty="0"/>
+              <a:t>visto que quem irá invocar a função de </a:t>
+            </a:r>
+            <a:r>
+              <a:rPr lang="pt-BR" b="1" i="1" dirty="0" err="1"/>
+              <a:t>parser</a:t>
+            </a:r>
+            <a:r>
+              <a:rPr lang="pt-BR" dirty="0"/>
+              <a:t> do analisador é o BISON.</a:t>
+            </a:r>
+            <a:endParaRPr lang="pt-BR" b="1" i="1" dirty="0"/>
+          </a:p>
+        </p:txBody>
+      </p:sp>
+      <p:sp>
+        <p:nvSpPr>
+          <p:cNvPr id="4" name="Espaço Reservado para Data 3">
+            <a:extLst>
+              <a:ext uri="{FF2B5EF4-FFF2-40B4-BE49-F238E27FC236}">
+                <a16:creationId xmlns:a16="http://schemas.microsoft.com/office/drawing/2014/main" id="{B6481EAA-8025-E24D-AD07-A9A58C4C84AA}"/>
+              </a:ext>
+            </a:extLst>
+          </p:cNvPr>
+          <p:cNvSpPr>
+            <a:spLocks noGrp="1"/>
+          </p:cNvSpPr>
+          <p:nvPr>
+            <p:ph type="dt" sz="half" idx="10"/>
+          </p:nvPr>
+        </p:nvSpPr>
+        <p:spPr/>
+        <p:txBody>
+          <a:bodyPr/>
+          <a:lstStyle/>
+          <a:p>
+            <a:r>
+              <a:rPr lang="pt-BR"/>
+              <a:t>Compiladores</a:t>
+            </a:r>
+            <a:endParaRPr lang="pt-BR" dirty="0"/>
+          </a:p>
+        </p:txBody>
+      </p:sp>
+      <p:sp>
+        <p:nvSpPr>
+          <p:cNvPr id="5" name="Espaço Reservado para Rodapé 4">
+            <a:extLst>
+              <a:ext uri="{FF2B5EF4-FFF2-40B4-BE49-F238E27FC236}">
+                <a16:creationId xmlns:a16="http://schemas.microsoft.com/office/drawing/2014/main" id="{453E33EC-3D26-C945-A700-38A69CDA4D09}"/>
+              </a:ext>
+            </a:extLst>
+          </p:cNvPr>
+          <p:cNvSpPr>
+            <a:spLocks noGrp="1"/>
+          </p:cNvSpPr>
+          <p:nvPr>
+            <p:ph type="ftr" sz="quarter" idx="11"/>
+          </p:nvPr>
+        </p:nvSpPr>
+        <p:spPr/>
+        <p:txBody>
+          <a:bodyPr/>
+          <a:lstStyle/>
+          <a:p>
+            <a:r>
+              <a:rPr lang="pt-BR"/>
+              <a:t>Prof. Mathias Santos de Brito</a:t>
+            </a:r>
+            <a:endParaRPr lang="pt-BR" dirty="0"/>
+          </a:p>
+        </p:txBody>
+      </p:sp>
+      <p:sp>
+        <p:nvSpPr>
+          <p:cNvPr id="6" name="Espaço Reservado para Número de Slide 5">
+            <a:extLst>
+              <a:ext uri="{FF2B5EF4-FFF2-40B4-BE49-F238E27FC236}">
+                <a16:creationId xmlns:a16="http://schemas.microsoft.com/office/drawing/2014/main" id="{AC9B31FC-3F82-7149-A79E-2B8867254B72}"/>
+              </a:ext>
+            </a:extLst>
+          </p:cNvPr>
+          <p:cNvSpPr>
+            <a:spLocks noGrp="1"/>
+          </p:cNvSpPr>
+          <p:nvPr>
+            <p:ph type="sldNum" sz="quarter" idx="12"/>
+          </p:nvPr>
+        </p:nvSpPr>
+        <p:spPr/>
+        <p:txBody>
+          <a:bodyPr/>
+          <a:lstStyle/>
+          <a:p>
+            <a:fld id="{BB6592E8-4CB6-CA48-8DDA-14B9D6C8BDBF}" type="slidenum">
+              <a:rPr lang="pt-BR" smtClean="0"/>
+              <a:t>59</a:t>
+            </a:fld>
+            <a:endParaRPr lang="pt-BR"/>
+          </a:p>
+        </p:txBody>
+      </p:sp>
+    </p:spTree>
+    <p:extLst>
+      <p:ext uri="{BB962C8B-B14F-4D97-AF65-F5344CB8AC3E}">
+        <p14:creationId xmlns:p14="http://schemas.microsoft.com/office/powerpoint/2010/main" val="1998749751"/>
       </p:ext>
     </p:extLst>
   </p:cSld>
@@ -25683,6 +26564,1022 @@
     <p:extLst>
       <p:ext uri="{BB962C8B-B14F-4D97-AF65-F5344CB8AC3E}">
         <p14:creationId xmlns:p14="http://schemas.microsoft.com/office/powerpoint/2010/main" val="4155675582"/>
+      </p:ext>
+    </p:extLst>
+  </p:cSld>
+  <p:clrMapOvr>
+    <a:masterClrMapping/>
+  </p:clrMapOvr>
+</p:sld>
+</file>
+
+<file path=ppt/slides/slide60.xml><?xml version="1.0" encoding="utf-8"?>
+<p:sld xmlns:a="http://schemas.openxmlformats.org/drawingml/2006/main" xmlns:r="http://schemas.openxmlformats.org/officeDocument/2006/relationships" xmlns:p="http://schemas.openxmlformats.org/presentationml/2006/main">
+  <p:cSld>
+    <p:spTree>
+      <p:nvGrpSpPr>
+        <p:cNvPr id="1" name=""/>
+        <p:cNvGrpSpPr/>
+        <p:nvPr/>
+      </p:nvGrpSpPr>
+      <p:grpSpPr>
+        <a:xfrm>
+          <a:off x="0" y="0"/>
+          <a:ext cx="0" cy="0"/>
+          <a:chOff x="0" y="0"/>
+          <a:chExt cx="0" cy="0"/>
+        </a:xfrm>
+      </p:grpSpPr>
+      <p:sp>
+        <p:nvSpPr>
+          <p:cNvPr id="2" name="Título 1">
+            <a:extLst>
+              <a:ext uri="{FF2B5EF4-FFF2-40B4-BE49-F238E27FC236}">
+                <a16:creationId xmlns:a16="http://schemas.microsoft.com/office/drawing/2014/main" id="{461D73A1-576E-5943-B1DE-87CD5B34E4BD}"/>
+              </a:ext>
+            </a:extLst>
+          </p:cNvPr>
+          <p:cNvSpPr>
+            <a:spLocks noGrp="1"/>
+          </p:cNvSpPr>
+          <p:nvPr>
+            <p:ph type="title"/>
+          </p:nvPr>
+        </p:nvSpPr>
+        <p:spPr/>
+        <p:txBody>
+          <a:bodyPr>
+            <a:normAutofit fontScale="90000"/>
+          </a:bodyPr>
+          <a:lstStyle/>
+          <a:p>
+            <a:r>
+              <a:rPr lang="pt-BR" dirty="0"/>
+              <a:t>Um exemplo de .l para ser integrado ao BISON </a:t>
+            </a:r>
+          </a:p>
+        </p:txBody>
+      </p:sp>
+      <p:sp>
+        <p:nvSpPr>
+          <p:cNvPr id="4" name="Espaço Reservado para Data 3">
+            <a:extLst>
+              <a:ext uri="{FF2B5EF4-FFF2-40B4-BE49-F238E27FC236}">
+                <a16:creationId xmlns:a16="http://schemas.microsoft.com/office/drawing/2014/main" id="{95045264-463B-A24C-8226-FF8D0C916A6E}"/>
+              </a:ext>
+            </a:extLst>
+          </p:cNvPr>
+          <p:cNvSpPr>
+            <a:spLocks noGrp="1"/>
+          </p:cNvSpPr>
+          <p:nvPr>
+            <p:ph type="dt" sz="half" idx="10"/>
+          </p:nvPr>
+        </p:nvSpPr>
+        <p:spPr/>
+        <p:txBody>
+          <a:bodyPr/>
+          <a:lstStyle/>
+          <a:p>
+            <a:r>
+              <a:rPr lang="pt-BR"/>
+              <a:t>Compiladores</a:t>
+            </a:r>
+            <a:endParaRPr lang="pt-BR" dirty="0"/>
+          </a:p>
+        </p:txBody>
+      </p:sp>
+      <p:sp>
+        <p:nvSpPr>
+          <p:cNvPr id="5" name="Espaço Reservado para Rodapé 4">
+            <a:extLst>
+              <a:ext uri="{FF2B5EF4-FFF2-40B4-BE49-F238E27FC236}">
+                <a16:creationId xmlns:a16="http://schemas.microsoft.com/office/drawing/2014/main" id="{15A60A36-64A4-C840-8D08-870178E06505}"/>
+              </a:ext>
+            </a:extLst>
+          </p:cNvPr>
+          <p:cNvSpPr>
+            <a:spLocks noGrp="1"/>
+          </p:cNvSpPr>
+          <p:nvPr>
+            <p:ph type="ftr" sz="quarter" idx="11"/>
+          </p:nvPr>
+        </p:nvSpPr>
+        <p:spPr/>
+        <p:txBody>
+          <a:bodyPr/>
+          <a:lstStyle/>
+          <a:p>
+            <a:r>
+              <a:rPr lang="pt-BR"/>
+              <a:t>Prof. Mathias Santos de Brito</a:t>
+            </a:r>
+            <a:endParaRPr lang="pt-BR" dirty="0"/>
+          </a:p>
+        </p:txBody>
+      </p:sp>
+      <p:sp>
+        <p:nvSpPr>
+          <p:cNvPr id="6" name="Espaço Reservado para Número de Slide 5">
+            <a:extLst>
+              <a:ext uri="{FF2B5EF4-FFF2-40B4-BE49-F238E27FC236}">
+                <a16:creationId xmlns:a16="http://schemas.microsoft.com/office/drawing/2014/main" id="{13A12984-04E7-1641-B53C-D80BE81F94A4}"/>
+              </a:ext>
+            </a:extLst>
+          </p:cNvPr>
+          <p:cNvSpPr>
+            <a:spLocks noGrp="1"/>
+          </p:cNvSpPr>
+          <p:nvPr>
+            <p:ph type="sldNum" sz="quarter" idx="12"/>
+          </p:nvPr>
+        </p:nvSpPr>
+        <p:spPr/>
+        <p:txBody>
+          <a:bodyPr/>
+          <a:lstStyle/>
+          <a:p>
+            <a:fld id="{BB6592E8-4CB6-CA48-8DDA-14B9D6C8BDBF}" type="slidenum">
+              <a:rPr lang="pt-BR" smtClean="0"/>
+              <a:t>60</a:t>
+            </a:fld>
+            <a:endParaRPr lang="pt-BR"/>
+          </a:p>
+        </p:txBody>
+      </p:sp>
+      <p:pic>
+        <p:nvPicPr>
+          <p:cNvPr id="7" name="Imagem 6">
+            <a:extLst>
+              <a:ext uri="{FF2B5EF4-FFF2-40B4-BE49-F238E27FC236}">
+                <a16:creationId xmlns:a16="http://schemas.microsoft.com/office/drawing/2014/main" id="{8F52DAC7-B914-414B-B27C-A1E92F9013EE}"/>
+              </a:ext>
+            </a:extLst>
+          </p:cNvPr>
+          <p:cNvPicPr>
+            <a:picLocks noChangeAspect="1"/>
+          </p:cNvPicPr>
+          <p:nvPr/>
+        </p:nvPicPr>
+        <p:blipFill>
+          <a:blip r:embed="rId2"/>
+          <a:stretch>
+            <a:fillRect/>
+          </a:stretch>
+        </p:blipFill>
+        <p:spPr>
+          <a:xfrm>
+            <a:off x="2101850" y="1089027"/>
+            <a:ext cx="7988300" cy="5041900"/>
+          </a:xfrm>
+          <a:prstGeom prst="rect">
+            <a:avLst/>
+          </a:prstGeom>
+        </p:spPr>
+      </p:pic>
+    </p:spTree>
+    <p:extLst>
+      <p:ext uri="{BB962C8B-B14F-4D97-AF65-F5344CB8AC3E}">
+        <p14:creationId xmlns:p14="http://schemas.microsoft.com/office/powerpoint/2010/main" val="3455357161"/>
+      </p:ext>
+    </p:extLst>
+  </p:cSld>
+  <p:clrMapOvr>
+    <a:masterClrMapping/>
+  </p:clrMapOvr>
+</p:sld>
+</file>
+
+<file path=ppt/slides/slide61.xml><?xml version="1.0" encoding="utf-8"?>
+<p:sld xmlns:a="http://schemas.openxmlformats.org/drawingml/2006/main" xmlns:r="http://schemas.openxmlformats.org/officeDocument/2006/relationships" xmlns:p="http://schemas.openxmlformats.org/presentationml/2006/main">
+  <p:cSld>
+    <p:spTree>
+      <p:nvGrpSpPr>
+        <p:cNvPr id="1" name=""/>
+        <p:cNvGrpSpPr/>
+        <p:nvPr/>
+      </p:nvGrpSpPr>
+      <p:grpSpPr>
+        <a:xfrm>
+          <a:off x="0" y="0"/>
+          <a:ext cx="0" cy="0"/>
+          <a:chOff x="0" y="0"/>
+          <a:chExt cx="0" cy="0"/>
+        </a:xfrm>
+      </p:grpSpPr>
+      <p:sp>
+        <p:nvSpPr>
+          <p:cNvPr id="2" name="Título 1">
+            <a:extLst>
+              <a:ext uri="{FF2B5EF4-FFF2-40B4-BE49-F238E27FC236}">
+                <a16:creationId xmlns:a16="http://schemas.microsoft.com/office/drawing/2014/main" id="{20336DC4-E1C0-734B-AF28-53B99A29DF2F}"/>
+              </a:ext>
+            </a:extLst>
+          </p:cNvPr>
+          <p:cNvSpPr>
+            <a:spLocks noGrp="1"/>
+          </p:cNvSpPr>
+          <p:nvPr>
+            <p:ph type="title"/>
+          </p:nvPr>
+        </p:nvSpPr>
+        <p:spPr/>
+        <p:txBody>
+          <a:bodyPr/>
+          <a:lstStyle/>
+          <a:p>
+            <a:r>
+              <a:rPr lang="pt-BR" dirty="0"/>
+              <a:t>Gerando o </a:t>
+            </a:r>
+            <a:r>
+              <a:rPr lang="pt-BR" dirty="0" err="1"/>
+              <a:t>parser</a:t>
+            </a:r>
+            <a:endParaRPr lang="pt-BR" dirty="0"/>
+          </a:p>
+        </p:txBody>
+      </p:sp>
+      <p:sp>
+        <p:nvSpPr>
+          <p:cNvPr id="3" name="Espaço Reservado para Conteúdo 2">
+            <a:extLst>
+              <a:ext uri="{FF2B5EF4-FFF2-40B4-BE49-F238E27FC236}">
+                <a16:creationId xmlns:a16="http://schemas.microsoft.com/office/drawing/2014/main" id="{5B93DE2D-976E-854E-B349-F23D28ADC035}"/>
+              </a:ext>
+            </a:extLst>
+          </p:cNvPr>
+          <p:cNvSpPr>
+            <a:spLocks noGrp="1"/>
+          </p:cNvSpPr>
+          <p:nvPr>
+            <p:ph idx="1"/>
+          </p:nvPr>
+        </p:nvSpPr>
+        <p:spPr/>
+        <p:txBody>
+          <a:bodyPr>
+            <a:normAutofit lnSpcReduction="10000"/>
+          </a:bodyPr>
+          <a:lstStyle/>
+          <a:p>
+            <a:r>
+              <a:rPr lang="pt-BR" dirty="0"/>
+              <a:t>Até aqui, utilizávamos o </a:t>
+            </a:r>
+            <a:r>
+              <a:rPr lang="pt-BR" dirty="0" err="1"/>
+              <a:t>flex</a:t>
+            </a:r>
+            <a:r>
+              <a:rPr lang="pt-BR" dirty="0"/>
+              <a:t> para gerar nosso analisador léxico.</a:t>
+            </a:r>
+          </a:p>
+          <a:p>
+            <a:r>
+              <a:rPr lang="pt-BR" dirty="0"/>
+              <a:t>Precisamos nessa etapa construir também o nosso </a:t>
+            </a:r>
+            <a:r>
+              <a:rPr lang="pt-BR" dirty="0" err="1"/>
+              <a:t>parser</a:t>
+            </a:r>
+            <a:r>
+              <a:rPr lang="pt-BR" dirty="0"/>
+              <a:t>.</a:t>
+            </a:r>
+          </a:p>
+          <a:p>
+            <a:endParaRPr lang="pt-BR" dirty="0"/>
+          </a:p>
+          <a:p>
+            <a:r>
+              <a:rPr lang="pt-BR" dirty="0"/>
+              <a:t>Para isso devemos utilizar o comando </a:t>
+            </a:r>
+            <a:r>
+              <a:rPr lang="pt-BR" b="1" dirty="0" err="1"/>
+              <a:t>bison</a:t>
+            </a:r>
+            <a:r>
+              <a:rPr lang="pt-BR" b="1" dirty="0"/>
+              <a:t>, </a:t>
+            </a:r>
+            <a:r>
+              <a:rPr lang="pt-BR" dirty="0"/>
+              <a:t>a sequência de comandos necessárias para a geração do </a:t>
+            </a:r>
+            <a:r>
+              <a:rPr lang="pt-BR" dirty="0" err="1"/>
+              <a:t>parser</a:t>
+            </a:r>
+            <a:r>
+              <a:rPr lang="pt-BR" dirty="0"/>
+              <a:t> são:</a:t>
+            </a:r>
+          </a:p>
+          <a:p>
+            <a:endParaRPr lang="pt-BR" dirty="0"/>
+          </a:p>
+          <a:p>
+            <a:pPr marL="0" indent="0">
+              <a:buNone/>
+            </a:pPr>
+            <a:r>
+              <a:rPr lang="pt-BR" dirty="0"/>
+              <a:t>$ </a:t>
+            </a:r>
+            <a:r>
+              <a:rPr lang="pt-BR" dirty="0" err="1"/>
+              <a:t>bison</a:t>
+            </a:r>
+            <a:r>
+              <a:rPr lang="pt-BR" dirty="0"/>
+              <a:t> -</a:t>
+            </a:r>
+            <a:r>
+              <a:rPr lang="pt-BR" dirty="0" err="1"/>
+              <a:t>d</a:t>
+            </a:r>
+            <a:r>
+              <a:rPr lang="pt-BR" dirty="0"/>
+              <a:t> </a:t>
+            </a:r>
+            <a:r>
+              <a:rPr lang="pt-BR" dirty="0" err="1"/>
+              <a:t>parser.y</a:t>
+            </a:r>
+            <a:endParaRPr lang="pt-BR" dirty="0"/>
+          </a:p>
+          <a:p>
+            <a:pPr marL="0" indent="0">
+              <a:buNone/>
+            </a:pPr>
+            <a:r>
+              <a:rPr lang="pt-BR" dirty="0"/>
+              <a:t>$ </a:t>
+            </a:r>
+            <a:r>
+              <a:rPr lang="pt-BR" dirty="0" err="1"/>
+              <a:t>flex</a:t>
+            </a:r>
+            <a:r>
+              <a:rPr lang="pt-BR" dirty="0"/>
+              <a:t> </a:t>
+            </a:r>
+            <a:r>
+              <a:rPr lang="pt-BR" dirty="0" err="1"/>
+              <a:t>analisador.l</a:t>
+            </a:r>
+            <a:endParaRPr lang="pt-BR" dirty="0"/>
+          </a:p>
+          <a:p>
+            <a:pPr marL="0" indent="0">
+              <a:buNone/>
+            </a:pPr>
+            <a:r>
+              <a:rPr lang="pt-BR" dirty="0"/>
+              <a:t>$ </a:t>
+            </a:r>
+            <a:r>
+              <a:rPr lang="pt-BR" dirty="0" err="1"/>
+              <a:t>gcc</a:t>
+            </a:r>
+            <a:r>
+              <a:rPr lang="pt-BR" dirty="0"/>
+              <a:t> -o </a:t>
+            </a:r>
+            <a:r>
+              <a:rPr lang="pt-BR" dirty="0" err="1"/>
+              <a:t>parser.x</a:t>
+            </a:r>
+            <a:r>
+              <a:rPr lang="pt-BR" dirty="0"/>
+              <a:t> </a:t>
+            </a:r>
+            <a:r>
+              <a:rPr lang="pt-BR" dirty="0" err="1"/>
+              <a:t>parser.tab.c</a:t>
+            </a:r>
+            <a:r>
+              <a:rPr lang="pt-BR" dirty="0"/>
+              <a:t> </a:t>
+            </a:r>
+            <a:r>
+              <a:rPr lang="pt-BR" dirty="0" err="1"/>
+              <a:t>lex.yy.c</a:t>
+            </a:r>
+            <a:r>
+              <a:rPr lang="pt-BR" dirty="0"/>
+              <a:t> –</a:t>
+            </a:r>
+            <a:r>
+              <a:rPr lang="pt-BR" dirty="0" err="1"/>
+              <a:t>lfl</a:t>
+            </a:r>
+            <a:r>
+              <a:rPr lang="pt-BR" dirty="0"/>
+              <a:t> (ou –</a:t>
+            </a:r>
+            <a:r>
+              <a:rPr lang="pt-BR" dirty="0" err="1"/>
+              <a:t>ll</a:t>
+            </a:r>
+            <a:r>
+              <a:rPr lang="pt-BR" dirty="0"/>
+              <a:t> no </a:t>
+            </a:r>
+            <a:r>
+              <a:rPr lang="pt-BR" dirty="0" err="1"/>
+              <a:t>mac</a:t>
+            </a:r>
+            <a:r>
+              <a:rPr lang="pt-BR" dirty="0"/>
+              <a:t>)</a:t>
+            </a:r>
+          </a:p>
+        </p:txBody>
+      </p:sp>
+      <p:sp>
+        <p:nvSpPr>
+          <p:cNvPr id="4" name="Espaço Reservado para Data 3">
+            <a:extLst>
+              <a:ext uri="{FF2B5EF4-FFF2-40B4-BE49-F238E27FC236}">
+                <a16:creationId xmlns:a16="http://schemas.microsoft.com/office/drawing/2014/main" id="{05F9FB70-1DB0-E941-BD93-0105E01A8687}"/>
+              </a:ext>
+            </a:extLst>
+          </p:cNvPr>
+          <p:cNvSpPr>
+            <a:spLocks noGrp="1"/>
+          </p:cNvSpPr>
+          <p:nvPr>
+            <p:ph type="dt" sz="half" idx="10"/>
+          </p:nvPr>
+        </p:nvSpPr>
+        <p:spPr/>
+        <p:txBody>
+          <a:bodyPr/>
+          <a:lstStyle/>
+          <a:p>
+            <a:r>
+              <a:rPr lang="pt-BR"/>
+              <a:t>Compiladores</a:t>
+            </a:r>
+            <a:endParaRPr lang="pt-BR" dirty="0"/>
+          </a:p>
+        </p:txBody>
+      </p:sp>
+      <p:sp>
+        <p:nvSpPr>
+          <p:cNvPr id="5" name="Espaço Reservado para Rodapé 4">
+            <a:extLst>
+              <a:ext uri="{FF2B5EF4-FFF2-40B4-BE49-F238E27FC236}">
+                <a16:creationId xmlns:a16="http://schemas.microsoft.com/office/drawing/2014/main" id="{DF06896B-496D-944C-A014-7ED6F5970B7B}"/>
+              </a:ext>
+            </a:extLst>
+          </p:cNvPr>
+          <p:cNvSpPr>
+            <a:spLocks noGrp="1"/>
+          </p:cNvSpPr>
+          <p:nvPr>
+            <p:ph type="ftr" sz="quarter" idx="11"/>
+          </p:nvPr>
+        </p:nvSpPr>
+        <p:spPr/>
+        <p:txBody>
+          <a:bodyPr/>
+          <a:lstStyle/>
+          <a:p>
+            <a:r>
+              <a:rPr lang="pt-BR"/>
+              <a:t>Prof. Mathias Santos de Brito</a:t>
+            </a:r>
+            <a:endParaRPr lang="pt-BR" dirty="0"/>
+          </a:p>
+        </p:txBody>
+      </p:sp>
+      <p:sp>
+        <p:nvSpPr>
+          <p:cNvPr id="6" name="Espaço Reservado para Número de Slide 5">
+            <a:extLst>
+              <a:ext uri="{FF2B5EF4-FFF2-40B4-BE49-F238E27FC236}">
+                <a16:creationId xmlns:a16="http://schemas.microsoft.com/office/drawing/2014/main" id="{EE0105B2-3581-4143-9BD9-34691622FBBE}"/>
+              </a:ext>
+            </a:extLst>
+          </p:cNvPr>
+          <p:cNvSpPr>
+            <a:spLocks noGrp="1"/>
+          </p:cNvSpPr>
+          <p:nvPr>
+            <p:ph type="sldNum" sz="quarter" idx="12"/>
+          </p:nvPr>
+        </p:nvSpPr>
+        <p:spPr/>
+        <p:txBody>
+          <a:bodyPr/>
+          <a:lstStyle/>
+          <a:p>
+            <a:fld id="{BB6592E8-4CB6-CA48-8DDA-14B9D6C8BDBF}" type="slidenum">
+              <a:rPr lang="pt-BR" smtClean="0"/>
+              <a:t>61</a:t>
+            </a:fld>
+            <a:endParaRPr lang="pt-BR"/>
+          </a:p>
+        </p:txBody>
+      </p:sp>
+    </p:spTree>
+    <p:extLst>
+      <p:ext uri="{BB962C8B-B14F-4D97-AF65-F5344CB8AC3E}">
+        <p14:creationId xmlns:p14="http://schemas.microsoft.com/office/powerpoint/2010/main" val="2259566059"/>
+      </p:ext>
+    </p:extLst>
+  </p:cSld>
+  <p:clrMapOvr>
+    <a:masterClrMapping/>
+  </p:clrMapOvr>
+</p:sld>
+</file>
+
+<file path=ppt/slides/slide62.xml><?xml version="1.0" encoding="utf-8"?>
+<p:sld xmlns:a="http://schemas.openxmlformats.org/drawingml/2006/main" xmlns:r="http://schemas.openxmlformats.org/officeDocument/2006/relationships" xmlns:p="http://schemas.openxmlformats.org/presentationml/2006/main">
+  <p:cSld>
+    <p:spTree>
+      <p:nvGrpSpPr>
+        <p:cNvPr id="1" name=""/>
+        <p:cNvGrpSpPr/>
+        <p:nvPr/>
+      </p:nvGrpSpPr>
+      <p:grpSpPr>
+        <a:xfrm>
+          <a:off x="0" y="0"/>
+          <a:ext cx="0" cy="0"/>
+          <a:chOff x="0" y="0"/>
+          <a:chExt cx="0" cy="0"/>
+        </a:xfrm>
+      </p:grpSpPr>
+      <p:sp>
+        <p:nvSpPr>
+          <p:cNvPr id="2" name="Título 1">
+            <a:extLst>
+              <a:ext uri="{FF2B5EF4-FFF2-40B4-BE49-F238E27FC236}">
+                <a16:creationId xmlns:a16="http://schemas.microsoft.com/office/drawing/2014/main" id="{41EF8E60-8B9D-CF4D-A76C-39CF6CCB6EE6}"/>
+              </a:ext>
+            </a:extLst>
+          </p:cNvPr>
+          <p:cNvSpPr>
+            <a:spLocks noGrp="1"/>
+          </p:cNvSpPr>
+          <p:nvPr>
+            <p:ph type="title"/>
+          </p:nvPr>
+        </p:nvSpPr>
+        <p:spPr/>
+        <p:txBody>
+          <a:bodyPr/>
+          <a:lstStyle/>
+          <a:p>
+            <a:r>
+              <a:rPr lang="pt-BR" dirty="0"/>
+              <a:t>Criando um </a:t>
+            </a:r>
+            <a:r>
+              <a:rPr lang="pt-BR" dirty="0" err="1"/>
+              <a:t>Makefile</a:t>
+            </a:r>
+            <a:endParaRPr lang="pt-BR" dirty="0"/>
+          </a:p>
+        </p:txBody>
+      </p:sp>
+      <p:sp>
+        <p:nvSpPr>
+          <p:cNvPr id="3" name="Espaço Reservado para Conteúdo 2">
+            <a:extLst>
+              <a:ext uri="{FF2B5EF4-FFF2-40B4-BE49-F238E27FC236}">
+                <a16:creationId xmlns:a16="http://schemas.microsoft.com/office/drawing/2014/main" id="{B4ADADD9-2CA7-2F4A-AA3F-632585DA9BEB}"/>
+              </a:ext>
+            </a:extLst>
+          </p:cNvPr>
+          <p:cNvSpPr>
+            <a:spLocks noGrp="1"/>
+          </p:cNvSpPr>
+          <p:nvPr>
+            <p:ph idx="1"/>
+          </p:nvPr>
+        </p:nvSpPr>
+        <p:spPr/>
+        <p:txBody>
+          <a:bodyPr/>
+          <a:lstStyle/>
+          <a:p>
+            <a:r>
+              <a:rPr lang="pt-BR" dirty="0"/>
+              <a:t>Para facilitar o processo de geração do </a:t>
+            </a:r>
+            <a:r>
+              <a:rPr lang="pt-BR" dirty="0" err="1"/>
+              <a:t>parser</a:t>
+            </a:r>
+            <a:r>
+              <a:rPr lang="pt-BR" dirty="0"/>
+              <a:t> podemos criar um arquivo </a:t>
+            </a:r>
+            <a:r>
+              <a:rPr lang="pt-BR" dirty="0" err="1"/>
+              <a:t>Makefile</a:t>
+            </a:r>
+            <a:r>
+              <a:rPr lang="pt-BR" dirty="0"/>
+              <a:t>, assim basta digitarmos </a:t>
+            </a:r>
+            <a:r>
+              <a:rPr lang="pt-BR" dirty="0" err="1"/>
+              <a:t>make</a:t>
+            </a:r>
+            <a:r>
+              <a:rPr lang="pt-BR" dirty="0"/>
+              <a:t>, para que todos os comandos necessários sejam executados. Abaixo um exemplo de </a:t>
+            </a:r>
+            <a:r>
+              <a:rPr lang="pt-BR" dirty="0" err="1"/>
+              <a:t>Makefile</a:t>
+            </a:r>
+            <a:r>
+              <a:rPr lang="pt-BR" dirty="0"/>
+              <a:t>.</a:t>
+            </a:r>
+          </a:p>
+          <a:p>
+            <a:endParaRPr lang="pt-BR" dirty="0"/>
+          </a:p>
+          <a:p>
+            <a:pPr marL="0" indent="0">
+              <a:buNone/>
+            </a:pPr>
+            <a:endParaRPr lang="pt-BR" dirty="0"/>
+          </a:p>
+        </p:txBody>
+      </p:sp>
+      <p:sp>
+        <p:nvSpPr>
+          <p:cNvPr id="4" name="Espaço Reservado para Data 3">
+            <a:extLst>
+              <a:ext uri="{FF2B5EF4-FFF2-40B4-BE49-F238E27FC236}">
+                <a16:creationId xmlns:a16="http://schemas.microsoft.com/office/drawing/2014/main" id="{8E2FD2D3-5511-5349-8130-A4F6D807B0E7}"/>
+              </a:ext>
+            </a:extLst>
+          </p:cNvPr>
+          <p:cNvSpPr>
+            <a:spLocks noGrp="1"/>
+          </p:cNvSpPr>
+          <p:nvPr>
+            <p:ph type="dt" sz="half" idx="10"/>
+          </p:nvPr>
+        </p:nvSpPr>
+        <p:spPr/>
+        <p:txBody>
+          <a:bodyPr/>
+          <a:lstStyle/>
+          <a:p>
+            <a:r>
+              <a:rPr lang="pt-BR"/>
+              <a:t>Compiladores</a:t>
+            </a:r>
+            <a:endParaRPr lang="pt-BR" dirty="0"/>
+          </a:p>
+        </p:txBody>
+      </p:sp>
+      <p:sp>
+        <p:nvSpPr>
+          <p:cNvPr id="5" name="Espaço Reservado para Rodapé 4">
+            <a:extLst>
+              <a:ext uri="{FF2B5EF4-FFF2-40B4-BE49-F238E27FC236}">
+                <a16:creationId xmlns:a16="http://schemas.microsoft.com/office/drawing/2014/main" id="{9115235E-31D9-8444-A366-91FFBC9B7699}"/>
+              </a:ext>
+            </a:extLst>
+          </p:cNvPr>
+          <p:cNvSpPr>
+            <a:spLocks noGrp="1"/>
+          </p:cNvSpPr>
+          <p:nvPr>
+            <p:ph type="ftr" sz="quarter" idx="11"/>
+          </p:nvPr>
+        </p:nvSpPr>
+        <p:spPr/>
+        <p:txBody>
+          <a:bodyPr/>
+          <a:lstStyle/>
+          <a:p>
+            <a:r>
+              <a:rPr lang="pt-BR"/>
+              <a:t>Prof. Mathias Santos de Brito</a:t>
+            </a:r>
+            <a:endParaRPr lang="pt-BR" dirty="0"/>
+          </a:p>
+        </p:txBody>
+      </p:sp>
+      <p:sp>
+        <p:nvSpPr>
+          <p:cNvPr id="6" name="Espaço Reservado para Número de Slide 5">
+            <a:extLst>
+              <a:ext uri="{FF2B5EF4-FFF2-40B4-BE49-F238E27FC236}">
+                <a16:creationId xmlns:a16="http://schemas.microsoft.com/office/drawing/2014/main" id="{1D2C4639-1CAE-F84A-9FF9-5522E79AA153}"/>
+              </a:ext>
+            </a:extLst>
+          </p:cNvPr>
+          <p:cNvSpPr>
+            <a:spLocks noGrp="1"/>
+          </p:cNvSpPr>
+          <p:nvPr>
+            <p:ph type="sldNum" sz="quarter" idx="12"/>
+          </p:nvPr>
+        </p:nvSpPr>
+        <p:spPr/>
+        <p:txBody>
+          <a:bodyPr/>
+          <a:lstStyle/>
+          <a:p>
+            <a:fld id="{BB6592E8-4CB6-CA48-8DDA-14B9D6C8BDBF}" type="slidenum">
+              <a:rPr lang="pt-BR" smtClean="0"/>
+              <a:t>62</a:t>
+            </a:fld>
+            <a:endParaRPr lang="pt-BR"/>
+          </a:p>
+        </p:txBody>
+      </p:sp>
+      <p:pic>
+        <p:nvPicPr>
+          <p:cNvPr id="8" name="Imagem 7" descr="Uma imagem contendo texto&#10;&#10;Descrição gerada automaticamente">
+            <a:extLst>
+              <a:ext uri="{FF2B5EF4-FFF2-40B4-BE49-F238E27FC236}">
+                <a16:creationId xmlns:a16="http://schemas.microsoft.com/office/drawing/2014/main" id="{FF65A094-8199-AE46-9183-FDA3F6CFAF27}"/>
+              </a:ext>
+            </a:extLst>
+          </p:cNvPr>
+          <p:cNvPicPr>
+            <a:picLocks noChangeAspect="1"/>
+          </p:cNvPicPr>
+          <p:nvPr/>
+        </p:nvPicPr>
+        <p:blipFill>
+          <a:blip r:embed="rId2"/>
+          <a:stretch>
+            <a:fillRect/>
+          </a:stretch>
+        </p:blipFill>
+        <p:spPr>
+          <a:xfrm>
+            <a:off x="1020305" y="3852190"/>
+            <a:ext cx="9546954" cy="1742698"/>
+          </a:xfrm>
+          <a:prstGeom prst="rect">
+            <a:avLst/>
+          </a:prstGeom>
+        </p:spPr>
+      </p:pic>
+    </p:spTree>
+    <p:extLst>
+      <p:ext uri="{BB962C8B-B14F-4D97-AF65-F5344CB8AC3E}">
+        <p14:creationId xmlns:p14="http://schemas.microsoft.com/office/powerpoint/2010/main" val="3076295610"/>
+      </p:ext>
+    </p:extLst>
+  </p:cSld>
+  <p:clrMapOvr>
+    <a:masterClrMapping/>
+  </p:clrMapOvr>
+</p:sld>
+</file>
+
+<file path=ppt/slides/slide63.xml><?xml version="1.0" encoding="utf-8"?>
+<p:sld xmlns:a="http://schemas.openxmlformats.org/drawingml/2006/main" xmlns:r="http://schemas.openxmlformats.org/officeDocument/2006/relationships" xmlns:p="http://schemas.openxmlformats.org/presentationml/2006/main">
+  <p:cSld>
+    <p:spTree>
+      <p:nvGrpSpPr>
+        <p:cNvPr id="1" name=""/>
+        <p:cNvGrpSpPr/>
+        <p:nvPr/>
+      </p:nvGrpSpPr>
+      <p:grpSpPr>
+        <a:xfrm>
+          <a:off x="0" y="0"/>
+          <a:ext cx="0" cy="0"/>
+          <a:chOff x="0" y="0"/>
+          <a:chExt cx="0" cy="0"/>
+        </a:xfrm>
+      </p:grpSpPr>
+      <p:sp>
+        <p:nvSpPr>
+          <p:cNvPr id="2" name="Título 1">
+            <a:extLst>
+              <a:ext uri="{FF2B5EF4-FFF2-40B4-BE49-F238E27FC236}">
+                <a16:creationId xmlns:a16="http://schemas.microsoft.com/office/drawing/2014/main" id="{6AE8AFA2-FB6D-3745-93C2-07494D235992}"/>
+              </a:ext>
+            </a:extLst>
+          </p:cNvPr>
+          <p:cNvSpPr>
+            <a:spLocks noGrp="1"/>
+          </p:cNvSpPr>
+          <p:nvPr>
+            <p:ph type="title"/>
+          </p:nvPr>
+        </p:nvSpPr>
+        <p:spPr/>
+        <p:txBody>
+          <a:bodyPr/>
+          <a:lstStyle/>
+          <a:p>
+            <a:r>
+              <a:rPr lang="pt-BR" dirty="0"/>
+              <a:t>Vamos à prática...</a:t>
+            </a:r>
+          </a:p>
+        </p:txBody>
+      </p:sp>
+      <p:sp>
+        <p:nvSpPr>
+          <p:cNvPr id="3" name="Espaço Reservado para Conteúdo 2">
+            <a:extLst>
+              <a:ext uri="{FF2B5EF4-FFF2-40B4-BE49-F238E27FC236}">
+                <a16:creationId xmlns:a16="http://schemas.microsoft.com/office/drawing/2014/main" id="{CEDD6870-EEB2-C545-A69B-EBF1AD41946A}"/>
+              </a:ext>
+            </a:extLst>
+          </p:cNvPr>
+          <p:cNvSpPr>
+            <a:spLocks noGrp="1"/>
+          </p:cNvSpPr>
+          <p:nvPr>
+            <p:ph idx="1"/>
+          </p:nvPr>
+        </p:nvSpPr>
+        <p:spPr/>
+        <p:txBody>
+          <a:bodyPr/>
+          <a:lstStyle/>
+          <a:p>
+            <a:r>
+              <a:rPr lang="pt-BR" dirty="0"/>
+              <a:t>Liguem os computadores no Linux</a:t>
+            </a:r>
+          </a:p>
+          <a:p>
+            <a:r>
+              <a:rPr lang="pt-BR" dirty="0"/>
+              <a:t>Verifiquem se o comando </a:t>
+            </a:r>
+            <a:r>
+              <a:rPr lang="pt-BR" b="1" dirty="0" err="1"/>
+              <a:t>bison</a:t>
+            </a:r>
+            <a:r>
+              <a:rPr lang="pt-BR" dirty="0"/>
+              <a:t> está instalado corretamente</a:t>
+            </a:r>
+          </a:p>
+          <a:p>
+            <a:r>
+              <a:rPr lang="pt-BR" dirty="0"/>
+              <a:t>Clonem ou atualizem o nosso repositório, você irá encontrar lá um novo diretório chamado </a:t>
+            </a:r>
+            <a:r>
+              <a:rPr lang="pt-BR" b="1" dirty="0" err="1"/>
+              <a:t>bison</a:t>
+            </a:r>
+            <a:endParaRPr lang="pt-BR" b="1" dirty="0"/>
+          </a:p>
+          <a:p>
+            <a:r>
+              <a:rPr lang="pt-BR" dirty="0"/>
+              <a:t>Entre no diretório </a:t>
+            </a:r>
+            <a:r>
+              <a:rPr lang="pt-BR" dirty="0" err="1"/>
+              <a:t>parser_de_expressão</a:t>
+            </a:r>
+            <a:endParaRPr lang="pt-BR" dirty="0"/>
+          </a:p>
+          <a:p>
+            <a:pPr lvl="1">
+              <a:buFont typeface="Wingdings" pitchFamily="2" charset="2"/>
+              <a:buChar char="§"/>
+            </a:pPr>
+            <a:r>
+              <a:rPr lang="pt-BR" dirty="0"/>
+              <a:t>Note que você já tem um arquivo </a:t>
+            </a:r>
+            <a:r>
+              <a:rPr lang="pt-BR" dirty="0" err="1"/>
+              <a:t>Makefile</a:t>
+            </a:r>
+            <a:r>
+              <a:rPr lang="pt-BR" dirty="0"/>
+              <a:t> para facilitar o processo de compilação</a:t>
+            </a:r>
+          </a:p>
+          <a:p>
+            <a:pPr lvl="1">
+              <a:buFont typeface="Wingdings" pitchFamily="2" charset="2"/>
+              <a:buChar char="§"/>
+            </a:pPr>
+            <a:endParaRPr lang="pt-BR" dirty="0"/>
+          </a:p>
+          <a:p>
+            <a:r>
+              <a:rPr lang="pt-BR" dirty="0"/>
+              <a:t>Vamos à prática... Olho na tela...</a:t>
+            </a:r>
+          </a:p>
+        </p:txBody>
+      </p:sp>
+      <p:sp>
+        <p:nvSpPr>
+          <p:cNvPr id="4" name="Espaço Reservado para Data 3">
+            <a:extLst>
+              <a:ext uri="{FF2B5EF4-FFF2-40B4-BE49-F238E27FC236}">
+                <a16:creationId xmlns:a16="http://schemas.microsoft.com/office/drawing/2014/main" id="{A7E3252D-BADD-4A45-B095-AEE0B4C5C901}"/>
+              </a:ext>
+            </a:extLst>
+          </p:cNvPr>
+          <p:cNvSpPr>
+            <a:spLocks noGrp="1"/>
+          </p:cNvSpPr>
+          <p:nvPr>
+            <p:ph type="dt" sz="half" idx="10"/>
+          </p:nvPr>
+        </p:nvSpPr>
+        <p:spPr/>
+        <p:txBody>
+          <a:bodyPr/>
+          <a:lstStyle/>
+          <a:p>
+            <a:r>
+              <a:rPr lang="pt-BR" dirty="0"/>
+              <a:t>Compiladores</a:t>
+            </a:r>
+          </a:p>
+        </p:txBody>
+      </p:sp>
+      <p:sp>
+        <p:nvSpPr>
+          <p:cNvPr id="5" name="Espaço Reservado para Rodapé 4">
+            <a:extLst>
+              <a:ext uri="{FF2B5EF4-FFF2-40B4-BE49-F238E27FC236}">
+                <a16:creationId xmlns:a16="http://schemas.microsoft.com/office/drawing/2014/main" id="{DF6D0694-3425-D14D-BF81-83F4CFC473D4}"/>
+              </a:ext>
+            </a:extLst>
+          </p:cNvPr>
+          <p:cNvSpPr>
+            <a:spLocks noGrp="1"/>
+          </p:cNvSpPr>
+          <p:nvPr>
+            <p:ph type="ftr" sz="quarter" idx="11"/>
+          </p:nvPr>
+        </p:nvSpPr>
+        <p:spPr/>
+        <p:txBody>
+          <a:bodyPr/>
+          <a:lstStyle/>
+          <a:p>
+            <a:r>
+              <a:rPr lang="pt-BR"/>
+              <a:t>Prof. Mathias Santos de Brito</a:t>
+            </a:r>
+            <a:endParaRPr lang="pt-BR" dirty="0"/>
+          </a:p>
+        </p:txBody>
+      </p:sp>
+      <p:sp>
+        <p:nvSpPr>
+          <p:cNvPr id="6" name="Espaço Reservado para Número de Slide 5">
+            <a:extLst>
+              <a:ext uri="{FF2B5EF4-FFF2-40B4-BE49-F238E27FC236}">
+                <a16:creationId xmlns:a16="http://schemas.microsoft.com/office/drawing/2014/main" id="{A92A543A-C65E-6D49-8BB3-360A25F476FD}"/>
+              </a:ext>
+            </a:extLst>
+          </p:cNvPr>
+          <p:cNvSpPr>
+            <a:spLocks noGrp="1"/>
+          </p:cNvSpPr>
+          <p:nvPr>
+            <p:ph type="sldNum" sz="quarter" idx="12"/>
+          </p:nvPr>
+        </p:nvSpPr>
+        <p:spPr/>
+        <p:txBody>
+          <a:bodyPr/>
+          <a:lstStyle/>
+          <a:p>
+            <a:fld id="{BB6592E8-4CB6-CA48-8DDA-14B9D6C8BDBF}" type="slidenum">
+              <a:rPr lang="pt-BR" smtClean="0"/>
+              <a:t>63</a:t>
+            </a:fld>
+            <a:endParaRPr lang="pt-BR"/>
+          </a:p>
+        </p:txBody>
+      </p:sp>
+    </p:spTree>
+    <p:extLst>
+      <p:ext uri="{BB962C8B-B14F-4D97-AF65-F5344CB8AC3E}">
+        <p14:creationId xmlns:p14="http://schemas.microsoft.com/office/powerpoint/2010/main" val="3046833167"/>
       </p:ext>
     </p:extLst>
   </p:cSld>
